--- a/Figures/figure.pptx
+++ b/Figures/figure.pptx
@@ -2,19 +2,25 @@
 <file path=ppt/presentation.xml><?xml version="1.0" encoding="utf-8"?>
 <p:presentation xmlns:a="http://schemas.openxmlformats.org/drawingml/2006/main" xmlns:r="http://schemas.openxmlformats.org/officeDocument/2006/relationships" xmlns:p="http://schemas.openxmlformats.org/presentationml/2006/main" saveSubsetFonts="1">
   <p:sldMasterIdLst>
-    <p:sldMasterId id="2147483648" r:id="rId1"/>
+    <p:sldMasterId id="2147483720" r:id="rId1"/>
   </p:sldMasterIdLst>
   <p:sldIdLst>
-    <p:sldId id="256" r:id="rId2"/>
+    <p:sldId id="259" r:id="rId2"/>
+    <p:sldId id="258" r:id="rId3"/>
+    <p:sldId id="262" r:id="rId4"/>
+    <p:sldId id="263" r:id="rId5"/>
+    <p:sldId id="264" r:id="rId6"/>
+    <p:sldId id="265" r:id="rId7"/>
+    <p:sldId id="266" r:id="rId8"/>
   </p:sldIdLst>
-  <p:sldSz cx="12192000" cy="6858000"/>
+  <p:sldSz cx="18897600" cy="14173200"/>
   <p:notesSz cx="6858000" cy="9144000"/>
   <p:defaultTextStyle>
     <a:defPPr>
       <a:defRPr lang="en-US"/>
     </a:defPPr>
-    <a:lvl1pPr marL="0" algn="l" defTabSz="914400" rtl="0" eaLnBrk="1" latinLnBrk="0" hangingPunct="1">
-      <a:defRPr sz="1800" kern="1200">
+    <a:lvl1pPr marL="0" algn="l" defTabSz="2361812" rtl="0" eaLnBrk="1" latinLnBrk="0" hangingPunct="1">
+      <a:defRPr sz="4648" kern="1200">
         <a:solidFill>
           <a:schemeClr val="tx1"/>
         </a:solidFill>
@@ -23,8 +29,8 @@
         <a:cs typeface="+mn-cs"/>
       </a:defRPr>
     </a:lvl1pPr>
-    <a:lvl2pPr marL="457200" algn="l" defTabSz="914400" rtl="0" eaLnBrk="1" latinLnBrk="0" hangingPunct="1">
-      <a:defRPr sz="1800" kern="1200">
+    <a:lvl2pPr marL="1180908" algn="l" defTabSz="2361812" rtl="0" eaLnBrk="1" latinLnBrk="0" hangingPunct="1">
+      <a:defRPr sz="4648" kern="1200">
         <a:solidFill>
           <a:schemeClr val="tx1"/>
         </a:solidFill>
@@ -33,8 +39,8 @@
         <a:cs typeface="+mn-cs"/>
       </a:defRPr>
     </a:lvl2pPr>
-    <a:lvl3pPr marL="914400" algn="l" defTabSz="914400" rtl="0" eaLnBrk="1" latinLnBrk="0" hangingPunct="1">
-      <a:defRPr sz="1800" kern="1200">
+    <a:lvl3pPr marL="2361812" algn="l" defTabSz="2361812" rtl="0" eaLnBrk="1" latinLnBrk="0" hangingPunct="1">
+      <a:defRPr sz="4648" kern="1200">
         <a:solidFill>
           <a:schemeClr val="tx1"/>
         </a:solidFill>
@@ -43,8 +49,8 @@
         <a:cs typeface="+mn-cs"/>
       </a:defRPr>
     </a:lvl3pPr>
-    <a:lvl4pPr marL="1371600" algn="l" defTabSz="914400" rtl="0" eaLnBrk="1" latinLnBrk="0" hangingPunct="1">
-      <a:defRPr sz="1800" kern="1200">
+    <a:lvl4pPr marL="3542720" algn="l" defTabSz="2361812" rtl="0" eaLnBrk="1" latinLnBrk="0" hangingPunct="1">
+      <a:defRPr sz="4648" kern="1200">
         <a:solidFill>
           <a:schemeClr val="tx1"/>
         </a:solidFill>
@@ -53,8 +59,8 @@
         <a:cs typeface="+mn-cs"/>
       </a:defRPr>
     </a:lvl4pPr>
-    <a:lvl5pPr marL="1828800" algn="l" defTabSz="914400" rtl="0" eaLnBrk="1" latinLnBrk="0" hangingPunct="1">
-      <a:defRPr sz="1800" kern="1200">
+    <a:lvl5pPr marL="4723627" algn="l" defTabSz="2361812" rtl="0" eaLnBrk="1" latinLnBrk="0" hangingPunct="1">
+      <a:defRPr sz="4648" kern="1200">
         <a:solidFill>
           <a:schemeClr val="tx1"/>
         </a:solidFill>
@@ -63,8 +69,8 @@
         <a:cs typeface="+mn-cs"/>
       </a:defRPr>
     </a:lvl5pPr>
-    <a:lvl6pPr marL="2286000" algn="l" defTabSz="914400" rtl="0" eaLnBrk="1" latinLnBrk="0" hangingPunct="1">
-      <a:defRPr sz="1800" kern="1200">
+    <a:lvl6pPr marL="5904532" algn="l" defTabSz="2361812" rtl="0" eaLnBrk="1" latinLnBrk="0" hangingPunct="1">
+      <a:defRPr sz="4648" kern="1200">
         <a:solidFill>
           <a:schemeClr val="tx1"/>
         </a:solidFill>
@@ -73,8 +79,8 @@
         <a:cs typeface="+mn-cs"/>
       </a:defRPr>
     </a:lvl6pPr>
-    <a:lvl7pPr marL="2743200" algn="l" defTabSz="914400" rtl="0" eaLnBrk="1" latinLnBrk="0" hangingPunct="1">
-      <a:defRPr sz="1800" kern="1200">
+    <a:lvl7pPr marL="7085440" algn="l" defTabSz="2361812" rtl="0" eaLnBrk="1" latinLnBrk="0" hangingPunct="1">
+      <a:defRPr sz="4648" kern="1200">
         <a:solidFill>
           <a:schemeClr val="tx1"/>
         </a:solidFill>
@@ -83,8 +89,8 @@
         <a:cs typeface="+mn-cs"/>
       </a:defRPr>
     </a:lvl7pPr>
-    <a:lvl8pPr marL="3200400" algn="l" defTabSz="914400" rtl="0" eaLnBrk="1" latinLnBrk="0" hangingPunct="1">
-      <a:defRPr sz="1800" kern="1200">
+    <a:lvl8pPr marL="8266347" algn="l" defTabSz="2361812" rtl="0" eaLnBrk="1" latinLnBrk="0" hangingPunct="1">
+      <a:defRPr sz="4648" kern="1200">
         <a:solidFill>
           <a:schemeClr val="tx1"/>
         </a:solidFill>
@@ -93,8 +99,8 @@
         <a:cs typeface="+mn-cs"/>
       </a:defRPr>
     </a:lvl8pPr>
-    <a:lvl9pPr marL="3657600" algn="l" defTabSz="914400" rtl="0" eaLnBrk="1" latinLnBrk="0" hangingPunct="1">
-      <a:defRPr sz="1800" kern="1200">
+    <a:lvl9pPr marL="9447252" algn="l" defTabSz="2361812" rtl="0" eaLnBrk="1" latinLnBrk="0" hangingPunct="1">
+      <a:defRPr sz="4648" kern="1200">
         <a:solidFill>
           <a:schemeClr val="tx1"/>
         </a:solidFill>
@@ -104,6 +110,11 @@
       </a:defRPr>
     </a:lvl9pPr>
   </p:defaultTextStyle>
+  <p:extLst>
+    <p:ext uri="{EFAFB233-063F-42B5-8137-9DF3F51BA10A}">
+      <p15:sldGuideLst xmlns:p15="http://schemas.microsoft.com/office/powerpoint/2012/main"/>
+    </p:ext>
+  </p:extLst>
 </p:presentation>
 </file>
 
@@ -136,15 +147,15 @@
         </p:nvSpPr>
         <p:spPr>
           <a:xfrm>
-            <a:off x="1524000" y="1122363"/>
-            <a:ext cx="9144000" cy="2387600"/>
+            <a:off x="1417320" y="2319550"/>
+            <a:ext cx="16062960" cy="4934373"/>
           </a:xfrm>
         </p:spPr>
         <p:txBody>
           <a:bodyPr anchor="b"/>
           <a:lstStyle>
             <a:lvl1pPr algn="ctr">
-              <a:defRPr sz="6000"/>
+              <a:defRPr sz="12400"/>
             </a:lvl1pPr>
           </a:lstStyle>
           <a:p>
@@ -152,7 +163,7 @@
               <a:rPr lang="en-US" smtClean="0"/>
               <a:t>Click to edit Master title style</a:t>
             </a:r>
-            <a:endParaRPr lang="en-US"/>
+            <a:endParaRPr lang="en-US" dirty="0"/>
           </a:p>
         </p:txBody>
       </p:sp>
@@ -168,8 +179,8 @@
         </p:nvSpPr>
         <p:spPr>
           <a:xfrm>
-            <a:off x="1524000" y="3602038"/>
-            <a:ext cx="9144000" cy="1655762"/>
+            <a:off x="2362200" y="7444212"/>
+            <a:ext cx="14173200" cy="3421908"/>
           </a:xfrm>
         </p:spPr>
         <p:txBody>
@@ -177,39 +188,39 @@
           <a:lstStyle>
             <a:lvl1pPr marL="0" indent="0" algn="ctr">
               <a:buNone/>
-              <a:defRPr sz="2400"/>
+              <a:defRPr sz="4960"/>
             </a:lvl1pPr>
-            <a:lvl2pPr marL="457200" indent="0" algn="ctr">
+            <a:lvl2pPr marL="944895" indent="0" algn="ctr">
               <a:buNone/>
-              <a:defRPr sz="2000"/>
+              <a:defRPr sz="4133"/>
             </a:lvl2pPr>
-            <a:lvl3pPr marL="914400" indent="0" algn="ctr">
+            <a:lvl3pPr marL="1889790" indent="0" algn="ctr">
               <a:buNone/>
-              <a:defRPr sz="1800"/>
+              <a:defRPr sz="3720"/>
             </a:lvl3pPr>
-            <a:lvl4pPr marL="1371600" indent="0" algn="ctr">
+            <a:lvl4pPr marL="2834686" indent="0" algn="ctr">
               <a:buNone/>
-              <a:defRPr sz="1600"/>
+              <a:defRPr sz="3307"/>
             </a:lvl4pPr>
-            <a:lvl5pPr marL="1828800" indent="0" algn="ctr">
+            <a:lvl5pPr marL="3779581" indent="0" algn="ctr">
               <a:buNone/>
-              <a:defRPr sz="1600"/>
+              <a:defRPr sz="3307"/>
             </a:lvl5pPr>
-            <a:lvl6pPr marL="2286000" indent="0" algn="ctr">
+            <a:lvl6pPr marL="4724476" indent="0" algn="ctr">
               <a:buNone/>
-              <a:defRPr sz="1600"/>
+              <a:defRPr sz="3307"/>
             </a:lvl6pPr>
-            <a:lvl7pPr marL="2743200" indent="0" algn="ctr">
+            <a:lvl7pPr marL="5669371" indent="0" algn="ctr">
               <a:buNone/>
-              <a:defRPr sz="1600"/>
+              <a:defRPr sz="3307"/>
             </a:lvl7pPr>
-            <a:lvl8pPr marL="3200400" indent="0" algn="ctr">
+            <a:lvl8pPr marL="6614267" indent="0" algn="ctr">
               <a:buNone/>
-              <a:defRPr sz="1600"/>
+              <a:defRPr sz="3307"/>
             </a:lvl8pPr>
-            <a:lvl9pPr marL="3657600" indent="0" algn="ctr">
+            <a:lvl9pPr marL="7559162" indent="0" algn="ctr">
               <a:buNone/>
-              <a:defRPr sz="1600"/>
+              <a:defRPr sz="3307"/>
             </a:lvl9pPr>
           </a:lstStyle>
           <a:p>
@@ -217,7 +228,7 @@
               <a:rPr lang="en-US" smtClean="0"/>
               <a:t>Click to edit Master subtitle style</a:t>
             </a:r>
-            <a:endParaRPr lang="en-US"/>
+            <a:endParaRPr lang="en-US" dirty="0"/>
           </a:p>
         </p:txBody>
       </p:sp>
@@ -289,7 +300,7 @@
     </p:spTree>
     <p:extLst>
       <p:ext uri="{BB962C8B-B14F-4D97-AF65-F5344CB8AC3E}">
-        <p14:creationId xmlns:p14="http://schemas.microsoft.com/office/powerpoint/2010/main" val="1266160246"/>
+        <p14:creationId xmlns:p14="http://schemas.microsoft.com/office/powerpoint/2010/main" val="2058008813"/>
       </p:ext>
     </p:extLst>
   </p:cSld>
@@ -335,7 +346,7 @@
               <a:rPr lang="en-US" smtClean="0"/>
               <a:t>Click to edit Master title style</a:t>
             </a:r>
-            <a:endParaRPr lang="en-US"/>
+            <a:endParaRPr lang="en-US" dirty="0"/>
           </a:p>
         </p:txBody>
       </p:sp>
@@ -387,7 +398,7 @@
               <a:rPr lang="en-US" smtClean="0"/>
               <a:t>Fifth level</a:t>
             </a:r>
-            <a:endParaRPr lang="en-US"/>
+            <a:endParaRPr lang="en-US" dirty="0"/>
           </a:p>
         </p:txBody>
       </p:sp>
@@ -459,7 +470,7 @@
     </p:spTree>
     <p:extLst>
       <p:ext uri="{BB962C8B-B14F-4D97-AF65-F5344CB8AC3E}">
-        <p14:creationId xmlns:p14="http://schemas.microsoft.com/office/powerpoint/2010/main" val="47494436"/>
+        <p14:creationId xmlns:p14="http://schemas.microsoft.com/office/powerpoint/2010/main" val="3101138466"/>
       </p:ext>
     </p:extLst>
   </p:cSld>
@@ -498,8 +509,8 @@
         </p:nvSpPr>
         <p:spPr>
           <a:xfrm>
-            <a:off x="8724900" y="365125"/>
-            <a:ext cx="2628900" cy="5811838"/>
+            <a:off x="13523596" y="754592"/>
+            <a:ext cx="4074795" cy="12011132"/>
           </a:xfrm>
         </p:spPr>
         <p:txBody>
@@ -510,7 +521,7 @@
               <a:rPr lang="en-US" smtClean="0"/>
               <a:t>Click to edit Master title style</a:t>
             </a:r>
-            <a:endParaRPr lang="en-US"/>
+            <a:endParaRPr lang="en-US" dirty="0"/>
           </a:p>
         </p:txBody>
       </p:sp>
@@ -526,8 +537,8 @@
         </p:nvSpPr>
         <p:spPr>
           <a:xfrm>
-            <a:off x="838200" y="365125"/>
-            <a:ext cx="7734300" cy="5811838"/>
+            <a:off x="1299211" y="754592"/>
+            <a:ext cx="11988165" cy="12011132"/>
           </a:xfrm>
         </p:spPr>
         <p:txBody>
@@ -567,7 +578,7 @@
               <a:rPr lang="en-US" smtClean="0"/>
               <a:t>Fifth level</a:t>
             </a:r>
-            <a:endParaRPr lang="en-US"/>
+            <a:endParaRPr lang="en-US" dirty="0"/>
           </a:p>
         </p:txBody>
       </p:sp>
@@ -639,7 +650,7 @@
     </p:spTree>
     <p:extLst>
       <p:ext uri="{BB962C8B-B14F-4D97-AF65-F5344CB8AC3E}">
-        <p14:creationId xmlns:p14="http://schemas.microsoft.com/office/powerpoint/2010/main" val="1669023968"/>
+        <p14:creationId xmlns:p14="http://schemas.microsoft.com/office/powerpoint/2010/main" val="1055587669"/>
       </p:ext>
     </p:extLst>
   </p:cSld>
@@ -685,7 +696,7 @@
               <a:rPr lang="en-US" smtClean="0"/>
               <a:t>Click to edit Master title style</a:t>
             </a:r>
-            <a:endParaRPr lang="en-US"/>
+            <a:endParaRPr lang="en-US" dirty="0"/>
           </a:p>
         </p:txBody>
       </p:sp>
@@ -737,7 +748,7 @@
               <a:rPr lang="en-US" smtClean="0"/>
               <a:t>Fifth level</a:t>
             </a:r>
-            <a:endParaRPr lang="en-US"/>
+            <a:endParaRPr lang="en-US" dirty="0"/>
           </a:p>
         </p:txBody>
       </p:sp>
@@ -809,7 +820,7 @@
     </p:spTree>
     <p:extLst>
       <p:ext uri="{BB962C8B-B14F-4D97-AF65-F5344CB8AC3E}">
-        <p14:creationId xmlns:p14="http://schemas.microsoft.com/office/powerpoint/2010/main" val="2896962488"/>
+        <p14:creationId xmlns:p14="http://schemas.microsoft.com/office/powerpoint/2010/main" val="3099961709"/>
       </p:ext>
     </p:extLst>
   </p:cSld>
@@ -848,15 +859,15 @@
         </p:nvSpPr>
         <p:spPr>
           <a:xfrm>
-            <a:off x="831850" y="1709738"/>
-            <a:ext cx="10515600" cy="2852737"/>
+            <a:off x="1289369" y="3533462"/>
+            <a:ext cx="16299180" cy="5895656"/>
           </a:xfrm>
         </p:spPr>
         <p:txBody>
           <a:bodyPr anchor="b"/>
           <a:lstStyle>
             <a:lvl1pPr>
-              <a:defRPr sz="6000"/>
+              <a:defRPr sz="12400"/>
             </a:lvl1pPr>
           </a:lstStyle>
           <a:p>
@@ -864,7 +875,7 @@
               <a:rPr lang="en-US" smtClean="0"/>
               <a:t>Click to edit Master title style</a:t>
             </a:r>
-            <a:endParaRPr lang="en-US"/>
+            <a:endParaRPr lang="en-US" dirty="0"/>
           </a:p>
         </p:txBody>
       </p:sp>
@@ -880,8 +891,8 @@
         </p:nvSpPr>
         <p:spPr>
           <a:xfrm>
-            <a:off x="831850" y="4589463"/>
-            <a:ext cx="10515600" cy="1500187"/>
+            <a:off x="1289369" y="9484894"/>
+            <a:ext cx="16299180" cy="3100386"/>
           </a:xfrm>
         </p:spPr>
         <p:txBody>
@@ -889,17 +900,15 @@
           <a:lstStyle>
             <a:lvl1pPr marL="0" indent="0">
               <a:buNone/>
-              <a:defRPr sz="2400">
+              <a:defRPr sz="4960">
                 <a:solidFill>
-                  <a:schemeClr val="tx1">
-                    <a:tint val="75000"/>
-                  </a:schemeClr>
+                  <a:schemeClr val="tx1"/>
                 </a:solidFill>
               </a:defRPr>
             </a:lvl1pPr>
-            <a:lvl2pPr marL="457200" indent="0">
+            <a:lvl2pPr marL="944895" indent="0">
               <a:buNone/>
-              <a:defRPr sz="2000">
+              <a:defRPr sz="4133">
                 <a:solidFill>
                   <a:schemeClr val="tx1">
                     <a:tint val="75000"/>
@@ -907,9 +916,9 @@
                 </a:solidFill>
               </a:defRPr>
             </a:lvl2pPr>
-            <a:lvl3pPr marL="914400" indent="0">
+            <a:lvl3pPr marL="1889790" indent="0">
               <a:buNone/>
-              <a:defRPr sz="1800">
+              <a:defRPr sz="3720">
                 <a:solidFill>
                   <a:schemeClr val="tx1">
                     <a:tint val="75000"/>
@@ -917,9 +926,9 @@
                 </a:solidFill>
               </a:defRPr>
             </a:lvl3pPr>
-            <a:lvl4pPr marL="1371600" indent="0">
+            <a:lvl4pPr marL="2834686" indent="0">
               <a:buNone/>
-              <a:defRPr sz="1600">
+              <a:defRPr sz="3307">
                 <a:solidFill>
                   <a:schemeClr val="tx1">
                     <a:tint val="75000"/>
@@ -927,9 +936,9 @@
                 </a:solidFill>
               </a:defRPr>
             </a:lvl4pPr>
-            <a:lvl5pPr marL="1828800" indent="0">
+            <a:lvl5pPr marL="3779581" indent="0">
               <a:buNone/>
-              <a:defRPr sz="1600">
+              <a:defRPr sz="3307">
                 <a:solidFill>
                   <a:schemeClr val="tx1">
                     <a:tint val="75000"/>
@@ -937,9 +946,9 @@
                 </a:solidFill>
               </a:defRPr>
             </a:lvl5pPr>
-            <a:lvl6pPr marL="2286000" indent="0">
+            <a:lvl6pPr marL="4724476" indent="0">
               <a:buNone/>
-              <a:defRPr sz="1600">
+              <a:defRPr sz="3307">
                 <a:solidFill>
                   <a:schemeClr val="tx1">
                     <a:tint val="75000"/>
@@ -947,9 +956,9 @@
                 </a:solidFill>
               </a:defRPr>
             </a:lvl6pPr>
-            <a:lvl7pPr marL="2743200" indent="0">
+            <a:lvl7pPr marL="5669371" indent="0">
               <a:buNone/>
-              <a:defRPr sz="1600">
+              <a:defRPr sz="3307">
                 <a:solidFill>
                   <a:schemeClr val="tx1">
                     <a:tint val="75000"/>
@@ -957,9 +966,9 @@
                 </a:solidFill>
               </a:defRPr>
             </a:lvl7pPr>
-            <a:lvl8pPr marL="3200400" indent="0">
+            <a:lvl8pPr marL="6614267" indent="0">
               <a:buNone/>
-              <a:defRPr sz="1600">
+              <a:defRPr sz="3307">
                 <a:solidFill>
                   <a:schemeClr val="tx1">
                     <a:tint val="75000"/>
@@ -967,9 +976,9 @@
                 </a:solidFill>
               </a:defRPr>
             </a:lvl8pPr>
-            <a:lvl9pPr marL="3657600" indent="0">
+            <a:lvl9pPr marL="7559162" indent="0">
               <a:buNone/>
-              <a:defRPr sz="1600">
+              <a:defRPr sz="3307">
                 <a:solidFill>
                   <a:schemeClr val="tx1">
                     <a:tint val="75000"/>
@@ -1055,7 +1064,7 @@
     </p:spTree>
     <p:extLst>
       <p:ext uri="{BB962C8B-B14F-4D97-AF65-F5344CB8AC3E}">
-        <p14:creationId xmlns:p14="http://schemas.microsoft.com/office/powerpoint/2010/main" val="1411215705"/>
+        <p14:creationId xmlns:p14="http://schemas.microsoft.com/office/powerpoint/2010/main" val="194716524"/>
       </p:ext>
     </p:extLst>
   </p:cSld>
@@ -1101,7 +1110,7 @@
               <a:rPr lang="en-US" smtClean="0"/>
               <a:t>Click to edit Master title style</a:t>
             </a:r>
-            <a:endParaRPr lang="en-US"/>
+            <a:endParaRPr lang="en-US" dirty="0"/>
           </a:p>
         </p:txBody>
       </p:sp>
@@ -1117,8 +1126,8 @@
         </p:nvSpPr>
         <p:spPr>
           <a:xfrm>
-            <a:off x="838200" y="1825625"/>
-            <a:ext cx="5181600" cy="4351338"/>
+            <a:off x="1299210" y="3772958"/>
+            <a:ext cx="8031480" cy="8992765"/>
           </a:xfrm>
         </p:spPr>
         <p:txBody>
@@ -1158,7 +1167,7 @@
               <a:rPr lang="en-US" smtClean="0"/>
               <a:t>Fifth level</a:t>
             </a:r>
-            <a:endParaRPr lang="en-US"/>
+            <a:endParaRPr lang="en-US" dirty="0"/>
           </a:p>
         </p:txBody>
       </p:sp>
@@ -1174,8 +1183,8 @@
         </p:nvSpPr>
         <p:spPr>
           <a:xfrm>
-            <a:off x="6172200" y="1825625"/>
-            <a:ext cx="5181600" cy="4351338"/>
+            <a:off x="9566910" y="3772958"/>
+            <a:ext cx="8031480" cy="8992765"/>
           </a:xfrm>
         </p:spPr>
         <p:txBody>
@@ -1215,7 +1224,7 @@
               <a:rPr lang="en-US" smtClean="0"/>
               <a:t>Fifth level</a:t>
             </a:r>
-            <a:endParaRPr lang="en-US"/>
+            <a:endParaRPr lang="en-US" dirty="0"/>
           </a:p>
         </p:txBody>
       </p:sp>
@@ -1287,7 +1296,7 @@
     </p:spTree>
     <p:extLst>
       <p:ext uri="{BB962C8B-B14F-4D97-AF65-F5344CB8AC3E}">
-        <p14:creationId xmlns:p14="http://schemas.microsoft.com/office/powerpoint/2010/main" val="1105314899"/>
+        <p14:creationId xmlns:p14="http://schemas.microsoft.com/office/powerpoint/2010/main" val="576581462"/>
       </p:ext>
     </p:extLst>
   </p:cSld>
@@ -1326,8 +1335,8 @@
         </p:nvSpPr>
         <p:spPr>
           <a:xfrm>
-            <a:off x="839788" y="365125"/>
-            <a:ext cx="10515600" cy="1325563"/>
+            <a:off x="1301671" y="754595"/>
+            <a:ext cx="16299180" cy="2739497"/>
           </a:xfrm>
         </p:spPr>
         <p:txBody>
@@ -1338,7 +1347,7 @@
               <a:rPr lang="en-US" smtClean="0"/>
               <a:t>Click to edit Master title style</a:t>
             </a:r>
-            <a:endParaRPr lang="en-US"/>
+            <a:endParaRPr lang="en-US" dirty="0"/>
           </a:p>
         </p:txBody>
       </p:sp>
@@ -1354,8 +1363,8 @@
         </p:nvSpPr>
         <p:spPr>
           <a:xfrm>
-            <a:off x="839788" y="1681163"/>
-            <a:ext cx="5157787" cy="823912"/>
+            <a:off x="1301674" y="3474404"/>
+            <a:ext cx="7994569" cy="1702751"/>
           </a:xfrm>
         </p:spPr>
         <p:txBody>
@@ -1363,39 +1372,39 @@
           <a:lstStyle>
             <a:lvl1pPr marL="0" indent="0">
               <a:buNone/>
-              <a:defRPr sz="2400" b="1"/>
+              <a:defRPr sz="4960" b="1"/>
             </a:lvl1pPr>
-            <a:lvl2pPr marL="457200" indent="0">
+            <a:lvl2pPr marL="944895" indent="0">
               <a:buNone/>
-              <a:defRPr sz="2000" b="1"/>
+              <a:defRPr sz="4133" b="1"/>
             </a:lvl2pPr>
-            <a:lvl3pPr marL="914400" indent="0">
+            <a:lvl3pPr marL="1889790" indent="0">
               <a:buNone/>
-              <a:defRPr sz="1800" b="1"/>
+              <a:defRPr sz="3720" b="1"/>
             </a:lvl3pPr>
-            <a:lvl4pPr marL="1371600" indent="0">
+            <a:lvl4pPr marL="2834686" indent="0">
               <a:buNone/>
-              <a:defRPr sz="1600" b="1"/>
+              <a:defRPr sz="3307" b="1"/>
             </a:lvl4pPr>
-            <a:lvl5pPr marL="1828800" indent="0">
+            <a:lvl5pPr marL="3779581" indent="0">
               <a:buNone/>
-              <a:defRPr sz="1600" b="1"/>
+              <a:defRPr sz="3307" b="1"/>
             </a:lvl5pPr>
-            <a:lvl6pPr marL="2286000" indent="0">
+            <a:lvl6pPr marL="4724476" indent="0">
               <a:buNone/>
-              <a:defRPr sz="1600" b="1"/>
+              <a:defRPr sz="3307" b="1"/>
             </a:lvl6pPr>
-            <a:lvl7pPr marL="2743200" indent="0">
+            <a:lvl7pPr marL="5669371" indent="0">
               <a:buNone/>
-              <a:defRPr sz="1600" b="1"/>
+              <a:defRPr sz="3307" b="1"/>
             </a:lvl7pPr>
-            <a:lvl8pPr marL="3200400" indent="0">
+            <a:lvl8pPr marL="6614267" indent="0">
               <a:buNone/>
-              <a:defRPr sz="1600" b="1"/>
+              <a:defRPr sz="3307" b="1"/>
             </a:lvl8pPr>
-            <a:lvl9pPr marL="3657600" indent="0">
+            <a:lvl9pPr marL="7559162" indent="0">
               <a:buNone/>
-              <a:defRPr sz="1600" b="1"/>
+              <a:defRPr sz="3307" b="1"/>
             </a:lvl9pPr>
           </a:lstStyle>
           <a:p>
@@ -1419,8 +1428,8 @@
         </p:nvSpPr>
         <p:spPr>
           <a:xfrm>
-            <a:off x="839788" y="2505075"/>
-            <a:ext cx="5157787" cy="3684588"/>
+            <a:off x="1301674" y="5177155"/>
+            <a:ext cx="7994569" cy="7614815"/>
           </a:xfrm>
         </p:spPr>
         <p:txBody>
@@ -1460,7 +1469,7 @@
               <a:rPr lang="en-US" smtClean="0"/>
               <a:t>Fifth level</a:t>
             </a:r>
-            <a:endParaRPr lang="en-US"/>
+            <a:endParaRPr lang="en-US" dirty="0"/>
           </a:p>
         </p:txBody>
       </p:sp>
@@ -1476,8 +1485,8 @@
         </p:nvSpPr>
         <p:spPr>
           <a:xfrm>
-            <a:off x="6172200" y="1681163"/>
-            <a:ext cx="5183188" cy="823912"/>
+            <a:off x="9566911" y="3474404"/>
+            <a:ext cx="8033941" cy="1702751"/>
           </a:xfrm>
         </p:spPr>
         <p:txBody>
@@ -1485,39 +1494,39 @@
           <a:lstStyle>
             <a:lvl1pPr marL="0" indent="0">
               <a:buNone/>
-              <a:defRPr sz="2400" b="1"/>
+              <a:defRPr sz="4960" b="1"/>
             </a:lvl1pPr>
-            <a:lvl2pPr marL="457200" indent="0">
+            <a:lvl2pPr marL="944895" indent="0">
               <a:buNone/>
-              <a:defRPr sz="2000" b="1"/>
+              <a:defRPr sz="4133" b="1"/>
             </a:lvl2pPr>
-            <a:lvl3pPr marL="914400" indent="0">
+            <a:lvl3pPr marL="1889790" indent="0">
               <a:buNone/>
-              <a:defRPr sz="1800" b="1"/>
+              <a:defRPr sz="3720" b="1"/>
             </a:lvl3pPr>
-            <a:lvl4pPr marL="1371600" indent="0">
+            <a:lvl4pPr marL="2834686" indent="0">
               <a:buNone/>
-              <a:defRPr sz="1600" b="1"/>
+              <a:defRPr sz="3307" b="1"/>
             </a:lvl4pPr>
-            <a:lvl5pPr marL="1828800" indent="0">
+            <a:lvl5pPr marL="3779581" indent="0">
               <a:buNone/>
-              <a:defRPr sz="1600" b="1"/>
+              <a:defRPr sz="3307" b="1"/>
             </a:lvl5pPr>
-            <a:lvl6pPr marL="2286000" indent="0">
+            <a:lvl6pPr marL="4724476" indent="0">
               <a:buNone/>
-              <a:defRPr sz="1600" b="1"/>
+              <a:defRPr sz="3307" b="1"/>
             </a:lvl6pPr>
-            <a:lvl7pPr marL="2743200" indent="0">
+            <a:lvl7pPr marL="5669371" indent="0">
               <a:buNone/>
-              <a:defRPr sz="1600" b="1"/>
+              <a:defRPr sz="3307" b="1"/>
             </a:lvl7pPr>
-            <a:lvl8pPr marL="3200400" indent="0">
+            <a:lvl8pPr marL="6614267" indent="0">
               <a:buNone/>
-              <a:defRPr sz="1600" b="1"/>
+              <a:defRPr sz="3307" b="1"/>
             </a:lvl8pPr>
-            <a:lvl9pPr marL="3657600" indent="0">
+            <a:lvl9pPr marL="7559162" indent="0">
               <a:buNone/>
-              <a:defRPr sz="1600" b="1"/>
+              <a:defRPr sz="3307" b="1"/>
             </a:lvl9pPr>
           </a:lstStyle>
           <a:p>
@@ -1541,8 +1550,8 @@
         </p:nvSpPr>
         <p:spPr>
           <a:xfrm>
-            <a:off x="6172200" y="2505075"/>
-            <a:ext cx="5183188" cy="3684588"/>
+            <a:off x="9566911" y="5177155"/>
+            <a:ext cx="8033941" cy="7614815"/>
           </a:xfrm>
         </p:spPr>
         <p:txBody>
@@ -1582,7 +1591,7 @@
               <a:rPr lang="en-US" smtClean="0"/>
               <a:t>Fifth level</a:t>
             </a:r>
-            <a:endParaRPr lang="en-US"/>
+            <a:endParaRPr lang="en-US" dirty="0"/>
           </a:p>
         </p:txBody>
       </p:sp>
@@ -1654,7 +1663,7 @@
     </p:spTree>
     <p:extLst>
       <p:ext uri="{BB962C8B-B14F-4D97-AF65-F5344CB8AC3E}">
-        <p14:creationId xmlns:p14="http://schemas.microsoft.com/office/powerpoint/2010/main" val="3358589287"/>
+        <p14:creationId xmlns:p14="http://schemas.microsoft.com/office/powerpoint/2010/main" val="2573530038"/>
       </p:ext>
     </p:extLst>
   </p:cSld>
@@ -1700,7 +1709,7 @@
               <a:rPr lang="en-US" smtClean="0"/>
               <a:t>Click to edit Master title style</a:t>
             </a:r>
-            <a:endParaRPr lang="en-US"/>
+            <a:endParaRPr lang="en-US" dirty="0"/>
           </a:p>
         </p:txBody>
       </p:sp>
@@ -1772,7 +1781,7 @@
     </p:spTree>
     <p:extLst>
       <p:ext uri="{BB962C8B-B14F-4D97-AF65-F5344CB8AC3E}">
-        <p14:creationId xmlns:p14="http://schemas.microsoft.com/office/powerpoint/2010/main" val="1775171660"/>
+        <p14:creationId xmlns:p14="http://schemas.microsoft.com/office/powerpoint/2010/main" val="1579800808"/>
       </p:ext>
     </p:extLst>
   </p:cSld>
@@ -1867,7 +1876,7 @@
     </p:spTree>
     <p:extLst>
       <p:ext uri="{BB962C8B-B14F-4D97-AF65-F5344CB8AC3E}">
-        <p14:creationId xmlns:p14="http://schemas.microsoft.com/office/powerpoint/2010/main" val="164051622"/>
+        <p14:creationId xmlns:p14="http://schemas.microsoft.com/office/powerpoint/2010/main" val="4169083001"/>
       </p:ext>
     </p:extLst>
   </p:cSld>
@@ -1906,15 +1915,15 @@
         </p:nvSpPr>
         <p:spPr>
           <a:xfrm>
-            <a:off x="839788" y="457200"/>
-            <a:ext cx="3932237" cy="1600200"/>
+            <a:off x="1301671" y="944880"/>
+            <a:ext cx="6094968" cy="3307080"/>
           </a:xfrm>
         </p:spPr>
         <p:txBody>
           <a:bodyPr anchor="b"/>
           <a:lstStyle>
             <a:lvl1pPr>
-              <a:defRPr sz="3200"/>
+              <a:defRPr sz="6613"/>
             </a:lvl1pPr>
           </a:lstStyle>
           <a:p>
@@ -1922,7 +1931,7 @@
               <a:rPr lang="en-US" smtClean="0"/>
               <a:t>Click to edit Master title style</a:t>
             </a:r>
-            <a:endParaRPr lang="en-US"/>
+            <a:endParaRPr lang="en-US" dirty="0"/>
           </a:p>
         </p:txBody>
       </p:sp>
@@ -1938,39 +1947,39 @@
         </p:nvSpPr>
         <p:spPr>
           <a:xfrm>
-            <a:off x="5183188" y="987425"/>
-            <a:ext cx="6172200" cy="4873625"/>
+            <a:off x="8033941" y="2040682"/>
+            <a:ext cx="9566910" cy="10072158"/>
           </a:xfrm>
         </p:spPr>
         <p:txBody>
           <a:bodyPr/>
           <a:lstStyle>
             <a:lvl1pPr>
-              <a:defRPr sz="3200"/>
+              <a:defRPr sz="6613"/>
             </a:lvl1pPr>
             <a:lvl2pPr>
-              <a:defRPr sz="2800"/>
+              <a:defRPr sz="5787"/>
             </a:lvl2pPr>
             <a:lvl3pPr>
-              <a:defRPr sz="2400"/>
+              <a:defRPr sz="4960"/>
             </a:lvl3pPr>
             <a:lvl4pPr>
-              <a:defRPr sz="2000"/>
+              <a:defRPr sz="4133"/>
             </a:lvl4pPr>
             <a:lvl5pPr>
-              <a:defRPr sz="2000"/>
+              <a:defRPr sz="4133"/>
             </a:lvl5pPr>
             <a:lvl6pPr>
-              <a:defRPr sz="2000"/>
+              <a:defRPr sz="4133"/>
             </a:lvl6pPr>
             <a:lvl7pPr>
-              <a:defRPr sz="2000"/>
+              <a:defRPr sz="4133"/>
             </a:lvl7pPr>
             <a:lvl8pPr>
-              <a:defRPr sz="2000"/>
+              <a:defRPr sz="4133"/>
             </a:lvl8pPr>
             <a:lvl9pPr>
-              <a:defRPr sz="2000"/>
+              <a:defRPr sz="4133"/>
             </a:lvl9pPr>
           </a:lstStyle>
           <a:p>
@@ -2007,7 +2016,7 @@
               <a:rPr lang="en-US" smtClean="0"/>
               <a:t>Fifth level</a:t>
             </a:r>
-            <a:endParaRPr lang="en-US"/>
+            <a:endParaRPr lang="en-US" dirty="0"/>
           </a:p>
         </p:txBody>
       </p:sp>
@@ -2023,8 +2032,8 @@
         </p:nvSpPr>
         <p:spPr>
           <a:xfrm>
-            <a:off x="839788" y="2057400"/>
-            <a:ext cx="3932237" cy="3811588"/>
+            <a:off x="1301671" y="4251960"/>
+            <a:ext cx="6094968" cy="7877282"/>
           </a:xfrm>
         </p:spPr>
         <p:txBody>
@@ -2032,39 +2041,39 @@
           <a:lstStyle>
             <a:lvl1pPr marL="0" indent="0">
               <a:buNone/>
-              <a:defRPr sz="1600"/>
+              <a:defRPr sz="3307"/>
             </a:lvl1pPr>
-            <a:lvl2pPr marL="457200" indent="0">
+            <a:lvl2pPr marL="944895" indent="0">
               <a:buNone/>
-              <a:defRPr sz="1400"/>
+              <a:defRPr sz="2893"/>
             </a:lvl2pPr>
-            <a:lvl3pPr marL="914400" indent="0">
+            <a:lvl3pPr marL="1889790" indent="0">
               <a:buNone/>
-              <a:defRPr sz="1200"/>
+              <a:defRPr sz="2480"/>
             </a:lvl3pPr>
-            <a:lvl4pPr marL="1371600" indent="0">
+            <a:lvl4pPr marL="2834686" indent="0">
               <a:buNone/>
-              <a:defRPr sz="1000"/>
+              <a:defRPr sz="2067"/>
             </a:lvl4pPr>
-            <a:lvl5pPr marL="1828800" indent="0">
+            <a:lvl5pPr marL="3779581" indent="0">
               <a:buNone/>
-              <a:defRPr sz="1000"/>
+              <a:defRPr sz="2067"/>
             </a:lvl5pPr>
-            <a:lvl6pPr marL="2286000" indent="0">
+            <a:lvl6pPr marL="4724476" indent="0">
               <a:buNone/>
-              <a:defRPr sz="1000"/>
+              <a:defRPr sz="2067"/>
             </a:lvl6pPr>
-            <a:lvl7pPr marL="2743200" indent="0">
+            <a:lvl7pPr marL="5669371" indent="0">
               <a:buNone/>
-              <a:defRPr sz="1000"/>
+              <a:defRPr sz="2067"/>
             </a:lvl7pPr>
-            <a:lvl8pPr marL="3200400" indent="0">
+            <a:lvl8pPr marL="6614267" indent="0">
               <a:buNone/>
-              <a:defRPr sz="1000"/>
+              <a:defRPr sz="2067"/>
             </a:lvl8pPr>
-            <a:lvl9pPr marL="3657600" indent="0">
+            <a:lvl9pPr marL="7559162" indent="0">
               <a:buNone/>
-              <a:defRPr sz="1000"/>
+              <a:defRPr sz="2067"/>
             </a:lvl9pPr>
           </a:lstStyle>
           <a:p>
@@ -2144,7 +2153,7 @@
     </p:spTree>
     <p:extLst>
       <p:ext uri="{BB962C8B-B14F-4D97-AF65-F5344CB8AC3E}">
-        <p14:creationId xmlns:p14="http://schemas.microsoft.com/office/powerpoint/2010/main" val="2097577226"/>
+        <p14:creationId xmlns:p14="http://schemas.microsoft.com/office/powerpoint/2010/main" val="230094496"/>
       </p:ext>
     </p:extLst>
   </p:cSld>
@@ -2183,15 +2192,15 @@
         </p:nvSpPr>
         <p:spPr>
           <a:xfrm>
-            <a:off x="839788" y="457200"/>
-            <a:ext cx="3932237" cy="1600200"/>
+            <a:off x="1301671" y="944880"/>
+            <a:ext cx="6094968" cy="3307080"/>
           </a:xfrm>
         </p:spPr>
         <p:txBody>
           <a:bodyPr anchor="b"/>
           <a:lstStyle>
             <a:lvl1pPr>
-              <a:defRPr sz="3200"/>
+              <a:defRPr sz="6613"/>
             </a:lvl1pPr>
           </a:lstStyle>
           <a:p>
@@ -2199,7 +2208,7 @@
               <a:rPr lang="en-US" smtClean="0"/>
               <a:t>Click to edit Master title style</a:t>
             </a:r>
-            <a:endParaRPr lang="en-US"/>
+            <a:endParaRPr lang="en-US" dirty="0"/>
           </a:p>
         </p:txBody>
       </p:sp>
@@ -2207,7 +2216,7 @@
         <p:nvSpPr>
           <p:cNvPr id="3" name="Picture Placeholder 2"/>
           <p:cNvSpPr>
-            <a:spLocks noGrp="1"/>
+            <a:spLocks noGrp="1" noChangeAspect="1"/>
           </p:cNvSpPr>
           <p:nvPr>
             <p:ph type="pic" idx="1"/>
@@ -2215,52 +2224,56 @@
         </p:nvSpPr>
         <p:spPr>
           <a:xfrm>
-            <a:off x="5183188" y="987425"/>
-            <a:ext cx="6172200" cy="4873625"/>
+            <a:off x="8033941" y="2040682"/>
+            <a:ext cx="9566910" cy="10072158"/>
           </a:xfrm>
         </p:spPr>
         <p:txBody>
-          <a:bodyPr/>
+          <a:bodyPr anchor="t"/>
           <a:lstStyle>
             <a:lvl1pPr marL="0" indent="0">
               <a:buNone/>
-              <a:defRPr sz="3200"/>
+              <a:defRPr sz="6613"/>
             </a:lvl1pPr>
-            <a:lvl2pPr marL="457200" indent="0">
+            <a:lvl2pPr marL="944895" indent="0">
               <a:buNone/>
-              <a:defRPr sz="2800"/>
+              <a:defRPr sz="5787"/>
             </a:lvl2pPr>
-            <a:lvl3pPr marL="914400" indent="0">
+            <a:lvl3pPr marL="1889790" indent="0">
               <a:buNone/>
-              <a:defRPr sz="2400"/>
+              <a:defRPr sz="4960"/>
             </a:lvl3pPr>
-            <a:lvl4pPr marL="1371600" indent="0">
+            <a:lvl4pPr marL="2834686" indent="0">
               <a:buNone/>
-              <a:defRPr sz="2000"/>
+              <a:defRPr sz="4133"/>
             </a:lvl4pPr>
-            <a:lvl5pPr marL="1828800" indent="0">
+            <a:lvl5pPr marL="3779581" indent="0">
               <a:buNone/>
-              <a:defRPr sz="2000"/>
+              <a:defRPr sz="4133"/>
             </a:lvl5pPr>
-            <a:lvl6pPr marL="2286000" indent="0">
+            <a:lvl6pPr marL="4724476" indent="0">
               <a:buNone/>
-              <a:defRPr sz="2000"/>
+              <a:defRPr sz="4133"/>
             </a:lvl6pPr>
-            <a:lvl7pPr marL="2743200" indent="0">
+            <a:lvl7pPr marL="5669371" indent="0">
               <a:buNone/>
-              <a:defRPr sz="2000"/>
+              <a:defRPr sz="4133"/>
             </a:lvl7pPr>
-            <a:lvl8pPr marL="3200400" indent="0">
+            <a:lvl8pPr marL="6614267" indent="0">
               <a:buNone/>
-              <a:defRPr sz="2000"/>
+              <a:defRPr sz="4133"/>
             </a:lvl8pPr>
-            <a:lvl9pPr marL="3657600" indent="0">
+            <a:lvl9pPr marL="7559162" indent="0">
               <a:buNone/>
-              <a:defRPr sz="2000"/>
+              <a:defRPr sz="4133"/>
             </a:lvl9pPr>
           </a:lstStyle>
           <a:p>
-            <a:endParaRPr lang="en-US"/>
+            <a:r>
+              <a:rPr lang="en-US" smtClean="0"/>
+              <a:t>Click icon to add picture</a:t>
+            </a:r>
+            <a:endParaRPr lang="en-US" dirty="0"/>
           </a:p>
         </p:txBody>
       </p:sp>
@@ -2276,8 +2289,8 @@
         </p:nvSpPr>
         <p:spPr>
           <a:xfrm>
-            <a:off x="839788" y="2057400"/>
-            <a:ext cx="3932237" cy="3811588"/>
+            <a:off x="1301671" y="4251960"/>
+            <a:ext cx="6094968" cy="7877282"/>
           </a:xfrm>
         </p:spPr>
         <p:txBody>
@@ -2285,39 +2298,39 @@
           <a:lstStyle>
             <a:lvl1pPr marL="0" indent="0">
               <a:buNone/>
-              <a:defRPr sz="1600"/>
+              <a:defRPr sz="3307"/>
             </a:lvl1pPr>
-            <a:lvl2pPr marL="457200" indent="0">
+            <a:lvl2pPr marL="944895" indent="0">
               <a:buNone/>
-              <a:defRPr sz="1400"/>
+              <a:defRPr sz="2893"/>
             </a:lvl2pPr>
-            <a:lvl3pPr marL="914400" indent="0">
+            <a:lvl3pPr marL="1889790" indent="0">
               <a:buNone/>
-              <a:defRPr sz="1200"/>
+              <a:defRPr sz="2480"/>
             </a:lvl3pPr>
-            <a:lvl4pPr marL="1371600" indent="0">
+            <a:lvl4pPr marL="2834686" indent="0">
               <a:buNone/>
-              <a:defRPr sz="1000"/>
+              <a:defRPr sz="2067"/>
             </a:lvl4pPr>
-            <a:lvl5pPr marL="1828800" indent="0">
+            <a:lvl5pPr marL="3779581" indent="0">
               <a:buNone/>
-              <a:defRPr sz="1000"/>
+              <a:defRPr sz="2067"/>
             </a:lvl5pPr>
-            <a:lvl6pPr marL="2286000" indent="0">
+            <a:lvl6pPr marL="4724476" indent="0">
               <a:buNone/>
-              <a:defRPr sz="1000"/>
+              <a:defRPr sz="2067"/>
             </a:lvl6pPr>
-            <a:lvl7pPr marL="2743200" indent="0">
+            <a:lvl7pPr marL="5669371" indent="0">
               <a:buNone/>
-              <a:defRPr sz="1000"/>
+              <a:defRPr sz="2067"/>
             </a:lvl7pPr>
-            <a:lvl8pPr marL="3200400" indent="0">
+            <a:lvl8pPr marL="6614267" indent="0">
               <a:buNone/>
-              <a:defRPr sz="1000"/>
+              <a:defRPr sz="2067"/>
             </a:lvl8pPr>
-            <a:lvl9pPr marL="3657600" indent="0">
+            <a:lvl9pPr marL="7559162" indent="0">
               <a:buNone/>
-              <a:defRPr sz="1000"/>
+              <a:defRPr sz="2067"/>
             </a:lvl9pPr>
           </a:lstStyle>
           <a:p>
@@ -2397,7 +2410,7 @@
     </p:spTree>
     <p:extLst>
       <p:ext uri="{BB962C8B-B14F-4D97-AF65-F5344CB8AC3E}">
-        <p14:creationId xmlns:p14="http://schemas.microsoft.com/office/powerpoint/2010/main" val="1054910621"/>
+        <p14:creationId xmlns:p14="http://schemas.microsoft.com/office/powerpoint/2010/main" val="390770645"/>
       </p:ext>
     </p:extLst>
   </p:cSld>
@@ -2441,8 +2454,8 @@
         </p:nvSpPr>
         <p:spPr>
           <a:xfrm>
-            <a:off x="838200" y="365125"/>
-            <a:ext cx="10515600" cy="1325563"/>
+            <a:off x="1299210" y="754595"/>
+            <a:ext cx="16299180" cy="2739497"/>
           </a:xfrm>
           <a:prstGeom prst="rect">
             <a:avLst/>
@@ -2458,7 +2471,7 @@
               <a:rPr lang="en-US" smtClean="0"/>
               <a:t>Click to edit Master title style</a:t>
             </a:r>
-            <a:endParaRPr lang="en-US"/>
+            <a:endParaRPr lang="en-US" dirty="0"/>
           </a:p>
         </p:txBody>
       </p:sp>
@@ -2474,8 +2487,8 @@
         </p:nvSpPr>
         <p:spPr>
           <a:xfrm>
-            <a:off x="838200" y="1825625"/>
-            <a:ext cx="10515600" cy="4351338"/>
+            <a:off x="1299210" y="3772958"/>
+            <a:ext cx="16299180" cy="8992765"/>
           </a:xfrm>
           <a:prstGeom prst="rect">
             <a:avLst/>
@@ -2520,7 +2533,7 @@
               <a:rPr lang="en-US" smtClean="0"/>
               <a:t>Fifth level</a:t>
             </a:r>
-            <a:endParaRPr lang="en-US"/>
+            <a:endParaRPr lang="en-US" dirty="0"/>
           </a:p>
         </p:txBody>
       </p:sp>
@@ -2536,8 +2549,8 @@
         </p:nvSpPr>
         <p:spPr>
           <a:xfrm>
-            <a:off x="838200" y="6356350"/>
-            <a:ext cx="2743200" cy="365125"/>
+            <a:off x="1299210" y="13136460"/>
+            <a:ext cx="4251960" cy="754592"/>
           </a:xfrm>
           <a:prstGeom prst="rect">
             <a:avLst/>
@@ -2547,7 +2560,7 @@
           <a:bodyPr vert="horz" lIns="91440" tIns="45720" rIns="91440" bIns="45720" rtlCol="0" anchor="ctr"/>
           <a:lstStyle>
             <a:lvl1pPr algn="l">
-              <a:defRPr sz="1200">
+              <a:defRPr sz="2480">
                 <a:solidFill>
                   <a:schemeClr val="tx1">
                     <a:tint val="75000"/>
@@ -2577,8 +2590,8 @@
         </p:nvSpPr>
         <p:spPr>
           <a:xfrm>
-            <a:off x="4038600" y="6356350"/>
-            <a:ext cx="4114800" cy="365125"/>
+            <a:off x="6259830" y="13136460"/>
+            <a:ext cx="6377940" cy="754592"/>
           </a:xfrm>
           <a:prstGeom prst="rect">
             <a:avLst/>
@@ -2588,7 +2601,7 @@
           <a:bodyPr vert="horz" lIns="91440" tIns="45720" rIns="91440" bIns="45720" rtlCol="0" anchor="ctr"/>
           <a:lstStyle>
             <a:lvl1pPr algn="ctr">
-              <a:defRPr sz="1200">
+              <a:defRPr sz="2480">
                 <a:solidFill>
                   <a:schemeClr val="tx1">
                     <a:tint val="75000"/>
@@ -2614,8 +2627,8 @@
         </p:nvSpPr>
         <p:spPr>
           <a:xfrm>
-            <a:off x="8610600" y="6356350"/>
-            <a:ext cx="2743200" cy="365125"/>
+            <a:off x="13346430" y="13136460"/>
+            <a:ext cx="4251960" cy="754592"/>
           </a:xfrm>
           <a:prstGeom prst="rect">
             <a:avLst/>
@@ -2625,7 +2638,7 @@
           <a:bodyPr vert="horz" lIns="91440" tIns="45720" rIns="91440" bIns="45720" rtlCol="0" anchor="ctr"/>
           <a:lstStyle>
             <a:lvl1pPr algn="r">
-              <a:defRPr sz="1200">
+              <a:defRPr sz="2480">
                 <a:solidFill>
                   <a:schemeClr val="tx1">
                     <a:tint val="75000"/>
@@ -2646,27 +2659,27 @@
     </p:spTree>
     <p:extLst>
       <p:ext uri="{BB962C8B-B14F-4D97-AF65-F5344CB8AC3E}">
-        <p14:creationId xmlns:p14="http://schemas.microsoft.com/office/powerpoint/2010/main" val="1356228380"/>
+        <p14:creationId xmlns:p14="http://schemas.microsoft.com/office/powerpoint/2010/main" val="2719734328"/>
       </p:ext>
     </p:extLst>
   </p:cSld>
   <p:clrMap bg1="lt1" tx1="dk1" bg2="lt2" tx2="dk2" accent1="accent1" accent2="accent2" accent3="accent3" accent4="accent4" accent5="accent5" accent6="accent6" hlink="hlink" folHlink="folHlink"/>
   <p:sldLayoutIdLst>
-    <p:sldLayoutId id="2147483649" r:id="rId1"/>
-    <p:sldLayoutId id="2147483650" r:id="rId2"/>
-    <p:sldLayoutId id="2147483651" r:id="rId3"/>
-    <p:sldLayoutId id="2147483652" r:id="rId4"/>
-    <p:sldLayoutId id="2147483653" r:id="rId5"/>
-    <p:sldLayoutId id="2147483654" r:id="rId6"/>
-    <p:sldLayoutId id="2147483655" r:id="rId7"/>
-    <p:sldLayoutId id="2147483656" r:id="rId8"/>
-    <p:sldLayoutId id="2147483657" r:id="rId9"/>
-    <p:sldLayoutId id="2147483658" r:id="rId10"/>
-    <p:sldLayoutId id="2147483659" r:id="rId11"/>
+    <p:sldLayoutId id="2147483721" r:id="rId1"/>
+    <p:sldLayoutId id="2147483722" r:id="rId2"/>
+    <p:sldLayoutId id="2147483723" r:id="rId3"/>
+    <p:sldLayoutId id="2147483724" r:id="rId4"/>
+    <p:sldLayoutId id="2147483725" r:id="rId5"/>
+    <p:sldLayoutId id="2147483726" r:id="rId6"/>
+    <p:sldLayoutId id="2147483727" r:id="rId7"/>
+    <p:sldLayoutId id="2147483728" r:id="rId8"/>
+    <p:sldLayoutId id="2147483729" r:id="rId9"/>
+    <p:sldLayoutId id="2147483730" r:id="rId10"/>
+    <p:sldLayoutId id="2147483731" r:id="rId11"/>
   </p:sldLayoutIdLst>
   <p:txStyles>
     <p:titleStyle>
-      <a:lvl1pPr algn="l" defTabSz="914400" rtl="0" eaLnBrk="1" latinLnBrk="0" hangingPunct="1">
+      <a:lvl1pPr algn="l" defTabSz="1889790" rtl="0" eaLnBrk="1" latinLnBrk="0" hangingPunct="1">
         <a:lnSpc>
           <a:spcPct val="90000"/>
         </a:lnSpc>
@@ -2674,7 +2687,7 @@
           <a:spcPct val="0"/>
         </a:spcBef>
         <a:buNone/>
-        <a:defRPr sz="4400" kern="1200">
+        <a:defRPr sz="9093" kern="1200">
           <a:solidFill>
             <a:schemeClr val="tx1"/>
           </a:solidFill>
@@ -2685,16 +2698,16 @@
       </a:lvl1pPr>
     </p:titleStyle>
     <p:bodyStyle>
-      <a:lvl1pPr marL="228600" indent="-228600" algn="l" defTabSz="914400" rtl="0" eaLnBrk="1" latinLnBrk="0" hangingPunct="1">
+      <a:lvl1pPr marL="472448" indent="-472448" algn="l" defTabSz="1889790" rtl="0" eaLnBrk="1" latinLnBrk="0" hangingPunct="1">
         <a:lnSpc>
           <a:spcPct val="90000"/>
         </a:lnSpc>
         <a:spcBef>
-          <a:spcPts val="1000"/>
+          <a:spcPts val="2067"/>
         </a:spcBef>
         <a:buFont typeface="Arial" panose="020B0604020202020204" pitchFamily="34" charset="0"/>
         <a:buChar char="•"/>
-        <a:defRPr sz="2800" kern="1200">
+        <a:defRPr sz="5787" kern="1200">
           <a:solidFill>
             <a:schemeClr val="tx1"/>
           </a:solidFill>
@@ -2703,16 +2716,16 @@
           <a:cs typeface="+mn-cs"/>
         </a:defRPr>
       </a:lvl1pPr>
-      <a:lvl2pPr marL="685800" indent="-228600" algn="l" defTabSz="914400" rtl="0" eaLnBrk="1" latinLnBrk="0" hangingPunct="1">
+      <a:lvl2pPr marL="1417343" indent="-472448" algn="l" defTabSz="1889790" rtl="0" eaLnBrk="1" latinLnBrk="0" hangingPunct="1">
         <a:lnSpc>
           <a:spcPct val="90000"/>
         </a:lnSpc>
         <a:spcBef>
-          <a:spcPts val="500"/>
+          <a:spcPts val="1033"/>
         </a:spcBef>
         <a:buFont typeface="Arial" panose="020B0604020202020204" pitchFamily="34" charset="0"/>
         <a:buChar char="•"/>
-        <a:defRPr sz="2400" kern="1200">
+        <a:defRPr sz="4960" kern="1200">
           <a:solidFill>
             <a:schemeClr val="tx1"/>
           </a:solidFill>
@@ -2721,16 +2734,16 @@
           <a:cs typeface="+mn-cs"/>
         </a:defRPr>
       </a:lvl2pPr>
-      <a:lvl3pPr marL="1143000" indent="-228600" algn="l" defTabSz="914400" rtl="0" eaLnBrk="1" latinLnBrk="0" hangingPunct="1">
+      <a:lvl3pPr marL="2362238" indent="-472448" algn="l" defTabSz="1889790" rtl="0" eaLnBrk="1" latinLnBrk="0" hangingPunct="1">
         <a:lnSpc>
           <a:spcPct val="90000"/>
         </a:lnSpc>
         <a:spcBef>
-          <a:spcPts val="500"/>
+          <a:spcPts val="1033"/>
         </a:spcBef>
         <a:buFont typeface="Arial" panose="020B0604020202020204" pitchFamily="34" charset="0"/>
         <a:buChar char="•"/>
-        <a:defRPr sz="2000" kern="1200">
+        <a:defRPr sz="4133" kern="1200">
           <a:solidFill>
             <a:schemeClr val="tx1"/>
           </a:solidFill>
@@ -2739,16 +2752,16 @@
           <a:cs typeface="+mn-cs"/>
         </a:defRPr>
       </a:lvl3pPr>
-      <a:lvl4pPr marL="1600200" indent="-228600" algn="l" defTabSz="914400" rtl="0" eaLnBrk="1" latinLnBrk="0" hangingPunct="1">
+      <a:lvl4pPr marL="3307133" indent="-472448" algn="l" defTabSz="1889790" rtl="0" eaLnBrk="1" latinLnBrk="0" hangingPunct="1">
         <a:lnSpc>
           <a:spcPct val="90000"/>
         </a:lnSpc>
         <a:spcBef>
-          <a:spcPts val="500"/>
+          <a:spcPts val="1033"/>
         </a:spcBef>
         <a:buFont typeface="Arial" panose="020B0604020202020204" pitchFamily="34" charset="0"/>
         <a:buChar char="•"/>
-        <a:defRPr sz="1800" kern="1200">
+        <a:defRPr sz="3720" kern="1200">
           <a:solidFill>
             <a:schemeClr val="tx1"/>
           </a:solidFill>
@@ -2757,16 +2770,16 @@
           <a:cs typeface="+mn-cs"/>
         </a:defRPr>
       </a:lvl4pPr>
-      <a:lvl5pPr marL="2057400" indent="-228600" algn="l" defTabSz="914400" rtl="0" eaLnBrk="1" latinLnBrk="0" hangingPunct="1">
+      <a:lvl5pPr marL="4252029" indent="-472448" algn="l" defTabSz="1889790" rtl="0" eaLnBrk="1" latinLnBrk="0" hangingPunct="1">
         <a:lnSpc>
           <a:spcPct val="90000"/>
         </a:lnSpc>
         <a:spcBef>
-          <a:spcPts val="500"/>
+          <a:spcPts val="1033"/>
         </a:spcBef>
         <a:buFont typeface="Arial" panose="020B0604020202020204" pitchFamily="34" charset="0"/>
         <a:buChar char="•"/>
-        <a:defRPr sz="1800" kern="1200">
+        <a:defRPr sz="3720" kern="1200">
           <a:solidFill>
             <a:schemeClr val="tx1"/>
           </a:solidFill>
@@ -2775,16 +2788,16 @@
           <a:cs typeface="+mn-cs"/>
         </a:defRPr>
       </a:lvl5pPr>
-      <a:lvl6pPr marL="2514600" indent="-228600" algn="l" defTabSz="914400" rtl="0" eaLnBrk="1" latinLnBrk="0" hangingPunct="1">
+      <a:lvl6pPr marL="5196924" indent="-472448" algn="l" defTabSz="1889790" rtl="0" eaLnBrk="1" latinLnBrk="0" hangingPunct="1">
         <a:lnSpc>
           <a:spcPct val="90000"/>
         </a:lnSpc>
         <a:spcBef>
-          <a:spcPts val="500"/>
+          <a:spcPts val="1033"/>
         </a:spcBef>
         <a:buFont typeface="Arial" panose="020B0604020202020204" pitchFamily="34" charset="0"/>
         <a:buChar char="•"/>
-        <a:defRPr sz="1800" kern="1200">
+        <a:defRPr sz="3720" kern="1200">
           <a:solidFill>
             <a:schemeClr val="tx1"/>
           </a:solidFill>
@@ -2793,16 +2806,16 @@
           <a:cs typeface="+mn-cs"/>
         </a:defRPr>
       </a:lvl6pPr>
-      <a:lvl7pPr marL="2971800" indent="-228600" algn="l" defTabSz="914400" rtl="0" eaLnBrk="1" latinLnBrk="0" hangingPunct="1">
+      <a:lvl7pPr marL="6141819" indent="-472448" algn="l" defTabSz="1889790" rtl="0" eaLnBrk="1" latinLnBrk="0" hangingPunct="1">
         <a:lnSpc>
           <a:spcPct val="90000"/>
         </a:lnSpc>
         <a:spcBef>
-          <a:spcPts val="500"/>
+          <a:spcPts val="1033"/>
         </a:spcBef>
         <a:buFont typeface="Arial" panose="020B0604020202020204" pitchFamily="34" charset="0"/>
         <a:buChar char="•"/>
-        <a:defRPr sz="1800" kern="1200">
+        <a:defRPr sz="3720" kern="1200">
           <a:solidFill>
             <a:schemeClr val="tx1"/>
           </a:solidFill>
@@ -2811,16 +2824,16 @@
           <a:cs typeface="+mn-cs"/>
         </a:defRPr>
       </a:lvl7pPr>
-      <a:lvl8pPr marL="3429000" indent="-228600" algn="l" defTabSz="914400" rtl="0" eaLnBrk="1" latinLnBrk="0" hangingPunct="1">
+      <a:lvl8pPr marL="7086714" indent="-472448" algn="l" defTabSz="1889790" rtl="0" eaLnBrk="1" latinLnBrk="0" hangingPunct="1">
         <a:lnSpc>
           <a:spcPct val="90000"/>
         </a:lnSpc>
         <a:spcBef>
-          <a:spcPts val="500"/>
+          <a:spcPts val="1033"/>
         </a:spcBef>
         <a:buFont typeface="Arial" panose="020B0604020202020204" pitchFamily="34" charset="0"/>
         <a:buChar char="•"/>
-        <a:defRPr sz="1800" kern="1200">
+        <a:defRPr sz="3720" kern="1200">
           <a:solidFill>
             <a:schemeClr val="tx1"/>
           </a:solidFill>
@@ -2829,16 +2842,16 @@
           <a:cs typeface="+mn-cs"/>
         </a:defRPr>
       </a:lvl8pPr>
-      <a:lvl9pPr marL="3886200" indent="-228600" algn="l" defTabSz="914400" rtl="0" eaLnBrk="1" latinLnBrk="0" hangingPunct="1">
+      <a:lvl9pPr marL="8031610" indent="-472448" algn="l" defTabSz="1889790" rtl="0" eaLnBrk="1" latinLnBrk="0" hangingPunct="1">
         <a:lnSpc>
           <a:spcPct val="90000"/>
         </a:lnSpc>
         <a:spcBef>
-          <a:spcPts val="500"/>
+          <a:spcPts val="1033"/>
         </a:spcBef>
         <a:buFont typeface="Arial" panose="020B0604020202020204" pitchFamily="34" charset="0"/>
         <a:buChar char="•"/>
-        <a:defRPr sz="1800" kern="1200">
+        <a:defRPr sz="3720" kern="1200">
           <a:solidFill>
             <a:schemeClr val="tx1"/>
           </a:solidFill>
@@ -2852,8 +2865,8 @@
       <a:defPPr>
         <a:defRPr lang="en-US"/>
       </a:defPPr>
-      <a:lvl1pPr marL="0" algn="l" defTabSz="914400" rtl="0" eaLnBrk="1" latinLnBrk="0" hangingPunct="1">
-        <a:defRPr sz="1800" kern="1200">
+      <a:lvl1pPr marL="0" algn="l" defTabSz="1889790" rtl="0" eaLnBrk="1" latinLnBrk="0" hangingPunct="1">
+        <a:defRPr sz="3720" kern="1200">
           <a:solidFill>
             <a:schemeClr val="tx1"/>
           </a:solidFill>
@@ -2862,8 +2875,8 @@
           <a:cs typeface="+mn-cs"/>
         </a:defRPr>
       </a:lvl1pPr>
-      <a:lvl2pPr marL="457200" algn="l" defTabSz="914400" rtl="0" eaLnBrk="1" latinLnBrk="0" hangingPunct="1">
-        <a:defRPr sz="1800" kern="1200">
+      <a:lvl2pPr marL="944895" algn="l" defTabSz="1889790" rtl="0" eaLnBrk="1" latinLnBrk="0" hangingPunct="1">
+        <a:defRPr sz="3720" kern="1200">
           <a:solidFill>
             <a:schemeClr val="tx1"/>
           </a:solidFill>
@@ -2872,8 +2885,8 @@
           <a:cs typeface="+mn-cs"/>
         </a:defRPr>
       </a:lvl2pPr>
-      <a:lvl3pPr marL="914400" algn="l" defTabSz="914400" rtl="0" eaLnBrk="1" latinLnBrk="0" hangingPunct="1">
-        <a:defRPr sz="1800" kern="1200">
+      <a:lvl3pPr marL="1889790" algn="l" defTabSz="1889790" rtl="0" eaLnBrk="1" latinLnBrk="0" hangingPunct="1">
+        <a:defRPr sz="3720" kern="1200">
           <a:solidFill>
             <a:schemeClr val="tx1"/>
           </a:solidFill>
@@ -2882,8 +2895,8 @@
           <a:cs typeface="+mn-cs"/>
         </a:defRPr>
       </a:lvl3pPr>
-      <a:lvl4pPr marL="1371600" algn="l" defTabSz="914400" rtl="0" eaLnBrk="1" latinLnBrk="0" hangingPunct="1">
-        <a:defRPr sz="1800" kern="1200">
+      <a:lvl4pPr marL="2834686" algn="l" defTabSz="1889790" rtl="0" eaLnBrk="1" latinLnBrk="0" hangingPunct="1">
+        <a:defRPr sz="3720" kern="1200">
           <a:solidFill>
             <a:schemeClr val="tx1"/>
           </a:solidFill>
@@ -2892,8 +2905,8 @@
           <a:cs typeface="+mn-cs"/>
         </a:defRPr>
       </a:lvl4pPr>
-      <a:lvl5pPr marL="1828800" algn="l" defTabSz="914400" rtl="0" eaLnBrk="1" latinLnBrk="0" hangingPunct="1">
-        <a:defRPr sz="1800" kern="1200">
+      <a:lvl5pPr marL="3779581" algn="l" defTabSz="1889790" rtl="0" eaLnBrk="1" latinLnBrk="0" hangingPunct="1">
+        <a:defRPr sz="3720" kern="1200">
           <a:solidFill>
             <a:schemeClr val="tx1"/>
           </a:solidFill>
@@ -2902,8 +2915,8 @@
           <a:cs typeface="+mn-cs"/>
         </a:defRPr>
       </a:lvl5pPr>
-      <a:lvl6pPr marL="2286000" algn="l" defTabSz="914400" rtl="0" eaLnBrk="1" latinLnBrk="0" hangingPunct="1">
-        <a:defRPr sz="1800" kern="1200">
+      <a:lvl6pPr marL="4724476" algn="l" defTabSz="1889790" rtl="0" eaLnBrk="1" latinLnBrk="0" hangingPunct="1">
+        <a:defRPr sz="3720" kern="1200">
           <a:solidFill>
             <a:schemeClr val="tx1"/>
           </a:solidFill>
@@ -2912,8 +2925,8 @@
           <a:cs typeface="+mn-cs"/>
         </a:defRPr>
       </a:lvl6pPr>
-      <a:lvl7pPr marL="2743200" algn="l" defTabSz="914400" rtl="0" eaLnBrk="1" latinLnBrk="0" hangingPunct="1">
-        <a:defRPr sz="1800" kern="1200">
+      <a:lvl7pPr marL="5669371" algn="l" defTabSz="1889790" rtl="0" eaLnBrk="1" latinLnBrk="0" hangingPunct="1">
+        <a:defRPr sz="3720" kern="1200">
           <a:solidFill>
             <a:schemeClr val="tx1"/>
           </a:solidFill>
@@ -2922,8 +2935,8 @@
           <a:cs typeface="+mn-cs"/>
         </a:defRPr>
       </a:lvl7pPr>
-      <a:lvl8pPr marL="3200400" algn="l" defTabSz="914400" rtl="0" eaLnBrk="1" latinLnBrk="0" hangingPunct="1">
-        <a:defRPr sz="1800" kern="1200">
+      <a:lvl8pPr marL="6614267" algn="l" defTabSz="1889790" rtl="0" eaLnBrk="1" latinLnBrk="0" hangingPunct="1">
+        <a:defRPr sz="3720" kern="1200">
           <a:solidFill>
             <a:schemeClr val="tx1"/>
           </a:solidFill>
@@ -2932,8 +2945,8 @@
           <a:cs typeface="+mn-cs"/>
         </a:defRPr>
       </a:lvl8pPr>
-      <a:lvl9pPr marL="3657600" algn="l" defTabSz="914400" rtl="0" eaLnBrk="1" latinLnBrk="0" hangingPunct="1">
-        <a:defRPr sz="1800" kern="1200">
+      <a:lvl9pPr marL="7559162" algn="l" defTabSz="1889790" rtl="0" eaLnBrk="1" latinLnBrk="0" hangingPunct="1">
+        <a:defRPr sz="3720" kern="1200">
           <a:solidFill>
             <a:schemeClr val="tx1"/>
           </a:solidFill>
@@ -2964,50 +2977,7181 @@
           <a:chExt cx="0" cy="0"/>
         </a:xfrm>
       </p:grpSpPr>
-      <p:sp>
-        <p:nvSpPr>
-          <p:cNvPr id="4" name="Rounded Rectangle 3"/>
-          <p:cNvSpPr/>
+      <p:grpSp>
+        <p:nvGrpSpPr>
+          <p:cNvPr id="65" name="Group 64"/>
+          <p:cNvGrpSpPr/>
           <p:nvPr/>
-        </p:nvSpPr>
+        </p:nvGrpSpPr>
+        <p:grpSpPr>
+          <a:xfrm>
+            <a:off x="12579224" y="944653"/>
+            <a:ext cx="5857124" cy="4745232"/>
+            <a:chOff x="12903316" y="1602228"/>
+            <a:chExt cx="5857124" cy="4745232"/>
+          </a:xfrm>
+        </p:grpSpPr>
+        <p:sp>
+          <p:nvSpPr>
+            <p:cNvPr id="57" name="Rounded Rectangle 56"/>
+            <p:cNvSpPr/>
+            <p:nvPr/>
+          </p:nvSpPr>
+          <p:spPr>
+            <a:xfrm>
+              <a:off x="12903317" y="1602228"/>
+              <a:ext cx="5857123" cy="3259332"/>
+            </a:xfrm>
+            <a:prstGeom prst="roundRect">
+              <a:avLst/>
+            </a:prstGeom>
+            <a:ln>
+              <a:solidFill>
+                <a:srgbClr val="5B9BD5"/>
+              </a:solidFill>
+            </a:ln>
+          </p:spPr>
+          <p:style>
+            <a:lnRef idx="2">
+              <a:schemeClr val="accent1">
+                <a:shade val="50000"/>
+              </a:schemeClr>
+            </a:lnRef>
+            <a:fillRef idx="1">
+              <a:schemeClr val="accent1"/>
+            </a:fillRef>
+            <a:effectRef idx="0">
+              <a:schemeClr val="accent1"/>
+            </a:effectRef>
+            <a:fontRef idx="minor">
+              <a:schemeClr val="lt1"/>
+            </a:fontRef>
+          </p:style>
+          <p:txBody>
+            <a:bodyPr rtlCol="0" anchor="ctr"/>
+            <a:lstStyle/>
+            <a:p>
+              <a:pPr algn="ctr"/>
+              <a:endParaRPr lang="en-US" sz="2669"/>
+            </a:p>
+          </p:txBody>
+        </p:sp>
+        <p:sp>
+          <p:nvSpPr>
+            <p:cNvPr id="58" name="Rounded Rectangle 57"/>
+            <p:cNvSpPr/>
+            <p:nvPr/>
+          </p:nvSpPr>
+          <p:spPr>
+            <a:xfrm>
+              <a:off x="12903316" y="2185688"/>
+              <a:ext cx="5857123" cy="4161772"/>
+            </a:xfrm>
+            <a:prstGeom prst="roundRect">
+              <a:avLst/>
+            </a:prstGeom>
+            <a:ln>
+              <a:solidFill>
+                <a:srgbClr val="5B9BD5"/>
+              </a:solidFill>
+            </a:ln>
+          </p:spPr>
+          <p:style>
+            <a:lnRef idx="2">
+              <a:schemeClr val="dk1"/>
+            </a:lnRef>
+            <a:fillRef idx="1">
+              <a:schemeClr val="lt1"/>
+            </a:fillRef>
+            <a:effectRef idx="0">
+              <a:schemeClr val="dk1"/>
+            </a:effectRef>
+            <a:fontRef idx="minor">
+              <a:schemeClr val="dk1"/>
+            </a:fontRef>
+          </p:style>
+          <p:txBody>
+            <a:bodyPr rtlCol="0" anchor="ctr"/>
+            <a:lstStyle/>
+            <a:p>
+              <a:pPr algn="ctr"/>
+              <a:endParaRPr lang="en-US" sz="2669"/>
+            </a:p>
+          </p:txBody>
+        </p:sp>
+        <p:sp>
+          <p:nvSpPr>
+            <p:cNvPr id="59" name="Rectangle 58"/>
+            <p:cNvSpPr/>
+            <p:nvPr/>
+          </p:nvSpPr>
+          <p:spPr>
+            <a:xfrm>
+              <a:off x="12903317" y="2104354"/>
+              <a:ext cx="5857123" cy="1014508"/>
+            </a:xfrm>
+            <a:prstGeom prst="rect">
+              <a:avLst/>
+            </a:prstGeom>
+            <a:solidFill>
+              <a:schemeClr val="tx2">
+                <a:lumMod val="40000"/>
+                <a:lumOff val="60000"/>
+              </a:schemeClr>
+            </a:solidFill>
+            <a:ln>
+              <a:solidFill>
+                <a:srgbClr val="5B9BD5"/>
+              </a:solidFill>
+            </a:ln>
+          </p:spPr>
+          <p:style>
+            <a:lnRef idx="2">
+              <a:schemeClr val="accent1">
+                <a:shade val="50000"/>
+              </a:schemeClr>
+            </a:lnRef>
+            <a:fillRef idx="1">
+              <a:schemeClr val="accent1"/>
+            </a:fillRef>
+            <a:effectRef idx="0">
+              <a:schemeClr val="accent1"/>
+            </a:effectRef>
+            <a:fontRef idx="minor">
+              <a:schemeClr val="lt1"/>
+            </a:fontRef>
+          </p:style>
+          <p:txBody>
+            <a:bodyPr rot="0" spcFirstLastPara="0" vertOverflow="overflow" horzOverflow="overflow" vert="horz" wrap="square" lIns="35721" tIns="17860" rIns="35721" bIns="17860" numCol="1" spcCol="0" rtlCol="0" fromWordArt="0" anchor="ctr" anchorCtr="0" forceAA="0" compatLnSpc="1">
+              <a:prstTxWarp prst="textNoShape">
+                <a:avLst/>
+              </a:prstTxWarp>
+              <a:noAutofit/>
+            </a:bodyPr>
+            <a:lstStyle/>
+            <a:p>
+              <a:pPr algn="ctr"/>
+              <a:endParaRPr lang="en-US" sz="2669"/>
+            </a:p>
+          </p:txBody>
+        </p:sp>
+        <p:sp>
+          <p:nvSpPr>
+            <p:cNvPr id="60" name="TextBox 59"/>
+            <p:cNvSpPr txBox="1"/>
+            <p:nvPr/>
+          </p:nvSpPr>
+          <p:spPr>
+            <a:xfrm>
+              <a:off x="14012235" y="2287047"/>
+              <a:ext cx="3513078" cy="584775"/>
+            </a:xfrm>
+            <a:prstGeom prst="rect">
+              <a:avLst/>
+            </a:prstGeom>
+            <a:noFill/>
+          </p:spPr>
+          <p:txBody>
+            <a:bodyPr wrap="none" rtlCol="0">
+              <a:spAutoFit/>
+            </a:bodyPr>
+            <a:lstStyle/>
+            <a:p>
+              <a:r>
+                <a:rPr lang="en-US" sz="3200" b="1" dirty="0" err="1"/>
+                <a:t>assignment_history</a:t>
+              </a:r>
+              <a:endParaRPr lang="en-US" sz="3200" b="1" dirty="0"/>
+            </a:p>
+          </p:txBody>
+        </p:sp>
+        <p:sp>
+          <p:nvSpPr>
+            <p:cNvPr id="61" name="TextBox 60"/>
+            <p:cNvSpPr txBox="1"/>
+            <p:nvPr/>
+          </p:nvSpPr>
+          <p:spPr>
+            <a:xfrm>
+              <a:off x="13274098" y="3425668"/>
+              <a:ext cx="3878273" cy="2677656"/>
+            </a:xfrm>
+            <a:prstGeom prst="rect">
+              <a:avLst/>
+            </a:prstGeom>
+            <a:noFill/>
+          </p:spPr>
+          <p:txBody>
+            <a:bodyPr wrap="square" rtlCol="0">
+              <a:spAutoFit/>
+            </a:bodyPr>
+            <a:lstStyle/>
+            <a:p>
+              <a:r>
+                <a:rPr lang="en-US" sz="2800" b="1" dirty="0" err="1">
+                  <a:solidFill>
+                    <a:srgbClr val="FF0000"/>
+                  </a:solidFill>
+                </a:rPr>
+                <a:t>AssignmentID</a:t>
+              </a:r>
+              <a:endParaRPr lang="en-US" sz="2800" b="1" dirty="0">
+                <a:solidFill>
+                  <a:srgbClr val="FF0000"/>
+                </a:solidFill>
+              </a:endParaRPr>
+            </a:p>
+            <a:p>
+              <a:r>
+                <a:rPr lang="en-US" sz="2800" b="1" dirty="0" err="1" smtClean="0">
+                  <a:solidFill>
+                    <a:srgbClr val="0070C0"/>
+                  </a:solidFill>
+                </a:rPr>
+                <a:t>AgentID</a:t>
+              </a:r>
+              <a:endParaRPr lang="en-US" sz="2800" b="1" dirty="0" smtClean="0">
+                <a:solidFill>
+                  <a:srgbClr val="0070C0"/>
+                </a:solidFill>
+              </a:endParaRPr>
+            </a:p>
+            <a:p>
+              <a:r>
+                <a:rPr lang="en-US" sz="2800" dirty="0" err="1" smtClean="0"/>
+                <a:t>CustomerName</a:t>
+              </a:r>
+              <a:endParaRPr lang="en-US" sz="2800" dirty="0"/>
+            </a:p>
+            <a:p>
+              <a:r>
+                <a:rPr lang="en-US" sz="2800" dirty="0" err="1"/>
+                <a:t>CommunicationMethod</a:t>
+              </a:r>
+              <a:endParaRPr lang="en-US" sz="2800" dirty="0"/>
+            </a:p>
+            <a:p>
+              <a:r>
+                <a:rPr lang="en-US" sz="2800" dirty="0" err="1"/>
+                <a:t>LeadSource</a:t>
+              </a:r>
+              <a:endParaRPr lang="en-US" sz="2800" dirty="0"/>
+            </a:p>
+            <a:p>
+              <a:r>
+                <a:rPr lang="en-US" sz="2800" dirty="0" err="1"/>
+                <a:t>AssignedDateTime</a:t>
+              </a:r>
+              <a:endParaRPr lang="en-US" sz="2800" dirty="0"/>
+            </a:p>
+          </p:txBody>
+        </p:sp>
+        <p:pic>
+          <p:nvPicPr>
+            <p:cNvPr id="62" name="Picture 2" descr="Free Key SVG, PNG Icon, Symbol. Download Image."/>
+            <p:cNvPicPr>
+              <a:picLocks noChangeAspect="1" noChangeArrowheads="1"/>
+            </p:cNvPicPr>
+            <p:nvPr/>
+          </p:nvPicPr>
+          <p:blipFill>
+            <a:blip r:embed="rId2" cstate="print">
+              <a:extLst>
+                <a:ext uri="{28A0092B-C50C-407E-A947-70E740481C1C}">
+                  <a14:useLocalDpi xmlns:a14="http://schemas.microsoft.com/office/drawing/2010/main" val="0"/>
+                </a:ext>
+              </a:extLst>
+            </a:blip>
+            <a:srcRect/>
+            <a:stretch>
+              <a:fillRect/>
+            </a:stretch>
+          </p:blipFill>
+          <p:spPr bwMode="auto">
+            <a:xfrm>
+              <a:off x="12988039" y="3521205"/>
+              <a:ext cx="334395" cy="334395"/>
+            </a:xfrm>
+            <a:prstGeom prst="rect">
+              <a:avLst/>
+            </a:prstGeom>
+            <a:noFill/>
+            <a:extLst>
+              <a:ext uri="{909E8E84-426E-40DD-AFC4-6F175D3DCCD1}">
+                <a14:hiddenFill xmlns:a14="http://schemas.microsoft.com/office/drawing/2010/main">
+                  <a:solidFill>
+                    <a:srgbClr val="FFFFFF"/>
+                  </a:solidFill>
+                </a14:hiddenFill>
+              </a:ext>
+            </a:extLst>
+          </p:spPr>
+        </p:pic>
+        <p:sp>
+          <p:nvSpPr>
+            <p:cNvPr id="63" name="TextBox 62"/>
+            <p:cNvSpPr txBox="1"/>
+            <p:nvPr/>
+          </p:nvSpPr>
+          <p:spPr>
+            <a:xfrm>
+              <a:off x="16984731" y="3455282"/>
+              <a:ext cx="1501245" cy="2677656"/>
+            </a:xfrm>
+            <a:prstGeom prst="rect">
+              <a:avLst/>
+            </a:prstGeom>
+            <a:noFill/>
+          </p:spPr>
+          <p:txBody>
+            <a:bodyPr wrap="none" rtlCol="0">
+              <a:spAutoFit/>
+            </a:bodyPr>
+            <a:lstStyle/>
+            <a:p>
+              <a:pPr algn="r"/>
+              <a:r>
+                <a:rPr lang="en-US" sz="2800" b="1" dirty="0" err="1">
+                  <a:solidFill>
+                    <a:srgbClr val="FF0000"/>
+                  </a:solidFill>
+                </a:rPr>
+                <a:t>int</a:t>
+              </a:r>
+              <a:endParaRPr lang="en-US" sz="2800" b="1" dirty="0">
+                <a:solidFill>
+                  <a:srgbClr val="FF0000"/>
+                </a:solidFill>
+              </a:endParaRPr>
+            </a:p>
+            <a:p>
+              <a:pPr algn="r"/>
+              <a:r>
+                <a:rPr lang="en-US" sz="2800" b="1" dirty="0" err="1">
+                  <a:solidFill>
+                    <a:srgbClr val="0070C0"/>
+                  </a:solidFill>
+                </a:rPr>
+                <a:t>int</a:t>
+              </a:r>
+              <a:endParaRPr lang="en-US" sz="2800" b="1" dirty="0">
+                <a:solidFill>
+                  <a:srgbClr val="0070C0"/>
+                </a:solidFill>
+              </a:endParaRPr>
+            </a:p>
+            <a:p>
+              <a:pPr algn="r"/>
+              <a:r>
+                <a:rPr lang="en-US" sz="2800" dirty="0"/>
+                <a:t>varchar</a:t>
+              </a:r>
+            </a:p>
+            <a:p>
+              <a:pPr algn="r"/>
+              <a:r>
+                <a:rPr lang="en-US" sz="2800" dirty="0"/>
+                <a:t>varchar</a:t>
+              </a:r>
+            </a:p>
+            <a:p>
+              <a:pPr algn="r"/>
+              <a:r>
+                <a:rPr lang="en-US" sz="2800" dirty="0"/>
+                <a:t>varchar</a:t>
+              </a:r>
+            </a:p>
+            <a:p>
+              <a:pPr algn="r"/>
+              <a:r>
+                <a:rPr lang="en-US" sz="2800" dirty="0" err="1"/>
+                <a:t>datetime</a:t>
+              </a:r>
+              <a:endParaRPr lang="en-US" sz="2800" dirty="0"/>
+            </a:p>
+          </p:txBody>
+        </p:sp>
+      </p:grpSp>
+      <p:grpSp>
+        <p:nvGrpSpPr>
+          <p:cNvPr id="68" name="Group 67"/>
+          <p:cNvGrpSpPr/>
+          <p:nvPr/>
+        </p:nvGrpSpPr>
+        <p:grpSpPr>
+          <a:xfrm>
+            <a:off x="737936" y="136082"/>
+            <a:ext cx="5965918" cy="6330397"/>
+            <a:chOff x="12903316" y="6474129"/>
+            <a:chExt cx="5965918" cy="6330397"/>
+          </a:xfrm>
+        </p:grpSpPr>
+        <p:sp>
+          <p:nvSpPr>
+            <p:cNvPr id="21" name="Rounded Rectangle 20"/>
+            <p:cNvSpPr/>
+            <p:nvPr/>
+          </p:nvSpPr>
+          <p:spPr>
+            <a:xfrm>
+              <a:off x="12903316" y="6474129"/>
+              <a:ext cx="5965918" cy="3388281"/>
+            </a:xfrm>
+            <a:prstGeom prst="roundRect">
+              <a:avLst/>
+            </a:prstGeom>
+            <a:ln>
+              <a:solidFill>
+                <a:schemeClr val="accent2"/>
+              </a:solidFill>
+            </a:ln>
+          </p:spPr>
+          <p:style>
+            <a:lnRef idx="2">
+              <a:schemeClr val="accent2">
+                <a:shade val="50000"/>
+              </a:schemeClr>
+            </a:lnRef>
+            <a:fillRef idx="1">
+              <a:schemeClr val="accent2"/>
+            </a:fillRef>
+            <a:effectRef idx="0">
+              <a:schemeClr val="accent2"/>
+            </a:effectRef>
+            <a:fontRef idx="minor">
+              <a:schemeClr val="lt1"/>
+            </a:fontRef>
+          </p:style>
+          <p:txBody>
+            <a:bodyPr rtlCol="0" anchor="ctr"/>
+            <a:lstStyle/>
+            <a:p>
+              <a:pPr algn="ctr"/>
+              <a:endParaRPr lang="en-US" sz="2669"/>
+            </a:p>
+          </p:txBody>
+        </p:sp>
+        <p:grpSp>
+          <p:nvGrpSpPr>
+            <p:cNvPr id="67" name="Group 66"/>
+            <p:cNvGrpSpPr/>
+            <p:nvPr/>
+          </p:nvGrpSpPr>
+          <p:grpSpPr>
+            <a:xfrm>
+              <a:off x="12903316" y="7082458"/>
+              <a:ext cx="5965918" cy="5722068"/>
+              <a:chOff x="12903316" y="7082458"/>
+              <a:chExt cx="5965918" cy="5722068"/>
+            </a:xfrm>
+          </p:grpSpPr>
+          <p:sp>
+            <p:nvSpPr>
+              <p:cNvPr id="22" name="Rounded Rectangle 21"/>
+              <p:cNvSpPr/>
+              <p:nvPr/>
+            </p:nvSpPr>
+            <p:spPr>
+              <a:xfrm>
+                <a:off x="12903316" y="7087987"/>
+                <a:ext cx="5965918" cy="5716539"/>
+              </a:xfrm>
+              <a:prstGeom prst="roundRect">
+                <a:avLst/>
+              </a:prstGeom>
+              <a:ln>
+                <a:solidFill>
+                  <a:schemeClr val="accent2"/>
+                </a:solidFill>
+              </a:ln>
+            </p:spPr>
+            <p:style>
+              <a:lnRef idx="2">
+                <a:schemeClr val="dk1"/>
+              </a:lnRef>
+              <a:fillRef idx="1">
+                <a:schemeClr val="lt1"/>
+              </a:fillRef>
+              <a:effectRef idx="0">
+                <a:schemeClr val="dk1"/>
+              </a:effectRef>
+              <a:fontRef idx="minor">
+                <a:schemeClr val="dk1"/>
+              </a:fontRef>
+            </p:style>
+            <p:txBody>
+              <a:bodyPr rtlCol="0" anchor="ctr"/>
+              <a:lstStyle/>
+              <a:p>
+                <a:pPr algn="ctr"/>
+                <a:endParaRPr lang="en-US" sz="2669"/>
+              </a:p>
+            </p:txBody>
+          </p:sp>
+          <p:sp>
+            <p:nvSpPr>
+              <p:cNvPr id="23" name="Rectangle 22"/>
+              <p:cNvSpPr/>
+              <p:nvPr/>
+            </p:nvSpPr>
+            <p:spPr>
+              <a:xfrm>
+                <a:off x="12903316" y="7082458"/>
+                <a:ext cx="5965918" cy="1021215"/>
+              </a:xfrm>
+              <a:prstGeom prst="rect">
+                <a:avLst/>
+              </a:prstGeom>
+              <a:solidFill>
+                <a:schemeClr val="tx2">
+                  <a:lumMod val="40000"/>
+                  <a:lumOff val="60000"/>
+                </a:schemeClr>
+              </a:solidFill>
+              <a:ln>
+                <a:solidFill>
+                  <a:schemeClr val="accent2"/>
+                </a:solidFill>
+              </a:ln>
+            </p:spPr>
+            <p:style>
+              <a:lnRef idx="2">
+                <a:schemeClr val="accent1">
+                  <a:shade val="50000"/>
+                </a:schemeClr>
+              </a:lnRef>
+              <a:fillRef idx="1">
+                <a:schemeClr val="accent1"/>
+              </a:fillRef>
+              <a:effectRef idx="0">
+                <a:schemeClr val="accent1"/>
+              </a:effectRef>
+              <a:fontRef idx="minor">
+                <a:schemeClr val="lt1"/>
+              </a:fontRef>
+            </p:style>
+            <p:txBody>
+              <a:bodyPr rot="0" spcFirstLastPara="0" vertOverflow="overflow" horzOverflow="overflow" vert="horz" wrap="square" lIns="35721" tIns="17860" rIns="35721" bIns="17860" numCol="1" spcCol="0" rtlCol="0" fromWordArt="0" anchor="ctr" anchorCtr="0" forceAA="0" compatLnSpc="1">
+                <a:prstTxWarp prst="textNoShape">
+                  <a:avLst/>
+                </a:prstTxWarp>
+                <a:noAutofit/>
+              </a:bodyPr>
+              <a:lstStyle/>
+              <a:p>
+                <a:pPr algn="ctr"/>
+                <a:endParaRPr lang="en-US" sz="2669"/>
+              </a:p>
+            </p:txBody>
+          </p:sp>
+          <p:sp>
+            <p:nvSpPr>
+              <p:cNvPr id="24" name="TextBox 23"/>
+              <p:cNvSpPr txBox="1"/>
+              <p:nvPr/>
+            </p:nvSpPr>
+            <p:spPr>
+              <a:xfrm>
+                <a:off x="15040851" y="7264550"/>
+                <a:ext cx="1721946" cy="584775"/>
+              </a:xfrm>
+              <a:prstGeom prst="rect">
+                <a:avLst/>
+              </a:prstGeom>
+              <a:noFill/>
+            </p:spPr>
+            <p:txBody>
+              <a:bodyPr wrap="none" rtlCol="0">
+                <a:spAutoFit/>
+              </a:bodyPr>
+              <a:lstStyle/>
+              <a:p>
+                <a:r>
+                  <a:rPr lang="en-US" sz="3200" b="1" dirty="0"/>
+                  <a:t>bookings</a:t>
+                </a:r>
+              </a:p>
+            </p:txBody>
+          </p:sp>
+          <p:sp>
+            <p:nvSpPr>
+              <p:cNvPr id="25" name="TextBox 24"/>
+              <p:cNvSpPr txBox="1"/>
+              <p:nvPr/>
+            </p:nvSpPr>
+            <p:spPr>
+              <a:xfrm>
+                <a:off x="13378270" y="8280235"/>
+                <a:ext cx="3453061" cy="4401205"/>
+              </a:xfrm>
+              <a:prstGeom prst="rect">
+                <a:avLst/>
+              </a:prstGeom>
+              <a:noFill/>
+            </p:spPr>
+            <p:txBody>
+              <a:bodyPr wrap="none" rtlCol="0">
+                <a:spAutoFit/>
+              </a:bodyPr>
+              <a:lstStyle/>
+              <a:p>
+                <a:r>
+                  <a:rPr lang="en-US" sz="2800" b="1" dirty="0" err="1"/>
+                  <a:t>BookingID</a:t>
+                </a:r>
+                <a:endParaRPr lang="en-US" sz="2800" b="1" dirty="0"/>
+              </a:p>
+              <a:p>
+                <a:r>
+                  <a:rPr lang="en-US" sz="2800" b="1" dirty="0" err="1">
+                    <a:solidFill>
+                      <a:srgbClr val="FF0000"/>
+                    </a:solidFill>
+                  </a:rPr>
+                  <a:t>AssignmentID</a:t>
+                </a:r>
+                <a:endParaRPr lang="en-US" sz="2800" b="1" dirty="0">
+                  <a:solidFill>
+                    <a:srgbClr val="FF0000"/>
+                  </a:solidFill>
+                </a:endParaRPr>
+              </a:p>
+              <a:p>
+                <a:r>
+                  <a:rPr lang="en-US" sz="2800" dirty="0" err="1"/>
+                  <a:t>BookingCompleteDate</a:t>
+                </a:r>
+                <a:endParaRPr lang="en-US" sz="2800" dirty="0"/>
+              </a:p>
+              <a:p>
+                <a:r>
+                  <a:rPr lang="en-US" sz="2800" dirty="0" err="1" smtClean="0"/>
+                  <a:t>CancelledDate</a:t>
+                </a:r>
+                <a:endParaRPr lang="en-US" sz="2800" dirty="0" smtClean="0"/>
+              </a:p>
+              <a:p>
+                <a:r>
+                  <a:rPr lang="en-US" sz="2800" dirty="0" smtClean="0"/>
+                  <a:t>Destination</a:t>
+                </a:r>
+                <a:endParaRPr lang="en-US" sz="2800" dirty="0"/>
+              </a:p>
+              <a:p>
+                <a:r>
+                  <a:rPr lang="en-US" sz="2800" dirty="0"/>
+                  <a:t>Package</a:t>
+                </a:r>
+              </a:p>
+              <a:p>
+                <a:r>
+                  <a:rPr lang="en-US" sz="2800" dirty="0" err="1"/>
+                  <a:t>LaunchLocation</a:t>
+                </a:r>
+                <a:endParaRPr lang="en-US" sz="2800" dirty="0"/>
+              </a:p>
+              <a:p>
+                <a:r>
+                  <a:rPr lang="en-US" sz="2800" dirty="0" err="1"/>
+                  <a:t>PackageRevenue</a:t>
+                </a:r>
+                <a:endParaRPr lang="en-US" sz="2800" dirty="0"/>
+              </a:p>
+              <a:p>
+                <a:r>
+                  <a:rPr lang="en-US" sz="2800" dirty="0" err="1"/>
+                  <a:t>TotalRevenue</a:t>
+                </a:r>
+                <a:endParaRPr lang="en-US" sz="2800" dirty="0"/>
+              </a:p>
+              <a:p>
+                <a:r>
+                  <a:rPr lang="en-US" sz="2800" dirty="0" err="1"/>
+                  <a:t>BookingStatus</a:t>
+                </a:r>
+                <a:endParaRPr lang="en-US" sz="2800" dirty="0"/>
+              </a:p>
+            </p:txBody>
+          </p:sp>
+          <p:sp>
+            <p:nvSpPr>
+              <p:cNvPr id="27" name="TextBox 26"/>
+              <p:cNvSpPr txBox="1"/>
+              <p:nvPr/>
+            </p:nvSpPr>
+            <p:spPr>
+              <a:xfrm>
+                <a:off x="16984667" y="8269828"/>
+                <a:ext cx="1501308" cy="4401205"/>
+              </a:xfrm>
+              <a:prstGeom prst="rect">
+                <a:avLst/>
+              </a:prstGeom>
+              <a:noFill/>
+            </p:spPr>
+            <p:txBody>
+              <a:bodyPr wrap="none" rtlCol="0">
+                <a:spAutoFit/>
+              </a:bodyPr>
+              <a:lstStyle/>
+              <a:p>
+                <a:pPr algn="r"/>
+                <a:r>
+                  <a:rPr lang="en-US" sz="2800" b="1" dirty="0" err="1"/>
+                  <a:t>int</a:t>
+                </a:r>
+                <a:endParaRPr lang="en-US" sz="2800" b="1" dirty="0"/>
+              </a:p>
+              <a:p>
+                <a:pPr algn="r"/>
+                <a:r>
+                  <a:rPr lang="en-US" sz="2800" b="1" dirty="0" err="1">
+                    <a:solidFill>
+                      <a:srgbClr val="FF0000"/>
+                    </a:solidFill>
+                  </a:rPr>
+                  <a:t>int</a:t>
+                </a:r>
+                <a:endParaRPr lang="en-US" sz="2800" b="1" dirty="0">
+                  <a:solidFill>
+                    <a:srgbClr val="FF0000"/>
+                  </a:solidFill>
+                </a:endParaRPr>
+              </a:p>
+              <a:p>
+                <a:pPr algn="r"/>
+                <a:r>
+                  <a:rPr lang="en-US" sz="2800" dirty="0" err="1"/>
+                  <a:t>datetime</a:t>
+                </a:r>
+                <a:endParaRPr lang="en-US" sz="2800" dirty="0"/>
+              </a:p>
+              <a:p>
+                <a:pPr algn="r"/>
+                <a:r>
+                  <a:rPr lang="en-US" sz="2800" dirty="0" err="1"/>
+                  <a:t>datetime</a:t>
+                </a:r>
+                <a:endParaRPr lang="en-US" sz="2800" dirty="0"/>
+              </a:p>
+              <a:p>
+                <a:pPr algn="r"/>
+                <a:r>
+                  <a:rPr lang="en-US" sz="2800" dirty="0" smtClean="0"/>
+                  <a:t>varchar</a:t>
+                </a:r>
+              </a:p>
+              <a:p>
+                <a:pPr algn="r"/>
+                <a:r>
+                  <a:rPr lang="en-US" sz="2800" dirty="0" smtClean="0"/>
+                  <a:t>varchar</a:t>
+                </a:r>
+                <a:endParaRPr lang="en-US" sz="2800" dirty="0"/>
+              </a:p>
+              <a:p>
+                <a:pPr algn="r"/>
+                <a:r>
+                  <a:rPr lang="en-US" sz="2800" dirty="0"/>
+                  <a:t>varchar</a:t>
+                </a:r>
+              </a:p>
+              <a:p>
+                <a:pPr algn="r"/>
+                <a:r>
+                  <a:rPr lang="en-US" sz="2800" dirty="0"/>
+                  <a:t>decimal</a:t>
+                </a:r>
+              </a:p>
+              <a:p>
+                <a:pPr algn="r"/>
+                <a:r>
+                  <a:rPr lang="en-US" sz="2800" dirty="0"/>
+                  <a:t>decimal</a:t>
+                </a:r>
+              </a:p>
+              <a:p>
+                <a:pPr algn="r"/>
+                <a:r>
+                  <a:rPr lang="en-US" sz="2800" dirty="0"/>
+                  <a:t>varchar</a:t>
+                </a:r>
+              </a:p>
+            </p:txBody>
+          </p:sp>
+          <p:pic>
+            <p:nvPicPr>
+              <p:cNvPr id="66" name="Picture 2" descr="Free Key SVG, PNG Icon, Symbol. Download Image."/>
+              <p:cNvPicPr>
+                <a:picLocks noChangeAspect="1" noChangeArrowheads="1"/>
+              </p:cNvPicPr>
+              <p:nvPr/>
+            </p:nvPicPr>
+            <p:blipFill>
+              <a:blip r:embed="rId2" cstate="print">
+                <a:extLst>
+                  <a:ext uri="{28A0092B-C50C-407E-A947-70E740481C1C}">
+                    <a14:useLocalDpi xmlns:a14="http://schemas.microsoft.com/office/drawing/2010/main" val="0"/>
+                  </a:ext>
+                </a:extLst>
+              </a:blip>
+              <a:srcRect/>
+              <a:stretch>
+                <a:fillRect/>
+              </a:stretch>
+            </p:blipFill>
+            <p:spPr bwMode="auto">
+              <a:xfrm>
+                <a:off x="13063526" y="8386406"/>
+                <a:ext cx="334395" cy="334395"/>
+              </a:xfrm>
+              <a:prstGeom prst="rect">
+                <a:avLst/>
+              </a:prstGeom>
+              <a:noFill/>
+              <a:extLst>
+                <a:ext uri="{909E8E84-426E-40DD-AFC4-6F175D3DCCD1}">
+                  <a14:hiddenFill xmlns:a14="http://schemas.microsoft.com/office/drawing/2010/main">
+                    <a:solidFill>
+                      <a:srgbClr val="FFFFFF"/>
+                    </a:solidFill>
+                  </a14:hiddenFill>
+                </a:ext>
+              </a:extLst>
+            </p:spPr>
+          </p:pic>
+        </p:grpSp>
+      </p:grpSp>
+      <p:grpSp>
+        <p:nvGrpSpPr>
+          <p:cNvPr id="70" name="Group 69"/>
+          <p:cNvGrpSpPr/>
+          <p:nvPr/>
+        </p:nvGrpSpPr>
+        <p:grpSpPr>
+          <a:xfrm>
+            <a:off x="6510191" y="7146097"/>
+            <a:ext cx="5965918" cy="6795603"/>
+            <a:chOff x="12903316" y="6474129"/>
+            <a:chExt cx="5965918" cy="6795603"/>
+          </a:xfrm>
+        </p:grpSpPr>
+        <p:sp>
+          <p:nvSpPr>
+            <p:cNvPr id="71" name="Rounded Rectangle 70"/>
+            <p:cNvSpPr/>
+            <p:nvPr/>
+          </p:nvSpPr>
+          <p:spPr>
+            <a:xfrm>
+              <a:off x="12903316" y="6474129"/>
+              <a:ext cx="5965918" cy="3388281"/>
+            </a:xfrm>
+            <a:prstGeom prst="roundRect">
+              <a:avLst/>
+            </a:prstGeom>
+            <a:ln/>
+          </p:spPr>
+          <p:style>
+            <a:lnRef idx="2">
+              <a:schemeClr val="accent4">
+                <a:shade val="50000"/>
+              </a:schemeClr>
+            </a:lnRef>
+            <a:fillRef idx="1">
+              <a:schemeClr val="accent4"/>
+            </a:fillRef>
+            <a:effectRef idx="0">
+              <a:schemeClr val="accent4"/>
+            </a:effectRef>
+            <a:fontRef idx="minor">
+              <a:schemeClr val="lt1"/>
+            </a:fontRef>
+          </p:style>
+          <p:txBody>
+            <a:bodyPr rtlCol="0" anchor="ctr"/>
+            <a:lstStyle/>
+            <a:p>
+              <a:pPr algn="ctr"/>
+              <a:endParaRPr lang="en-US" sz="2669"/>
+            </a:p>
+          </p:txBody>
+        </p:sp>
+        <p:grpSp>
+          <p:nvGrpSpPr>
+            <p:cNvPr id="72" name="Group 71"/>
+            <p:cNvGrpSpPr/>
+            <p:nvPr/>
+          </p:nvGrpSpPr>
+          <p:grpSpPr>
+            <a:xfrm>
+              <a:off x="12903316" y="7082458"/>
+              <a:ext cx="5965918" cy="6187274"/>
+              <a:chOff x="12903316" y="7082458"/>
+              <a:chExt cx="5965918" cy="6187274"/>
+            </a:xfrm>
+          </p:grpSpPr>
+          <p:sp>
+            <p:nvSpPr>
+              <p:cNvPr id="73" name="Rounded Rectangle 72"/>
+              <p:cNvSpPr/>
+              <p:nvPr/>
+            </p:nvSpPr>
+            <p:spPr>
+              <a:xfrm>
+                <a:off x="12903316" y="7087987"/>
+                <a:ext cx="5965918" cy="6181745"/>
+              </a:xfrm>
+              <a:prstGeom prst="roundRect">
+                <a:avLst/>
+              </a:prstGeom>
+              <a:ln>
+                <a:solidFill>
+                  <a:schemeClr val="accent2"/>
+                </a:solidFill>
+              </a:ln>
+            </p:spPr>
+            <p:style>
+              <a:lnRef idx="2">
+                <a:schemeClr val="dk1"/>
+              </a:lnRef>
+              <a:fillRef idx="1">
+                <a:schemeClr val="lt1"/>
+              </a:fillRef>
+              <a:effectRef idx="0">
+                <a:schemeClr val="dk1"/>
+              </a:effectRef>
+              <a:fontRef idx="minor">
+                <a:schemeClr val="dk1"/>
+              </a:fontRef>
+            </p:style>
+            <p:txBody>
+              <a:bodyPr rtlCol="0" anchor="ctr"/>
+              <a:lstStyle/>
+              <a:p>
+                <a:pPr algn="ctr"/>
+                <a:endParaRPr lang="en-US" sz="2669"/>
+              </a:p>
+            </p:txBody>
+          </p:sp>
+          <p:sp>
+            <p:nvSpPr>
+              <p:cNvPr id="74" name="Rectangle 73"/>
+              <p:cNvSpPr/>
+              <p:nvPr/>
+            </p:nvSpPr>
+            <p:spPr>
+              <a:xfrm>
+                <a:off x="12903316" y="7082458"/>
+                <a:ext cx="5965918" cy="1021215"/>
+              </a:xfrm>
+              <a:prstGeom prst="rect">
+                <a:avLst/>
+              </a:prstGeom>
+              <a:solidFill>
+                <a:schemeClr val="tx2">
+                  <a:lumMod val="40000"/>
+                  <a:lumOff val="60000"/>
+                </a:schemeClr>
+              </a:solidFill>
+              <a:ln>
+                <a:solidFill>
+                  <a:srgbClr val="FFC000"/>
+                </a:solidFill>
+              </a:ln>
+            </p:spPr>
+            <p:style>
+              <a:lnRef idx="2">
+                <a:schemeClr val="accent1">
+                  <a:shade val="50000"/>
+                </a:schemeClr>
+              </a:lnRef>
+              <a:fillRef idx="1">
+                <a:schemeClr val="accent1"/>
+              </a:fillRef>
+              <a:effectRef idx="0">
+                <a:schemeClr val="accent1"/>
+              </a:effectRef>
+              <a:fontRef idx="minor">
+                <a:schemeClr val="lt1"/>
+              </a:fontRef>
+            </p:style>
+            <p:txBody>
+              <a:bodyPr rot="0" spcFirstLastPara="0" vertOverflow="overflow" horzOverflow="overflow" vert="horz" wrap="square" lIns="35721" tIns="17860" rIns="35721" bIns="17860" numCol="1" spcCol="0" rtlCol="0" fromWordArt="0" anchor="ctr" anchorCtr="0" forceAA="0" compatLnSpc="1">
+                <a:prstTxWarp prst="textNoShape">
+                  <a:avLst/>
+                </a:prstTxWarp>
+                <a:noAutofit/>
+              </a:bodyPr>
+              <a:lstStyle/>
+              <a:p>
+                <a:pPr algn="ctr"/>
+                <a:endParaRPr lang="en-US" sz="2669"/>
+              </a:p>
+            </p:txBody>
+          </p:sp>
+          <p:sp>
+            <p:nvSpPr>
+              <p:cNvPr id="75" name="TextBox 74"/>
+              <p:cNvSpPr txBox="1"/>
+              <p:nvPr/>
+            </p:nvSpPr>
+            <p:spPr>
+              <a:xfrm>
+                <a:off x="14812904" y="7280830"/>
+                <a:ext cx="2146742" cy="584775"/>
+              </a:xfrm>
+              <a:prstGeom prst="rect">
+                <a:avLst/>
+              </a:prstGeom>
+              <a:noFill/>
+            </p:spPr>
+            <p:txBody>
+              <a:bodyPr wrap="none" rtlCol="0">
+                <a:spAutoFit/>
+              </a:bodyPr>
+              <a:lstStyle/>
+              <a:p>
+                <a:r>
+                  <a:rPr lang="en-US" sz="3200" b="1" dirty="0" smtClean="0"/>
+                  <a:t>bookings_2</a:t>
+                </a:r>
+                <a:endParaRPr lang="en-US" sz="3200" b="1" dirty="0"/>
+              </a:p>
+            </p:txBody>
+          </p:sp>
+          <p:sp>
+            <p:nvSpPr>
+              <p:cNvPr id="76" name="TextBox 75"/>
+              <p:cNvSpPr txBox="1"/>
+              <p:nvPr/>
+            </p:nvSpPr>
+            <p:spPr>
+              <a:xfrm>
+                <a:off x="13378270" y="8280235"/>
+                <a:ext cx="3453061" cy="4832092"/>
+              </a:xfrm>
+              <a:prstGeom prst="rect">
+                <a:avLst/>
+              </a:prstGeom>
+              <a:noFill/>
+            </p:spPr>
+            <p:txBody>
+              <a:bodyPr wrap="none" rtlCol="0">
+                <a:spAutoFit/>
+              </a:bodyPr>
+              <a:lstStyle/>
+              <a:p>
+                <a:r>
+                  <a:rPr lang="en-US" sz="2800" b="1" dirty="0" err="1"/>
+                  <a:t>BookingID</a:t>
+                </a:r>
+                <a:endParaRPr lang="en-US" sz="2800" b="1" dirty="0"/>
+              </a:p>
+              <a:p>
+                <a:r>
+                  <a:rPr lang="en-US" sz="2800" dirty="0" err="1"/>
+                  <a:t>AssignmentID</a:t>
+                </a:r>
+                <a:endParaRPr lang="en-US" sz="2800" dirty="0"/>
+              </a:p>
+              <a:p>
+                <a:r>
+                  <a:rPr lang="en-US" sz="2800" dirty="0" err="1"/>
+                  <a:t>BookingCompleteDate</a:t>
+                </a:r>
+                <a:endParaRPr lang="en-US" sz="2800" dirty="0"/>
+              </a:p>
+              <a:p>
+                <a:r>
+                  <a:rPr lang="en-US" sz="2800" dirty="0" err="1" smtClean="0"/>
+                  <a:t>CancelledDate</a:t>
+                </a:r>
+                <a:endParaRPr lang="en-US" sz="2800" dirty="0" smtClean="0"/>
+              </a:p>
+              <a:p>
+                <a:r>
+                  <a:rPr lang="en-US" sz="2800" dirty="0" smtClean="0"/>
+                  <a:t>Destination</a:t>
+                </a:r>
+                <a:endParaRPr lang="en-US" sz="2800" dirty="0"/>
+              </a:p>
+              <a:p>
+                <a:r>
+                  <a:rPr lang="en-US" sz="2800" dirty="0"/>
+                  <a:t>Package</a:t>
+                </a:r>
+              </a:p>
+              <a:p>
+                <a:r>
+                  <a:rPr lang="en-US" sz="2800" dirty="0" err="1"/>
+                  <a:t>LaunchLocation</a:t>
+                </a:r>
+                <a:endParaRPr lang="en-US" sz="2800" dirty="0"/>
+              </a:p>
+              <a:p>
+                <a:r>
+                  <a:rPr lang="en-US" sz="2800" dirty="0" err="1"/>
+                  <a:t>PackageRevenue</a:t>
+                </a:r>
+                <a:endParaRPr lang="en-US" sz="2800" dirty="0"/>
+              </a:p>
+              <a:p>
+                <a:r>
+                  <a:rPr lang="en-US" sz="2800" dirty="0" err="1"/>
+                  <a:t>TotalRevenue</a:t>
+                </a:r>
+                <a:endParaRPr lang="en-US" sz="2800" dirty="0"/>
+              </a:p>
+              <a:p>
+                <a:r>
+                  <a:rPr lang="en-US" sz="2800" dirty="0" err="1" smtClean="0"/>
+                  <a:t>BookingStatus</a:t>
+                </a:r>
+                <a:endParaRPr lang="en-US" sz="2800" dirty="0" smtClean="0"/>
+              </a:p>
+              <a:p>
+                <a:r>
+                  <a:rPr lang="en-US" sz="2800" b="1" dirty="0" err="1" smtClean="0">
+                    <a:solidFill>
+                      <a:srgbClr val="0070C0"/>
+                    </a:solidFill>
+                  </a:rPr>
+                  <a:t>AgentID</a:t>
+                </a:r>
+                <a:endParaRPr lang="en-US" sz="2800" b="1" dirty="0">
+                  <a:solidFill>
+                    <a:srgbClr val="0070C0"/>
+                  </a:solidFill>
+                </a:endParaRPr>
+              </a:p>
+            </p:txBody>
+          </p:sp>
+          <p:sp>
+            <p:nvSpPr>
+              <p:cNvPr id="77" name="TextBox 76"/>
+              <p:cNvSpPr txBox="1"/>
+              <p:nvPr/>
+            </p:nvSpPr>
+            <p:spPr>
+              <a:xfrm>
+                <a:off x="16952606" y="8269828"/>
+                <a:ext cx="1533369" cy="4832092"/>
+              </a:xfrm>
+              <a:prstGeom prst="rect">
+                <a:avLst/>
+              </a:prstGeom>
+              <a:noFill/>
+            </p:spPr>
+            <p:txBody>
+              <a:bodyPr wrap="none" rtlCol="0">
+                <a:spAutoFit/>
+              </a:bodyPr>
+              <a:lstStyle/>
+              <a:p>
+                <a:pPr algn="r"/>
+                <a:r>
+                  <a:rPr lang="en-US" sz="2800" b="1" dirty="0" err="1"/>
+                  <a:t>int</a:t>
+                </a:r>
+                <a:endParaRPr lang="en-US" sz="2800" b="1" dirty="0"/>
+              </a:p>
+              <a:p>
+                <a:pPr algn="r"/>
+                <a:r>
+                  <a:rPr lang="en-US" sz="2800" dirty="0" err="1"/>
+                  <a:t>int</a:t>
+                </a:r>
+                <a:endParaRPr lang="en-US" sz="2800" dirty="0"/>
+              </a:p>
+              <a:p>
+                <a:pPr algn="r"/>
+                <a:r>
+                  <a:rPr lang="en-US" sz="2800" dirty="0" err="1"/>
+                  <a:t>datetime</a:t>
+                </a:r>
+                <a:endParaRPr lang="en-US" sz="2800" dirty="0"/>
+              </a:p>
+              <a:p>
+                <a:pPr algn="r"/>
+                <a:r>
+                  <a:rPr lang="en-US" sz="2800" dirty="0" err="1" smtClean="0"/>
+                  <a:t>datetime</a:t>
+                </a:r>
+                <a:endParaRPr lang="en-US" sz="2800" dirty="0" smtClean="0"/>
+              </a:p>
+              <a:p>
+                <a:pPr algn="r"/>
+                <a:r>
+                  <a:rPr lang="en-US" sz="2800" dirty="0" smtClean="0"/>
+                  <a:t>varchar</a:t>
+                </a:r>
+                <a:endParaRPr lang="en-US" sz="2800" dirty="0"/>
+              </a:p>
+              <a:p>
+                <a:pPr algn="r"/>
+                <a:r>
+                  <a:rPr lang="en-US" sz="2800" dirty="0"/>
+                  <a:t>varchar</a:t>
+                </a:r>
+              </a:p>
+              <a:p>
+                <a:pPr algn="r"/>
+                <a:r>
+                  <a:rPr lang="en-US" sz="2800" dirty="0"/>
+                  <a:t>varchar</a:t>
+                </a:r>
+              </a:p>
+              <a:p>
+                <a:pPr algn="r"/>
+                <a:r>
+                  <a:rPr lang="en-US" sz="2800" dirty="0"/>
+                  <a:t>decimal</a:t>
+                </a:r>
+              </a:p>
+              <a:p>
+                <a:pPr algn="r"/>
+                <a:r>
+                  <a:rPr lang="en-US" sz="2800" dirty="0"/>
+                  <a:t>decimal</a:t>
+                </a:r>
+              </a:p>
+              <a:p>
+                <a:pPr algn="r"/>
+                <a:r>
+                  <a:rPr lang="en-US" sz="2800" dirty="0" smtClean="0"/>
+                  <a:t>Varchar</a:t>
+                </a:r>
+              </a:p>
+              <a:p>
+                <a:pPr algn="r"/>
+                <a:r>
+                  <a:rPr lang="en-US" sz="2800" b="1" dirty="0" err="1" smtClean="0">
+                    <a:solidFill>
+                      <a:srgbClr val="0070C0"/>
+                    </a:solidFill>
+                  </a:rPr>
+                  <a:t>int</a:t>
+                </a:r>
+                <a:endParaRPr lang="en-US" sz="2800" b="1" dirty="0">
+                  <a:solidFill>
+                    <a:srgbClr val="0070C0"/>
+                  </a:solidFill>
+                </a:endParaRPr>
+              </a:p>
+            </p:txBody>
+          </p:sp>
+          <p:pic>
+            <p:nvPicPr>
+              <p:cNvPr id="78" name="Picture 2" descr="Free Key SVG, PNG Icon, Symbol. Download Image."/>
+              <p:cNvPicPr>
+                <a:picLocks noChangeAspect="1" noChangeArrowheads="1"/>
+              </p:cNvPicPr>
+              <p:nvPr/>
+            </p:nvPicPr>
+            <p:blipFill>
+              <a:blip r:embed="rId2" cstate="print">
+                <a:extLst>
+                  <a:ext uri="{28A0092B-C50C-407E-A947-70E740481C1C}">
+                    <a14:useLocalDpi xmlns:a14="http://schemas.microsoft.com/office/drawing/2010/main" val="0"/>
+                  </a:ext>
+                </a:extLst>
+              </a:blip>
+              <a:srcRect/>
+              <a:stretch>
+                <a:fillRect/>
+              </a:stretch>
+            </p:blipFill>
+            <p:spPr bwMode="auto">
+              <a:xfrm>
+                <a:off x="13063526" y="8386406"/>
+                <a:ext cx="334395" cy="334395"/>
+              </a:xfrm>
+              <a:prstGeom prst="rect">
+                <a:avLst/>
+              </a:prstGeom>
+              <a:noFill/>
+              <a:extLst>
+                <a:ext uri="{909E8E84-426E-40DD-AFC4-6F175D3DCCD1}">
+                  <a14:hiddenFill xmlns:a14="http://schemas.microsoft.com/office/drawing/2010/main">
+                    <a:solidFill>
+                      <a:srgbClr val="FFFFFF"/>
+                    </a:solidFill>
+                  </a14:hiddenFill>
+                </a:ext>
+              </a:extLst>
+            </p:spPr>
+          </p:pic>
+        </p:grpSp>
+      </p:grpSp>
+      <p:cxnSp>
+        <p:nvCxnSpPr>
+          <p:cNvPr id="80" name="Straight Connector 79"/>
+          <p:cNvCxnSpPr>
+            <a:stCxn id="22" idx="3"/>
+            <a:endCxn id="58" idx="1"/>
+          </p:cNvCxnSpPr>
+          <p:nvPr/>
+        </p:nvCxnSpPr>
         <p:spPr>
           <a:xfrm>
-            <a:off x="2424418" y="612396"/>
-            <a:ext cx="4194496" cy="5368954"/>
+            <a:off x="6703854" y="3608210"/>
+            <a:ext cx="5875370" cy="789"/>
           </a:xfrm>
-          <a:prstGeom prst="roundRect">
+          <a:prstGeom prst="line">
             <a:avLst/>
           </a:prstGeom>
+          <a:ln w="76200">
+            <a:solidFill>
+              <a:schemeClr val="tx1"/>
+            </a:solidFill>
+          </a:ln>
         </p:spPr>
         <p:style>
-          <a:lnRef idx="2">
-            <a:schemeClr val="accent1">
-              <a:shade val="50000"/>
-            </a:schemeClr>
+          <a:lnRef idx="1">
+            <a:schemeClr val="accent1"/>
           </a:lnRef>
-          <a:fillRef idx="1">
+          <a:fillRef idx="0">
             <a:schemeClr val="accent1"/>
           </a:fillRef>
           <a:effectRef idx="0">
             <a:schemeClr val="accent1"/>
           </a:effectRef>
           <a:fontRef idx="minor">
-            <a:schemeClr val="lt1"/>
+            <a:schemeClr val="tx1"/>
           </a:fontRef>
         </p:style>
+      </p:cxnSp>
+      <p:cxnSp>
+        <p:nvCxnSpPr>
+          <p:cNvPr id="82" name="Straight Arrow Connector 81"/>
+          <p:cNvCxnSpPr>
+            <a:endCxn id="71" idx="0"/>
+          </p:cNvCxnSpPr>
+          <p:nvPr/>
+        </p:nvCxnSpPr>
+        <p:spPr>
+          <a:xfrm flipH="1">
+            <a:off x="9493150" y="3608210"/>
+            <a:ext cx="21690" cy="3537887"/>
+          </a:xfrm>
+          <a:prstGeom prst="straightConnector1">
+            <a:avLst/>
+          </a:prstGeom>
+          <a:ln w="76200">
+            <a:solidFill>
+              <a:schemeClr val="tx1"/>
+            </a:solidFill>
+            <a:tailEnd type="triangle"/>
+          </a:ln>
+        </p:spPr>
+        <p:style>
+          <a:lnRef idx="1">
+            <a:schemeClr val="accent1"/>
+          </a:lnRef>
+          <a:fillRef idx="0">
+            <a:schemeClr val="accent1"/>
+          </a:fillRef>
+          <a:effectRef idx="0">
+            <a:schemeClr val="accent1"/>
+          </a:effectRef>
+          <a:fontRef idx="minor">
+            <a:schemeClr val="tx1"/>
+          </a:fontRef>
+        </p:style>
+      </p:cxnSp>
+      <p:sp>
+        <p:nvSpPr>
+          <p:cNvPr id="84" name="Rectangle 83"/>
+          <p:cNvSpPr/>
+          <p:nvPr/>
+        </p:nvSpPr>
+        <p:spPr>
+          <a:xfrm>
+            <a:off x="8771658" y="2574319"/>
+            <a:ext cx="1374094" cy="830997"/>
+          </a:xfrm>
+          <a:prstGeom prst="rect">
+            <a:avLst/>
+          </a:prstGeom>
+        </p:spPr>
         <p:txBody>
-          <a:bodyPr rtlCol="0" anchor="ctr"/>
+          <a:bodyPr wrap="none">
+            <a:spAutoFit/>
+          </a:bodyPr>
           <a:lstStyle/>
           <a:p>
-            <a:pPr algn="ctr"/>
-            <a:endParaRPr lang="en-US"/>
+            <a:r>
+              <a:rPr lang="en-US" sz="4800" b="1" dirty="0" smtClean="0"/>
+              <a:t>JOIN</a:t>
+            </a:r>
+            <a:endParaRPr lang="en-US" sz="4800" b="1" dirty="0"/>
           </a:p>
         </p:txBody>
       </p:sp>
     </p:spTree>
     <p:extLst>
       <p:ext uri="{BB962C8B-B14F-4D97-AF65-F5344CB8AC3E}">
-        <p14:creationId xmlns:p14="http://schemas.microsoft.com/office/powerpoint/2010/main" val="1772646603"/>
+        <p14:creationId xmlns:p14="http://schemas.microsoft.com/office/powerpoint/2010/main" val="2755042698"/>
+      </p:ext>
+    </p:extLst>
+  </p:cSld>
+  <p:clrMapOvr>
+    <a:masterClrMapping/>
+  </p:clrMapOvr>
+</p:sld>
+</file>
+
+<file path=ppt/slides/slide2.xml><?xml version="1.0" encoding="utf-8"?>
+<p:sld xmlns:a="http://schemas.openxmlformats.org/drawingml/2006/main" xmlns:r="http://schemas.openxmlformats.org/officeDocument/2006/relationships" xmlns:p="http://schemas.openxmlformats.org/presentationml/2006/main">
+  <p:cSld>
+    <p:spTree>
+      <p:nvGrpSpPr>
+        <p:cNvPr id="1" name=""/>
+        <p:cNvGrpSpPr/>
+        <p:nvPr/>
+      </p:nvGrpSpPr>
+      <p:grpSpPr>
+        <a:xfrm>
+          <a:off x="0" y="0"/>
+          <a:ext cx="0" cy="0"/>
+          <a:chOff x="0" y="0"/>
+          <a:chExt cx="0" cy="0"/>
+        </a:xfrm>
+      </p:grpSpPr>
+      <p:cxnSp>
+        <p:nvCxnSpPr>
+          <p:cNvPr id="21" name="Straight Arrow Connector 20"/>
+          <p:cNvCxnSpPr/>
+          <p:nvPr/>
+        </p:nvCxnSpPr>
+        <p:spPr>
+          <a:xfrm>
+            <a:off x="7939593" y="6231437"/>
+            <a:ext cx="2966620" cy="0"/>
+          </a:xfrm>
+          <a:prstGeom prst="straightConnector1">
+            <a:avLst/>
+          </a:prstGeom>
+          <a:ln w="76200">
+            <a:solidFill>
+              <a:srgbClr val="7030A0"/>
+            </a:solidFill>
+            <a:tailEnd type="triangle"/>
+          </a:ln>
+        </p:spPr>
+        <p:style>
+          <a:lnRef idx="1">
+            <a:schemeClr val="accent1"/>
+          </a:lnRef>
+          <a:fillRef idx="0">
+            <a:schemeClr val="accent1"/>
+          </a:fillRef>
+          <a:effectRef idx="0">
+            <a:schemeClr val="accent1"/>
+          </a:effectRef>
+          <a:fontRef idx="minor">
+            <a:schemeClr val="tx1"/>
+          </a:fontRef>
+        </p:style>
+      </p:cxnSp>
+      <p:grpSp>
+        <p:nvGrpSpPr>
+          <p:cNvPr id="49" name="Group 48"/>
+          <p:cNvGrpSpPr/>
+          <p:nvPr/>
+        </p:nvGrpSpPr>
+        <p:grpSpPr>
+          <a:xfrm>
+            <a:off x="-1903577" y="2843156"/>
+            <a:ext cx="12563510" cy="6136971"/>
+            <a:chOff x="-737270" y="3231181"/>
+            <a:chExt cx="12563510" cy="6136971"/>
+          </a:xfrm>
+        </p:grpSpPr>
+        <p:grpSp>
+          <p:nvGrpSpPr>
+            <p:cNvPr id="48" name="Group 47"/>
+            <p:cNvGrpSpPr/>
+            <p:nvPr/>
+          </p:nvGrpSpPr>
+          <p:grpSpPr>
+            <a:xfrm>
+              <a:off x="1825956" y="3231181"/>
+              <a:ext cx="7279944" cy="6136971"/>
+              <a:chOff x="1825956" y="3231181"/>
+              <a:chExt cx="7279944" cy="6136971"/>
+            </a:xfrm>
+          </p:grpSpPr>
+          <p:sp>
+            <p:nvSpPr>
+              <p:cNvPr id="24" name="Rounded Rectangle 23"/>
+              <p:cNvSpPr/>
+              <p:nvPr/>
+            </p:nvSpPr>
+            <p:spPr>
+              <a:xfrm>
+                <a:off x="1825956" y="3231181"/>
+                <a:ext cx="7279944" cy="3388281"/>
+              </a:xfrm>
+              <a:prstGeom prst="roundRect">
+                <a:avLst/>
+              </a:prstGeom>
+              <a:solidFill>
+                <a:srgbClr val="7030A0"/>
+              </a:solidFill>
+              <a:ln>
+                <a:solidFill>
+                  <a:srgbClr val="7030A0"/>
+                </a:solidFill>
+              </a:ln>
+            </p:spPr>
+            <p:style>
+              <a:lnRef idx="2">
+                <a:schemeClr val="accent2">
+                  <a:shade val="50000"/>
+                </a:schemeClr>
+              </a:lnRef>
+              <a:fillRef idx="1">
+                <a:schemeClr val="accent2"/>
+              </a:fillRef>
+              <a:effectRef idx="0">
+                <a:schemeClr val="accent2"/>
+              </a:effectRef>
+              <a:fontRef idx="minor">
+                <a:schemeClr val="lt1"/>
+              </a:fontRef>
+            </p:style>
+            <p:txBody>
+              <a:bodyPr rtlCol="0" anchor="ctr"/>
+              <a:lstStyle/>
+              <a:p>
+                <a:pPr algn="ctr"/>
+                <a:endParaRPr lang="en-US" sz="2669"/>
+              </a:p>
+            </p:txBody>
+          </p:sp>
+          <p:sp>
+            <p:nvSpPr>
+              <p:cNvPr id="26" name="Rounded Rectangle 25"/>
+              <p:cNvSpPr/>
+              <p:nvPr/>
+            </p:nvSpPr>
+            <p:spPr>
+              <a:xfrm>
+                <a:off x="1825956" y="3845040"/>
+                <a:ext cx="7279944" cy="5523112"/>
+              </a:xfrm>
+              <a:prstGeom prst="roundRect">
+                <a:avLst/>
+              </a:prstGeom>
+              <a:ln>
+                <a:solidFill>
+                  <a:srgbClr val="7030A0"/>
+                </a:solidFill>
+              </a:ln>
+            </p:spPr>
+            <p:style>
+              <a:lnRef idx="2">
+                <a:schemeClr val="dk1"/>
+              </a:lnRef>
+              <a:fillRef idx="1">
+                <a:schemeClr val="lt1"/>
+              </a:fillRef>
+              <a:effectRef idx="0">
+                <a:schemeClr val="dk1"/>
+              </a:effectRef>
+              <a:fontRef idx="minor">
+                <a:schemeClr val="dk1"/>
+              </a:fontRef>
+            </p:style>
+            <p:txBody>
+              <a:bodyPr rtlCol="0" anchor="ctr"/>
+              <a:lstStyle/>
+              <a:p>
+                <a:pPr algn="ctr"/>
+                <a:endParaRPr lang="en-US" sz="2669"/>
+              </a:p>
+            </p:txBody>
+          </p:sp>
+          <p:sp>
+            <p:nvSpPr>
+              <p:cNvPr id="27" name="Rectangle 26"/>
+              <p:cNvSpPr/>
+              <p:nvPr/>
+            </p:nvSpPr>
+            <p:spPr>
+              <a:xfrm>
+                <a:off x="1825956" y="3839510"/>
+                <a:ext cx="7279944" cy="1021215"/>
+              </a:xfrm>
+              <a:prstGeom prst="rect">
+                <a:avLst/>
+              </a:prstGeom>
+              <a:solidFill>
+                <a:schemeClr val="tx2">
+                  <a:lumMod val="40000"/>
+                  <a:lumOff val="60000"/>
+                </a:schemeClr>
+              </a:solidFill>
+              <a:ln>
+                <a:solidFill>
+                  <a:srgbClr val="7030A0"/>
+                </a:solidFill>
+              </a:ln>
+            </p:spPr>
+            <p:style>
+              <a:lnRef idx="2">
+                <a:schemeClr val="accent1">
+                  <a:shade val="50000"/>
+                </a:schemeClr>
+              </a:lnRef>
+              <a:fillRef idx="1">
+                <a:schemeClr val="accent1"/>
+              </a:fillRef>
+              <a:effectRef idx="0">
+                <a:schemeClr val="accent1"/>
+              </a:effectRef>
+              <a:fontRef idx="minor">
+                <a:schemeClr val="lt1"/>
+              </a:fontRef>
+            </p:style>
+            <p:txBody>
+              <a:bodyPr rot="0" spcFirstLastPara="0" vertOverflow="overflow" horzOverflow="overflow" vert="horz" wrap="square" lIns="35721" tIns="17860" rIns="35721" bIns="17860" numCol="1" spcCol="0" rtlCol="0" fromWordArt="0" anchor="ctr" anchorCtr="0" forceAA="0" compatLnSpc="1">
+                <a:prstTxWarp prst="textNoShape">
+                  <a:avLst/>
+                </a:prstTxWarp>
+                <a:noAutofit/>
+              </a:bodyPr>
+              <a:lstStyle/>
+              <a:p>
+                <a:pPr algn="ctr"/>
+                <a:endParaRPr lang="en-US" sz="2669"/>
+              </a:p>
+            </p:txBody>
+          </p:sp>
+          <p:pic>
+            <p:nvPicPr>
+              <p:cNvPr id="31" name="Picture 2" descr="Free Key SVG, PNG Icon, Symbol. Download Image."/>
+              <p:cNvPicPr>
+                <a:picLocks noChangeAspect="1" noChangeArrowheads="1"/>
+              </p:cNvPicPr>
+              <p:nvPr/>
+            </p:nvPicPr>
+            <p:blipFill>
+              <a:blip r:embed="rId2" cstate="print">
+                <a:extLst>
+                  <a:ext uri="{28A0092B-C50C-407E-A947-70E740481C1C}">
+                    <a14:useLocalDpi xmlns:a14="http://schemas.microsoft.com/office/drawing/2010/main" val="0"/>
+                  </a:ext>
+                </a:extLst>
+              </a:blip>
+              <a:srcRect/>
+              <a:stretch>
+                <a:fillRect/>
+              </a:stretch>
+            </p:blipFill>
+            <p:spPr bwMode="auto">
+              <a:xfrm>
+                <a:off x="1983070" y="5066079"/>
+                <a:ext cx="334395" cy="334395"/>
+              </a:xfrm>
+              <a:prstGeom prst="rect">
+                <a:avLst/>
+              </a:prstGeom>
+              <a:noFill/>
+              <a:ln>
+                <a:noFill/>
+              </a:ln>
+              <a:extLst>
+                <a:ext uri="{909E8E84-426E-40DD-AFC4-6F175D3DCCD1}">
+                  <a14:hiddenFill xmlns:a14="http://schemas.microsoft.com/office/drawing/2010/main">
+                    <a:solidFill>
+                      <a:srgbClr val="FFFFFF"/>
+                    </a:solidFill>
+                  </a14:hiddenFill>
+                </a:ext>
+              </a:extLst>
+            </p:spPr>
+          </p:pic>
+          <p:sp>
+            <p:nvSpPr>
+              <p:cNvPr id="32" name="Rectangle 31"/>
+              <p:cNvSpPr/>
+              <p:nvPr/>
+            </p:nvSpPr>
+            <p:spPr>
+              <a:xfrm>
+                <a:off x="3493038" y="4053973"/>
+                <a:ext cx="3652347" cy="584775"/>
+              </a:xfrm>
+              <a:prstGeom prst="rect">
+                <a:avLst/>
+              </a:prstGeom>
+            </p:spPr>
+            <p:txBody>
+              <a:bodyPr wrap="none">
+                <a:spAutoFit/>
+              </a:bodyPr>
+              <a:lstStyle/>
+              <a:p>
+                <a:r>
+                  <a:rPr lang="en-US" sz="3200" b="1" dirty="0" err="1"/>
+                  <a:t>space_travel_agents</a:t>
+                </a:r>
+                <a:endParaRPr lang="en-US" sz="3200" dirty="0"/>
+              </a:p>
+            </p:txBody>
+          </p:sp>
+        </p:grpSp>
+        <p:sp>
+          <p:nvSpPr>
+            <p:cNvPr id="33" name="Rectangle 32"/>
+            <p:cNvSpPr/>
+            <p:nvPr/>
+          </p:nvSpPr>
+          <p:spPr>
+            <a:xfrm>
+              <a:off x="2377440" y="4983831"/>
+              <a:ext cx="9448800" cy="3970318"/>
+            </a:xfrm>
+            <a:prstGeom prst="rect">
+              <a:avLst/>
+            </a:prstGeom>
+          </p:spPr>
+          <p:txBody>
+            <a:bodyPr>
+              <a:spAutoFit/>
+            </a:bodyPr>
+            <a:lstStyle/>
+            <a:p>
+              <a:r>
+                <a:rPr lang="en-US" sz="2800" b="1" dirty="0" err="1"/>
+                <a:t>AgentID</a:t>
+              </a:r>
+              <a:endParaRPr lang="en-US" sz="2800" b="1" dirty="0"/>
+            </a:p>
+            <a:p>
+              <a:r>
+                <a:rPr lang="en-US" sz="2800" dirty="0" err="1"/>
+                <a:t>FirstName</a:t>
+              </a:r>
+              <a:endParaRPr lang="en-US" sz="2800" dirty="0"/>
+            </a:p>
+            <a:p>
+              <a:r>
+                <a:rPr lang="en-US" sz="2800" dirty="0" err="1"/>
+                <a:t>LastName</a:t>
+              </a:r>
+              <a:endParaRPr lang="en-US" sz="2800" dirty="0"/>
+            </a:p>
+            <a:p>
+              <a:r>
+                <a:rPr lang="en-US" sz="2800" dirty="0"/>
+                <a:t>Email</a:t>
+              </a:r>
+            </a:p>
+            <a:p>
+              <a:r>
+                <a:rPr lang="en-US" sz="2800" dirty="0" err="1"/>
+                <a:t>JobTitle</a:t>
+              </a:r>
+              <a:endParaRPr lang="en-US" sz="2800" dirty="0"/>
+            </a:p>
+            <a:p>
+              <a:r>
+                <a:rPr lang="en-US" sz="2800" dirty="0" err="1"/>
+                <a:t>DepartmentName</a:t>
+              </a:r>
+              <a:endParaRPr lang="en-US" sz="2800" dirty="0"/>
+            </a:p>
+            <a:p>
+              <a:r>
+                <a:rPr lang="en-US" sz="2800" dirty="0" err="1"/>
+                <a:t>ManagerName</a:t>
+              </a:r>
+              <a:endParaRPr lang="en-US" sz="2800" dirty="0"/>
+            </a:p>
+            <a:p>
+              <a:r>
+                <a:rPr lang="en-US" sz="2800" dirty="0" err="1"/>
+                <a:t>YearsOfService</a:t>
+              </a:r>
+              <a:endParaRPr lang="en-US" sz="2800" dirty="0"/>
+            </a:p>
+            <a:p>
+              <a:r>
+                <a:rPr lang="en-US" sz="2800" dirty="0" err="1"/>
+                <a:t>AverageCustomerServiceRating</a:t>
+              </a:r>
+              <a:endParaRPr lang="en-US" sz="2800" dirty="0"/>
+            </a:p>
+          </p:txBody>
+        </p:sp>
+        <p:sp>
+          <p:nvSpPr>
+            <p:cNvPr id="34" name="Rectangle 33"/>
+            <p:cNvSpPr/>
+            <p:nvPr/>
+          </p:nvSpPr>
+          <p:spPr>
+            <a:xfrm>
+              <a:off x="-737270" y="5001546"/>
+              <a:ext cx="9448800" cy="3970318"/>
+            </a:xfrm>
+            <a:prstGeom prst="rect">
+              <a:avLst/>
+            </a:prstGeom>
+          </p:spPr>
+          <p:txBody>
+            <a:bodyPr>
+              <a:spAutoFit/>
+            </a:bodyPr>
+            <a:lstStyle/>
+            <a:p>
+              <a:pPr algn="r"/>
+              <a:r>
+                <a:rPr lang="en-US" sz="2800" b="1" dirty="0" err="1"/>
+                <a:t>int</a:t>
+              </a:r>
+              <a:endParaRPr lang="en-US" sz="2800" b="1" dirty="0"/>
+            </a:p>
+            <a:p>
+              <a:pPr algn="r"/>
+              <a:r>
+                <a:rPr lang="en-US" sz="2800" dirty="0"/>
+                <a:t>varchar</a:t>
+              </a:r>
+            </a:p>
+            <a:p>
+              <a:pPr algn="r"/>
+              <a:r>
+                <a:rPr lang="en-US" sz="2800" dirty="0"/>
+                <a:t>varchar</a:t>
+              </a:r>
+            </a:p>
+            <a:p>
+              <a:pPr algn="r"/>
+              <a:r>
+                <a:rPr lang="en-US" sz="2800" dirty="0"/>
+                <a:t>varchar</a:t>
+              </a:r>
+            </a:p>
+            <a:p>
+              <a:pPr algn="r"/>
+              <a:r>
+                <a:rPr lang="en-US" sz="2800" dirty="0"/>
+                <a:t>varchar</a:t>
+              </a:r>
+            </a:p>
+            <a:p>
+              <a:pPr algn="r"/>
+              <a:r>
+                <a:rPr lang="en-US" sz="2800" dirty="0"/>
+                <a:t>varchar</a:t>
+              </a:r>
+            </a:p>
+            <a:p>
+              <a:pPr algn="r"/>
+              <a:r>
+                <a:rPr lang="en-US" sz="2800" dirty="0"/>
+                <a:t>varchar</a:t>
+              </a:r>
+            </a:p>
+            <a:p>
+              <a:pPr algn="r"/>
+              <a:r>
+                <a:rPr lang="en-US" sz="2800" dirty="0" err="1"/>
+                <a:t>int</a:t>
+              </a:r>
+              <a:endParaRPr lang="en-US" sz="2800" dirty="0"/>
+            </a:p>
+            <a:p>
+              <a:pPr algn="r"/>
+              <a:r>
+                <a:rPr lang="en-US" sz="2800" dirty="0"/>
+                <a:t>float</a:t>
+              </a:r>
+              <a:endParaRPr lang="en-US" sz="2800" dirty="0"/>
+            </a:p>
+          </p:txBody>
+        </p:sp>
+      </p:grpSp>
+      <p:grpSp>
+        <p:nvGrpSpPr>
+          <p:cNvPr id="50" name="Group 49"/>
+          <p:cNvGrpSpPr/>
+          <p:nvPr/>
+        </p:nvGrpSpPr>
+        <p:grpSpPr>
+          <a:xfrm>
+            <a:off x="8333963" y="2481945"/>
+            <a:ext cx="12563510" cy="6952909"/>
+            <a:chOff x="7145385" y="5724404"/>
+            <a:chExt cx="12563510" cy="6952909"/>
+          </a:xfrm>
+        </p:grpSpPr>
+        <p:grpSp>
+          <p:nvGrpSpPr>
+            <p:cNvPr id="47" name="Group 46"/>
+            <p:cNvGrpSpPr/>
+            <p:nvPr/>
+          </p:nvGrpSpPr>
+          <p:grpSpPr>
+            <a:xfrm>
+              <a:off x="9708611" y="5724404"/>
+              <a:ext cx="7279944" cy="6952909"/>
+              <a:chOff x="9708611" y="5724404"/>
+              <a:chExt cx="7279944" cy="6952909"/>
+            </a:xfrm>
+          </p:grpSpPr>
+          <p:sp>
+            <p:nvSpPr>
+              <p:cNvPr id="40" name="Rounded Rectangle 39"/>
+              <p:cNvSpPr/>
+              <p:nvPr/>
+            </p:nvSpPr>
+            <p:spPr>
+              <a:xfrm>
+                <a:off x="9708611" y="5724404"/>
+                <a:ext cx="7279944" cy="3388281"/>
+              </a:xfrm>
+              <a:prstGeom prst="roundRect">
+                <a:avLst/>
+              </a:prstGeom>
+              <a:solidFill>
+                <a:srgbClr val="7030A0"/>
+              </a:solidFill>
+              <a:ln>
+                <a:solidFill>
+                  <a:srgbClr val="7030A0"/>
+                </a:solidFill>
+              </a:ln>
+            </p:spPr>
+            <p:style>
+              <a:lnRef idx="2">
+                <a:schemeClr val="accent2">
+                  <a:shade val="50000"/>
+                </a:schemeClr>
+              </a:lnRef>
+              <a:fillRef idx="1">
+                <a:schemeClr val="accent2"/>
+              </a:fillRef>
+              <a:effectRef idx="0">
+                <a:schemeClr val="accent2"/>
+              </a:effectRef>
+              <a:fontRef idx="minor">
+                <a:schemeClr val="lt1"/>
+              </a:fontRef>
+            </p:style>
+            <p:txBody>
+              <a:bodyPr rtlCol="0" anchor="ctr"/>
+              <a:lstStyle/>
+              <a:p>
+                <a:pPr algn="ctr"/>
+                <a:endParaRPr lang="en-US" sz="2669"/>
+              </a:p>
+            </p:txBody>
+          </p:sp>
+          <p:sp>
+            <p:nvSpPr>
+              <p:cNvPr id="41" name="Rounded Rectangle 40"/>
+              <p:cNvSpPr/>
+              <p:nvPr/>
+            </p:nvSpPr>
+            <p:spPr>
+              <a:xfrm>
+                <a:off x="9708611" y="6338263"/>
+                <a:ext cx="7279944" cy="6339050"/>
+              </a:xfrm>
+              <a:prstGeom prst="roundRect">
+                <a:avLst/>
+              </a:prstGeom>
+              <a:ln>
+                <a:solidFill>
+                  <a:srgbClr val="7030A0"/>
+                </a:solidFill>
+              </a:ln>
+            </p:spPr>
+            <p:style>
+              <a:lnRef idx="2">
+                <a:schemeClr val="dk1"/>
+              </a:lnRef>
+              <a:fillRef idx="1">
+                <a:schemeClr val="lt1"/>
+              </a:fillRef>
+              <a:effectRef idx="0">
+                <a:schemeClr val="dk1"/>
+              </a:effectRef>
+              <a:fontRef idx="minor">
+                <a:schemeClr val="dk1"/>
+              </a:fontRef>
+            </p:style>
+            <p:txBody>
+              <a:bodyPr rtlCol="0" anchor="ctr"/>
+              <a:lstStyle/>
+              <a:p>
+                <a:pPr algn="ctr"/>
+                <a:endParaRPr lang="en-US" sz="2669"/>
+              </a:p>
+            </p:txBody>
+          </p:sp>
+          <p:sp>
+            <p:nvSpPr>
+              <p:cNvPr id="42" name="Rectangle 41"/>
+              <p:cNvSpPr/>
+              <p:nvPr/>
+            </p:nvSpPr>
+            <p:spPr>
+              <a:xfrm>
+                <a:off x="9708611" y="6332733"/>
+                <a:ext cx="7279944" cy="1021215"/>
+              </a:xfrm>
+              <a:prstGeom prst="rect">
+                <a:avLst/>
+              </a:prstGeom>
+              <a:solidFill>
+                <a:schemeClr val="tx2">
+                  <a:lumMod val="40000"/>
+                  <a:lumOff val="60000"/>
+                </a:schemeClr>
+              </a:solidFill>
+              <a:ln>
+                <a:solidFill>
+                  <a:srgbClr val="7030A0"/>
+                </a:solidFill>
+              </a:ln>
+            </p:spPr>
+            <p:style>
+              <a:lnRef idx="2">
+                <a:schemeClr val="accent1">
+                  <a:shade val="50000"/>
+                </a:schemeClr>
+              </a:lnRef>
+              <a:fillRef idx="1">
+                <a:schemeClr val="accent1"/>
+              </a:fillRef>
+              <a:effectRef idx="0">
+                <a:schemeClr val="accent1"/>
+              </a:effectRef>
+              <a:fontRef idx="minor">
+                <a:schemeClr val="lt1"/>
+              </a:fontRef>
+            </p:style>
+            <p:txBody>
+              <a:bodyPr rot="0" spcFirstLastPara="0" vertOverflow="overflow" horzOverflow="overflow" vert="horz" wrap="square" lIns="35721" tIns="17860" rIns="35721" bIns="17860" numCol="1" spcCol="0" rtlCol="0" fromWordArt="0" anchor="ctr" anchorCtr="0" forceAA="0" compatLnSpc="1">
+                <a:prstTxWarp prst="textNoShape">
+                  <a:avLst/>
+                </a:prstTxWarp>
+                <a:noAutofit/>
+              </a:bodyPr>
+              <a:lstStyle/>
+              <a:p>
+                <a:pPr algn="ctr"/>
+                <a:endParaRPr lang="en-US" sz="2669"/>
+              </a:p>
+            </p:txBody>
+          </p:sp>
+          <p:pic>
+            <p:nvPicPr>
+              <p:cNvPr id="43" name="Picture 2" descr="Free Key SVG, PNG Icon, Symbol. Download Image."/>
+              <p:cNvPicPr>
+                <a:picLocks noChangeAspect="1" noChangeArrowheads="1"/>
+              </p:cNvPicPr>
+              <p:nvPr/>
+            </p:nvPicPr>
+            <p:blipFill>
+              <a:blip r:embed="rId2" cstate="print">
+                <a:extLst>
+                  <a:ext uri="{28A0092B-C50C-407E-A947-70E740481C1C}">
+                    <a14:useLocalDpi xmlns:a14="http://schemas.microsoft.com/office/drawing/2010/main" val="0"/>
+                  </a:ext>
+                </a:extLst>
+              </a:blip>
+              <a:srcRect/>
+              <a:stretch>
+                <a:fillRect/>
+              </a:stretch>
+            </p:blipFill>
+            <p:spPr bwMode="auto">
+              <a:xfrm>
+                <a:off x="9865725" y="7559302"/>
+                <a:ext cx="334395" cy="334395"/>
+              </a:xfrm>
+              <a:prstGeom prst="rect">
+                <a:avLst/>
+              </a:prstGeom>
+              <a:noFill/>
+              <a:ln>
+                <a:noFill/>
+              </a:ln>
+              <a:extLst>
+                <a:ext uri="{909E8E84-426E-40DD-AFC4-6F175D3DCCD1}">
+                  <a14:hiddenFill xmlns:a14="http://schemas.microsoft.com/office/drawing/2010/main">
+                    <a:solidFill>
+                      <a:srgbClr val="FFFFFF"/>
+                    </a:solidFill>
+                  </a14:hiddenFill>
+                </a:ext>
+              </a:extLst>
+            </p:spPr>
+          </p:pic>
+          <p:sp>
+            <p:nvSpPr>
+              <p:cNvPr id="44" name="Rectangle 43"/>
+              <p:cNvSpPr/>
+              <p:nvPr/>
+            </p:nvSpPr>
+            <p:spPr>
+              <a:xfrm>
+                <a:off x="11375693" y="6547196"/>
+                <a:ext cx="3652347" cy="584775"/>
+              </a:xfrm>
+              <a:prstGeom prst="rect">
+                <a:avLst/>
+              </a:prstGeom>
+            </p:spPr>
+            <p:txBody>
+              <a:bodyPr wrap="none">
+                <a:spAutoFit/>
+              </a:bodyPr>
+              <a:lstStyle/>
+              <a:p>
+                <a:r>
+                  <a:rPr lang="en-US" sz="3200" b="1" dirty="0" err="1"/>
+                  <a:t>space_travel_agents</a:t>
+                </a:r>
+                <a:endParaRPr lang="en-US" sz="3200" dirty="0"/>
+              </a:p>
+            </p:txBody>
+          </p:sp>
+        </p:grpSp>
+        <p:sp>
+          <p:nvSpPr>
+            <p:cNvPr id="45" name="Rectangle 44"/>
+            <p:cNvSpPr/>
+            <p:nvPr/>
+          </p:nvSpPr>
+          <p:spPr>
+            <a:xfrm>
+              <a:off x="10260095" y="7477054"/>
+              <a:ext cx="9448800" cy="4832092"/>
+            </a:xfrm>
+            <a:prstGeom prst="rect">
+              <a:avLst/>
+            </a:prstGeom>
+          </p:spPr>
+          <p:txBody>
+            <a:bodyPr>
+              <a:spAutoFit/>
+            </a:bodyPr>
+            <a:lstStyle/>
+            <a:p>
+              <a:r>
+                <a:rPr lang="en-US" sz="2800" b="1" dirty="0" err="1"/>
+                <a:t>AgentID</a:t>
+              </a:r>
+              <a:endParaRPr lang="en-US" sz="2800" b="1" dirty="0"/>
+            </a:p>
+            <a:p>
+              <a:r>
+                <a:rPr lang="en-US" sz="2800" dirty="0" err="1"/>
+                <a:t>FirstName</a:t>
+              </a:r>
+              <a:endParaRPr lang="en-US" sz="2800" dirty="0"/>
+            </a:p>
+            <a:p>
+              <a:r>
+                <a:rPr lang="en-US" sz="2800" dirty="0" err="1"/>
+                <a:t>LastName</a:t>
+              </a:r>
+              <a:endParaRPr lang="en-US" sz="2800" dirty="0"/>
+            </a:p>
+            <a:p>
+              <a:r>
+                <a:rPr lang="en-US" sz="2800" dirty="0"/>
+                <a:t>Email</a:t>
+              </a:r>
+            </a:p>
+            <a:p>
+              <a:r>
+                <a:rPr lang="en-US" sz="2800" dirty="0" err="1"/>
+                <a:t>JobTitle</a:t>
+              </a:r>
+              <a:endParaRPr lang="en-US" sz="2800" dirty="0"/>
+            </a:p>
+            <a:p>
+              <a:r>
+                <a:rPr lang="en-US" sz="2800" dirty="0" err="1"/>
+                <a:t>DepartmentName</a:t>
+              </a:r>
+              <a:endParaRPr lang="en-US" sz="2800" dirty="0"/>
+            </a:p>
+            <a:p>
+              <a:r>
+                <a:rPr lang="en-US" sz="2800" dirty="0" err="1"/>
+                <a:t>ManagerName</a:t>
+              </a:r>
+              <a:endParaRPr lang="en-US" sz="2800" dirty="0"/>
+            </a:p>
+            <a:p>
+              <a:r>
+                <a:rPr lang="en-US" sz="2800" dirty="0" err="1"/>
+                <a:t>YearsOfService</a:t>
+              </a:r>
+              <a:endParaRPr lang="en-US" sz="2800" dirty="0"/>
+            </a:p>
+            <a:p>
+              <a:r>
+                <a:rPr lang="en-US" sz="2800" dirty="0" err="1" smtClean="0"/>
+                <a:t>AverageCustomerServiceRating</a:t>
+              </a:r>
+              <a:endParaRPr lang="en-US" sz="2800" dirty="0" smtClean="0"/>
+            </a:p>
+            <a:p>
+              <a:r>
+                <a:rPr lang="en-US" sz="2800" b="1" dirty="0" smtClean="0">
+                  <a:solidFill>
+                    <a:srgbClr val="0070C0"/>
+                  </a:solidFill>
+                </a:rPr>
+                <a:t>load</a:t>
+              </a:r>
+            </a:p>
+            <a:p>
+              <a:r>
+                <a:rPr lang="en-US" sz="2800" b="1" dirty="0" err="1" smtClean="0">
+                  <a:solidFill>
+                    <a:srgbClr val="0070C0"/>
+                  </a:solidFill>
+                </a:rPr>
+                <a:t>agent_rank</a:t>
+              </a:r>
+              <a:endParaRPr lang="en-US" sz="2800" b="1" dirty="0">
+                <a:solidFill>
+                  <a:srgbClr val="0070C0"/>
+                </a:solidFill>
+              </a:endParaRPr>
+            </a:p>
+          </p:txBody>
+        </p:sp>
+        <p:sp>
+          <p:nvSpPr>
+            <p:cNvPr id="46" name="Rectangle 45"/>
+            <p:cNvSpPr/>
+            <p:nvPr/>
+          </p:nvSpPr>
+          <p:spPr>
+            <a:xfrm>
+              <a:off x="7145385" y="7494769"/>
+              <a:ext cx="9448800" cy="4832092"/>
+            </a:xfrm>
+            <a:prstGeom prst="rect">
+              <a:avLst/>
+            </a:prstGeom>
+          </p:spPr>
+          <p:txBody>
+            <a:bodyPr>
+              <a:spAutoFit/>
+            </a:bodyPr>
+            <a:lstStyle/>
+            <a:p>
+              <a:pPr algn="r"/>
+              <a:r>
+                <a:rPr lang="en-US" sz="2800" b="1" dirty="0" err="1"/>
+                <a:t>int</a:t>
+              </a:r>
+              <a:endParaRPr lang="en-US" sz="2800" b="1" dirty="0"/>
+            </a:p>
+            <a:p>
+              <a:pPr algn="r"/>
+              <a:r>
+                <a:rPr lang="en-US" sz="2800" dirty="0"/>
+                <a:t>varchar</a:t>
+              </a:r>
+            </a:p>
+            <a:p>
+              <a:pPr algn="r"/>
+              <a:r>
+                <a:rPr lang="en-US" sz="2800" dirty="0"/>
+                <a:t>varchar</a:t>
+              </a:r>
+            </a:p>
+            <a:p>
+              <a:pPr algn="r"/>
+              <a:r>
+                <a:rPr lang="en-US" sz="2800" dirty="0"/>
+                <a:t>varchar</a:t>
+              </a:r>
+            </a:p>
+            <a:p>
+              <a:pPr algn="r"/>
+              <a:r>
+                <a:rPr lang="en-US" sz="2800" dirty="0"/>
+                <a:t>varchar</a:t>
+              </a:r>
+            </a:p>
+            <a:p>
+              <a:pPr algn="r"/>
+              <a:r>
+                <a:rPr lang="en-US" sz="2800" dirty="0"/>
+                <a:t>varchar</a:t>
+              </a:r>
+            </a:p>
+            <a:p>
+              <a:pPr algn="r"/>
+              <a:r>
+                <a:rPr lang="en-US" sz="2800" dirty="0"/>
+                <a:t>varchar</a:t>
+              </a:r>
+            </a:p>
+            <a:p>
+              <a:pPr algn="r"/>
+              <a:r>
+                <a:rPr lang="en-US" sz="2800" dirty="0" err="1"/>
+                <a:t>int</a:t>
+              </a:r>
+              <a:endParaRPr lang="en-US" sz="2800" dirty="0"/>
+            </a:p>
+            <a:p>
+              <a:pPr algn="r"/>
+              <a:r>
+                <a:rPr lang="en-US" sz="2800" dirty="0" smtClean="0"/>
+                <a:t>float</a:t>
+              </a:r>
+            </a:p>
+            <a:p>
+              <a:pPr algn="r"/>
+              <a:r>
+                <a:rPr lang="en-US" sz="2800" b="1" dirty="0" err="1" smtClean="0">
+                  <a:solidFill>
+                    <a:srgbClr val="0070C0"/>
+                  </a:solidFill>
+                </a:rPr>
+                <a:t>int</a:t>
+              </a:r>
+              <a:endParaRPr lang="en-US" sz="2800" b="1" dirty="0" smtClean="0">
+                <a:solidFill>
+                  <a:srgbClr val="0070C0"/>
+                </a:solidFill>
+              </a:endParaRPr>
+            </a:p>
+            <a:p>
+              <a:pPr algn="r"/>
+              <a:r>
+                <a:rPr lang="en-US" sz="2800" b="1" dirty="0" err="1" smtClean="0">
+                  <a:solidFill>
+                    <a:srgbClr val="0070C0"/>
+                  </a:solidFill>
+                </a:rPr>
+                <a:t>int</a:t>
+              </a:r>
+              <a:endParaRPr lang="en-US" sz="2800" b="1" dirty="0">
+                <a:solidFill>
+                  <a:srgbClr val="0070C0"/>
+                </a:solidFill>
+              </a:endParaRPr>
+            </a:p>
+          </p:txBody>
+        </p:sp>
+      </p:grpSp>
+    </p:spTree>
+    <p:extLst>
+      <p:ext uri="{BB962C8B-B14F-4D97-AF65-F5344CB8AC3E}">
+        <p14:creationId xmlns:p14="http://schemas.microsoft.com/office/powerpoint/2010/main" val="3183146562"/>
+      </p:ext>
+    </p:extLst>
+  </p:cSld>
+  <p:clrMapOvr>
+    <a:masterClrMapping/>
+  </p:clrMapOvr>
+</p:sld>
+</file>
+
+<file path=ppt/slides/slide3.xml><?xml version="1.0" encoding="utf-8"?>
+<p:sld xmlns:a="http://schemas.openxmlformats.org/drawingml/2006/main" xmlns:r="http://schemas.openxmlformats.org/officeDocument/2006/relationships" xmlns:p="http://schemas.openxmlformats.org/presentationml/2006/main">
+  <p:cSld>
+    <p:spTree>
+      <p:nvGrpSpPr>
+        <p:cNvPr id="1" name=""/>
+        <p:cNvGrpSpPr/>
+        <p:nvPr/>
+      </p:nvGrpSpPr>
+      <p:grpSpPr>
+        <a:xfrm>
+          <a:off x="0" y="0"/>
+          <a:ext cx="0" cy="0"/>
+          <a:chOff x="0" y="0"/>
+          <a:chExt cx="0" cy="0"/>
+        </a:xfrm>
+      </p:grpSpPr>
+      <p:grpSp>
+        <p:nvGrpSpPr>
+          <p:cNvPr id="4" name="Group 3"/>
+          <p:cNvGrpSpPr/>
+          <p:nvPr/>
+        </p:nvGrpSpPr>
+        <p:grpSpPr>
+          <a:xfrm>
+            <a:off x="12072560" y="3797922"/>
+            <a:ext cx="10000284" cy="4676273"/>
+            <a:chOff x="10833530" y="2647805"/>
+            <a:chExt cx="10000284" cy="4676273"/>
+          </a:xfrm>
+        </p:grpSpPr>
+        <p:grpSp>
+          <p:nvGrpSpPr>
+            <p:cNvPr id="3" name="Group 2"/>
+            <p:cNvGrpSpPr/>
+            <p:nvPr/>
+          </p:nvGrpSpPr>
+          <p:grpSpPr>
+            <a:xfrm>
+              <a:off x="10833530" y="2647805"/>
+              <a:ext cx="6655278" cy="4676273"/>
+              <a:chOff x="10833530" y="2647805"/>
+              <a:chExt cx="6655278" cy="4676273"/>
+            </a:xfrm>
+          </p:grpSpPr>
+          <p:sp>
+            <p:nvSpPr>
+              <p:cNvPr id="40" name="Rounded Rectangle 39"/>
+              <p:cNvSpPr/>
+              <p:nvPr/>
+            </p:nvSpPr>
+            <p:spPr>
+              <a:xfrm>
+                <a:off x="10833530" y="2647805"/>
+                <a:ext cx="6655278" cy="3388281"/>
+              </a:xfrm>
+              <a:prstGeom prst="roundRect">
+                <a:avLst/>
+              </a:prstGeom>
+              <a:solidFill>
+                <a:srgbClr val="5B9BD5"/>
+              </a:solidFill>
+              <a:ln>
+                <a:solidFill>
+                  <a:srgbClr val="5B9BD5"/>
+                </a:solidFill>
+              </a:ln>
+            </p:spPr>
+            <p:style>
+              <a:lnRef idx="2">
+                <a:schemeClr val="accent2">
+                  <a:shade val="50000"/>
+                </a:schemeClr>
+              </a:lnRef>
+              <a:fillRef idx="1">
+                <a:schemeClr val="accent2"/>
+              </a:fillRef>
+              <a:effectRef idx="0">
+                <a:schemeClr val="accent2"/>
+              </a:effectRef>
+              <a:fontRef idx="minor">
+                <a:schemeClr val="lt1"/>
+              </a:fontRef>
+            </p:style>
+            <p:txBody>
+              <a:bodyPr rtlCol="0" anchor="ctr"/>
+              <a:lstStyle/>
+              <a:p>
+                <a:pPr algn="ctr"/>
+                <a:endParaRPr lang="en-US" sz="2669"/>
+              </a:p>
+            </p:txBody>
+          </p:sp>
+          <p:sp>
+            <p:nvSpPr>
+              <p:cNvPr id="41" name="Rounded Rectangle 40"/>
+              <p:cNvSpPr/>
+              <p:nvPr/>
+            </p:nvSpPr>
+            <p:spPr>
+              <a:xfrm>
+                <a:off x="10833530" y="3261664"/>
+                <a:ext cx="6655278" cy="4062414"/>
+              </a:xfrm>
+              <a:prstGeom prst="roundRect">
+                <a:avLst/>
+              </a:prstGeom>
+              <a:ln>
+                <a:solidFill>
+                  <a:srgbClr val="5B9BD5"/>
+                </a:solidFill>
+              </a:ln>
+            </p:spPr>
+            <p:style>
+              <a:lnRef idx="2">
+                <a:schemeClr val="dk1"/>
+              </a:lnRef>
+              <a:fillRef idx="1">
+                <a:schemeClr val="lt1"/>
+              </a:fillRef>
+              <a:effectRef idx="0">
+                <a:schemeClr val="dk1"/>
+              </a:effectRef>
+              <a:fontRef idx="minor">
+                <a:schemeClr val="dk1"/>
+              </a:fontRef>
+            </p:style>
+            <p:txBody>
+              <a:bodyPr rtlCol="0" anchor="ctr"/>
+              <a:lstStyle/>
+              <a:p>
+                <a:pPr algn="ctr"/>
+                <a:endParaRPr lang="en-US" sz="2669"/>
+              </a:p>
+            </p:txBody>
+          </p:sp>
+          <p:sp>
+            <p:nvSpPr>
+              <p:cNvPr id="42" name="Rectangle 41"/>
+              <p:cNvSpPr/>
+              <p:nvPr/>
+            </p:nvSpPr>
+            <p:spPr>
+              <a:xfrm>
+                <a:off x="10833530" y="3256134"/>
+                <a:ext cx="6655278" cy="1021215"/>
+              </a:xfrm>
+              <a:prstGeom prst="rect">
+                <a:avLst/>
+              </a:prstGeom>
+              <a:solidFill>
+                <a:schemeClr val="tx2">
+                  <a:lumMod val="40000"/>
+                  <a:lumOff val="60000"/>
+                </a:schemeClr>
+              </a:solidFill>
+              <a:ln>
+                <a:solidFill>
+                  <a:srgbClr val="5B9BD5"/>
+                </a:solidFill>
+              </a:ln>
+            </p:spPr>
+            <p:style>
+              <a:lnRef idx="2">
+                <a:schemeClr val="accent1">
+                  <a:shade val="50000"/>
+                </a:schemeClr>
+              </a:lnRef>
+              <a:fillRef idx="1">
+                <a:schemeClr val="accent1"/>
+              </a:fillRef>
+              <a:effectRef idx="0">
+                <a:schemeClr val="accent1"/>
+              </a:effectRef>
+              <a:fontRef idx="minor">
+                <a:schemeClr val="lt1"/>
+              </a:fontRef>
+            </p:style>
+            <p:txBody>
+              <a:bodyPr rot="0" spcFirstLastPara="0" vertOverflow="overflow" horzOverflow="overflow" vert="horz" wrap="square" lIns="35721" tIns="17860" rIns="35721" bIns="17860" numCol="1" spcCol="0" rtlCol="0" fromWordArt="0" anchor="ctr" anchorCtr="0" forceAA="0" compatLnSpc="1">
+                <a:prstTxWarp prst="textNoShape">
+                  <a:avLst/>
+                </a:prstTxWarp>
+                <a:noAutofit/>
+              </a:bodyPr>
+              <a:lstStyle/>
+              <a:p>
+                <a:pPr algn="ctr"/>
+                <a:endParaRPr lang="en-US" sz="2669"/>
+              </a:p>
+            </p:txBody>
+          </p:sp>
+          <p:pic>
+            <p:nvPicPr>
+              <p:cNvPr id="43" name="Picture 2" descr="Free Key SVG, PNG Icon, Symbol. Download Image."/>
+              <p:cNvPicPr>
+                <a:picLocks noChangeAspect="1" noChangeArrowheads="1"/>
+              </p:cNvPicPr>
+              <p:nvPr/>
+            </p:nvPicPr>
+            <p:blipFill>
+              <a:blip r:embed="rId2" cstate="print">
+                <a:extLst>
+                  <a:ext uri="{28A0092B-C50C-407E-A947-70E740481C1C}">
+                    <a14:useLocalDpi xmlns:a14="http://schemas.microsoft.com/office/drawing/2010/main" val="0"/>
+                  </a:ext>
+                </a:extLst>
+              </a:blip>
+              <a:srcRect/>
+              <a:stretch>
+                <a:fillRect/>
+              </a:stretch>
+            </p:blipFill>
+            <p:spPr bwMode="auto">
+              <a:xfrm>
+                <a:off x="10990644" y="4482703"/>
+                <a:ext cx="334395" cy="334395"/>
+              </a:xfrm>
+              <a:prstGeom prst="rect">
+                <a:avLst/>
+              </a:prstGeom>
+              <a:noFill/>
+              <a:ln>
+                <a:noFill/>
+              </a:ln>
+              <a:extLst>
+                <a:ext uri="{909E8E84-426E-40DD-AFC4-6F175D3DCCD1}">
+                  <a14:hiddenFill xmlns:a14="http://schemas.microsoft.com/office/drawing/2010/main">
+                    <a:solidFill>
+                      <a:srgbClr val="FFFFFF"/>
+                    </a:solidFill>
+                  </a14:hiddenFill>
+                </a:ext>
+              </a:extLst>
+            </p:spPr>
+          </p:pic>
+          <p:sp>
+            <p:nvSpPr>
+              <p:cNvPr id="44" name="Rectangle 43"/>
+              <p:cNvSpPr/>
+              <p:nvPr/>
+            </p:nvSpPr>
+            <p:spPr>
+              <a:xfrm>
+                <a:off x="12500612" y="3470597"/>
+                <a:ext cx="3513078" cy="584775"/>
+              </a:xfrm>
+              <a:prstGeom prst="rect">
+                <a:avLst/>
+              </a:prstGeom>
+            </p:spPr>
+            <p:txBody>
+              <a:bodyPr wrap="none">
+                <a:spAutoFit/>
+              </a:bodyPr>
+              <a:lstStyle/>
+              <a:p>
+                <a:r>
+                  <a:rPr lang="en-US" sz="3200" b="1" dirty="0" err="1"/>
+                  <a:t>assignment_history</a:t>
+                </a:r>
+                <a:endParaRPr lang="en-US" sz="3200" dirty="0"/>
+              </a:p>
+            </p:txBody>
+          </p:sp>
+        </p:grpSp>
+        <p:sp>
+          <p:nvSpPr>
+            <p:cNvPr id="45" name="Rectangle 44"/>
+            <p:cNvSpPr/>
+            <p:nvPr/>
+          </p:nvSpPr>
+          <p:spPr>
+            <a:xfrm>
+              <a:off x="11385014" y="4400455"/>
+              <a:ext cx="9448800" cy="2677656"/>
+            </a:xfrm>
+            <a:prstGeom prst="rect">
+              <a:avLst/>
+            </a:prstGeom>
+          </p:spPr>
+          <p:txBody>
+            <a:bodyPr>
+              <a:spAutoFit/>
+            </a:bodyPr>
+            <a:lstStyle/>
+            <a:p>
+              <a:r>
+                <a:rPr lang="en-US" sz="2800" b="1" dirty="0" err="1"/>
+                <a:t>AssignmentID</a:t>
+              </a:r>
+              <a:endParaRPr lang="en-US" sz="2800" b="1" dirty="0"/>
+            </a:p>
+            <a:p>
+              <a:r>
+                <a:rPr lang="en-US" sz="2800" dirty="0" err="1"/>
+                <a:t>AgentID</a:t>
+              </a:r>
+              <a:endParaRPr lang="en-US" sz="2800" dirty="0"/>
+            </a:p>
+            <a:p>
+              <a:r>
+                <a:rPr lang="en-US" sz="2800" b="1" dirty="0" err="1">
+                  <a:solidFill>
+                    <a:srgbClr val="0070C0"/>
+                  </a:solidFill>
+                </a:rPr>
+                <a:t>CustomerName</a:t>
+              </a:r>
+              <a:endParaRPr lang="en-US" sz="2800" b="1" dirty="0">
+                <a:solidFill>
+                  <a:srgbClr val="0070C0"/>
+                </a:solidFill>
+              </a:endParaRPr>
+            </a:p>
+            <a:p>
+              <a:r>
+                <a:rPr lang="en-US" sz="2800" b="1" dirty="0" err="1">
+                  <a:solidFill>
+                    <a:srgbClr val="0070C0"/>
+                  </a:solidFill>
+                </a:rPr>
+                <a:t>CommunicationMethod</a:t>
+              </a:r>
+              <a:endParaRPr lang="en-US" sz="2800" b="1" dirty="0">
+                <a:solidFill>
+                  <a:srgbClr val="0070C0"/>
+                </a:solidFill>
+              </a:endParaRPr>
+            </a:p>
+            <a:p>
+              <a:r>
+                <a:rPr lang="en-US" sz="2800" b="1" dirty="0" err="1">
+                  <a:solidFill>
+                    <a:srgbClr val="0070C0"/>
+                  </a:solidFill>
+                </a:rPr>
+                <a:t>LeadSource</a:t>
+              </a:r>
+              <a:endParaRPr lang="en-US" sz="2800" b="1" dirty="0">
+                <a:solidFill>
+                  <a:srgbClr val="0070C0"/>
+                </a:solidFill>
+              </a:endParaRPr>
+            </a:p>
+            <a:p>
+              <a:r>
+                <a:rPr lang="en-US" sz="2800" dirty="0" err="1"/>
+                <a:t>AssignedDateTime</a:t>
+              </a:r>
+              <a:endParaRPr lang="en-US" sz="2800" dirty="0"/>
+            </a:p>
+          </p:txBody>
+        </p:sp>
+        <p:sp>
+          <p:nvSpPr>
+            <p:cNvPr id="46" name="Rectangle 45"/>
+            <p:cNvSpPr/>
+            <p:nvPr/>
+          </p:nvSpPr>
+          <p:spPr>
+            <a:xfrm>
+              <a:off x="15428517" y="4418170"/>
+              <a:ext cx="1873901" cy="2677656"/>
+            </a:xfrm>
+            <a:prstGeom prst="rect">
+              <a:avLst/>
+            </a:prstGeom>
+          </p:spPr>
+          <p:txBody>
+            <a:bodyPr wrap="square">
+              <a:spAutoFit/>
+            </a:bodyPr>
+            <a:lstStyle/>
+            <a:p>
+              <a:pPr algn="r"/>
+              <a:r>
+                <a:rPr lang="en-US" sz="2800" b="1" dirty="0" err="1"/>
+                <a:t>int</a:t>
+              </a:r>
+              <a:endParaRPr lang="en-US" sz="2800" b="1" dirty="0"/>
+            </a:p>
+            <a:p>
+              <a:pPr algn="r"/>
+              <a:r>
+                <a:rPr lang="en-US" sz="2800" dirty="0" err="1"/>
+                <a:t>int</a:t>
+              </a:r>
+              <a:endParaRPr lang="en-US" sz="2800" dirty="0"/>
+            </a:p>
+            <a:p>
+              <a:pPr algn="r"/>
+              <a:r>
+                <a:rPr lang="en-US" sz="2800" b="1" dirty="0">
+                  <a:solidFill>
+                    <a:srgbClr val="0070C0"/>
+                  </a:solidFill>
+                </a:rPr>
+                <a:t>varchar</a:t>
+              </a:r>
+            </a:p>
+            <a:p>
+              <a:pPr algn="r"/>
+              <a:r>
+                <a:rPr lang="en-US" sz="2800" b="1" dirty="0">
+                  <a:solidFill>
+                    <a:srgbClr val="0070C0"/>
+                  </a:solidFill>
+                </a:rPr>
+                <a:t>varchar</a:t>
+              </a:r>
+            </a:p>
+            <a:p>
+              <a:pPr algn="r"/>
+              <a:r>
+                <a:rPr lang="en-US" sz="2800" b="1" dirty="0">
+                  <a:solidFill>
+                    <a:srgbClr val="0070C0"/>
+                  </a:solidFill>
+                </a:rPr>
+                <a:t>varchar</a:t>
+              </a:r>
+            </a:p>
+            <a:p>
+              <a:pPr algn="r"/>
+              <a:r>
+                <a:rPr lang="en-US" sz="2800" dirty="0" err="1"/>
+                <a:t>datetime</a:t>
+              </a:r>
+              <a:endParaRPr lang="en-US" sz="2800" dirty="0"/>
+            </a:p>
+          </p:txBody>
+        </p:sp>
+      </p:grpSp>
+      <p:grpSp>
+        <p:nvGrpSpPr>
+          <p:cNvPr id="2" name="Group 1"/>
+          <p:cNvGrpSpPr/>
+          <p:nvPr/>
+        </p:nvGrpSpPr>
+        <p:grpSpPr>
+          <a:xfrm>
+            <a:off x="115049" y="3797922"/>
+            <a:ext cx="7279944" cy="4579911"/>
+            <a:chOff x="3051230" y="2519265"/>
+            <a:chExt cx="7279944" cy="4579911"/>
+          </a:xfrm>
+        </p:grpSpPr>
+        <p:sp>
+          <p:nvSpPr>
+            <p:cNvPr id="23" name="Rounded Rectangle 22"/>
+            <p:cNvSpPr/>
+            <p:nvPr/>
+          </p:nvSpPr>
+          <p:spPr>
+            <a:xfrm>
+              <a:off x="3051230" y="2519265"/>
+              <a:ext cx="7279944" cy="4112430"/>
+            </a:xfrm>
+            <a:prstGeom prst="roundRect">
+              <a:avLst/>
+            </a:prstGeom>
+            <a:solidFill>
+              <a:schemeClr val="accent6"/>
+            </a:solidFill>
+            <a:ln/>
+          </p:spPr>
+          <p:style>
+            <a:lnRef idx="2">
+              <a:schemeClr val="accent6">
+                <a:shade val="50000"/>
+              </a:schemeClr>
+            </a:lnRef>
+            <a:fillRef idx="1">
+              <a:schemeClr val="accent6"/>
+            </a:fillRef>
+            <a:effectRef idx="0">
+              <a:schemeClr val="accent6"/>
+            </a:effectRef>
+            <a:fontRef idx="minor">
+              <a:schemeClr val="lt1"/>
+            </a:fontRef>
+          </p:style>
+          <p:txBody>
+            <a:bodyPr rtlCol="0" anchor="ctr"/>
+            <a:lstStyle/>
+            <a:p>
+              <a:pPr algn="ctr"/>
+              <a:endParaRPr lang="en-US" sz="2669"/>
+            </a:p>
+          </p:txBody>
+        </p:sp>
+        <p:sp>
+          <p:nvSpPr>
+            <p:cNvPr id="25" name="Rounded Rectangle 24"/>
+            <p:cNvSpPr/>
+            <p:nvPr/>
+          </p:nvSpPr>
+          <p:spPr>
+            <a:xfrm>
+              <a:off x="3051230" y="3310325"/>
+              <a:ext cx="7279944" cy="3788851"/>
+            </a:xfrm>
+            <a:prstGeom prst="roundRect">
+              <a:avLst/>
+            </a:prstGeom>
+            <a:ln>
+              <a:solidFill>
+                <a:schemeClr val="accent6"/>
+              </a:solidFill>
+            </a:ln>
+          </p:spPr>
+          <p:style>
+            <a:lnRef idx="2">
+              <a:schemeClr val="dk1"/>
+            </a:lnRef>
+            <a:fillRef idx="1">
+              <a:schemeClr val="lt1"/>
+            </a:fillRef>
+            <a:effectRef idx="0">
+              <a:schemeClr val="dk1"/>
+            </a:effectRef>
+            <a:fontRef idx="minor">
+              <a:schemeClr val="dk1"/>
+            </a:fontRef>
+          </p:style>
+          <p:txBody>
+            <a:bodyPr rtlCol="0" anchor="ctr"/>
+            <a:lstStyle/>
+            <a:p>
+              <a:pPr algn="ctr"/>
+              <a:endParaRPr lang="en-US" sz="2669"/>
+            </a:p>
+          </p:txBody>
+        </p:sp>
+        <p:sp>
+          <p:nvSpPr>
+            <p:cNvPr id="28" name="Rectangle 27"/>
+            <p:cNvSpPr/>
+            <p:nvPr/>
+          </p:nvSpPr>
+          <p:spPr>
+            <a:xfrm>
+              <a:off x="3051230" y="3170664"/>
+              <a:ext cx="7279944" cy="977891"/>
+            </a:xfrm>
+            <a:prstGeom prst="rect">
+              <a:avLst/>
+            </a:prstGeom>
+            <a:solidFill>
+              <a:schemeClr val="tx2">
+                <a:lumMod val="40000"/>
+                <a:lumOff val="60000"/>
+              </a:schemeClr>
+            </a:solidFill>
+            <a:ln>
+              <a:solidFill>
+                <a:schemeClr val="accent6"/>
+              </a:solidFill>
+            </a:ln>
+          </p:spPr>
+          <p:style>
+            <a:lnRef idx="2">
+              <a:schemeClr val="accent1">
+                <a:shade val="50000"/>
+              </a:schemeClr>
+            </a:lnRef>
+            <a:fillRef idx="1">
+              <a:schemeClr val="accent1"/>
+            </a:fillRef>
+            <a:effectRef idx="0">
+              <a:schemeClr val="accent1"/>
+            </a:effectRef>
+            <a:fontRef idx="minor">
+              <a:schemeClr val="lt1"/>
+            </a:fontRef>
+          </p:style>
+          <p:txBody>
+            <a:bodyPr rot="0" spcFirstLastPara="0" vertOverflow="overflow" horzOverflow="overflow" vert="horz" wrap="square" lIns="35721" tIns="17860" rIns="35721" bIns="17860" numCol="1" spcCol="0" rtlCol="0" fromWordArt="0" anchor="ctr" anchorCtr="0" forceAA="0" compatLnSpc="1">
+              <a:prstTxWarp prst="textNoShape">
+                <a:avLst/>
+              </a:prstTxWarp>
+              <a:noAutofit/>
+            </a:bodyPr>
+            <a:lstStyle/>
+            <a:p>
+              <a:pPr algn="ctr"/>
+              <a:endParaRPr lang="en-US" sz="2669"/>
+            </a:p>
+          </p:txBody>
+        </p:sp>
+        <p:sp>
+          <p:nvSpPr>
+            <p:cNvPr id="29" name="TextBox 28"/>
+            <p:cNvSpPr txBox="1"/>
+            <p:nvPr/>
+          </p:nvSpPr>
+          <p:spPr>
+            <a:xfrm>
+              <a:off x="5365454" y="3367221"/>
+              <a:ext cx="2716385" cy="584775"/>
+            </a:xfrm>
+            <a:prstGeom prst="rect">
+              <a:avLst/>
+            </a:prstGeom>
+            <a:noFill/>
+          </p:spPr>
+          <p:txBody>
+            <a:bodyPr wrap="none" rtlCol="0">
+              <a:spAutoFit/>
+            </a:bodyPr>
+            <a:lstStyle/>
+            <a:p>
+              <a:r>
+                <a:rPr lang="en-US" sz="3200" b="1" dirty="0" err="1"/>
+                <a:t>new_customer</a:t>
+              </a:r>
+              <a:endParaRPr lang="en-US" sz="3200" b="1" dirty="0"/>
+            </a:p>
+          </p:txBody>
+        </p:sp>
+        <p:sp>
+          <p:nvSpPr>
+            <p:cNvPr id="30" name="TextBox 29"/>
+            <p:cNvSpPr txBox="1"/>
+            <p:nvPr/>
+          </p:nvSpPr>
+          <p:spPr>
+            <a:xfrm>
+              <a:off x="3522235" y="4418745"/>
+              <a:ext cx="3740255" cy="2246769"/>
+            </a:xfrm>
+            <a:prstGeom prst="rect">
+              <a:avLst/>
+            </a:prstGeom>
+            <a:noFill/>
+          </p:spPr>
+          <p:txBody>
+            <a:bodyPr wrap="none" rtlCol="0">
+              <a:spAutoFit/>
+            </a:bodyPr>
+            <a:lstStyle/>
+            <a:p>
+              <a:r>
+                <a:rPr lang="en-US" sz="2800" b="1" dirty="0" err="1">
+                  <a:solidFill>
+                    <a:srgbClr val="0070C0"/>
+                  </a:solidFill>
+                </a:rPr>
+                <a:t>CustomerName</a:t>
+              </a:r>
+              <a:endParaRPr lang="en-US" sz="2800" b="1" dirty="0">
+                <a:solidFill>
+                  <a:srgbClr val="0070C0"/>
+                </a:solidFill>
+              </a:endParaRPr>
+            </a:p>
+            <a:p>
+              <a:r>
+                <a:rPr lang="en-US" sz="2800" b="1" dirty="0" err="1">
+                  <a:solidFill>
+                    <a:srgbClr val="0070C0"/>
+                  </a:solidFill>
+                </a:rPr>
+                <a:t>CommunicationMethod</a:t>
+              </a:r>
+              <a:endParaRPr lang="en-US" sz="2800" b="1" dirty="0">
+                <a:solidFill>
+                  <a:srgbClr val="0070C0"/>
+                </a:solidFill>
+              </a:endParaRPr>
+            </a:p>
+            <a:p>
+              <a:r>
+                <a:rPr lang="en-US" sz="2800" b="1" dirty="0" err="1">
+                  <a:solidFill>
+                    <a:srgbClr val="0070C0"/>
+                  </a:solidFill>
+                </a:rPr>
+                <a:t>LeadSource</a:t>
+              </a:r>
+              <a:endParaRPr lang="en-US" sz="2800" b="1" dirty="0">
+                <a:solidFill>
+                  <a:srgbClr val="0070C0"/>
+                </a:solidFill>
+              </a:endParaRPr>
+            </a:p>
+            <a:p>
+              <a:r>
+                <a:rPr lang="en-US" sz="2800" dirty="0"/>
+                <a:t>Destination</a:t>
+              </a:r>
+            </a:p>
+            <a:p>
+              <a:r>
+                <a:rPr lang="en-US" sz="2800" dirty="0" err="1"/>
+                <a:t>LaunchLocation</a:t>
+              </a:r>
+              <a:endParaRPr lang="en-US" sz="2800" dirty="0"/>
+            </a:p>
+          </p:txBody>
+        </p:sp>
+        <p:sp>
+          <p:nvSpPr>
+            <p:cNvPr id="36" name="TextBox 35"/>
+            <p:cNvSpPr txBox="1"/>
+            <p:nvPr/>
+          </p:nvSpPr>
+          <p:spPr>
+            <a:xfrm>
+              <a:off x="8453609" y="4418745"/>
+              <a:ext cx="1299651" cy="2246769"/>
+            </a:xfrm>
+            <a:prstGeom prst="rect">
+              <a:avLst/>
+            </a:prstGeom>
+            <a:noFill/>
+          </p:spPr>
+          <p:txBody>
+            <a:bodyPr wrap="none" rtlCol="0">
+              <a:spAutoFit/>
+            </a:bodyPr>
+            <a:lstStyle/>
+            <a:p>
+              <a:pPr algn="r"/>
+              <a:r>
+                <a:rPr lang="en-US" sz="2800" b="1" dirty="0">
+                  <a:solidFill>
+                    <a:srgbClr val="0070C0"/>
+                  </a:solidFill>
+                </a:rPr>
+                <a:t>varchar</a:t>
+              </a:r>
+            </a:p>
+            <a:p>
+              <a:pPr algn="r"/>
+              <a:r>
+                <a:rPr lang="en-US" sz="2800" b="1" dirty="0">
+                  <a:solidFill>
+                    <a:srgbClr val="0070C0"/>
+                  </a:solidFill>
+                </a:rPr>
+                <a:t>varchar</a:t>
+              </a:r>
+            </a:p>
+            <a:p>
+              <a:pPr algn="r"/>
+              <a:r>
+                <a:rPr lang="en-US" sz="2800" b="1" dirty="0">
+                  <a:solidFill>
+                    <a:srgbClr val="0070C0"/>
+                  </a:solidFill>
+                </a:rPr>
+                <a:t>varchar</a:t>
+              </a:r>
+            </a:p>
+            <a:p>
+              <a:pPr algn="r"/>
+              <a:r>
+                <a:rPr lang="en-US" sz="2800" dirty="0"/>
+                <a:t>varchar</a:t>
+              </a:r>
+            </a:p>
+            <a:p>
+              <a:pPr algn="r"/>
+              <a:r>
+                <a:rPr lang="en-US" sz="2800" dirty="0"/>
+                <a:t>varchar</a:t>
+              </a:r>
+            </a:p>
+          </p:txBody>
+        </p:sp>
+        <p:pic>
+          <p:nvPicPr>
+            <p:cNvPr id="37" name="Picture 2" descr="Free Key SVG, PNG Icon, Symbol. Download Image."/>
+            <p:cNvPicPr>
+              <a:picLocks noChangeAspect="1" noChangeArrowheads="1"/>
+            </p:cNvPicPr>
+            <p:nvPr/>
+          </p:nvPicPr>
+          <p:blipFill>
+            <a:blip r:embed="rId2" cstate="print">
+              <a:extLst>
+                <a:ext uri="{28A0092B-C50C-407E-A947-70E740481C1C}">
+                  <a14:useLocalDpi xmlns:a14="http://schemas.microsoft.com/office/drawing/2010/main" val="0"/>
+                </a:ext>
+              </a:extLst>
+            </a:blip>
+            <a:srcRect/>
+            <a:stretch>
+              <a:fillRect/>
+            </a:stretch>
+          </p:blipFill>
+          <p:spPr bwMode="auto">
+            <a:xfrm>
+              <a:off x="3187840" y="4466340"/>
+              <a:ext cx="334395" cy="334395"/>
+            </a:xfrm>
+            <a:prstGeom prst="rect">
+              <a:avLst/>
+            </a:prstGeom>
+            <a:noFill/>
+            <a:ln>
+              <a:noFill/>
+            </a:ln>
+            <a:extLst>
+              <a:ext uri="{909E8E84-426E-40DD-AFC4-6F175D3DCCD1}">
+                <a14:hiddenFill xmlns:a14="http://schemas.microsoft.com/office/drawing/2010/main">
+                  <a:solidFill>
+                    <a:srgbClr val="FFFFFF"/>
+                  </a:solidFill>
+                </a14:hiddenFill>
+              </a:ext>
+            </a:extLst>
+          </p:spPr>
+        </p:pic>
+      </p:grpSp>
+      <p:sp>
+        <p:nvSpPr>
+          <p:cNvPr id="38" name="TextBox 37"/>
+          <p:cNvSpPr txBox="1"/>
+          <p:nvPr/>
+        </p:nvSpPr>
+        <p:spPr>
+          <a:xfrm>
+            <a:off x="7429420" y="5706280"/>
+            <a:ext cx="4690393" cy="523220"/>
+          </a:xfrm>
+          <a:prstGeom prst="rect">
+            <a:avLst/>
+          </a:prstGeom>
+          <a:noFill/>
+          <a:ln>
+            <a:noFill/>
+          </a:ln>
+        </p:spPr>
+        <p:txBody>
+          <a:bodyPr wrap="square" rtlCol="0">
+            <a:spAutoFit/>
+          </a:bodyPr>
+          <a:lstStyle/>
+          <a:p>
+            <a:r>
+              <a:rPr lang="en-US" sz="2800" b="1" dirty="0" err="1">
+                <a:solidFill>
+                  <a:srgbClr val="5B9BD5"/>
+                </a:solidFill>
+              </a:rPr>
+              <a:t>updating_assignment_history</a:t>
+            </a:r>
+            <a:endParaRPr lang="en-US" sz="2800" b="1" dirty="0">
+              <a:solidFill>
+                <a:srgbClr val="5B9BD5"/>
+              </a:solidFill>
+            </a:endParaRPr>
+          </a:p>
+        </p:txBody>
+      </p:sp>
+      <p:cxnSp>
+        <p:nvCxnSpPr>
+          <p:cNvPr id="39" name="Straight Arrow Connector 38"/>
+          <p:cNvCxnSpPr/>
+          <p:nvPr/>
+        </p:nvCxnSpPr>
+        <p:spPr>
+          <a:xfrm flipV="1">
+            <a:off x="7394993" y="6314625"/>
+            <a:ext cx="4711137" cy="1219"/>
+          </a:xfrm>
+          <a:prstGeom prst="straightConnector1">
+            <a:avLst/>
+          </a:prstGeom>
+          <a:ln w="76200">
+            <a:solidFill>
+              <a:srgbClr val="5B9BD5"/>
+            </a:solidFill>
+            <a:tailEnd type="triangle"/>
+          </a:ln>
+        </p:spPr>
+        <p:style>
+          <a:lnRef idx="1">
+            <a:schemeClr val="accent1"/>
+          </a:lnRef>
+          <a:fillRef idx="0">
+            <a:schemeClr val="accent1"/>
+          </a:fillRef>
+          <a:effectRef idx="0">
+            <a:schemeClr val="accent1"/>
+          </a:effectRef>
+          <a:fontRef idx="minor">
+            <a:schemeClr val="tx1"/>
+          </a:fontRef>
+        </p:style>
+      </p:cxnSp>
+    </p:spTree>
+    <p:extLst>
+      <p:ext uri="{BB962C8B-B14F-4D97-AF65-F5344CB8AC3E}">
+        <p14:creationId xmlns:p14="http://schemas.microsoft.com/office/powerpoint/2010/main" val="2271981877"/>
+      </p:ext>
+    </p:extLst>
+  </p:cSld>
+  <p:clrMapOvr>
+    <a:masterClrMapping/>
+  </p:clrMapOvr>
+</p:sld>
+</file>
+
+<file path=ppt/slides/slide4.xml><?xml version="1.0" encoding="utf-8"?>
+<p:sld xmlns:a="http://schemas.openxmlformats.org/drawingml/2006/main" xmlns:r="http://schemas.openxmlformats.org/officeDocument/2006/relationships" xmlns:p="http://schemas.openxmlformats.org/presentationml/2006/main">
+  <p:cSld>
+    <p:spTree>
+      <p:nvGrpSpPr>
+        <p:cNvPr id="1" name=""/>
+        <p:cNvGrpSpPr/>
+        <p:nvPr/>
+      </p:nvGrpSpPr>
+      <p:grpSpPr>
+        <a:xfrm>
+          <a:off x="0" y="0"/>
+          <a:ext cx="0" cy="0"/>
+          <a:chOff x="0" y="0"/>
+          <a:chExt cx="0" cy="0"/>
+        </a:xfrm>
+      </p:grpSpPr>
+      <p:grpSp>
+        <p:nvGrpSpPr>
+          <p:cNvPr id="4" name="Group 3"/>
+          <p:cNvGrpSpPr/>
+          <p:nvPr/>
+        </p:nvGrpSpPr>
+        <p:grpSpPr>
+          <a:xfrm>
+            <a:off x="8524948" y="2725844"/>
+            <a:ext cx="12563510" cy="6728874"/>
+            <a:chOff x="8270304" y="2647806"/>
+            <a:chExt cx="12563510" cy="6728874"/>
+          </a:xfrm>
+        </p:grpSpPr>
+        <p:grpSp>
+          <p:nvGrpSpPr>
+            <p:cNvPr id="47" name="Group 46"/>
+            <p:cNvGrpSpPr/>
+            <p:nvPr/>
+          </p:nvGrpSpPr>
+          <p:grpSpPr>
+            <a:xfrm>
+              <a:off x="10833530" y="2647806"/>
+              <a:ext cx="7279944" cy="6728874"/>
+              <a:chOff x="9708611" y="5724404"/>
+              <a:chExt cx="7279944" cy="7189137"/>
+            </a:xfrm>
+          </p:grpSpPr>
+          <p:sp>
+            <p:nvSpPr>
+              <p:cNvPr id="40" name="Rounded Rectangle 39"/>
+              <p:cNvSpPr/>
+              <p:nvPr/>
+            </p:nvSpPr>
+            <p:spPr>
+              <a:xfrm>
+                <a:off x="9708611" y="5724404"/>
+                <a:ext cx="7279944" cy="3388281"/>
+              </a:xfrm>
+              <a:prstGeom prst="roundRect">
+                <a:avLst/>
+              </a:prstGeom>
+              <a:solidFill>
+                <a:srgbClr val="FFC000"/>
+              </a:solidFill>
+              <a:ln>
+                <a:solidFill>
+                  <a:srgbClr val="FFC000"/>
+                </a:solidFill>
+              </a:ln>
+            </p:spPr>
+            <p:style>
+              <a:lnRef idx="2">
+                <a:schemeClr val="accent2">
+                  <a:shade val="50000"/>
+                </a:schemeClr>
+              </a:lnRef>
+              <a:fillRef idx="1">
+                <a:schemeClr val="accent2"/>
+              </a:fillRef>
+              <a:effectRef idx="0">
+                <a:schemeClr val="accent2"/>
+              </a:effectRef>
+              <a:fontRef idx="minor">
+                <a:schemeClr val="lt1"/>
+              </a:fontRef>
+            </p:style>
+            <p:txBody>
+              <a:bodyPr rtlCol="0" anchor="ctr"/>
+              <a:lstStyle/>
+              <a:p>
+                <a:pPr algn="ctr"/>
+                <a:endParaRPr lang="en-US" sz="2669"/>
+              </a:p>
+            </p:txBody>
+          </p:sp>
+          <p:sp>
+            <p:nvSpPr>
+              <p:cNvPr id="41" name="Rounded Rectangle 40"/>
+              <p:cNvSpPr/>
+              <p:nvPr/>
+            </p:nvSpPr>
+            <p:spPr>
+              <a:xfrm>
+                <a:off x="9708611" y="6338264"/>
+                <a:ext cx="7279944" cy="6575277"/>
+              </a:xfrm>
+              <a:prstGeom prst="roundRect">
+                <a:avLst/>
+              </a:prstGeom>
+              <a:ln>
+                <a:solidFill>
+                  <a:srgbClr val="FFC000"/>
+                </a:solidFill>
+              </a:ln>
+            </p:spPr>
+            <p:style>
+              <a:lnRef idx="2">
+                <a:schemeClr val="dk1"/>
+              </a:lnRef>
+              <a:fillRef idx="1">
+                <a:schemeClr val="lt1"/>
+              </a:fillRef>
+              <a:effectRef idx="0">
+                <a:schemeClr val="dk1"/>
+              </a:effectRef>
+              <a:fontRef idx="minor">
+                <a:schemeClr val="dk1"/>
+              </a:fontRef>
+            </p:style>
+            <p:txBody>
+              <a:bodyPr rtlCol="0" anchor="ctr"/>
+              <a:lstStyle/>
+              <a:p>
+                <a:pPr algn="ctr"/>
+                <a:endParaRPr lang="en-US" sz="2669"/>
+              </a:p>
+            </p:txBody>
+          </p:sp>
+          <p:sp>
+            <p:nvSpPr>
+              <p:cNvPr id="42" name="Rectangle 41"/>
+              <p:cNvSpPr/>
+              <p:nvPr/>
+            </p:nvSpPr>
+            <p:spPr>
+              <a:xfrm>
+                <a:off x="9708611" y="6332733"/>
+                <a:ext cx="7279944" cy="1021215"/>
+              </a:xfrm>
+              <a:prstGeom prst="rect">
+                <a:avLst/>
+              </a:prstGeom>
+              <a:solidFill>
+                <a:schemeClr val="tx2">
+                  <a:lumMod val="40000"/>
+                  <a:lumOff val="60000"/>
+                </a:schemeClr>
+              </a:solidFill>
+              <a:ln>
+                <a:solidFill>
+                  <a:srgbClr val="FFC000"/>
+                </a:solidFill>
+              </a:ln>
+            </p:spPr>
+            <p:style>
+              <a:lnRef idx="2">
+                <a:schemeClr val="accent1">
+                  <a:shade val="50000"/>
+                </a:schemeClr>
+              </a:lnRef>
+              <a:fillRef idx="1">
+                <a:schemeClr val="accent1"/>
+              </a:fillRef>
+              <a:effectRef idx="0">
+                <a:schemeClr val="accent1"/>
+              </a:effectRef>
+              <a:fontRef idx="minor">
+                <a:schemeClr val="lt1"/>
+              </a:fontRef>
+            </p:style>
+            <p:txBody>
+              <a:bodyPr rot="0" spcFirstLastPara="0" vertOverflow="overflow" horzOverflow="overflow" vert="horz" wrap="square" lIns="35721" tIns="17860" rIns="35721" bIns="17860" numCol="1" spcCol="0" rtlCol="0" fromWordArt="0" anchor="ctr" anchorCtr="0" forceAA="0" compatLnSpc="1">
+                <a:prstTxWarp prst="textNoShape">
+                  <a:avLst/>
+                </a:prstTxWarp>
+                <a:noAutofit/>
+              </a:bodyPr>
+              <a:lstStyle/>
+              <a:p>
+                <a:pPr algn="ctr"/>
+                <a:endParaRPr lang="en-US" sz="2669"/>
+              </a:p>
+            </p:txBody>
+          </p:sp>
+          <p:pic>
+            <p:nvPicPr>
+              <p:cNvPr id="43" name="Picture 2" descr="Free Key SVG, PNG Icon, Symbol. Download Image."/>
+              <p:cNvPicPr>
+                <a:picLocks noChangeAspect="1" noChangeArrowheads="1"/>
+              </p:cNvPicPr>
+              <p:nvPr/>
+            </p:nvPicPr>
+            <p:blipFill>
+              <a:blip r:embed="rId2" cstate="print">
+                <a:extLst>
+                  <a:ext uri="{28A0092B-C50C-407E-A947-70E740481C1C}">
+                    <a14:useLocalDpi xmlns:a14="http://schemas.microsoft.com/office/drawing/2010/main" val="0"/>
+                  </a:ext>
+                </a:extLst>
+              </a:blip>
+              <a:srcRect/>
+              <a:stretch>
+                <a:fillRect/>
+              </a:stretch>
+            </p:blipFill>
+            <p:spPr bwMode="auto">
+              <a:xfrm>
+                <a:off x="9925700" y="7730267"/>
+                <a:ext cx="334395" cy="334395"/>
+              </a:xfrm>
+              <a:prstGeom prst="rect">
+                <a:avLst/>
+              </a:prstGeom>
+              <a:noFill/>
+              <a:ln>
+                <a:noFill/>
+              </a:ln>
+              <a:extLst>
+                <a:ext uri="{909E8E84-426E-40DD-AFC4-6F175D3DCCD1}">
+                  <a14:hiddenFill xmlns:a14="http://schemas.microsoft.com/office/drawing/2010/main">
+                    <a:solidFill>
+                      <a:srgbClr val="FFFFFF"/>
+                    </a:solidFill>
+                  </a14:hiddenFill>
+                </a:ext>
+              </a:extLst>
+            </p:spPr>
+          </p:pic>
+          <p:sp>
+            <p:nvSpPr>
+              <p:cNvPr id="44" name="Rectangle 43"/>
+              <p:cNvSpPr/>
+              <p:nvPr/>
+            </p:nvSpPr>
+            <p:spPr>
+              <a:xfrm>
+                <a:off x="12116473" y="6591034"/>
+                <a:ext cx="2146742" cy="584775"/>
+              </a:xfrm>
+              <a:prstGeom prst="rect">
+                <a:avLst/>
+              </a:prstGeom>
+            </p:spPr>
+            <p:txBody>
+              <a:bodyPr wrap="none">
+                <a:spAutoFit/>
+              </a:bodyPr>
+              <a:lstStyle/>
+              <a:p>
+                <a:r>
+                  <a:rPr lang="en-US" sz="3200" b="1" dirty="0" smtClean="0"/>
+                  <a:t>bookings_2</a:t>
+                </a:r>
+                <a:endParaRPr lang="en-US" sz="3200" dirty="0"/>
+              </a:p>
+            </p:txBody>
+          </p:sp>
+        </p:grpSp>
+        <p:sp>
+          <p:nvSpPr>
+            <p:cNvPr id="45" name="Rectangle 44"/>
+            <p:cNvSpPr/>
+            <p:nvPr/>
+          </p:nvSpPr>
+          <p:spPr>
+            <a:xfrm>
+              <a:off x="11385014" y="4400455"/>
+              <a:ext cx="9448800" cy="4832092"/>
+            </a:xfrm>
+            <a:prstGeom prst="rect">
+              <a:avLst/>
+            </a:prstGeom>
+          </p:spPr>
+          <p:txBody>
+            <a:bodyPr>
+              <a:spAutoFit/>
+            </a:bodyPr>
+            <a:lstStyle/>
+            <a:p>
+              <a:r>
+                <a:rPr lang="en-US" sz="2800" b="1" dirty="0" err="1"/>
+                <a:t>BookingID</a:t>
+              </a:r>
+              <a:endParaRPr lang="en-US" sz="2800" b="1" dirty="0"/>
+            </a:p>
+            <a:p>
+              <a:r>
+                <a:rPr lang="en-US" sz="2800" dirty="0" err="1"/>
+                <a:t>AssignmentID</a:t>
+              </a:r>
+              <a:endParaRPr lang="en-US" sz="2800" dirty="0"/>
+            </a:p>
+            <a:p>
+              <a:r>
+                <a:rPr lang="en-US" sz="2800" dirty="0" err="1"/>
+                <a:t>BookingCompleteDate</a:t>
+              </a:r>
+              <a:endParaRPr lang="en-US" sz="2800" dirty="0"/>
+            </a:p>
+            <a:p>
+              <a:r>
+                <a:rPr lang="en-US" sz="2800" dirty="0" err="1" smtClean="0"/>
+                <a:t>CancelledDate</a:t>
+              </a:r>
+              <a:endParaRPr lang="en-US" sz="2800" dirty="0" smtClean="0"/>
+            </a:p>
+            <a:p>
+              <a:r>
+                <a:rPr lang="en-US" sz="2800" b="1" dirty="0" smtClean="0">
+                  <a:solidFill>
+                    <a:srgbClr val="0070C0"/>
+                  </a:solidFill>
+                </a:rPr>
+                <a:t>Destination</a:t>
+              </a:r>
+              <a:endParaRPr lang="en-US" sz="2800" b="1" dirty="0">
+                <a:solidFill>
+                  <a:srgbClr val="0070C0"/>
+                </a:solidFill>
+              </a:endParaRPr>
+            </a:p>
+            <a:p>
+              <a:r>
+                <a:rPr lang="en-US" sz="2800" dirty="0"/>
+                <a:t>Package</a:t>
+              </a:r>
+            </a:p>
+            <a:p>
+              <a:r>
+                <a:rPr lang="en-US" sz="2800" b="1" dirty="0" err="1">
+                  <a:solidFill>
+                    <a:srgbClr val="0070C0"/>
+                  </a:solidFill>
+                </a:rPr>
+                <a:t>LaunchLocation</a:t>
+              </a:r>
+              <a:endParaRPr lang="en-US" sz="2800" b="1" dirty="0">
+                <a:solidFill>
+                  <a:srgbClr val="0070C0"/>
+                </a:solidFill>
+              </a:endParaRPr>
+            </a:p>
+            <a:p>
+              <a:r>
+                <a:rPr lang="en-US" sz="2800" dirty="0" err="1"/>
+                <a:t>PackageRevenue</a:t>
+              </a:r>
+              <a:endParaRPr lang="en-US" sz="2800" dirty="0"/>
+            </a:p>
+            <a:p>
+              <a:r>
+                <a:rPr lang="en-US" sz="2800" dirty="0" err="1"/>
+                <a:t>TotalRevenue</a:t>
+              </a:r>
+              <a:endParaRPr lang="en-US" sz="2800" dirty="0"/>
+            </a:p>
+            <a:p>
+              <a:r>
+                <a:rPr lang="en-US" sz="2800" dirty="0" err="1"/>
+                <a:t>BookingStatus</a:t>
+              </a:r>
+              <a:endParaRPr lang="en-US" sz="2800" dirty="0"/>
+            </a:p>
+            <a:p>
+              <a:r>
+                <a:rPr lang="en-US" sz="2800" dirty="0" err="1"/>
+                <a:t>AgentID</a:t>
+              </a:r>
+              <a:endParaRPr lang="en-US" sz="2800" dirty="0"/>
+            </a:p>
+          </p:txBody>
+        </p:sp>
+        <p:sp>
+          <p:nvSpPr>
+            <p:cNvPr id="46" name="Rectangle 45"/>
+            <p:cNvSpPr/>
+            <p:nvPr/>
+          </p:nvSpPr>
+          <p:spPr>
+            <a:xfrm>
+              <a:off x="8270304" y="4418170"/>
+              <a:ext cx="9448800" cy="4832092"/>
+            </a:xfrm>
+            <a:prstGeom prst="rect">
+              <a:avLst/>
+            </a:prstGeom>
+          </p:spPr>
+          <p:txBody>
+            <a:bodyPr>
+              <a:spAutoFit/>
+            </a:bodyPr>
+            <a:lstStyle/>
+            <a:p>
+              <a:pPr algn="r"/>
+              <a:r>
+                <a:rPr lang="en-US" sz="2800" b="1" dirty="0" err="1"/>
+                <a:t>int</a:t>
+              </a:r>
+              <a:endParaRPr lang="en-US" sz="2800" b="1" dirty="0"/>
+            </a:p>
+            <a:p>
+              <a:pPr algn="r"/>
+              <a:r>
+                <a:rPr lang="en-US" sz="2800" dirty="0" err="1"/>
+                <a:t>int</a:t>
+              </a:r>
+              <a:endParaRPr lang="en-US" sz="2800" dirty="0"/>
+            </a:p>
+            <a:p>
+              <a:pPr algn="r"/>
+              <a:r>
+                <a:rPr lang="en-US" sz="2800" dirty="0" err="1"/>
+                <a:t>datetime</a:t>
+              </a:r>
+              <a:endParaRPr lang="en-US" sz="2800" dirty="0"/>
+            </a:p>
+            <a:p>
+              <a:pPr algn="r"/>
+              <a:r>
+                <a:rPr lang="en-US" sz="2800" dirty="0" err="1"/>
+                <a:t>datetime</a:t>
+              </a:r>
+              <a:endParaRPr lang="en-US" sz="2800" dirty="0"/>
+            </a:p>
+            <a:p>
+              <a:pPr algn="r"/>
+              <a:r>
+                <a:rPr lang="en-US" sz="2800" b="1" dirty="0" smtClean="0">
+                  <a:solidFill>
+                    <a:srgbClr val="0070C0"/>
+                  </a:solidFill>
+                </a:rPr>
+                <a:t>varchar</a:t>
+              </a:r>
+            </a:p>
+            <a:p>
+              <a:pPr algn="r"/>
+              <a:r>
+                <a:rPr lang="en-US" sz="2800" dirty="0" smtClean="0"/>
+                <a:t>varchar</a:t>
+              </a:r>
+              <a:endParaRPr lang="en-US" sz="2800" dirty="0"/>
+            </a:p>
+            <a:p>
+              <a:pPr algn="r"/>
+              <a:r>
+                <a:rPr lang="en-US" sz="2800" b="1" dirty="0">
+                  <a:solidFill>
+                    <a:srgbClr val="0070C0"/>
+                  </a:solidFill>
+                </a:rPr>
+                <a:t>varchar</a:t>
+              </a:r>
+            </a:p>
+            <a:p>
+              <a:pPr algn="r"/>
+              <a:r>
+                <a:rPr lang="en-US" sz="2800" dirty="0"/>
+                <a:t>decimal</a:t>
+              </a:r>
+            </a:p>
+            <a:p>
+              <a:pPr algn="r"/>
+              <a:r>
+                <a:rPr lang="en-US" sz="2800" dirty="0"/>
+                <a:t>decimal</a:t>
+              </a:r>
+            </a:p>
+            <a:p>
+              <a:pPr algn="r"/>
+              <a:r>
+                <a:rPr lang="en-US" sz="2800" dirty="0"/>
+                <a:t>varchar</a:t>
+              </a:r>
+            </a:p>
+            <a:p>
+              <a:pPr algn="r"/>
+              <a:r>
+                <a:rPr lang="en-US" sz="2800" dirty="0" err="1"/>
+                <a:t>int</a:t>
+              </a:r>
+              <a:endParaRPr lang="en-US" sz="2800" dirty="0"/>
+            </a:p>
+          </p:txBody>
+        </p:sp>
+      </p:grpSp>
+      <p:grpSp>
+        <p:nvGrpSpPr>
+          <p:cNvPr id="2" name="Group 1"/>
+          <p:cNvGrpSpPr/>
+          <p:nvPr/>
+        </p:nvGrpSpPr>
+        <p:grpSpPr>
+          <a:xfrm>
+            <a:off x="379629" y="3532704"/>
+            <a:ext cx="7279944" cy="4579911"/>
+            <a:chOff x="3051230" y="2519265"/>
+            <a:chExt cx="7279944" cy="4579911"/>
+          </a:xfrm>
+        </p:grpSpPr>
+        <p:sp>
+          <p:nvSpPr>
+            <p:cNvPr id="23" name="Rounded Rectangle 22"/>
+            <p:cNvSpPr/>
+            <p:nvPr/>
+          </p:nvSpPr>
+          <p:spPr>
+            <a:xfrm>
+              <a:off x="3051230" y="2519265"/>
+              <a:ext cx="7279944" cy="4112430"/>
+            </a:xfrm>
+            <a:prstGeom prst="roundRect">
+              <a:avLst/>
+            </a:prstGeom>
+            <a:solidFill>
+              <a:schemeClr val="accent6"/>
+            </a:solidFill>
+            <a:ln/>
+          </p:spPr>
+          <p:style>
+            <a:lnRef idx="2">
+              <a:schemeClr val="accent6">
+                <a:shade val="50000"/>
+              </a:schemeClr>
+            </a:lnRef>
+            <a:fillRef idx="1">
+              <a:schemeClr val="accent6"/>
+            </a:fillRef>
+            <a:effectRef idx="0">
+              <a:schemeClr val="accent6"/>
+            </a:effectRef>
+            <a:fontRef idx="minor">
+              <a:schemeClr val="lt1"/>
+            </a:fontRef>
+          </p:style>
+          <p:txBody>
+            <a:bodyPr rtlCol="0" anchor="ctr"/>
+            <a:lstStyle/>
+            <a:p>
+              <a:pPr algn="ctr"/>
+              <a:endParaRPr lang="en-US" sz="2669"/>
+            </a:p>
+          </p:txBody>
+        </p:sp>
+        <p:sp>
+          <p:nvSpPr>
+            <p:cNvPr id="25" name="Rounded Rectangle 24"/>
+            <p:cNvSpPr/>
+            <p:nvPr/>
+          </p:nvSpPr>
+          <p:spPr>
+            <a:xfrm>
+              <a:off x="3051230" y="3310325"/>
+              <a:ext cx="7279944" cy="3788851"/>
+            </a:xfrm>
+            <a:prstGeom prst="roundRect">
+              <a:avLst/>
+            </a:prstGeom>
+            <a:ln>
+              <a:solidFill>
+                <a:schemeClr val="accent6"/>
+              </a:solidFill>
+            </a:ln>
+          </p:spPr>
+          <p:style>
+            <a:lnRef idx="2">
+              <a:schemeClr val="dk1"/>
+            </a:lnRef>
+            <a:fillRef idx="1">
+              <a:schemeClr val="lt1"/>
+            </a:fillRef>
+            <a:effectRef idx="0">
+              <a:schemeClr val="dk1"/>
+            </a:effectRef>
+            <a:fontRef idx="minor">
+              <a:schemeClr val="dk1"/>
+            </a:fontRef>
+          </p:style>
+          <p:txBody>
+            <a:bodyPr rtlCol="0" anchor="ctr"/>
+            <a:lstStyle/>
+            <a:p>
+              <a:pPr algn="ctr"/>
+              <a:endParaRPr lang="en-US" sz="2669"/>
+            </a:p>
+          </p:txBody>
+        </p:sp>
+        <p:sp>
+          <p:nvSpPr>
+            <p:cNvPr id="28" name="Rectangle 27"/>
+            <p:cNvSpPr/>
+            <p:nvPr/>
+          </p:nvSpPr>
+          <p:spPr>
+            <a:xfrm>
+              <a:off x="3051230" y="3170664"/>
+              <a:ext cx="7279944" cy="977891"/>
+            </a:xfrm>
+            <a:prstGeom prst="rect">
+              <a:avLst/>
+            </a:prstGeom>
+            <a:solidFill>
+              <a:schemeClr val="tx2">
+                <a:lumMod val="40000"/>
+                <a:lumOff val="60000"/>
+              </a:schemeClr>
+            </a:solidFill>
+            <a:ln>
+              <a:solidFill>
+                <a:schemeClr val="accent6"/>
+              </a:solidFill>
+            </a:ln>
+          </p:spPr>
+          <p:style>
+            <a:lnRef idx="2">
+              <a:schemeClr val="accent1">
+                <a:shade val="50000"/>
+              </a:schemeClr>
+            </a:lnRef>
+            <a:fillRef idx="1">
+              <a:schemeClr val="accent1"/>
+            </a:fillRef>
+            <a:effectRef idx="0">
+              <a:schemeClr val="accent1"/>
+            </a:effectRef>
+            <a:fontRef idx="minor">
+              <a:schemeClr val="lt1"/>
+            </a:fontRef>
+          </p:style>
+          <p:txBody>
+            <a:bodyPr rot="0" spcFirstLastPara="0" vertOverflow="overflow" horzOverflow="overflow" vert="horz" wrap="square" lIns="35721" tIns="17860" rIns="35721" bIns="17860" numCol="1" spcCol="0" rtlCol="0" fromWordArt="0" anchor="ctr" anchorCtr="0" forceAA="0" compatLnSpc="1">
+              <a:prstTxWarp prst="textNoShape">
+                <a:avLst/>
+              </a:prstTxWarp>
+              <a:noAutofit/>
+            </a:bodyPr>
+            <a:lstStyle/>
+            <a:p>
+              <a:pPr algn="ctr"/>
+              <a:endParaRPr lang="en-US" sz="2669"/>
+            </a:p>
+          </p:txBody>
+        </p:sp>
+        <p:sp>
+          <p:nvSpPr>
+            <p:cNvPr id="29" name="TextBox 28"/>
+            <p:cNvSpPr txBox="1"/>
+            <p:nvPr/>
+          </p:nvSpPr>
+          <p:spPr>
+            <a:xfrm>
+              <a:off x="5365454" y="3367221"/>
+              <a:ext cx="2716385" cy="584775"/>
+            </a:xfrm>
+            <a:prstGeom prst="rect">
+              <a:avLst/>
+            </a:prstGeom>
+            <a:noFill/>
+          </p:spPr>
+          <p:txBody>
+            <a:bodyPr wrap="none" rtlCol="0">
+              <a:spAutoFit/>
+            </a:bodyPr>
+            <a:lstStyle/>
+            <a:p>
+              <a:r>
+                <a:rPr lang="en-US" sz="3200" b="1" dirty="0" err="1"/>
+                <a:t>new_customer</a:t>
+              </a:r>
+              <a:endParaRPr lang="en-US" sz="3200" b="1" dirty="0"/>
+            </a:p>
+          </p:txBody>
+        </p:sp>
+        <p:sp>
+          <p:nvSpPr>
+            <p:cNvPr id="30" name="TextBox 29"/>
+            <p:cNvSpPr txBox="1"/>
+            <p:nvPr/>
+          </p:nvSpPr>
+          <p:spPr>
+            <a:xfrm>
+              <a:off x="3522235" y="4418745"/>
+              <a:ext cx="3667799" cy="2246769"/>
+            </a:xfrm>
+            <a:prstGeom prst="rect">
+              <a:avLst/>
+            </a:prstGeom>
+            <a:noFill/>
+          </p:spPr>
+          <p:txBody>
+            <a:bodyPr wrap="none" rtlCol="0">
+              <a:spAutoFit/>
+            </a:bodyPr>
+            <a:lstStyle/>
+            <a:p>
+              <a:r>
+                <a:rPr lang="en-US" sz="2800" b="1" dirty="0" err="1"/>
+                <a:t>CustomerName</a:t>
+              </a:r>
+              <a:endParaRPr lang="en-US" sz="2800" b="1" dirty="0"/>
+            </a:p>
+            <a:p>
+              <a:r>
+                <a:rPr lang="en-US" sz="2800" dirty="0" err="1"/>
+                <a:t>CommunicationMethod</a:t>
+              </a:r>
+              <a:endParaRPr lang="en-US" sz="2800" dirty="0"/>
+            </a:p>
+            <a:p>
+              <a:r>
+                <a:rPr lang="en-US" sz="2800" dirty="0" err="1"/>
+                <a:t>LeadSource</a:t>
+              </a:r>
+              <a:endParaRPr lang="en-US" sz="2800" dirty="0"/>
+            </a:p>
+            <a:p>
+              <a:r>
+                <a:rPr lang="en-US" sz="2800" b="1" dirty="0">
+                  <a:solidFill>
+                    <a:srgbClr val="0070C0"/>
+                  </a:solidFill>
+                </a:rPr>
+                <a:t>Destination</a:t>
+              </a:r>
+            </a:p>
+            <a:p>
+              <a:r>
+                <a:rPr lang="en-US" sz="2800" b="1" dirty="0" err="1">
+                  <a:solidFill>
+                    <a:srgbClr val="0070C0"/>
+                  </a:solidFill>
+                </a:rPr>
+                <a:t>LaunchLocation</a:t>
+              </a:r>
+              <a:endParaRPr lang="en-US" sz="2800" b="1" dirty="0">
+                <a:solidFill>
+                  <a:srgbClr val="0070C0"/>
+                </a:solidFill>
+              </a:endParaRPr>
+            </a:p>
+          </p:txBody>
+        </p:sp>
+        <p:sp>
+          <p:nvSpPr>
+            <p:cNvPr id="36" name="TextBox 35"/>
+            <p:cNvSpPr txBox="1"/>
+            <p:nvPr/>
+          </p:nvSpPr>
+          <p:spPr>
+            <a:xfrm>
+              <a:off x="8453609" y="4418745"/>
+              <a:ext cx="1299651" cy="2246769"/>
+            </a:xfrm>
+            <a:prstGeom prst="rect">
+              <a:avLst/>
+            </a:prstGeom>
+            <a:noFill/>
+          </p:spPr>
+          <p:txBody>
+            <a:bodyPr wrap="none" rtlCol="0">
+              <a:spAutoFit/>
+            </a:bodyPr>
+            <a:lstStyle/>
+            <a:p>
+              <a:pPr algn="r"/>
+              <a:r>
+                <a:rPr lang="en-US" sz="2800" b="1" dirty="0"/>
+                <a:t>varchar</a:t>
+              </a:r>
+            </a:p>
+            <a:p>
+              <a:pPr algn="r"/>
+              <a:r>
+                <a:rPr lang="en-US" sz="2800" dirty="0"/>
+                <a:t>varchar</a:t>
+              </a:r>
+            </a:p>
+            <a:p>
+              <a:pPr algn="r"/>
+              <a:r>
+                <a:rPr lang="en-US" sz="2800" dirty="0"/>
+                <a:t>varchar</a:t>
+              </a:r>
+            </a:p>
+            <a:p>
+              <a:pPr algn="r"/>
+              <a:r>
+                <a:rPr lang="en-US" sz="2800" b="1" dirty="0">
+                  <a:solidFill>
+                    <a:srgbClr val="0070C0"/>
+                  </a:solidFill>
+                </a:rPr>
+                <a:t>varchar</a:t>
+              </a:r>
+            </a:p>
+            <a:p>
+              <a:pPr algn="r"/>
+              <a:r>
+                <a:rPr lang="en-US" sz="2800" b="1" dirty="0">
+                  <a:solidFill>
+                    <a:srgbClr val="0070C0"/>
+                  </a:solidFill>
+                </a:rPr>
+                <a:t>varchar</a:t>
+              </a:r>
+            </a:p>
+          </p:txBody>
+        </p:sp>
+        <p:pic>
+          <p:nvPicPr>
+            <p:cNvPr id="37" name="Picture 2" descr="Free Key SVG, PNG Icon, Symbol. Download Image."/>
+            <p:cNvPicPr>
+              <a:picLocks noChangeAspect="1" noChangeArrowheads="1"/>
+            </p:cNvPicPr>
+            <p:nvPr/>
+          </p:nvPicPr>
+          <p:blipFill>
+            <a:blip r:embed="rId3" cstate="print">
+              <a:extLst>
+                <a:ext uri="{28A0092B-C50C-407E-A947-70E740481C1C}">
+                  <a14:useLocalDpi xmlns:a14="http://schemas.microsoft.com/office/drawing/2010/main" val="0"/>
+                </a:ext>
+              </a:extLst>
+            </a:blip>
+            <a:srcRect/>
+            <a:stretch>
+              <a:fillRect/>
+            </a:stretch>
+          </p:blipFill>
+          <p:spPr bwMode="auto">
+            <a:xfrm>
+              <a:off x="3187840" y="4466340"/>
+              <a:ext cx="334395" cy="334395"/>
+            </a:xfrm>
+            <a:prstGeom prst="rect">
+              <a:avLst/>
+            </a:prstGeom>
+            <a:noFill/>
+            <a:ln>
+              <a:noFill/>
+            </a:ln>
+            <a:extLst>
+              <a:ext uri="{909E8E84-426E-40DD-AFC4-6F175D3DCCD1}">
+                <a14:hiddenFill xmlns:a14="http://schemas.microsoft.com/office/drawing/2010/main">
+                  <a:solidFill>
+                    <a:srgbClr val="FFFFFF"/>
+                  </a:solidFill>
+                </a14:hiddenFill>
+              </a:ext>
+            </a:extLst>
+          </p:spPr>
+        </p:pic>
+      </p:grpSp>
+      <p:sp>
+        <p:nvSpPr>
+          <p:cNvPr id="38" name="TextBox 37"/>
+          <p:cNvSpPr txBox="1"/>
+          <p:nvPr/>
+        </p:nvSpPr>
+        <p:spPr>
+          <a:xfrm>
+            <a:off x="7689270" y="5718119"/>
+            <a:ext cx="3396956" cy="523220"/>
+          </a:xfrm>
+          <a:prstGeom prst="rect">
+            <a:avLst/>
+          </a:prstGeom>
+          <a:noFill/>
+        </p:spPr>
+        <p:txBody>
+          <a:bodyPr wrap="none" rtlCol="0">
+            <a:spAutoFit/>
+          </a:bodyPr>
+          <a:lstStyle/>
+          <a:p>
+            <a:r>
+              <a:rPr lang="en-US" sz="2800" b="1" dirty="0">
+                <a:solidFill>
+                  <a:schemeClr val="accent4"/>
+                </a:solidFill>
+              </a:rPr>
+              <a:t>updating_bookings_2</a:t>
+            </a:r>
+            <a:endParaRPr lang="en-US" sz="2800" b="1" dirty="0">
+              <a:solidFill>
+                <a:srgbClr val="7030A0"/>
+              </a:solidFill>
+            </a:endParaRPr>
+          </a:p>
+        </p:txBody>
+      </p:sp>
+      <p:cxnSp>
+        <p:nvCxnSpPr>
+          <p:cNvPr id="39" name="Straight Arrow Connector 38"/>
+          <p:cNvCxnSpPr/>
+          <p:nvPr/>
+        </p:nvCxnSpPr>
+        <p:spPr>
+          <a:xfrm flipV="1">
+            <a:off x="7659573" y="6354503"/>
+            <a:ext cx="3362532" cy="16619"/>
+          </a:xfrm>
+          <a:prstGeom prst="straightConnector1">
+            <a:avLst/>
+          </a:prstGeom>
+          <a:ln w="76200">
+            <a:solidFill>
+              <a:srgbClr val="FFC000"/>
+            </a:solidFill>
+            <a:tailEnd type="triangle"/>
+          </a:ln>
+        </p:spPr>
+        <p:style>
+          <a:lnRef idx="1">
+            <a:schemeClr val="accent1"/>
+          </a:lnRef>
+          <a:fillRef idx="0">
+            <a:schemeClr val="accent1"/>
+          </a:fillRef>
+          <a:effectRef idx="0">
+            <a:schemeClr val="accent1"/>
+          </a:effectRef>
+          <a:fontRef idx="minor">
+            <a:schemeClr val="tx1"/>
+          </a:fontRef>
+        </p:style>
+      </p:cxnSp>
+    </p:spTree>
+    <p:extLst>
+      <p:ext uri="{BB962C8B-B14F-4D97-AF65-F5344CB8AC3E}">
+        <p14:creationId xmlns:p14="http://schemas.microsoft.com/office/powerpoint/2010/main" val="1728020552"/>
+      </p:ext>
+    </p:extLst>
+  </p:cSld>
+  <p:clrMapOvr>
+    <a:masterClrMapping/>
+  </p:clrMapOvr>
+</p:sld>
+</file>
+
+<file path=ppt/slides/slide5.xml><?xml version="1.0" encoding="utf-8"?>
+<p:sld xmlns:a="http://schemas.openxmlformats.org/drawingml/2006/main" xmlns:r="http://schemas.openxmlformats.org/officeDocument/2006/relationships" xmlns:p="http://schemas.openxmlformats.org/presentationml/2006/main">
+  <p:cSld>
+    <p:spTree>
+      <p:nvGrpSpPr>
+        <p:cNvPr id="1" name=""/>
+        <p:cNvGrpSpPr/>
+        <p:nvPr/>
+      </p:nvGrpSpPr>
+      <p:grpSpPr>
+        <a:xfrm>
+          <a:off x="0" y="0"/>
+          <a:ext cx="0" cy="0"/>
+          <a:chOff x="0" y="0"/>
+          <a:chExt cx="0" cy="0"/>
+        </a:xfrm>
+      </p:grpSpPr>
+      <p:grpSp>
+        <p:nvGrpSpPr>
+          <p:cNvPr id="50" name="Group 49"/>
+          <p:cNvGrpSpPr/>
+          <p:nvPr/>
+        </p:nvGrpSpPr>
+        <p:grpSpPr>
+          <a:xfrm>
+            <a:off x="8270304" y="2647805"/>
+            <a:ext cx="12563510" cy="6952909"/>
+            <a:chOff x="7145385" y="5724404"/>
+            <a:chExt cx="12563510" cy="6952909"/>
+          </a:xfrm>
+        </p:grpSpPr>
+        <p:grpSp>
+          <p:nvGrpSpPr>
+            <p:cNvPr id="47" name="Group 46"/>
+            <p:cNvGrpSpPr/>
+            <p:nvPr/>
+          </p:nvGrpSpPr>
+          <p:grpSpPr>
+            <a:xfrm>
+              <a:off x="9708611" y="5724404"/>
+              <a:ext cx="7279944" cy="6952909"/>
+              <a:chOff x="9708611" y="5724404"/>
+              <a:chExt cx="7279944" cy="6952909"/>
+            </a:xfrm>
+          </p:grpSpPr>
+          <p:sp>
+            <p:nvSpPr>
+              <p:cNvPr id="40" name="Rounded Rectangle 39"/>
+              <p:cNvSpPr/>
+              <p:nvPr/>
+            </p:nvSpPr>
+            <p:spPr>
+              <a:xfrm>
+                <a:off x="9708611" y="5724404"/>
+                <a:ext cx="7279944" cy="3388281"/>
+              </a:xfrm>
+              <a:prstGeom prst="roundRect">
+                <a:avLst/>
+              </a:prstGeom>
+              <a:solidFill>
+                <a:srgbClr val="7030A0"/>
+              </a:solidFill>
+              <a:ln>
+                <a:solidFill>
+                  <a:srgbClr val="7030A0"/>
+                </a:solidFill>
+              </a:ln>
+            </p:spPr>
+            <p:style>
+              <a:lnRef idx="2">
+                <a:schemeClr val="accent2">
+                  <a:shade val="50000"/>
+                </a:schemeClr>
+              </a:lnRef>
+              <a:fillRef idx="1">
+                <a:schemeClr val="accent2"/>
+              </a:fillRef>
+              <a:effectRef idx="0">
+                <a:schemeClr val="accent2"/>
+              </a:effectRef>
+              <a:fontRef idx="minor">
+                <a:schemeClr val="lt1"/>
+              </a:fontRef>
+            </p:style>
+            <p:txBody>
+              <a:bodyPr rtlCol="0" anchor="ctr"/>
+              <a:lstStyle/>
+              <a:p>
+                <a:pPr algn="ctr"/>
+                <a:endParaRPr lang="en-US" sz="2669"/>
+              </a:p>
+            </p:txBody>
+          </p:sp>
+          <p:sp>
+            <p:nvSpPr>
+              <p:cNvPr id="41" name="Rounded Rectangle 40"/>
+              <p:cNvSpPr/>
+              <p:nvPr/>
+            </p:nvSpPr>
+            <p:spPr>
+              <a:xfrm>
+                <a:off x="9708611" y="6338263"/>
+                <a:ext cx="7279944" cy="6339050"/>
+              </a:xfrm>
+              <a:prstGeom prst="roundRect">
+                <a:avLst/>
+              </a:prstGeom>
+              <a:ln>
+                <a:solidFill>
+                  <a:srgbClr val="7030A0"/>
+                </a:solidFill>
+              </a:ln>
+            </p:spPr>
+            <p:style>
+              <a:lnRef idx="2">
+                <a:schemeClr val="dk1"/>
+              </a:lnRef>
+              <a:fillRef idx="1">
+                <a:schemeClr val="lt1"/>
+              </a:fillRef>
+              <a:effectRef idx="0">
+                <a:schemeClr val="dk1"/>
+              </a:effectRef>
+              <a:fontRef idx="minor">
+                <a:schemeClr val="dk1"/>
+              </a:fontRef>
+            </p:style>
+            <p:txBody>
+              <a:bodyPr rtlCol="0" anchor="ctr"/>
+              <a:lstStyle/>
+              <a:p>
+                <a:pPr algn="ctr"/>
+                <a:endParaRPr lang="en-US" sz="2669"/>
+              </a:p>
+            </p:txBody>
+          </p:sp>
+          <p:sp>
+            <p:nvSpPr>
+              <p:cNvPr id="42" name="Rectangle 41"/>
+              <p:cNvSpPr/>
+              <p:nvPr/>
+            </p:nvSpPr>
+            <p:spPr>
+              <a:xfrm>
+                <a:off x="9708611" y="6332733"/>
+                <a:ext cx="7279944" cy="1021215"/>
+              </a:xfrm>
+              <a:prstGeom prst="rect">
+                <a:avLst/>
+              </a:prstGeom>
+              <a:solidFill>
+                <a:schemeClr val="tx2">
+                  <a:lumMod val="40000"/>
+                  <a:lumOff val="60000"/>
+                </a:schemeClr>
+              </a:solidFill>
+              <a:ln>
+                <a:solidFill>
+                  <a:srgbClr val="7030A0"/>
+                </a:solidFill>
+              </a:ln>
+            </p:spPr>
+            <p:style>
+              <a:lnRef idx="2">
+                <a:schemeClr val="accent1">
+                  <a:shade val="50000"/>
+                </a:schemeClr>
+              </a:lnRef>
+              <a:fillRef idx="1">
+                <a:schemeClr val="accent1"/>
+              </a:fillRef>
+              <a:effectRef idx="0">
+                <a:schemeClr val="accent1"/>
+              </a:effectRef>
+              <a:fontRef idx="minor">
+                <a:schemeClr val="lt1"/>
+              </a:fontRef>
+            </p:style>
+            <p:txBody>
+              <a:bodyPr rot="0" spcFirstLastPara="0" vertOverflow="overflow" horzOverflow="overflow" vert="horz" wrap="square" lIns="35721" tIns="17860" rIns="35721" bIns="17860" numCol="1" spcCol="0" rtlCol="0" fromWordArt="0" anchor="ctr" anchorCtr="0" forceAA="0" compatLnSpc="1">
+                <a:prstTxWarp prst="textNoShape">
+                  <a:avLst/>
+                </a:prstTxWarp>
+                <a:noAutofit/>
+              </a:bodyPr>
+              <a:lstStyle/>
+              <a:p>
+                <a:pPr algn="ctr"/>
+                <a:endParaRPr lang="en-US" sz="2669"/>
+              </a:p>
+            </p:txBody>
+          </p:sp>
+          <p:pic>
+            <p:nvPicPr>
+              <p:cNvPr id="43" name="Picture 2" descr="Free Key SVG, PNG Icon, Symbol. Download Image."/>
+              <p:cNvPicPr>
+                <a:picLocks noChangeAspect="1" noChangeArrowheads="1"/>
+              </p:cNvPicPr>
+              <p:nvPr/>
+            </p:nvPicPr>
+            <p:blipFill>
+              <a:blip r:embed="rId2" cstate="print">
+                <a:extLst>
+                  <a:ext uri="{28A0092B-C50C-407E-A947-70E740481C1C}">
+                    <a14:useLocalDpi xmlns:a14="http://schemas.microsoft.com/office/drawing/2010/main" val="0"/>
+                  </a:ext>
+                </a:extLst>
+              </a:blip>
+              <a:srcRect/>
+              <a:stretch>
+                <a:fillRect/>
+              </a:stretch>
+            </p:blipFill>
+            <p:spPr bwMode="auto">
+              <a:xfrm>
+                <a:off x="9865725" y="7559302"/>
+                <a:ext cx="334395" cy="334395"/>
+              </a:xfrm>
+              <a:prstGeom prst="rect">
+                <a:avLst/>
+              </a:prstGeom>
+              <a:noFill/>
+              <a:ln>
+                <a:noFill/>
+              </a:ln>
+              <a:extLst>
+                <a:ext uri="{909E8E84-426E-40DD-AFC4-6F175D3DCCD1}">
+                  <a14:hiddenFill xmlns:a14="http://schemas.microsoft.com/office/drawing/2010/main">
+                    <a:solidFill>
+                      <a:srgbClr val="FFFFFF"/>
+                    </a:solidFill>
+                  </a14:hiddenFill>
+                </a:ext>
+              </a:extLst>
+            </p:spPr>
+          </p:pic>
+          <p:sp>
+            <p:nvSpPr>
+              <p:cNvPr id="44" name="Rectangle 43"/>
+              <p:cNvSpPr/>
+              <p:nvPr/>
+            </p:nvSpPr>
+            <p:spPr>
+              <a:xfrm>
+                <a:off x="11375693" y="6547196"/>
+                <a:ext cx="3652347" cy="584775"/>
+              </a:xfrm>
+              <a:prstGeom prst="rect">
+                <a:avLst/>
+              </a:prstGeom>
+            </p:spPr>
+            <p:txBody>
+              <a:bodyPr wrap="none">
+                <a:spAutoFit/>
+              </a:bodyPr>
+              <a:lstStyle/>
+              <a:p>
+                <a:r>
+                  <a:rPr lang="en-US" sz="3200" b="1" dirty="0" err="1"/>
+                  <a:t>space_travel_agents</a:t>
+                </a:r>
+                <a:endParaRPr lang="en-US" sz="3200" dirty="0"/>
+              </a:p>
+            </p:txBody>
+          </p:sp>
+        </p:grpSp>
+        <p:sp>
+          <p:nvSpPr>
+            <p:cNvPr id="45" name="Rectangle 44"/>
+            <p:cNvSpPr/>
+            <p:nvPr/>
+          </p:nvSpPr>
+          <p:spPr>
+            <a:xfrm>
+              <a:off x="10260095" y="7477054"/>
+              <a:ext cx="9448800" cy="4832092"/>
+            </a:xfrm>
+            <a:prstGeom prst="rect">
+              <a:avLst/>
+            </a:prstGeom>
+          </p:spPr>
+          <p:txBody>
+            <a:bodyPr>
+              <a:spAutoFit/>
+            </a:bodyPr>
+            <a:lstStyle/>
+            <a:p>
+              <a:r>
+                <a:rPr lang="en-US" sz="2800" b="1" dirty="0" err="1"/>
+                <a:t>AgentID</a:t>
+              </a:r>
+              <a:endParaRPr lang="en-US" sz="2800" b="1" dirty="0"/>
+            </a:p>
+            <a:p>
+              <a:r>
+                <a:rPr lang="en-US" sz="2800" dirty="0" err="1"/>
+                <a:t>FirstName</a:t>
+              </a:r>
+              <a:endParaRPr lang="en-US" sz="2800" dirty="0"/>
+            </a:p>
+            <a:p>
+              <a:r>
+                <a:rPr lang="en-US" sz="2800" dirty="0" err="1"/>
+                <a:t>LastName</a:t>
+              </a:r>
+              <a:endParaRPr lang="en-US" sz="2800" dirty="0"/>
+            </a:p>
+            <a:p>
+              <a:r>
+                <a:rPr lang="en-US" sz="2800" dirty="0"/>
+                <a:t>Email</a:t>
+              </a:r>
+            </a:p>
+            <a:p>
+              <a:r>
+                <a:rPr lang="en-US" sz="2800" dirty="0" err="1"/>
+                <a:t>JobTitle</a:t>
+              </a:r>
+              <a:endParaRPr lang="en-US" sz="2800" dirty="0"/>
+            </a:p>
+            <a:p>
+              <a:r>
+                <a:rPr lang="en-US" sz="2800" dirty="0" err="1"/>
+                <a:t>DepartmentName</a:t>
+              </a:r>
+              <a:endParaRPr lang="en-US" sz="2800" dirty="0"/>
+            </a:p>
+            <a:p>
+              <a:r>
+                <a:rPr lang="en-US" sz="2800" dirty="0" err="1"/>
+                <a:t>ManagerName</a:t>
+              </a:r>
+              <a:endParaRPr lang="en-US" sz="2800" dirty="0"/>
+            </a:p>
+            <a:p>
+              <a:r>
+                <a:rPr lang="en-US" sz="2800" dirty="0" err="1"/>
+                <a:t>YearsOfService</a:t>
+              </a:r>
+              <a:endParaRPr lang="en-US" sz="2800" dirty="0"/>
+            </a:p>
+            <a:p>
+              <a:r>
+                <a:rPr lang="en-US" sz="2800" dirty="0" err="1" smtClean="0"/>
+                <a:t>AverageCustomerServiceRating</a:t>
+              </a:r>
+              <a:endParaRPr lang="en-US" sz="2800" dirty="0" smtClean="0"/>
+            </a:p>
+            <a:p>
+              <a:r>
+                <a:rPr lang="en-US" sz="2800" b="1" dirty="0" smtClean="0">
+                  <a:solidFill>
+                    <a:srgbClr val="0070C0"/>
+                  </a:solidFill>
+                </a:rPr>
+                <a:t>load</a:t>
+              </a:r>
+            </a:p>
+            <a:p>
+              <a:r>
+                <a:rPr lang="en-US" sz="2800" dirty="0" err="1" smtClean="0"/>
+                <a:t>agent_rank</a:t>
+              </a:r>
+              <a:endParaRPr lang="en-US" sz="2800" dirty="0"/>
+            </a:p>
+          </p:txBody>
+        </p:sp>
+        <p:sp>
+          <p:nvSpPr>
+            <p:cNvPr id="46" name="Rectangle 45"/>
+            <p:cNvSpPr/>
+            <p:nvPr/>
+          </p:nvSpPr>
+          <p:spPr>
+            <a:xfrm>
+              <a:off x="7145385" y="7494769"/>
+              <a:ext cx="9448800" cy="4832092"/>
+            </a:xfrm>
+            <a:prstGeom prst="rect">
+              <a:avLst/>
+            </a:prstGeom>
+          </p:spPr>
+          <p:txBody>
+            <a:bodyPr>
+              <a:spAutoFit/>
+            </a:bodyPr>
+            <a:lstStyle/>
+            <a:p>
+              <a:pPr algn="r"/>
+              <a:r>
+                <a:rPr lang="en-US" sz="2800" dirty="0" err="1"/>
+                <a:t>int</a:t>
+              </a:r>
+              <a:endParaRPr lang="en-US" sz="2800" dirty="0"/>
+            </a:p>
+            <a:p>
+              <a:pPr algn="r"/>
+              <a:r>
+                <a:rPr lang="en-US" sz="2800" dirty="0"/>
+                <a:t>varchar</a:t>
+              </a:r>
+            </a:p>
+            <a:p>
+              <a:pPr algn="r"/>
+              <a:r>
+                <a:rPr lang="en-US" sz="2800" dirty="0"/>
+                <a:t>varchar</a:t>
+              </a:r>
+            </a:p>
+            <a:p>
+              <a:pPr algn="r"/>
+              <a:r>
+                <a:rPr lang="en-US" sz="2800" dirty="0"/>
+                <a:t>varchar</a:t>
+              </a:r>
+            </a:p>
+            <a:p>
+              <a:pPr algn="r"/>
+              <a:r>
+                <a:rPr lang="en-US" sz="2800" dirty="0"/>
+                <a:t>varchar</a:t>
+              </a:r>
+            </a:p>
+            <a:p>
+              <a:pPr algn="r"/>
+              <a:r>
+                <a:rPr lang="en-US" sz="2800" dirty="0"/>
+                <a:t>varchar</a:t>
+              </a:r>
+            </a:p>
+            <a:p>
+              <a:pPr algn="r"/>
+              <a:r>
+                <a:rPr lang="en-US" sz="2800" dirty="0"/>
+                <a:t>varchar</a:t>
+              </a:r>
+            </a:p>
+            <a:p>
+              <a:pPr algn="r"/>
+              <a:r>
+                <a:rPr lang="en-US" sz="2800" dirty="0" err="1"/>
+                <a:t>int</a:t>
+              </a:r>
+              <a:endParaRPr lang="en-US" sz="2800" dirty="0"/>
+            </a:p>
+            <a:p>
+              <a:pPr algn="r"/>
+              <a:r>
+                <a:rPr lang="en-US" sz="2800" dirty="0" smtClean="0"/>
+                <a:t>float</a:t>
+              </a:r>
+            </a:p>
+            <a:p>
+              <a:pPr algn="r"/>
+              <a:r>
+                <a:rPr lang="en-US" sz="2800" b="1" dirty="0" err="1" smtClean="0">
+                  <a:solidFill>
+                    <a:srgbClr val="0070C0"/>
+                  </a:solidFill>
+                </a:rPr>
+                <a:t>int</a:t>
+              </a:r>
+              <a:endParaRPr lang="en-US" sz="2800" b="1" dirty="0" smtClean="0">
+                <a:solidFill>
+                  <a:srgbClr val="0070C0"/>
+                </a:solidFill>
+              </a:endParaRPr>
+            </a:p>
+            <a:p>
+              <a:pPr algn="r"/>
+              <a:r>
+                <a:rPr lang="en-US" sz="2800" dirty="0" err="1" smtClean="0"/>
+                <a:t>int</a:t>
+              </a:r>
+              <a:endParaRPr lang="en-US" sz="2800" dirty="0"/>
+            </a:p>
+          </p:txBody>
+        </p:sp>
+      </p:grpSp>
+      <p:sp>
+        <p:nvSpPr>
+          <p:cNvPr id="38" name="TextBox 37"/>
+          <p:cNvSpPr txBox="1"/>
+          <p:nvPr/>
+        </p:nvSpPr>
+        <p:spPr>
+          <a:xfrm>
+            <a:off x="8040185" y="5601040"/>
+            <a:ext cx="2484847" cy="523220"/>
+          </a:xfrm>
+          <a:prstGeom prst="rect">
+            <a:avLst/>
+          </a:prstGeom>
+          <a:noFill/>
+        </p:spPr>
+        <p:txBody>
+          <a:bodyPr wrap="none" rtlCol="0">
+            <a:spAutoFit/>
+          </a:bodyPr>
+          <a:lstStyle/>
+          <a:p>
+            <a:r>
+              <a:rPr lang="en-US" sz="2800" b="1" dirty="0" err="1">
+                <a:solidFill>
+                  <a:srgbClr val="7030A0"/>
+                </a:solidFill>
+              </a:rPr>
+              <a:t>updating_loads</a:t>
+            </a:r>
+            <a:endParaRPr lang="en-US" sz="2800" b="1" dirty="0">
+              <a:solidFill>
+                <a:srgbClr val="7030A0"/>
+              </a:solidFill>
+            </a:endParaRPr>
+          </a:p>
+        </p:txBody>
+      </p:sp>
+      <p:cxnSp>
+        <p:nvCxnSpPr>
+          <p:cNvPr id="39" name="Straight Arrow Connector 38"/>
+          <p:cNvCxnSpPr/>
+          <p:nvPr/>
+        </p:nvCxnSpPr>
+        <p:spPr>
+          <a:xfrm>
+            <a:off x="7799299" y="6266948"/>
+            <a:ext cx="2966620" cy="0"/>
+          </a:xfrm>
+          <a:prstGeom prst="straightConnector1">
+            <a:avLst/>
+          </a:prstGeom>
+          <a:ln w="76200">
+            <a:solidFill>
+              <a:srgbClr val="7030A0"/>
+            </a:solidFill>
+            <a:tailEnd type="triangle"/>
+          </a:ln>
+        </p:spPr>
+        <p:style>
+          <a:lnRef idx="1">
+            <a:schemeClr val="accent1"/>
+          </a:lnRef>
+          <a:fillRef idx="0">
+            <a:schemeClr val="accent1"/>
+          </a:fillRef>
+          <a:effectRef idx="0">
+            <a:schemeClr val="accent1"/>
+          </a:effectRef>
+          <a:fontRef idx="minor">
+            <a:schemeClr val="tx1"/>
+          </a:fontRef>
+        </p:style>
+      </p:cxnSp>
+      <p:grpSp>
+        <p:nvGrpSpPr>
+          <p:cNvPr id="21" name="Group 20"/>
+          <p:cNvGrpSpPr/>
+          <p:nvPr/>
+        </p:nvGrpSpPr>
+        <p:grpSpPr>
+          <a:xfrm>
+            <a:off x="-2038478" y="2759823"/>
+            <a:ext cx="12563510" cy="6728874"/>
+            <a:chOff x="8270304" y="2647806"/>
+            <a:chExt cx="12563510" cy="6728874"/>
+          </a:xfrm>
+        </p:grpSpPr>
+        <p:grpSp>
+          <p:nvGrpSpPr>
+            <p:cNvPr id="22" name="Group 21"/>
+            <p:cNvGrpSpPr/>
+            <p:nvPr/>
+          </p:nvGrpSpPr>
+          <p:grpSpPr>
+            <a:xfrm>
+              <a:off x="10833530" y="2647806"/>
+              <a:ext cx="7279944" cy="6728874"/>
+              <a:chOff x="9708611" y="5724404"/>
+              <a:chExt cx="7279944" cy="7189137"/>
+            </a:xfrm>
+          </p:grpSpPr>
+          <p:sp>
+            <p:nvSpPr>
+              <p:cNvPr id="27" name="Rounded Rectangle 26"/>
+              <p:cNvSpPr/>
+              <p:nvPr/>
+            </p:nvSpPr>
+            <p:spPr>
+              <a:xfrm>
+                <a:off x="9708611" y="5724404"/>
+                <a:ext cx="7279944" cy="3388281"/>
+              </a:xfrm>
+              <a:prstGeom prst="roundRect">
+                <a:avLst/>
+              </a:prstGeom>
+              <a:solidFill>
+                <a:srgbClr val="FFC000"/>
+              </a:solidFill>
+              <a:ln>
+                <a:solidFill>
+                  <a:srgbClr val="FFC000"/>
+                </a:solidFill>
+              </a:ln>
+            </p:spPr>
+            <p:style>
+              <a:lnRef idx="2">
+                <a:schemeClr val="accent2">
+                  <a:shade val="50000"/>
+                </a:schemeClr>
+              </a:lnRef>
+              <a:fillRef idx="1">
+                <a:schemeClr val="accent2"/>
+              </a:fillRef>
+              <a:effectRef idx="0">
+                <a:schemeClr val="accent2"/>
+              </a:effectRef>
+              <a:fontRef idx="minor">
+                <a:schemeClr val="lt1"/>
+              </a:fontRef>
+            </p:style>
+            <p:txBody>
+              <a:bodyPr rtlCol="0" anchor="ctr"/>
+              <a:lstStyle/>
+              <a:p>
+                <a:pPr algn="ctr"/>
+                <a:endParaRPr lang="en-US" sz="2669"/>
+              </a:p>
+            </p:txBody>
+          </p:sp>
+          <p:sp>
+            <p:nvSpPr>
+              <p:cNvPr id="31" name="Rounded Rectangle 30"/>
+              <p:cNvSpPr/>
+              <p:nvPr/>
+            </p:nvSpPr>
+            <p:spPr>
+              <a:xfrm>
+                <a:off x="9708611" y="6338264"/>
+                <a:ext cx="7279944" cy="6575277"/>
+              </a:xfrm>
+              <a:prstGeom prst="roundRect">
+                <a:avLst/>
+              </a:prstGeom>
+              <a:ln>
+                <a:solidFill>
+                  <a:srgbClr val="FFC000"/>
+                </a:solidFill>
+              </a:ln>
+            </p:spPr>
+            <p:style>
+              <a:lnRef idx="2">
+                <a:schemeClr val="dk1"/>
+              </a:lnRef>
+              <a:fillRef idx="1">
+                <a:schemeClr val="lt1"/>
+              </a:fillRef>
+              <a:effectRef idx="0">
+                <a:schemeClr val="dk1"/>
+              </a:effectRef>
+              <a:fontRef idx="minor">
+                <a:schemeClr val="dk1"/>
+              </a:fontRef>
+            </p:style>
+            <p:txBody>
+              <a:bodyPr rtlCol="0" anchor="ctr"/>
+              <a:lstStyle/>
+              <a:p>
+                <a:pPr algn="ctr"/>
+                <a:endParaRPr lang="en-US" sz="2669"/>
+              </a:p>
+            </p:txBody>
+          </p:sp>
+          <p:sp>
+            <p:nvSpPr>
+              <p:cNvPr id="32" name="Rectangle 31"/>
+              <p:cNvSpPr/>
+              <p:nvPr/>
+            </p:nvSpPr>
+            <p:spPr>
+              <a:xfrm>
+                <a:off x="9708611" y="6332733"/>
+                <a:ext cx="7279944" cy="1021215"/>
+              </a:xfrm>
+              <a:prstGeom prst="rect">
+                <a:avLst/>
+              </a:prstGeom>
+              <a:solidFill>
+                <a:schemeClr val="tx2">
+                  <a:lumMod val="40000"/>
+                  <a:lumOff val="60000"/>
+                </a:schemeClr>
+              </a:solidFill>
+              <a:ln>
+                <a:solidFill>
+                  <a:srgbClr val="FFC000"/>
+                </a:solidFill>
+              </a:ln>
+            </p:spPr>
+            <p:style>
+              <a:lnRef idx="2">
+                <a:schemeClr val="accent1">
+                  <a:shade val="50000"/>
+                </a:schemeClr>
+              </a:lnRef>
+              <a:fillRef idx="1">
+                <a:schemeClr val="accent1"/>
+              </a:fillRef>
+              <a:effectRef idx="0">
+                <a:schemeClr val="accent1"/>
+              </a:effectRef>
+              <a:fontRef idx="minor">
+                <a:schemeClr val="lt1"/>
+              </a:fontRef>
+            </p:style>
+            <p:txBody>
+              <a:bodyPr rot="0" spcFirstLastPara="0" vertOverflow="overflow" horzOverflow="overflow" vert="horz" wrap="square" lIns="35721" tIns="17860" rIns="35721" bIns="17860" numCol="1" spcCol="0" rtlCol="0" fromWordArt="0" anchor="ctr" anchorCtr="0" forceAA="0" compatLnSpc="1">
+                <a:prstTxWarp prst="textNoShape">
+                  <a:avLst/>
+                </a:prstTxWarp>
+                <a:noAutofit/>
+              </a:bodyPr>
+              <a:lstStyle/>
+              <a:p>
+                <a:pPr algn="ctr"/>
+                <a:endParaRPr lang="en-US" sz="2669"/>
+              </a:p>
+            </p:txBody>
+          </p:sp>
+          <p:pic>
+            <p:nvPicPr>
+              <p:cNvPr id="33" name="Picture 2" descr="Free Key SVG, PNG Icon, Symbol. Download Image."/>
+              <p:cNvPicPr>
+                <a:picLocks noChangeAspect="1" noChangeArrowheads="1"/>
+              </p:cNvPicPr>
+              <p:nvPr/>
+            </p:nvPicPr>
+            <p:blipFill>
+              <a:blip r:embed="rId3" cstate="print">
+                <a:extLst>
+                  <a:ext uri="{28A0092B-C50C-407E-A947-70E740481C1C}">
+                    <a14:useLocalDpi xmlns:a14="http://schemas.microsoft.com/office/drawing/2010/main" val="0"/>
+                  </a:ext>
+                </a:extLst>
+              </a:blip>
+              <a:srcRect/>
+              <a:stretch>
+                <a:fillRect/>
+              </a:stretch>
+            </p:blipFill>
+            <p:spPr bwMode="auto">
+              <a:xfrm>
+                <a:off x="9925700" y="7730267"/>
+                <a:ext cx="334395" cy="334395"/>
+              </a:xfrm>
+              <a:prstGeom prst="rect">
+                <a:avLst/>
+              </a:prstGeom>
+              <a:noFill/>
+              <a:ln>
+                <a:noFill/>
+              </a:ln>
+              <a:extLst>
+                <a:ext uri="{909E8E84-426E-40DD-AFC4-6F175D3DCCD1}">
+                  <a14:hiddenFill xmlns:a14="http://schemas.microsoft.com/office/drawing/2010/main">
+                    <a:solidFill>
+                      <a:srgbClr val="FFFFFF"/>
+                    </a:solidFill>
+                  </a14:hiddenFill>
+                </a:ext>
+              </a:extLst>
+            </p:spPr>
+          </p:pic>
+          <p:sp>
+            <p:nvSpPr>
+              <p:cNvPr id="34" name="Rectangle 33"/>
+              <p:cNvSpPr/>
+              <p:nvPr/>
+            </p:nvSpPr>
+            <p:spPr>
+              <a:xfrm>
+                <a:off x="12116473" y="6591034"/>
+                <a:ext cx="2146742" cy="584775"/>
+              </a:xfrm>
+              <a:prstGeom prst="rect">
+                <a:avLst/>
+              </a:prstGeom>
+            </p:spPr>
+            <p:txBody>
+              <a:bodyPr wrap="none">
+                <a:spAutoFit/>
+              </a:bodyPr>
+              <a:lstStyle/>
+              <a:p>
+                <a:r>
+                  <a:rPr lang="en-US" sz="3200" b="1" dirty="0" smtClean="0"/>
+                  <a:t>bookings_2</a:t>
+                </a:r>
+                <a:endParaRPr lang="en-US" sz="3200" dirty="0"/>
+              </a:p>
+            </p:txBody>
+          </p:sp>
+        </p:grpSp>
+        <p:sp>
+          <p:nvSpPr>
+            <p:cNvPr id="24" name="Rectangle 23"/>
+            <p:cNvSpPr/>
+            <p:nvPr/>
+          </p:nvSpPr>
+          <p:spPr>
+            <a:xfrm>
+              <a:off x="11385014" y="4400455"/>
+              <a:ext cx="9448800" cy="4832092"/>
+            </a:xfrm>
+            <a:prstGeom prst="rect">
+              <a:avLst/>
+            </a:prstGeom>
+          </p:spPr>
+          <p:txBody>
+            <a:bodyPr>
+              <a:spAutoFit/>
+            </a:bodyPr>
+            <a:lstStyle/>
+            <a:p>
+              <a:r>
+                <a:rPr lang="en-US" sz="2800" b="1" dirty="0" err="1"/>
+                <a:t>BookingID</a:t>
+              </a:r>
+              <a:endParaRPr lang="en-US" sz="2800" b="1" dirty="0"/>
+            </a:p>
+            <a:p>
+              <a:r>
+                <a:rPr lang="en-US" sz="2800" dirty="0" err="1"/>
+                <a:t>AssignmentID</a:t>
+              </a:r>
+              <a:endParaRPr lang="en-US" sz="2800" dirty="0"/>
+            </a:p>
+            <a:p>
+              <a:r>
+                <a:rPr lang="en-US" sz="2800" dirty="0" err="1"/>
+                <a:t>BookingCompleteDate</a:t>
+              </a:r>
+              <a:endParaRPr lang="en-US" sz="2800" dirty="0"/>
+            </a:p>
+            <a:p>
+              <a:r>
+                <a:rPr lang="en-US" sz="2800" dirty="0" err="1" smtClean="0"/>
+                <a:t>CancelledDate</a:t>
+              </a:r>
+              <a:endParaRPr lang="en-US" sz="2800" dirty="0" smtClean="0"/>
+            </a:p>
+            <a:p>
+              <a:r>
+                <a:rPr lang="en-US" sz="2800" dirty="0" smtClean="0"/>
+                <a:t>Destination</a:t>
+              </a:r>
+              <a:endParaRPr lang="en-US" sz="2800" dirty="0"/>
+            </a:p>
+            <a:p>
+              <a:r>
+                <a:rPr lang="en-US" sz="2800" dirty="0"/>
+                <a:t>Package</a:t>
+              </a:r>
+            </a:p>
+            <a:p>
+              <a:r>
+                <a:rPr lang="en-US" sz="2800" dirty="0" err="1"/>
+                <a:t>LaunchLocation</a:t>
+              </a:r>
+              <a:endParaRPr lang="en-US" sz="2800" dirty="0"/>
+            </a:p>
+            <a:p>
+              <a:r>
+                <a:rPr lang="en-US" sz="2800" dirty="0" err="1"/>
+                <a:t>PackageRevenue</a:t>
+              </a:r>
+              <a:endParaRPr lang="en-US" sz="2800" dirty="0"/>
+            </a:p>
+            <a:p>
+              <a:r>
+                <a:rPr lang="en-US" sz="2800" dirty="0" err="1"/>
+                <a:t>TotalRevenue</a:t>
+              </a:r>
+              <a:endParaRPr lang="en-US" sz="2800" dirty="0"/>
+            </a:p>
+            <a:p>
+              <a:r>
+                <a:rPr lang="en-US" sz="2800" b="1" dirty="0" err="1">
+                  <a:solidFill>
+                    <a:srgbClr val="0070C0"/>
+                  </a:solidFill>
+                </a:rPr>
+                <a:t>BookingStatus</a:t>
+              </a:r>
+              <a:endParaRPr lang="en-US" sz="2800" b="1" dirty="0">
+                <a:solidFill>
+                  <a:srgbClr val="0070C0"/>
+                </a:solidFill>
+              </a:endParaRPr>
+            </a:p>
+            <a:p>
+              <a:r>
+                <a:rPr lang="en-US" sz="2800" dirty="0" err="1"/>
+                <a:t>AgentID</a:t>
+              </a:r>
+              <a:endParaRPr lang="en-US" sz="2800" dirty="0"/>
+            </a:p>
+          </p:txBody>
+        </p:sp>
+        <p:sp>
+          <p:nvSpPr>
+            <p:cNvPr id="26" name="Rectangle 25"/>
+            <p:cNvSpPr/>
+            <p:nvPr/>
+          </p:nvSpPr>
+          <p:spPr>
+            <a:xfrm>
+              <a:off x="8270304" y="4418170"/>
+              <a:ext cx="9448800" cy="4832092"/>
+            </a:xfrm>
+            <a:prstGeom prst="rect">
+              <a:avLst/>
+            </a:prstGeom>
+          </p:spPr>
+          <p:txBody>
+            <a:bodyPr>
+              <a:spAutoFit/>
+            </a:bodyPr>
+            <a:lstStyle/>
+            <a:p>
+              <a:pPr algn="r"/>
+              <a:r>
+                <a:rPr lang="en-US" sz="2800" b="1" dirty="0" err="1"/>
+                <a:t>int</a:t>
+              </a:r>
+              <a:endParaRPr lang="en-US" sz="2800" b="1" dirty="0"/>
+            </a:p>
+            <a:p>
+              <a:pPr algn="r"/>
+              <a:r>
+                <a:rPr lang="en-US" sz="2800" dirty="0" err="1"/>
+                <a:t>int</a:t>
+              </a:r>
+              <a:endParaRPr lang="en-US" sz="2800" dirty="0"/>
+            </a:p>
+            <a:p>
+              <a:pPr algn="r"/>
+              <a:r>
+                <a:rPr lang="en-US" sz="2800" dirty="0" err="1"/>
+                <a:t>datetime</a:t>
+              </a:r>
+              <a:endParaRPr lang="en-US" sz="2800" dirty="0"/>
+            </a:p>
+            <a:p>
+              <a:pPr algn="r"/>
+              <a:r>
+                <a:rPr lang="en-US" sz="2800" dirty="0" err="1"/>
+                <a:t>datetime</a:t>
+              </a:r>
+              <a:endParaRPr lang="en-US" sz="2800" dirty="0"/>
+            </a:p>
+            <a:p>
+              <a:pPr algn="r"/>
+              <a:r>
+                <a:rPr lang="en-US" sz="2800" dirty="0" smtClean="0"/>
+                <a:t>varchar</a:t>
+              </a:r>
+            </a:p>
+            <a:p>
+              <a:pPr algn="r"/>
+              <a:r>
+                <a:rPr lang="en-US" sz="2800" dirty="0" smtClean="0"/>
+                <a:t>varchar</a:t>
+              </a:r>
+              <a:endParaRPr lang="en-US" sz="2800" dirty="0"/>
+            </a:p>
+            <a:p>
+              <a:pPr algn="r"/>
+              <a:r>
+                <a:rPr lang="en-US" sz="2800" dirty="0"/>
+                <a:t>varchar</a:t>
+              </a:r>
+            </a:p>
+            <a:p>
+              <a:pPr algn="r"/>
+              <a:r>
+                <a:rPr lang="en-US" sz="2800" dirty="0"/>
+                <a:t>decimal</a:t>
+              </a:r>
+            </a:p>
+            <a:p>
+              <a:pPr algn="r"/>
+              <a:r>
+                <a:rPr lang="en-US" sz="2800" dirty="0"/>
+                <a:t>decimal</a:t>
+              </a:r>
+            </a:p>
+            <a:p>
+              <a:pPr algn="r"/>
+              <a:r>
+                <a:rPr lang="en-US" sz="2800" b="1" dirty="0">
+                  <a:solidFill>
+                    <a:srgbClr val="0070C0"/>
+                  </a:solidFill>
+                </a:rPr>
+                <a:t>varchar</a:t>
+              </a:r>
+            </a:p>
+            <a:p>
+              <a:pPr algn="r"/>
+              <a:r>
+                <a:rPr lang="en-US" sz="2800" dirty="0" err="1"/>
+                <a:t>int</a:t>
+              </a:r>
+              <a:endParaRPr lang="en-US" sz="2800" dirty="0"/>
+            </a:p>
+          </p:txBody>
+        </p:sp>
+      </p:grpSp>
+    </p:spTree>
+    <p:extLst>
+      <p:ext uri="{BB962C8B-B14F-4D97-AF65-F5344CB8AC3E}">
+        <p14:creationId xmlns:p14="http://schemas.microsoft.com/office/powerpoint/2010/main" val="3687063869"/>
+      </p:ext>
+    </p:extLst>
+  </p:cSld>
+  <p:clrMapOvr>
+    <a:masterClrMapping/>
+  </p:clrMapOvr>
+</p:sld>
+</file>
+
+<file path=ppt/slides/slide6.xml><?xml version="1.0" encoding="utf-8"?>
+<p:sld xmlns:a="http://schemas.openxmlformats.org/drawingml/2006/main" xmlns:r="http://schemas.openxmlformats.org/officeDocument/2006/relationships" xmlns:p="http://schemas.openxmlformats.org/presentationml/2006/main">
+  <p:cSld>
+    <p:spTree>
+      <p:nvGrpSpPr>
+        <p:cNvPr id="1" name=""/>
+        <p:cNvGrpSpPr/>
+        <p:nvPr/>
+      </p:nvGrpSpPr>
+      <p:grpSpPr>
+        <a:xfrm>
+          <a:off x="0" y="0"/>
+          <a:ext cx="0" cy="0"/>
+          <a:chOff x="0" y="0"/>
+          <a:chExt cx="0" cy="0"/>
+        </a:xfrm>
+      </p:grpSpPr>
+      <p:grpSp>
+        <p:nvGrpSpPr>
+          <p:cNvPr id="4" name="Group 3"/>
+          <p:cNvGrpSpPr/>
+          <p:nvPr/>
+        </p:nvGrpSpPr>
+        <p:grpSpPr>
+          <a:xfrm>
+            <a:off x="-2960092" y="3293004"/>
+            <a:ext cx="13188681" cy="6507769"/>
+            <a:chOff x="7645133" y="2647806"/>
+            <a:chExt cx="13188681" cy="6507769"/>
+          </a:xfrm>
+        </p:grpSpPr>
+        <p:grpSp>
+          <p:nvGrpSpPr>
+            <p:cNvPr id="5" name="Group 4"/>
+            <p:cNvGrpSpPr/>
+            <p:nvPr/>
+          </p:nvGrpSpPr>
+          <p:grpSpPr>
+            <a:xfrm>
+              <a:off x="10833530" y="2647806"/>
+              <a:ext cx="6736804" cy="6507769"/>
+              <a:chOff x="9708611" y="5724404"/>
+              <a:chExt cx="6736804" cy="6952908"/>
+            </a:xfrm>
+          </p:grpSpPr>
+          <p:sp>
+            <p:nvSpPr>
+              <p:cNvPr id="8" name="Rounded Rectangle 7"/>
+              <p:cNvSpPr/>
+              <p:nvPr/>
+            </p:nvSpPr>
+            <p:spPr>
+              <a:xfrm>
+                <a:off x="9708611" y="5724404"/>
+                <a:ext cx="6736804" cy="3388282"/>
+              </a:xfrm>
+              <a:prstGeom prst="roundRect">
+                <a:avLst/>
+              </a:prstGeom>
+              <a:solidFill>
+                <a:srgbClr val="FFC000"/>
+              </a:solidFill>
+              <a:ln>
+                <a:solidFill>
+                  <a:srgbClr val="FFC000"/>
+                </a:solidFill>
+              </a:ln>
+            </p:spPr>
+            <p:style>
+              <a:lnRef idx="2">
+                <a:schemeClr val="accent2">
+                  <a:shade val="50000"/>
+                </a:schemeClr>
+              </a:lnRef>
+              <a:fillRef idx="1">
+                <a:schemeClr val="accent2"/>
+              </a:fillRef>
+              <a:effectRef idx="0">
+                <a:schemeClr val="accent2"/>
+              </a:effectRef>
+              <a:fontRef idx="minor">
+                <a:schemeClr val="lt1"/>
+              </a:fontRef>
+            </p:style>
+            <p:txBody>
+              <a:bodyPr rtlCol="0" anchor="ctr"/>
+              <a:lstStyle/>
+              <a:p>
+                <a:pPr algn="ctr"/>
+                <a:endParaRPr lang="en-US" sz="2669"/>
+              </a:p>
+            </p:txBody>
+          </p:sp>
+          <p:sp>
+            <p:nvSpPr>
+              <p:cNvPr id="9" name="Rounded Rectangle 8"/>
+              <p:cNvSpPr/>
+              <p:nvPr/>
+            </p:nvSpPr>
+            <p:spPr>
+              <a:xfrm>
+                <a:off x="9708611" y="6338264"/>
+                <a:ext cx="6736804" cy="6339048"/>
+              </a:xfrm>
+              <a:prstGeom prst="roundRect">
+                <a:avLst/>
+              </a:prstGeom>
+              <a:ln>
+                <a:solidFill>
+                  <a:srgbClr val="FFC000"/>
+                </a:solidFill>
+              </a:ln>
+            </p:spPr>
+            <p:style>
+              <a:lnRef idx="2">
+                <a:schemeClr val="dk1"/>
+              </a:lnRef>
+              <a:fillRef idx="1">
+                <a:schemeClr val="lt1"/>
+              </a:fillRef>
+              <a:effectRef idx="0">
+                <a:schemeClr val="dk1"/>
+              </a:effectRef>
+              <a:fontRef idx="minor">
+                <a:schemeClr val="dk1"/>
+              </a:fontRef>
+            </p:style>
+            <p:txBody>
+              <a:bodyPr rtlCol="0" anchor="ctr"/>
+              <a:lstStyle/>
+              <a:p>
+                <a:pPr algn="ctr"/>
+                <a:endParaRPr lang="en-US" sz="2669"/>
+              </a:p>
+            </p:txBody>
+          </p:sp>
+          <p:sp>
+            <p:nvSpPr>
+              <p:cNvPr id="10" name="Rectangle 9"/>
+              <p:cNvSpPr/>
+              <p:nvPr/>
+            </p:nvSpPr>
+            <p:spPr>
+              <a:xfrm>
+                <a:off x="9708611" y="6332733"/>
+                <a:ext cx="6736804" cy="1021215"/>
+              </a:xfrm>
+              <a:prstGeom prst="rect">
+                <a:avLst/>
+              </a:prstGeom>
+              <a:solidFill>
+                <a:schemeClr val="tx2">
+                  <a:lumMod val="40000"/>
+                  <a:lumOff val="60000"/>
+                </a:schemeClr>
+              </a:solidFill>
+              <a:ln>
+                <a:solidFill>
+                  <a:srgbClr val="FFC000"/>
+                </a:solidFill>
+              </a:ln>
+            </p:spPr>
+            <p:style>
+              <a:lnRef idx="2">
+                <a:schemeClr val="accent1">
+                  <a:shade val="50000"/>
+                </a:schemeClr>
+              </a:lnRef>
+              <a:fillRef idx="1">
+                <a:schemeClr val="accent1"/>
+              </a:fillRef>
+              <a:effectRef idx="0">
+                <a:schemeClr val="accent1"/>
+              </a:effectRef>
+              <a:fontRef idx="minor">
+                <a:schemeClr val="lt1"/>
+              </a:fontRef>
+            </p:style>
+            <p:txBody>
+              <a:bodyPr rot="0" spcFirstLastPara="0" vertOverflow="overflow" horzOverflow="overflow" vert="horz" wrap="square" lIns="35721" tIns="17860" rIns="35721" bIns="17860" numCol="1" spcCol="0" rtlCol="0" fromWordArt="0" anchor="ctr" anchorCtr="0" forceAA="0" compatLnSpc="1">
+                <a:prstTxWarp prst="textNoShape">
+                  <a:avLst/>
+                </a:prstTxWarp>
+                <a:noAutofit/>
+              </a:bodyPr>
+              <a:lstStyle/>
+              <a:p>
+                <a:pPr algn="ctr"/>
+                <a:endParaRPr lang="en-US" sz="2669"/>
+              </a:p>
+            </p:txBody>
+          </p:sp>
+          <p:pic>
+            <p:nvPicPr>
+              <p:cNvPr id="11" name="Picture 2" descr="Free Key SVG, PNG Icon, Symbol. Download Image."/>
+              <p:cNvPicPr>
+                <a:picLocks noChangeAspect="1" noChangeArrowheads="1"/>
+              </p:cNvPicPr>
+              <p:nvPr/>
+            </p:nvPicPr>
+            <p:blipFill>
+              <a:blip r:embed="rId2" cstate="print">
+                <a:extLst>
+                  <a:ext uri="{28A0092B-C50C-407E-A947-70E740481C1C}">
+                    <a14:useLocalDpi xmlns:a14="http://schemas.microsoft.com/office/drawing/2010/main" val="0"/>
+                  </a:ext>
+                </a:extLst>
+              </a:blip>
+              <a:srcRect/>
+              <a:stretch>
+                <a:fillRect/>
+              </a:stretch>
+            </p:blipFill>
+            <p:spPr bwMode="auto">
+              <a:xfrm>
+                <a:off x="9925700" y="7730267"/>
+                <a:ext cx="334395" cy="334395"/>
+              </a:xfrm>
+              <a:prstGeom prst="rect">
+                <a:avLst/>
+              </a:prstGeom>
+              <a:noFill/>
+              <a:ln>
+                <a:noFill/>
+              </a:ln>
+              <a:extLst>
+                <a:ext uri="{909E8E84-426E-40DD-AFC4-6F175D3DCCD1}">
+                  <a14:hiddenFill xmlns:a14="http://schemas.microsoft.com/office/drawing/2010/main">
+                    <a:solidFill>
+                      <a:srgbClr val="FFFFFF"/>
+                    </a:solidFill>
+                  </a14:hiddenFill>
+                </a:ext>
+              </a:extLst>
+            </p:spPr>
+          </p:pic>
+          <p:sp>
+            <p:nvSpPr>
+              <p:cNvPr id="12" name="Rectangle 11"/>
+              <p:cNvSpPr/>
+              <p:nvPr/>
+            </p:nvSpPr>
+            <p:spPr>
+              <a:xfrm>
+                <a:off x="12116473" y="6591034"/>
+                <a:ext cx="2146742" cy="584775"/>
+              </a:xfrm>
+              <a:prstGeom prst="rect">
+                <a:avLst/>
+              </a:prstGeom>
+            </p:spPr>
+            <p:txBody>
+              <a:bodyPr wrap="none">
+                <a:spAutoFit/>
+              </a:bodyPr>
+              <a:lstStyle/>
+              <a:p>
+                <a:r>
+                  <a:rPr lang="en-US" sz="3200" b="1" dirty="0" smtClean="0"/>
+                  <a:t>bookings_2</a:t>
+                </a:r>
+                <a:endParaRPr lang="en-US" sz="3200" dirty="0"/>
+              </a:p>
+            </p:txBody>
+          </p:sp>
+        </p:grpSp>
+        <p:sp>
+          <p:nvSpPr>
+            <p:cNvPr id="6" name="Rectangle 5"/>
+            <p:cNvSpPr/>
+            <p:nvPr/>
+          </p:nvSpPr>
+          <p:spPr>
+            <a:xfrm>
+              <a:off x="11385014" y="4400455"/>
+              <a:ext cx="9448800" cy="4401205"/>
+            </a:xfrm>
+            <a:prstGeom prst="rect">
+              <a:avLst/>
+            </a:prstGeom>
+          </p:spPr>
+          <p:txBody>
+            <a:bodyPr>
+              <a:spAutoFit/>
+            </a:bodyPr>
+            <a:lstStyle/>
+            <a:p>
+              <a:r>
+                <a:rPr lang="en-US" sz="2800" b="1" dirty="0" err="1"/>
+                <a:t>BookingID</a:t>
+              </a:r>
+              <a:endParaRPr lang="en-US" sz="2800" b="1" dirty="0"/>
+            </a:p>
+            <a:p>
+              <a:r>
+                <a:rPr lang="en-US" sz="2800" dirty="0" err="1"/>
+                <a:t>AssignmentID</a:t>
+              </a:r>
+              <a:endParaRPr lang="en-US" sz="2800" dirty="0"/>
+            </a:p>
+            <a:p>
+              <a:r>
+                <a:rPr lang="en-US" sz="2800" dirty="0" err="1"/>
+                <a:t>BookingCompleteDate</a:t>
+              </a:r>
+              <a:endParaRPr lang="en-US" sz="2800" dirty="0"/>
+            </a:p>
+            <a:p>
+              <a:r>
+                <a:rPr lang="en-US" sz="2800" dirty="0" err="1"/>
+                <a:t>CancelledDate</a:t>
+              </a:r>
+              <a:endParaRPr lang="en-US" sz="2800" dirty="0"/>
+            </a:p>
+            <a:p>
+              <a:r>
+                <a:rPr lang="en-US" sz="2800" dirty="0"/>
+                <a:t>Package</a:t>
+              </a:r>
+            </a:p>
+            <a:p>
+              <a:r>
+                <a:rPr lang="en-US" sz="2800" dirty="0" err="1"/>
+                <a:t>LaunchLocation</a:t>
+              </a:r>
+              <a:endParaRPr lang="en-US" sz="2800" dirty="0"/>
+            </a:p>
+            <a:p>
+              <a:r>
+                <a:rPr lang="en-US" sz="2800" dirty="0" err="1"/>
+                <a:t>PackageRevenue</a:t>
+              </a:r>
+              <a:endParaRPr lang="en-US" sz="2800" dirty="0"/>
+            </a:p>
+            <a:p>
+              <a:r>
+                <a:rPr lang="en-US" sz="2800" dirty="0" err="1"/>
+                <a:t>TotalRevenue</a:t>
+              </a:r>
+              <a:endParaRPr lang="en-US" sz="2800" dirty="0"/>
+            </a:p>
+            <a:p>
+              <a:r>
+                <a:rPr lang="en-US" sz="2800" b="1" dirty="0" err="1">
+                  <a:solidFill>
+                    <a:srgbClr val="0070C0"/>
+                  </a:solidFill>
+                </a:rPr>
+                <a:t>BookingStatus</a:t>
+              </a:r>
+              <a:endParaRPr lang="en-US" sz="2800" b="1" dirty="0">
+                <a:solidFill>
+                  <a:srgbClr val="0070C0"/>
+                </a:solidFill>
+              </a:endParaRPr>
+            </a:p>
+            <a:p>
+              <a:r>
+                <a:rPr lang="en-US" sz="2800" dirty="0" err="1"/>
+                <a:t>AgentID</a:t>
+              </a:r>
+              <a:endParaRPr lang="en-US" sz="2800" dirty="0"/>
+            </a:p>
+          </p:txBody>
+        </p:sp>
+        <p:sp>
+          <p:nvSpPr>
+            <p:cNvPr id="7" name="Rectangle 6"/>
+            <p:cNvSpPr/>
+            <p:nvPr/>
+          </p:nvSpPr>
+          <p:spPr>
+            <a:xfrm>
+              <a:off x="7645133" y="4441630"/>
+              <a:ext cx="9448800" cy="4401205"/>
+            </a:xfrm>
+            <a:prstGeom prst="rect">
+              <a:avLst/>
+            </a:prstGeom>
+          </p:spPr>
+          <p:txBody>
+            <a:bodyPr>
+              <a:spAutoFit/>
+            </a:bodyPr>
+            <a:lstStyle/>
+            <a:p>
+              <a:pPr algn="r"/>
+              <a:r>
+                <a:rPr lang="en-US" sz="2800" b="1" dirty="0" err="1"/>
+                <a:t>int</a:t>
+              </a:r>
+              <a:endParaRPr lang="en-US" sz="2800" b="1" dirty="0"/>
+            </a:p>
+            <a:p>
+              <a:pPr algn="r"/>
+              <a:r>
+                <a:rPr lang="en-US" sz="2800" dirty="0" err="1"/>
+                <a:t>int</a:t>
+              </a:r>
+              <a:endParaRPr lang="en-US" sz="2800" dirty="0"/>
+            </a:p>
+            <a:p>
+              <a:pPr algn="r"/>
+              <a:r>
+                <a:rPr lang="en-US" sz="2800" dirty="0" err="1"/>
+                <a:t>datetime</a:t>
+              </a:r>
+              <a:endParaRPr lang="en-US" sz="2800" dirty="0"/>
+            </a:p>
+            <a:p>
+              <a:pPr algn="r"/>
+              <a:r>
+                <a:rPr lang="en-US" sz="2800" dirty="0" err="1"/>
+                <a:t>datetime</a:t>
+              </a:r>
+              <a:endParaRPr lang="en-US" sz="2800" dirty="0"/>
+            </a:p>
+            <a:p>
+              <a:pPr algn="r"/>
+              <a:r>
+                <a:rPr lang="en-US" sz="2800" dirty="0"/>
+                <a:t>varchar</a:t>
+              </a:r>
+            </a:p>
+            <a:p>
+              <a:pPr algn="r"/>
+              <a:r>
+                <a:rPr lang="en-US" sz="2800" dirty="0"/>
+                <a:t>varchar</a:t>
+              </a:r>
+            </a:p>
+            <a:p>
+              <a:pPr algn="r"/>
+              <a:r>
+                <a:rPr lang="en-US" sz="2800" dirty="0"/>
+                <a:t>decimal</a:t>
+              </a:r>
+            </a:p>
+            <a:p>
+              <a:pPr algn="r"/>
+              <a:r>
+                <a:rPr lang="en-US" sz="2800" dirty="0"/>
+                <a:t>decimal</a:t>
+              </a:r>
+            </a:p>
+            <a:p>
+              <a:pPr algn="r"/>
+              <a:r>
+                <a:rPr lang="en-US" sz="2800" b="1" dirty="0">
+                  <a:solidFill>
+                    <a:srgbClr val="0070C0"/>
+                  </a:solidFill>
+                </a:rPr>
+                <a:t>varchar</a:t>
+              </a:r>
+            </a:p>
+            <a:p>
+              <a:pPr algn="r"/>
+              <a:r>
+                <a:rPr lang="en-US" sz="2800" dirty="0" err="1"/>
+                <a:t>int</a:t>
+              </a:r>
+              <a:endParaRPr lang="en-US" sz="2800" dirty="0"/>
+            </a:p>
+          </p:txBody>
+        </p:sp>
+      </p:grpSp>
+      <p:grpSp>
+        <p:nvGrpSpPr>
+          <p:cNvPr id="13" name="Group 12"/>
+          <p:cNvGrpSpPr/>
+          <p:nvPr/>
+        </p:nvGrpSpPr>
+        <p:grpSpPr>
+          <a:xfrm>
+            <a:off x="8925624" y="3097385"/>
+            <a:ext cx="12563510" cy="6952909"/>
+            <a:chOff x="7145385" y="5724404"/>
+            <a:chExt cx="12563510" cy="6952909"/>
+          </a:xfrm>
+        </p:grpSpPr>
+        <p:grpSp>
+          <p:nvGrpSpPr>
+            <p:cNvPr id="14" name="Group 13"/>
+            <p:cNvGrpSpPr/>
+            <p:nvPr/>
+          </p:nvGrpSpPr>
+          <p:grpSpPr>
+            <a:xfrm>
+              <a:off x="9708611" y="5724404"/>
+              <a:ext cx="7279944" cy="6952909"/>
+              <a:chOff x="9708611" y="5724404"/>
+              <a:chExt cx="7279944" cy="6952909"/>
+            </a:xfrm>
+          </p:grpSpPr>
+          <p:sp>
+            <p:nvSpPr>
+              <p:cNvPr id="17" name="Rounded Rectangle 16"/>
+              <p:cNvSpPr/>
+              <p:nvPr/>
+            </p:nvSpPr>
+            <p:spPr>
+              <a:xfrm>
+                <a:off x="9708611" y="5724404"/>
+                <a:ext cx="7279944" cy="3388281"/>
+              </a:xfrm>
+              <a:prstGeom prst="roundRect">
+                <a:avLst/>
+              </a:prstGeom>
+              <a:solidFill>
+                <a:srgbClr val="7030A0"/>
+              </a:solidFill>
+              <a:ln>
+                <a:solidFill>
+                  <a:srgbClr val="7030A0"/>
+                </a:solidFill>
+              </a:ln>
+            </p:spPr>
+            <p:style>
+              <a:lnRef idx="2">
+                <a:schemeClr val="accent2">
+                  <a:shade val="50000"/>
+                </a:schemeClr>
+              </a:lnRef>
+              <a:fillRef idx="1">
+                <a:schemeClr val="accent2"/>
+              </a:fillRef>
+              <a:effectRef idx="0">
+                <a:schemeClr val="accent2"/>
+              </a:effectRef>
+              <a:fontRef idx="minor">
+                <a:schemeClr val="lt1"/>
+              </a:fontRef>
+            </p:style>
+            <p:txBody>
+              <a:bodyPr rtlCol="0" anchor="ctr"/>
+              <a:lstStyle/>
+              <a:p>
+                <a:pPr algn="ctr"/>
+                <a:endParaRPr lang="en-US" sz="2669"/>
+              </a:p>
+            </p:txBody>
+          </p:sp>
+          <p:sp>
+            <p:nvSpPr>
+              <p:cNvPr id="18" name="Rounded Rectangle 17"/>
+              <p:cNvSpPr/>
+              <p:nvPr/>
+            </p:nvSpPr>
+            <p:spPr>
+              <a:xfrm>
+                <a:off x="9708611" y="6338263"/>
+                <a:ext cx="7279944" cy="6339050"/>
+              </a:xfrm>
+              <a:prstGeom prst="roundRect">
+                <a:avLst/>
+              </a:prstGeom>
+              <a:ln>
+                <a:solidFill>
+                  <a:srgbClr val="7030A0"/>
+                </a:solidFill>
+              </a:ln>
+            </p:spPr>
+            <p:style>
+              <a:lnRef idx="2">
+                <a:schemeClr val="dk1"/>
+              </a:lnRef>
+              <a:fillRef idx="1">
+                <a:schemeClr val="lt1"/>
+              </a:fillRef>
+              <a:effectRef idx="0">
+                <a:schemeClr val="dk1"/>
+              </a:effectRef>
+              <a:fontRef idx="minor">
+                <a:schemeClr val="dk1"/>
+              </a:fontRef>
+            </p:style>
+            <p:txBody>
+              <a:bodyPr rtlCol="0" anchor="ctr"/>
+              <a:lstStyle/>
+              <a:p>
+                <a:pPr algn="ctr"/>
+                <a:endParaRPr lang="en-US" sz="2669"/>
+              </a:p>
+            </p:txBody>
+          </p:sp>
+          <p:sp>
+            <p:nvSpPr>
+              <p:cNvPr id="19" name="Rectangle 18"/>
+              <p:cNvSpPr/>
+              <p:nvPr/>
+            </p:nvSpPr>
+            <p:spPr>
+              <a:xfrm>
+                <a:off x="9708611" y="6332733"/>
+                <a:ext cx="7279944" cy="1021215"/>
+              </a:xfrm>
+              <a:prstGeom prst="rect">
+                <a:avLst/>
+              </a:prstGeom>
+              <a:solidFill>
+                <a:schemeClr val="tx2">
+                  <a:lumMod val="40000"/>
+                  <a:lumOff val="60000"/>
+                </a:schemeClr>
+              </a:solidFill>
+              <a:ln>
+                <a:solidFill>
+                  <a:srgbClr val="7030A0"/>
+                </a:solidFill>
+              </a:ln>
+            </p:spPr>
+            <p:style>
+              <a:lnRef idx="2">
+                <a:schemeClr val="accent1">
+                  <a:shade val="50000"/>
+                </a:schemeClr>
+              </a:lnRef>
+              <a:fillRef idx="1">
+                <a:schemeClr val="accent1"/>
+              </a:fillRef>
+              <a:effectRef idx="0">
+                <a:schemeClr val="accent1"/>
+              </a:effectRef>
+              <a:fontRef idx="minor">
+                <a:schemeClr val="lt1"/>
+              </a:fontRef>
+            </p:style>
+            <p:txBody>
+              <a:bodyPr rot="0" spcFirstLastPara="0" vertOverflow="overflow" horzOverflow="overflow" vert="horz" wrap="square" lIns="35721" tIns="17860" rIns="35721" bIns="17860" numCol="1" spcCol="0" rtlCol="0" fromWordArt="0" anchor="ctr" anchorCtr="0" forceAA="0" compatLnSpc="1">
+                <a:prstTxWarp prst="textNoShape">
+                  <a:avLst/>
+                </a:prstTxWarp>
+                <a:noAutofit/>
+              </a:bodyPr>
+              <a:lstStyle/>
+              <a:p>
+                <a:pPr algn="ctr"/>
+                <a:endParaRPr lang="en-US" sz="2669"/>
+              </a:p>
+            </p:txBody>
+          </p:sp>
+          <p:pic>
+            <p:nvPicPr>
+              <p:cNvPr id="20" name="Picture 2" descr="Free Key SVG, PNG Icon, Symbol. Download Image."/>
+              <p:cNvPicPr>
+                <a:picLocks noChangeAspect="1" noChangeArrowheads="1"/>
+              </p:cNvPicPr>
+              <p:nvPr/>
+            </p:nvPicPr>
+            <p:blipFill>
+              <a:blip r:embed="rId3" cstate="print">
+                <a:extLst>
+                  <a:ext uri="{28A0092B-C50C-407E-A947-70E740481C1C}">
+                    <a14:useLocalDpi xmlns:a14="http://schemas.microsoft.com/office/drawing/2010/main" val="0"/>
+                  </a:ext>
+                </a:extLst>
+              </a:blip>
+              <a:srcRect/>
+              <a:stretch>
+                <a:fillRect/>
+              </a:stretch>
+            </p:blipFill>
+            <p:spPr bwMode="auto">
+              <a:xfrm>
+                <a:off x="9865725" y="7559302"/>
+                <a:ext cx="334395" cy="334395"/>
+              </a:xfrm>
+              <a:prstGeom prst="rect">
+                <a:avLst/>
+              </a:prstGeom>
+              <a:noFill/>
+              <a:ln>
+                <a:noFill/>
+              </a:ln>
+              <a:extLst>
+                <a:ext uri="{909E8E84-426E-40DD-AFC4-6F175D3DCCD1}">
+                  <a14:hiddenFill xmlns:a14="http://schemas.microsoft.com/office/drawing/2010/main">
+                    <a:solidFill>
+                      <a:srgbClr val="FFFFFF"/>
+                    </a:solidFill>
+                  </a14:hiddenFill>
+                </a:ext>
+              </a:extLst>
+            </p:spPr>
+          </p:pic>
+          <p:sp>
+            <p:nvSpPr>
+              <p:cNvPr id="21" name="Rectangle 20"/>
+              <p:cNvSpPr/>
+              <p:nvPr/>
+            </p:nvSpPr>
+            <p:spPr>
+              <a:xfrm>
+                <a:off x="11375693" y="6547196"/>
+                <a:ext cx="3652347" cy="584775"/>
+              </a:xfrm>
+              <a:prstGeom prst="rect">
+                <a:avLst/>
+              </a:prstGeom>
+            </p:spPr>
+            <p:txBody>
+              <a:bodyPr wrap="none">
+                <a:spAutoFit/>
+              </a:bodyPr>
+              <a:lstStyle/>
+              <a:p>
+                <a:r>
+                  <a:rPr lang="en-US" sz="3200" b="1" dirty="0" err="1"/>
+                  <a:t>space_travel_agents</a:t>
+                </a:r>
+                <a:endParaRPr lang="en-US" sz="3200" dirty="0"/>
+              </a:p>
+            </p:txBody>
+          </p:sp>
+        </p:grpSp>
+        <p:sp>
+          <p:nvSpPr>
+            <p:cNvPr id="15" name="Rectangle 14"/>
+            <p:cNvSpPr/>
+            <p:nvPr/>
+          </p:nvSpPr>
+          <p:spPr>
+            <a:xfrm>
+              <a:off x="10260095" y="7477054"/>
+              <a:ext cx="9448800" cy="4832092"/>
+            </a:xfrm>
+            <a:prstGeom prst="rect">
+              <a:avLst/>
+            </a:prstGeom>
+          </p:spPr>
+          <p:txBody>
+            <a:bodyPr>
+              <a:spAutoFit/>
+            </a:bodyPr>
+            <a:lstStyle/>
+            <a:p>
+              <a:r>
+                <a:rPr lang="en-US" sz="2800" b="1" dirty="0" err="1"/>
+                <a:t>AgentID</a:t>
+              </a:r>
+              <a:endParaRPr lang="en-US" sz="2800" b="1" dirty="0"/>
+            </a:p>
+            <a:p>
+              <a:r>
+                <a:rPr lang="en-US" sz="2800" dirty="0" err="1"/>
+                <a:t>FirstName</a:t>
+              </a:r>
+              <a:endParaRPr lang="en-US" sz="2800" dirty="0"/>
+            </a:p>
+            <a:p>
+              <a:r>
+                <a:rPr lang="en-US" sz="2800" dirty="0" err="1"/>
+                <a:t>LastName</a:t>
+              </a:r>
+              <a:endParaRPr lang="en-US" sz="2800" dirty="0"/>
+            </a:p>
+            <a:p>
+              <a:r>
+                <a:rPr lang="en-US" sz="2800" dirty="0"/>
+                <a:t>Email</a:t>
+              </a:r>
+            </a:p>
+            <a:p>
+              <a:r>
+                <a:rPr lang="en-US" sz="2800" dirty="0" err="1"/>
+                <a:t>JobTitle</a:t>
+              </a:r>
+              <a:endParaRPr lang="en-US" sz="2800" dirty="0"/>
+            </a:p>
+            <a:p>
+              <a:r>
+                <a:rPr lang="en-US" sz="2800" dirty="0" err="1"/>
+                <a:t>DepartmentName</a:t>
+              </a:r>
+              <a:endParaRPr lang="en-US" sz="2800" dirty="0"/>
+            </a:p>
+            <a:p>
+              <a:r>
+                <a:rPr lang="en-US" sz="2800" dirty="0" err="1"/>
+                <a:t>ManagerName</a:t>
+              </a:r>
+              <a:endParaRPr lang="en-US" sz="2800" dirty="0"/>
+            </a:p>
+            <a:p>
+              <a:r>
+                <a:rPr lang="en-US" sz="2800" dirty="0" err="1"/>
+                <a:t>YearsOfService</a:t>
+              </a:r>
+              <a:endParaRPr lang="en-US" sz="2800" dirty="0"/>
+            </a:p>
+            <a:p>
+              <a:r>
+                <a:rPr lang="en-US" sz="2800" dirty="0" err="1" smtClean="0"/>
+                <a:t>AverageCustomerServiceRating</a:t>
+              </a:r>
+              <a:endParaRPr lang="en-US" sz="2800" dirty="0" smtClean="0"/>
+            </a:p>
+            <a:p>
+              <a:r>
+                <a:rPr lang="en-US" sz="2800" b="1" dirty="0" smtClean="0">
+                  <a:solidFill>
+                    <a:srgbClr val="0070C0"/>
+                  </a:solidFill>
+                </a:rPr>
+                <a:t>load</a:t>
+              </a:r>
+            </a:p>
+            <a:p>
+              <a:r>
+                <a:rPr lang="en-US" sz="2800" dirty="0" err="1" smtClean="0"/>
+                <a:t>agent_rank</a:t>
+              </a:r>
+              <a:endParaRPr lang="en-US" sz="2800" dirty="0"/>
+            </a:p>
+          </p:txBody>
+        </p:sp>
+        <p:sp>
+          <p:nvSpPr>
+            <p:cNvPr id="16" name="Rectangle 15"/>
+            <p:cNvSpPr/>
+            <p:nvPr/>
+          </p:nvSpPr>
+          <p:spPr>
+            <a:xfrm>
+              <a:off x="7145385" y="7494769"/>
+              <a:ext cx="9448800" cy="4832092"/>
+            </a:xfrm>
+            <a:prstGeom prst="rect">
+              <a:avLst/>
+            </a:prstGeom>
+          </p:spPr>
+          <p:txBody>
+            <a:bodyPr>
+              <a:spAutoFit/>
+            </a:bodyPr>
+            <a:lstStyle/>
+            <a:p>
+              <a:pPr algn="r"/>
+              <a:r>
+                <a:rPr lang="en-US" sz="2800" dirty="0" err="1"/>
+                <a:t>int</a:t>
+              </a:r>
+              <a:endParaRPr lang="en-US" sz="2800" dirty="0"/>
+            </a:p>
+            <a:p>
+              <a:pPr algn="r"/>
+              <a:r>
+                <a:rPr lang="en-US" sz="2800" dirty="0"/>
+                <a:t>varchar</a:t>
+              </a:r>
+            </a:p>
+            <a:p>
+              <a:pPr algn="r"/>
+              <a:r>
+                <a:rPr lang="en-US" sz="2800" dirty="0"/>
+                <a:t>varchar</a:t>
+              </a:r>
+            </a:p>
+            <a:p>
+              <a:pPr algn="r"/>
+              <a:r>
+                <a:rPr lang="en-US" sz="2800" dirty="0"/>
+                <a:t>varchar</a:t>
+              </a:r>
+            </a:p>
+            <a:p>
+              <a:pPr algn="r"/>
+              <a:r>
+                <a:rPr lang="en-US" sz="2800" dirty="0"/>
+                <a:t>varchar</a:t>
+              </a:r>
+            </a:p>
+            <a:p>
+              <a:pPr algn="r"/>
+              <a:r>
+                <a:rPr lang="en-US" sz="2800" dirty="0"/>
+                <a:t>varchar</a:t>
+              </a:r>
+            </a:p>
+            <a:p>
+              <a:pPr algn="r"/>
+              <a:r>
+                <a:rPr lang="en-US" sz="2800" dirty="0"/>
+                <a:t>varchar</a:t>
+              </a:r>
+            </a:p>
+            <a:p>
+              <a:pPr algn="r"/>
+              <a:r>
+                <a:rPr lang="en-US" sz="2800" dirty="0" err="1"/>
+                <a:t>int</a:t>
+              </a:r>
+              <a:endParaRPr lang="en-US" sz="2800" dirty="0"/>
+            </a:p>
+            <a:p>
+              <a:pPr algn="r"/>
+              <a:r>
+                <a:rPr lang="en-US" sz="2800" dirty="0" smtClean="0"/>
+                <a:t>float</a:t>
+              </a:r>
+            </a:p>
+            <a:p>
+              <a:pPr algn="r"/>
+              <a:r>
+                <a:rPr lang="en-US" sz="2800" b="1" dirty="0" err="1" smtClean="0">
+                  <a:solidFill>
+                    <a:srgbClr val="0070C0"/>
+                  </a:solidFill>
+                </a:rPr>
+                <a:t>int</a:t>
+              </a:r>
+              <a:endParaRPr lang="en-US" sz="2800" b="1" dirty="0" smtClean="0">
+                <a:solidFill>
+                  <a:srgbClr val="0070C0"/>
+                </a:solidFill>
+              </a:endParaRPr>
+            </a:p>
+            <a:p>
+              <a:pPr algn="r"/>
+              <a:r>
+                <a:rPr lang="en-US" sz="2800" dirty="0" err="1" smtClean="0"/>
+                <a:t>int</a:t>
+              </a:r>
+              <a:endParaRPr lang="en-US" sz="2800" dirty="0"/>
+            </a:p>
+          </p:txBody>
+        </p:sp>
+      </p:grpSp>
+      <p:sp>
+        <p:nvSpPr>
+          <p:cNvPr id="22" name="TextBox 21"/>
+          <p:cNvSpPr txBox="1"/>
+          <p:nvPr/>
+        </p:nvSpPr>
+        <p:spPr>
+          <a:xfrm>
+            <a:off x="7057058" y="6143256"/>
+            <a:ext cx="4339842" cy="523220"/>
+          </a:xfrm>
+          <a:prstGeom prst="rect">
+            <a:avLst/>
+          </a:prstGeom>
+          <a:noFill/>
+        </p:spPr>
+        <p:txBody>
+          <a:bodyPr wrap="none" rtlCol="0">
+            <a:spAutoFit/>
+          </a:bodyPr>
+          <a:lstStyle/>
+          <a:p>
+            <a:r>
+              <a:rPr lang="en-US" sz="2800" b="1" dirty="0" err="1" smtClean="0">
+                <a:solidFill>
+                  <a:srgbClr val="7030A0"/>
+                </a:solidFill>
+              </a:rPr>
+              <a:t>updating_loads_subtracting</a:t>
+            </a:r>
+            <a:endParaRPr lang="en-US" sz="2800" b="1" dirty="0">
+              <a:solidFill>
+                <a:srgbClr val="7030A0"/>
+              </a:solidFill>
+            </a:endParaRPr>
+          </a:p>
+        </p:txBody>
+      </p:sp>
+      <p:cxnSp>
+        <p:nvCxnSpPr>
+          <p:cNvPr id="23" name="Straight Arrow Connector 22"/>
+          <p:cNvCxnSpPr/>
+          <p:nvPr/>
+        </p:nvCxnSpPr>
+        <p:spPr>
+          <a:xfrm>
+            <a:off x="6965109" y="6666476"/>
+            <a:ext cx="4523741" cy="0"/>
+          </a:xfrm>
+          <a:prstGeom prst="straightConnector1">
+            <a:avLst/>
+          </a:prstGeom>
+          <a:ln w="76200">
+            <a:solidFill>
+              <a:srgbClr val="7030A0"/>
+            </a:solidFill>
+            <a:tailEnd type="triangle"/>
+          </a:ln>
+        </p:spPr>
+        <p:style>
+          <a:lnRef idx="1">
+            <a:schemeClr val="accent1"/>
+          </a:lnRef>
+          <a:fillRef idx="0">
+            <a:schemeClr val="accent1"/>
+          </a:fillRef>
+          <a:effectRef idx="0">
+            <a:schemeClr val="accent1"/>
+          </a:effectRef>
+          <a:fontRef idx="minor">
+            <a:schemeClr val="tx1"/>
+          </a:fontRef>
+        </p:style>
+      </p:cxnSp>
+    </p:spTree>
+    <p:extLst>
+      <p:ext uri="{BB962C8B-B14F-4D97-AF65-F5344CB8AC3E}">
+        <p14:creationId xmlns:p14="http://schemas.microsoft.com/office/powerpoint/2010/main" val="529587185"/>
+      </p:ext>
+    </p:extLst>
+  </p:cSld>
+  <p:clrMapOvr>
+    <a:masterClrMapping/>
+  </p:clrMapOvr>
+</p:sld>
+</file>
+
+<file path=ppt/slides/slide7.xml><?xml version="1.0" encoding="utf-8"?>
+<p:sld xmlns:a="http://schemas.openxmlformats.org/drawingml/2006/main" xmlns:r="http://schemas.openxmlformats.org/officeDocument/2006/relationships" xmlns:p="http://schemas.openxmlformats.org/presentationml/2006/main">
+  <p:cSld>
+    <p:spTree>
+      <p:nvGrpSpPr>
+        <p:cNvPr id="1" name=""/>
+        <p:cNvGrpSpPr/>
+        <p:nvPr/>
+      </p:nvGrpSpPr>
+      <p:grpSpPr>
+        <a:xfrm>
+          <a:off x="0" y="0"/>
+          <a:ext cx="0" cy="0"/>
+          <a:chOff x="0" y="0"/>
+          <a:chExt cx="0" cy="0"/>
+        </a:xfrm>
+      </p:grpSpPr>
+      <p:grpSp>
+        <p:nvGrpSpPr>
+          <p:cNvPr id="4" name="Group 3"/>
+          <p:cNvGrpSpPr/>
+          <p:nvPr/>
+        </p:nvGrpSpPr>
+        <p:grpSpPr>
+          <a:xfrm>
+            <a:off x="-1878823" y="2394099"/>
+            <a:ext cx="12563510" cy="6952909"/>
+            <a:chOff x="7145385" y="5724404"/>
+            <a:chExt cx="12563510" cy="6952909"/>
+          </a:xfrm>
+        </p:grpSpPr>
+        <p:grpSp>
+          <p:nvGrpSpPr>
+            <p:cNvPr id="5" name="Group 4"/>
+            <p:cNvGrpSpPr/>
+            <p:nvPr/>
+          </p:nvGrpSpPr>
+          <p:grpSpPr>
+            <a:xfrm>
+              <a:off x="9708611" y="5724404"/>
+              <a:ext cx="7279944" cy="6952909"/>
+              <a:chOff x="9708611" y="5724404"/>
+              <a:chExt cx="7279944" cy="6952909"/>
+            </a:xfrm>
+          </p:grpSpPr>
+          <p:sp>
+            <p:nvSpPr>
+              <p:cNvPr id="8" name="Rounded Rectangle 7"/>
+              <p:cNvSpPr/>
+              <p:nvPr/>
+            </p:nvSpPr>
+            <p:spPr>
+              <a:xfrm>
+                <a:off x="9708611" y="5724404"/>
+                <a:ext cx="7279944" cy="3388281"/>
+              </a:xfrm>
+              <a:prstGeom prst="roundRect">
+                <a:avLst/>
+              </a:prstGeom>
+              <a:solidFill>
+                <a:srgbClr val="7030A0"/>
+              </a:solidFill>
+              <a:ln>
+                <a:solidFill>
+                  <a:srgbClr val="7030A0"/>
+                </a:solidFill>
+              </a:ln>
+            </p:spPr>
+            <p:style>
+              <a:lnRef idx="2">
+                <a:schemeClr val="accent2">
+                  <a:shade val="50000"/>
+                </a:schemeClr>
+              </a:lnRef>
+              <a:fillRef idx="1">
+                <a:schemeClr val="accent2"/>
+              </a:fillRef>
+              <a:effectRef idx="0">
+                <a:schemeClr val="accent2"/>
+              </a:effectRef>
+              <a:fontRef idx="minor">
+                <a:schemeClr val="lt1"/>
+              </a:fontRef>
+            </p:style>
+            <p:txBody>
+              <a:bodyPr rtlCol="0" anchor="ctr"/>
+              <a:lstStyle/>
+              <a:p>
+                <a:pPr algn="ctr"/>
+                <a:endParaRPr lang="en-US" sz="2669"/>
+              </a:p>
+            </p:txBody>
+          </p:sp>
+          <p:sp>
+            <p:nvSpPr>
+              <p:cNvPr id="9" name="Rounded Rectangle 8"/>
+              <p:cNvSpPr/>
+              <p:nvPr/>
+            </p:nvSpPr>
+            <p:spPr>
+              <a:xfrm>
+                <a:off x="9708611" y="6338263"/>
+                <a:ext cx="7279944" cy="6339050"/>
+              </a:xfrm>
+              <a:prstGeom prst="roundRect">
+                <a:avLst/>
+              </a:prstGeom>
+              <a:ln>
+                <a:solidFill>
+                  <a:srgbClr val="7030A0"/>
+                </a:solidFill>
+              </a:ln>
+            </p:spPr>
+            <p:style>
+              <a:lnRef idx="2">
+                <a:schemeClr val="dk1"/>
+              </a:lnRef>
+              <a:fillRef idx="1">
+                <a:schemeClr val="lt1"/>
+              </a:fillRef>
+              <a:effectRef idx="0">
+                <a:schemeClr val="dk1"/>
+              </a:effectRef>
+              <a:fontRef idx="minor">
+                <a:schemeClr val="dk1"/>
+              </a:fontRef>
+            </p:style>
+            <p:txBody>
+              <a:bodyPr rtlCol="0" anchor="ctr"/>
+              <a:lstStyle/>
+              <a:p>
+                <a:pPr algn="ctr"/>
+                <a:endParaRPr lang="en-US" sz="2669"/>
+              </a:p>
+            </p:txBody>
+          </p:sp>
+          <p:sp>
+            <p:nvSpPr>
+              <p:cNvPr id="10" name="Rectangle 9"/>
+              <p:cNvSpPr/>
+              <p:nvPr/>
+            </p:nvSpPr>
+            <p:spPr>
+              <a:xfrm>
+                <a:off x="9708611" y="6332733"/>
+                <a:ext cx="7279944" cy="1021215"/>
+              </a:xfrm>
+              <a:prstGeom prst="rect">
+                <a:avLst/>
+              </a:prstGeom>
+              <a:solidFill>
+                <a:schemeClr val="tx2">
+                  <a:lumMod val="40000"/>
+                  <a:lumOff val="60000"/>
+                </a:schemeClr>
+              </a:solidFill>
+              <a:ln>
+                <a:solidFill>
+                  <a:srgbClr val="7030A0"/>
+                </a:solidFill>
+              </a:ln>
+            </p:spPr>
+            <p:style>
+              <a:lnRef idx="2">
+                <a:schemeClr val="accent1">
+                  <a:shade val="50000"/>
+                </a:schemeClr>
+              </a:lnRef>
+              <a:fillRef idx="1">
+                <a:schemeClr val="accent1"/>
+              </a:fillRef>
+              <a:effectRef idx="0">
+                <a:schemeClr val="accent1"/>
+              </a:effectRef>
+              <a:fontRef idx="minor">
+                <a:schemeClr val="lt1"/>
+              </a:fontRef>
+            </p:style>
+            <p:txBody>
+              <a:bodyPr rot="0" spcFirstLastPara="0" vertOverflow="overflow" horzOverflow="overflow" vert="horz" wrap="square" lIns="35721" tIns="17860" rIns="35721" bIns="17860" numCol="1" spcCol="0" rtlCol="0" fromWordArt="0" anchor="ctr" anchorCtr="0" forceAA="0" compatLnSpc="1">
+                <a:prstTxWarp prst="textNoShape">
+                  <a:avLst/>
+                </a:prstTxWarp>
+                <a:noAutofit/>
+              </a:bodyPr>
+              <a:lstStyle/>
+              <a:p>
+                <a:pPr algn="ctr"/>
+                <a:endParaRPr lang="en-US" sz="2669"/>
+              </a:p>
+            </p:txBody>
+          </p:sp>
+          <p:pic>
+            <p:nvPicPr>
+              <p:cNvPr id="11" name="Picture 2" descr="Free Key SVG, PNG Icon, Symbol. Download Image."/>
+              <p:cNvPicPr>
+                <a:picLocks noChangeAspect="1" noChangeArrowheads="1"/>
+              </p:cNvPicPr>
+              <p:nvPr/>
+            </p:nvPicPr>
+            <p:blipFill>
+              <a:blip r:embed="rId2" cstate="print">
+                <a:extLst>
+                  <a:ext uri="{28A0092B-C50C-407E-A947-70E740481C1C}">
+                    <a14:useLocalDpi xmlns:a14="http://schemas.microsoft.com/office/drawing/2010/main" val="0"/>
+                  </a:ext>
+                </a:extLst>
+              </a:blip>
+              <a:srcRect/>
+              <a:stretch>
+                <a:fillRect/>
+              </a:stretch>
+            </p:blipFill>
+            <p:spPr bwMode="auto">
+              <a:xfrm>
+                <a:off x="9865725" y="7559302"/>
+                <a:ext cx="334395" cy="334395"/>
+              </a:xfrm>
+              <a:prstGeom prst="rect">
+                <a:avLst/>
+              </a:prstGeom>
+              <a:noFill/>
+              <a:ln>
+                <a:noFill/>
+              </a:ln>
+              <a:extLst>
+                <a:ext uri="{909E8E84-426E-40DD-AFC4-6F175D3DCCD1}">
+                  <a14:hiddenFill xmlns:a14="http://schemas.microsoft.com/office/drawing/2010/main">
+                    <a:solidFill>
+                      <a:srgbClr val="FFFFFF"/>
+                    </a:solidFill>
+                  </a14:hiddenFill>
+                </a:ext>
+              </a:extLst>
+            </p:spPr>
+          </p:pic>
+          <p:sp>
+            <p:nvSpPr>
+              <p:cNvPr id="12" name="Rectangle 11"/>
+              <p:cNvSpPr/>
+              <p:nvPr/>
+            </p:nvSpPr>
+            <p:spPr>
+              <a:xfrm>
+                <a:off x="11375693" y="6547196"/>
+                <a:ext cx="3652347" cy="584775"/>
+              </a:xfrm>
+              <a:prstGeom prst="rect">
+                <a:avLst/>
+              </a:prstGeom>
+            </p:spPr>
+            <p:txBody>
+              <a:bodyPr wrap="none">
+                <a:spAutoFit/>
+              </a:bodyPr>
+              <a:lstStyle/>
+              <a:p>
+                <a:r>
+                  <a:rPr lang="en-US" sz="3200" b="1" dirty="0" err="1"/>
+                  <a:t>space_travel_agents</a:t>
+                </a:r>
+                <a:endParaRPr lang="en-US" sz="3200" dirty="0"/>
+              </a:p>
+            </p:txBody>
+          </p:sp>
+        </p:grpSp>
+        <p:sp>
+          <p:nvSpPr>
+            <p:cNvPr id="6" name="Rectangle 5"/>
+            <p:cNvSpPr/>
+            <p:nvPr/>
+          </p:nvSpPr>
+          <p:spPr>
+            <a:xfrm>
+              <a:off x="10260095" y="7477054"/>
+              <a:ext cx="9448800" cy="4832092"/>
+            </a:xfrm>
+            <a:prstGeom prst="rect">
+              <a:avLst/>
+            </a:prstGeom>
+          </p:spPr>
+          <p:txBody>
+            <a:bodyPr>
+              <a:spAutoFit/>
+            </a:bodyPr>
+            <a:lstStyle/>
+            <a:p>
+              <a:r>
+                <a:rPr lang="en-US" sz="2800" b="1" dirty="0" err="1"/>
+                <a:t>AgentID</a:t>
+              </a:r>
+              <a:endParaRPr lang="en-US" sz="2800" b="1" dirty="0"/>
+            </a:p>
+            <a:p>
+              <a:r>
+                <a:rPr lang="en-US" sz="2800" dirty="0" err="1"/>
+                <a:t>FirstName</a:t>
+              </a:r>
+              <a:endParaRPr lang="en-US" sz="2800" dirty="0"/>
+            </a:p>
+            <a:p>
+              <a:r>
+                <a:rPr lang="en-US" sz="2800" dirty="0" err="1"/>
+                <a:t>LastName</a:t>
+              </a:r>
+              <a:endParaRPr lang="en-US" sz="2800" dirty="0"/>
+            </a:p>
+            <a:p>
+              <a:r>
+                <a:rPr lang="en-US" sz="2800" dirty="0"/>
+                <a:t>Email</a:t>
+              </a:r>
+            </a:p>
+            <a:p>
+              <a:r>
+                <a:rPr lang="en-US" sz="2800" dirty="0" err="1"/>
+                <a:t>JobTitle</a:t>
+              </a:r>
+              <a:endParaRPr lang="en-US" sz="2800" dirty="0"/>
+            </a:p>
+            <a:p>
+              <a:r>
+                <a:rPr lang="en-US" sz="2800" dirty="0" err="1"/>
+                <a:t>DepartmentName</a:t>
+              </a:r>
+              <a:endParaRPr lang="en-US" sz="2800" dirty="0"/>
+            </a:p>
+            <a:p>
+              <a:r>
+                <a:rPr lang="en-US" sz="2800" dirty="0" err="1"/>
+                <a:t>ManagerName</a:t>
+              </a:r>
+              <a:endParaRPr lang="en-US" sz="2800" dirty="0"/>
+            </a:p>
+            <a:p>
+              <a:r>
+                <a:rPr lang="en-US" sz="2800" dirty="0" err="1"/>
+                <a:t>YearsOfService</a:t>
+              </a:r>
+              <a:endParaRPr lang="en-US" sz="2800" dirty="0"/>
+            </a:p>
+            <a:p>
+              <a:r>
+                <a:rPr lang="en-US" sz="2800" dirty="0" err="1" smtClean="0"/>
+                <a:t>AverageCustomerServiceRating</a:t>
+              </a:r>
+              <a:endParaRPr lang="en-US" sz="2800" dirty="0" smtClean="0"/>
+            </a:p>
+            <a:p>
+              <a:r>
+                <a:rPr lang="en-US" sz="2800" b="1" dirty="0" smtClean="0">
+                  <a:solidFill>
+                    <a:srgbClr val="0070C0"/>
+                  </a:solidFill>
+                </a:rPr>
+                <a:t>load</a:t>
+              </a:r>
+            </a:p>
+            <a:p>
+              <a:r>
+                <a:rPr lang="en-US" sz="2800" dirty="0" err="1" smtClean="0"/>
+                <a:t>agent_rank</a:t>
+              </a:r>
+              <a:endParaRPr lang="en-US" sz="2800" dirty="0"/>
+            </a:p>
+          </p:txBody>
+        </p:sp>
+        <p:sp>
+          <p:nvSpPr>
+            <p:cNvPr id="7" name="Rectangle 6"/>
+            <p:cNvSpPr/>
+            <p:nvPr/>
+          </p:nvSpPr>
+          <p:spPr>
+            <a:xfrm>
+              <a:off x="7145385" y="7494769"/>
+              <a:ext cx="9448800" cy="4832092"/>
+            </a:xfrm>
+            <a:prstGeom prst="rect">
+              <a:avLst/>
+            </a:prstGeom>
+          </p:spPr>
+          <p:txBody>
+            <a:bodyPr>
+              <a:spAutoFit/>
+            </a:bodyPr>
+            <a:lstStyle/>
+            <a:p>
+              <a:pPr algn="r"/>
+              <a:r>
+                <a:rPr lang="en-US" sz="2800" b="1" dirty="0" err="1"/>
+                <a:t>int</a:t>
+              </a:r>
+              <a:endParaRPr lang="en-US" sz="2800" b="1" dirty="0"/>
+            </a:p>
+            <a:p>
+              <a:pPr algn="r"/>
+              <a:r>
+                <a:rPr lang="en-US" sz="2800" dirty="0"/>
+                <a:t>varchar</a:t>
+              </a:r>
+            </a:p>
+            <a:p>
+              <a:pPr algn="r"/>
+              <a:r>
+                <a:rPr lang="en-US" sz="2800" dirty="0"/>
+                <a:t>varchar</a:t>
+              </a:r>
+            </a:p>
+            <a:p>
+              <a:pPr algn="r"/>
+              <a:r>
+                <a:rPr lang="en-US" sz="2800" dirty="0"/>
+                <a:t>varchar</a:t>
+              </a:r>
+            </a:p>
+            <a:p>
+              <a:pPr algn="r"/>
+              <a:r>
+                <a:rPr lang="en-US" sz="2800" dirty="0"/>
+                <a:t>varchar</a:t>
+              </a:r>
+            </a:p>
+            <a:p>
+              <a:pPr algn="r"/>
+              <a:r>
+                <a:rPr lang="en-US" sz="2800" dirty="0"/>
+                <a:t>varchar</a:t>
+              </a:r>
+            </a:p>
+            <a:p>
+              <a:pPr algn="r"/>
+              <a:r>
+                <a:rPr lang="en-US" sz="2800" dirty="0"/>
+                <a:t>varchar</a:t>
+              </a:r>
+            </a:p>
+            <a:p>
+              <a:pPr algn="r"/>
+              <a:r>
+                <a:rPr lang="en-US" sz="2800" dirty="0" err="1"/>
+                <a:t>int</a:t>
+              </a:r>
+              <a:endParaRPr lang="en-US" sz="2800" dirty="0"/>
+            </a:p>
+            <a:p>
+              <a:pPr algn="r"/>
+              <a:r>
+                <a:rPr lang="en-US" sz="2800" dirty="0" smtClean="0"/>
+                <a:t>float</a:t>
+              </a:r>
+            </a:p>
+            <a:p>
+              <a:pPr algn="r"/>
+              <a:r>
+                <a:rPr lang="en-US" sz="2800" b="1" dirty="0" err="1" smtClean="0">
+                  <a:solidFill>
+                    <a:srgbClr val="0070C0"/>
+                  </a:solidFill>
+                </a:rPr>
+                <a:t>int</a:t>
+              </a:r>
+              <a:endParaRPr lang="en-US" sz="2800" b="1" dirty="0" smtClean="0">
+                <a:solidFill>
+                  <a:srgbClr val="0070C0"/>
+                </a:solidFill>
+              </a:endParaRPr>
+            </a:p>
+            <a:p>
+              <a:pPr algn="r"/>
+              <a:r>
+                <a:rPr lang="en-US" sz="2800" dirty="0" err="1" smtClean="0"/>
+                <a:t>int</a:t>
+              </a:r>
+              <a:endParaRPr lang="en-US" sz="2800" dirty="0"/>
+            </a:p>
+          </p:txBody>
+        </p:sp>
+      </p:grpSp>
+      <p:grpSp>
+        <p:nvGrpSpPr>
+          <p:cNvPr id="30" name="Group 29"/>
+          <p:cNvGrpSpPr/>
+          <p:nvPr/>
+        </p:nvGrpSpPr>
+        <p:grpSpPr>
+          <a:xfrm>
+            <a:off x="13393970" y="4284082"/>
+            <a:ext cx="5091928" cy="3097545"/>
+            <a:chOff x="10019779" y="2829654"/>
+            <a:chExt cx="5091928" cy="3097545"/>
+          </a:xfrm>
+        </p:grpSpPr>
+        <p:sp>
+          <p:nvSpPr>
+            <p:cNvPr id="25" name="Rounded Rectangle 24"/>
+            <p:cNvSpPr/>
+            <p:nvPr/>
+          </p:nvSpPr>
+          <p:spPr>
+            <a:xfrm>
+              <a:off x="10019779" y="2829654"/>
+              <a:ext cx="5091928" cy="3097545"/>
+            </a:xfrm>
+            <a:prstGeom prst="roundRect">
+              <a:avLst/>
+            </a:prstGeom>
+            <a:solidFill>
+              <a:srgbClr val="FF0000"/>
+            </a:solidFill>
+            <a:ln>
+              <a:solidFill>
+                <a:srgbClr val="FF0000"/>
+              </a:solidFill>
+            </a:ln>
+          </p:spPr>
+          <p:style>
+            <a:lnRef idx="2">
+              <a:schemeClr val="accent2">
+                <a:shade val="50000"/>
+              </a:schemeClr>
+            </a:lnRef>
+            <a:fillRef idx="1">
+              <a:schemeClr val="accent2"/>
+            </a:fillRef>
+            <a:effectRef idx="0">
+              <a:schemeClr val="accent2"/>
+            </a:effectRef>
+            <a:fontRef idx="minor">
+              <a:schemeClr val="lt1"/>
+            </a:fontRef>
+          </p:style>
+          <p:txBody>
+            <a:bodyPr rtlCol="0" anchor="ctr"/>
+            <a:lstStyle/>
+            <a:p>
+              <a:pPr algn="ctr"/>
+              <a:endParaRPr lang="en-US" sz="2669"/>
+            </a:p>
+          </p:txBody>
+        </p:sp>
+        <p:sp>
+          <p:nvSpPr>
+            <p:cNvPr id="26" name="Rounded Rectangle 25"/>
+            <p:cNvSpPr/>
+            <p:nvPr/>
+          </p:nvSpPr>
+          <p:spPr>
+            <a:xfrm>
+              <a:off x="10019779" y="3443513"/>
+              <a:ext cx="5091928" cy="2483686"/>
+            </a:xfrm>
+            <a:prstGeom prst="roundRect">
+              <a:avLst/>
+            </a:prstGeom>
+            <a:ln>
+              <a:solidFill>
+                <a:srgbClr val="FF0000"/>
+              </a:solidFill>
+            </a:ln>
+          </p:spPr>
+          <p:style>
+            <a:lnRef idx="2">
+              <a:schemeClr val="dk1"/>
+            </a:lnRef>
+            <a:fillRef idx="1">
+              <a:schemeClr val="lt1"/>
+            </a:fillRef>
+            <a:effectRef idx="0">
+              <a:schemeClr val="dk1"/>
+            </a:effectRef>
+            <a:fontRef idx="minor">
+              <a:schemeClr val="dk1"/>
+            </a:fontRef>
+          </p:style>
+          <p:txBody>
+            <a:bodyPr rtlCol="0" anchor="ctr"/>
+            <a:lstStyle/>
+            <a:p>
+              <a:pPr algn="ctr"/>
+              <a:endParaRPr lang="en-US" sz="2669"/>
+            </a:p>
+          </p:txBody>
+        </p:sp>
+        <p:sp>
+          <p:nvSpPr>
+            <p:cNvPr id="27" name="Rectangle 26"/>
+            <p:cNvSpPr/>
+            <p:nvPr/>
+          </p:nvSpPr>
+          <p:spPr>
+            <a:xfrm>
+              <a:off x="10019779" y="3437983"/>
+              <a:ext cx="5091928" cy="1021215"/>
+            </a:xfrm>
+            <a:prstGeom prst="rect">
+              <a:avLst/>
+            </a:prstGeom>
+            <a:solidFill>
+              <a:schemeClr val="tx2">
+                <a:lumMod val="40000"/>
+                <a:lumOff val="60000"/>
+              </a:schemeClr>
+            </a:solidFill>
+            <a:ln>
+              <a:solidFill>
+                <a:srgbClr val="FF0000"/>
+              </a:solidFill>
+            </a:ln>
+          </p:spPr>
+          <p:style>
+            <a:lnRef idx="2">
+              <a:schemeClr val="accent1">
+                <a:shade val="50000"/>
+              </a:schemeClr>
+            </a:lnRef>
+            <a:fillRef idx="1">
+              <a:schemeClr val="accent1"/>
+            </a:fillRef>
+            <a:effectRef idx="0">
+              <a:schemeClr val="accent1"/>
+            </a:effectRef>
+            <a:fontRef idx="minor">
+              <a:schemeClr val="lt1"/>
+            </a:fontRef>
+          </p:style>
+          <p:txBody>
+            <a:bodyPr rot="0" spcFirstLastPara="0" vertOverflow="overflow" horzOverflow="overflow" vert="horz" wrap="square" lIns="35721" tIns="17860" rIns="35721" bIns="17860" numCol="1" spcCol="0" rtlCol="0" fromWordArt="0" anchor="ctr" anchorCtr="0" forceAA="0" compatLnSpc="1">
+              <a:prstTxWarp prst="textNoShape">
+                <a:avLst/>
+              </a:prstTxWarp>
+              <a:noAutofit/>
+            </a:bodyPr>
+            <a:lstStyle/>
+            <a:p>
+              <a:pPr algn="ctr"/>
+              <a:endParaRPr lang="en-US" sz="2669"/>
+            </a:p>
+          </p:txBody>
+        </p:sp>
+        <p:pic>
+          <p:nvPicPr>
+            <p:cNvPr id="28" name="Picture 2" descr="Free Key SVG, PNG Icon, Symbol. Download Image."/>
+            <p:cNvPicPr>
+              <a:picLocks noChangeAspect="1" noChangeArrowheads="1"/>
+            </p:cNvPicPr>
+            <p:nvPr/>
+          </p:nvPicPr>
+          <p:blipFill>
+            <a:blip r:embed="rId2" cstate="print">
+              <a:extLst>
+                <a:ext uri="{28A0092B-C50C-407E-A947-70E740481C1C}">
+                  <a14:useLocalDpi xmlns:a14="http://schemas.microsoft.com/office/drawing/2010/main" val="0"/>
+                </a:ext>
+              </a:extLst>
+            </a:blip>
+            <a:srcRect/>
+            <a:stretch>
+              <a:fillRect/>
+            </a:stretch>
+          </p:blipFill>
+          <p:spPr bwMode="auto">
+            <a:xfrm>
+              <a:off x="10176893" y="4664552"/>
+              <a:ext cx="334395" cy="334395"/>
+            </a:xfrm>
+            <a:prstGeom prst="rect">
+              <a:avLst/>
+            </a:prstGeom>
+            <a:noFill/>
+            <a:ln>
+              <a:noFill/>
+            </a:ln>
+            <a:extLst>
+              <a:ext uri="{909E8E84-426E-40DD-AFC4-6F175D3DCCD1}">
+                <a14:hiddenFill xmlns:a14="http://schemas.microsoft.com/office/drawing/2010/main">
+                  <a:solidFill>
+                    <a:srgbClr val="FFFFFF"/>
+                  </a:solidFill>
+                </a14:hiddenFill>
+              </a:ext>
+            </a:extLst>
+          </p:spPr>
+        </p:pic>
+        <p:sp>
+          <p:nvSpPr>
+            <p:cNvPr id="29" name="Rectangle 28"/>
+            <p:cNvSpPr/>
+            <p:nvPr/>
+          </p:nvSpPr>
+          <p:spPr>
+            <a:xfrm>
+              <a:off x="10925312" y="3661304"/>
+              <a:ext cx="3499035" cy="584775"/>
+            </a:xfrm>
+            <a:prstGeom prst="rect">
+              <a:avLst/>
+            </a:prstGeom>
+          </p:spPr>
+          <p:txBody>
+            <a:bodyPr wrap="none">
+              <a:spAutoFit/>
+            </a:bodyPr>
+            <a:lstStyle/>
+            <a:p>
+              <a:r>
+                <a:rPr lang="en-US" sz="3200" b="1" dirty="0" err="1"/>
+                <a:t>agent_rank_tracker</a:t>
+              </a:r>
+              <a:endParaRPr lang="en-US" sz="3200" dirty="0"/>
+            </a:p>
+          </p:txBody>
+        </p:sp>
+        <p:sp>
+          <p:nvSpPr>
+            <p:cNvPr id="23" name="Rectangle 22"/>
+            <p:cNvSpPr/>
+            <p:nvPr/>
+          </p:nvSpPr>
+          <p:spPr>
+            <a:xfrm>
+              <a:off x="10571263" y="4582304"/>
+              <a:ext cx="1857475" cy="954107"/>
+            </a:xfrm>
+            <a:prstGeom prst="rect">
+              <a:avLst/>
+            </a:prstGeom>
+          </p:spPr>
+          <p:txBody>
+            <a:bodyPr wrap="square">
+              <a:spAutoFit/>
+            </a:bodyPr>
+            <a:lstStyle/>
+            <a:p>
+              <a:r>
+                <a:rPr lang="en-US" sz="2800" b="1" dirty="0" err="1"/>
+                <a:t>AgentID</a:t>
+              </a:r>
+              <a:endParaRPr lang="en-US" sz="2800" b="1" dirty="0"/>
+            </a:p>
+            <a:p>
+              <a:r>
+                <a:rPr lang="en-US" sz="2800" b="1" dirty="0" err="1">
+                  <a:solidFill>
+                    <a:srgbClr val="0070C0"/>
+                  </a:solidFill>
+                </a:rPr>
+                <a:t>agent_rank</a:t>
+              </a:r>
+              <a:endParaRPr lang="en-US" sz="2800" b="1" dirty="0">
+                <a:solidFill>
+                  <a:srgbClr val="0070C0"/>
+                </a:solidFill>
+              </a:endParaRPr>
+            </a:p>
+          </p:txBody>
+        </p:sp>
+        <p:sp>
+          <p:nvSpPr>
+            <p:cNvPr id="24" name="Rectangle 23"/>
+            <p:cNvSpPr/>
+            <p:nvPr/>
+          </p:nvSpPr>
+          <p:spPr>
+            <a:xfrm>
+              <a:off x="13926489" y="4559446"/>
+              <a:ext cx="810137" cy="954107"/>
+            </a:xfrm>
+            <a:prstGeom prst="rect">
+              <a:avLst/>
+            </a:prstGeom>
+          </p:spPr>
+          <p:txBody>
+            <a:bodyPr wrap="square">
+              <a:spAutoFit/>
+            </a:bodyPr>
+            <a:lstStyle/>
+            <a:p>
+              <a:pPr algn="r"/>
+              <a:r>
+                <a:rPr lang="en-US" sz="2800" b="1" dirty="0" err="1" smtClean="0"/>
+                <a:t>int</a:t>
+              </a:r>
+              <a:endParaRPr lang="en-US" sz="2800" b="1" dirty="0" smtClean="0"/>
+            </a:p>
+            <a:p>
+              <a:pPr algn="r"/>
+              <a:r>
+                <a:rPr lang="en-US" sz="2800" b="1" dirty="0" err="1" smtClean="0">
+                  <a:solidFill>
+                    <a:srgbClr val="0070C0"/>
+                  </a:solidFill>
+                </a:rPr>
+                <a:t>int</a:t>
+              </a:r>
+              <a:endParaRPr lang="en-US" sz="2800" b="1" dirty="0">
+                <a:solidFill>
+                  <a:srgbClr val="0070C0"/>
+                </a:solidFill>
+              </a:endParaRPr>
+            </a:p>
+          </p:txBody>
+        </p:sp>
+      </p:grpSp>
+      <p:cxnSp>
+        <p:nvCxnSpPr>
+          <p:cNvPr id="31" name="Straight Arrow Connector 30"/>
+          <p:cNvCxnSpPr/>
+          <p:nvPr/>
+        </p:nvCxnSpPr>
+        <p:spPr>
+          <a:xfrm>
+            <a:off x="7964347" y="6139784"/>
+            <a:ext cx="5429623" cy="0"/>
+          </a:xfrm>
+          <a:prstGeom prst="straightConnector1">
+            <a:avLst/>
+          </a:prstGeom>
+          <a:ln w="76200">
+            <a:solidFill>
+              <a:srgbClr val="FF0000"/>
+            </a:solidFill>
+            <a:tailEnd type="triangle"/>
+          </a:ln>
+        </p:spPr>
+        <p:style>
+          <a:lnRef idx="1">
+            <a:schemeClr val="accent1"/>
+          </a:lnRef>
+          <a:fillRef idx="0">
+            <a:schemeClr val="accent1"/>
+          </a:fillRef>
+          <a:effectRef idx="0">
+            <a:schemeClr val="accent1"/>
+          </a:effectRef>
+          <a:fontRef idx="minor">
+            <a:schemeClr val="tx1"/>
+          </a:fontRef>
+        </p:style>
+      </p:cxnSp>
+      <p:sp>
+        <p:nvSpPr>
+          <p:cNvPr id="32" name="TextBox 31"/>
+          <p:cNvSpPr txBox="1"/>
+          <p:nvPr/>
+        </p:nvSpPr>
+        <p:spPr>
+          <a:xfrm>
+            <a:off x="8146546" y="5507908"/>
+            <a:ext cx="5066259" cy="523220"/>
+          </a:xfrm>
+          <a:prstGeom prst="rect">
+            <a:avLst/>
+          </a:prstGeom>
+          <a:noFill/>
+        </p:spPr>
+        <p:txBody>
+          <a:bodyPr wrap="none" rtlCol="0">
+            <a:spAutoFit/>
+          </a:bodyPr>
+          <a:lstStyle/>
+          <a:p>
+            <a:r>
+              <a:rPr lang="en-US" sz="2800" b="1" dirty="0" err="1">
+                <a:solidFill>
+                  <a:srgbClr val="FF0000"/>
+                </a:solidFill>
+              </a:rPr>
+              <a:t>recompute_agent_rank_on_load</a:t>
+            </a:r>
+            <a:endParaRPr lang="en-US" sz="2800" b="1" dirty="0">
+              <a:solidFill>
+                <a:srgbClr val="FF0000"/>
+              </a:solidFill>
+            </a:endParaRPr>
+          </a:p>
+        </p:txBody>
+      </p:sp>
+    </p:spTree>
+    <p:extLst>
+      <p:ext uri="{BB962C8B-B14F-4D97-AF65-F5344CB8AC3E}">
+        <p14:creationId xmlns:p14="http://schemas.microsoft.com/office/powerpoint/2010/main" val="2253318743"/>
       </p:ext>
     </p:extLst>
   </p:cSld>
@@ -3020,7 +10164,7 @@
 <file path=ppt/theme/theme1.xml><?xml version="1.0" encoding="utf-8"?>
 <a:theme xmlns:a="http://schemas.openxmlformats.org/drawingml/2006/main" name="Office Theme">
   <a:themeElements>
-    <a:clrScheme name="Office">
+    <a:clrScheme name="Office Theme">
       <a:dk1>
         <a:sysClr val="windowText" lastClr="000000"/>
       </a:dk1>
@@ -3058,7 +10202,7 @@
         <a:srgbClr val="954F72"/>
       </a:folHlink>
     </a:clrScheme>
-    <a:fontScheme name="Office">
+    <a:fontScheme name="Office Theme">
       <a:majorFont>
         <a:latin typeface="Calibri Light" panose="020F0302020204030204"/>
         <a:ea typeface=""/>
@@ -3130,7 +10274,7 @@
         <a:font script="Geor" typeface="Sylfaen"/>
       </a:minorFont>
     </a:fontScheme>
-    <a:fmtScheme name="Office">
+    <a:fmtScheme name="Office Theme">
       <a:fillStyleLst>
         <a:solidFill>
           <a:schemeClr val="phClr"/>

--- a/Figures/figure.pptx
+++ b/Figures/figure.pptx
@@ -12,6 +12,10 @@
     <p:sldId id="264" r:id="rId6"/>
     <p:sldId id="265" r:id="rId7"/>
     <p:sldId id="266" r:id="rId8"/>
+    <p:sldId id="267" r:id="rId9"/>
+    <p:sldId id="268" r:id="rId10"/>
+    <p:sldId id="269" r:id="rId11"/>
+    <p:sldId id="270" r:id="rId12"/>
   </p:sldIdLst>
   <p:sldSz cx="18897600" cy="14173200"/>
   <p:notesSz cx="6858000" cy="9144000"/>
@@ -4402,6 +4406,722 @@
 </p:sld>
 </file>
 
+<file path=ppt/slides/slide10.xml><?xml version="1.0" encoding="utf-8"?>
+<p:sld xmlns:a="http://schemas.openxmlformats.org/drawingml/2006/main" xmlns:r="http://schemas.openxmlformats.org/officeDocument/2006/relationships" xmlns:p="http://schemas.openxmlformats.org/presentationml/2006/main">
+  <p:cSld>
+    <p:spTree>
+      <p:nvGrpSpPr>
+        <p:cNvPr id="1" name=""/>
+        <p:cNvGrpSpPr/>
+        <p:nvPr/>
+      </p:nvGrpSpPr>
+      <p:grpSpPr>
+        <a:xfrm>
+          <a:off x="0" y="0"/>
+          <a:ext cx="0" cy="0"/>
+          <a:chOff x="0" y="0"/>
+          <a:chExt cx="0" cy="0"/>
+        </a:xfrm>
+      </p:grpSpPr>
+      <p:grpSp>
+        <p:nvGrpSpPr>
+          <p:cNvPr id="14" name="Group 13"/>
+          <p:cNvGrpSpPr/>
+          <p:nvPr/>
+        </p:nvGrpSpPr>
+        <p:grpSpPr>
+          <a:xfrm>
+            <a:off x="5644992" y="3658585"/>
+            <a:ext cx="7279944" cy="4579911"/>
+            <a:chOff x="3051230" y="2519265"/>
+            <a:chExt cx="7279944" cy="4579911"/>
+          </a:xfrm>
+        </p:grpSpPr>
+        <p:sp>
+          <p:nvSpPr>
+            <p:cNvPr id="15" name="Rounded Rectangle 14"/>
+            <p:cNvSpPr/>
+            <p:nvPr/>
+          </p:nvSpPr>
+          <p:spPr>
+            <a:xfrm>
+              <a:off x="3051230" y="2519265"/>
+              <a:ext cx="7279944" cy="4112430"/>
+            </a:xfrm>
+            <a:prstGeom prst="roundRect">
+              <a:avLst/>
+            </a:prstGeom>
+            <a:solidFill>
+              <a:schemeClr val="accent6"/>
+            </a:solidFill>
+            <a:ln/>
+          </p:spPr>
+          <p:style>
+            <a:lnRef idx="2">
+              <a:schemeClr val="accent6">
+                <a:shade val="50000"/>
+              </a:schemeClr>
+            </a:lnRef>
+            <a:fillRef idx="1">
+              <a:schemeClr val="accent6"/>
+            </a:fillRef>
+            <a:effectRef idx="0">
+              <a:schemeClr val="accent6"/>
+            </a:effectRef>
+            <a:fontRef idx="minor">
+              <a:schemeClr val="lt1"/>
+            </a:fontRef>
+          </p:style>
+          <p:txBody>
+            <a:bodyPr rtlCol="0" anchor="ctr"/>
+            <a:lstStyle/>
+            <a:p>
+              <a:pPr algn="ctr"/>
+              <a:endParaRPr lang="en-US" sz="2669"/>
+            </a:p>
+          </p:txBody>
+        </p:sp>
+        <p:sp>
+          <p:nvSpPr>
+            <p:cNvPr id="16" name="Rounded Rectangle 15"/>
+            <p:cNvSpPr/>
+            <p:nvPr/>
+          </p:nvSpPr>
+          <p:spPr>
+            <a:xfrm>
+              <a:off x="3051230" y="3310325"/>
+              <a:ext cx="7279944" cy="3788851"/>
+            </a:xfrm>
+            <a:prstGeom prst="roundRect">
+              <a:avLst/>
+            </a:prstGeom>
+            <a:ln>
+              <a:solidFill>
+                <a:schemeClr val="accent6"/>
+              </a:solidFill>
+            </a:ln>
+          </p:spPr>
+          <p:style>
+            <a:lnRef idx="2">
+              <a:schemeClr val="dk1"/>
+            </a:lnRef>
+            <a:fillRef idx="1">
+              <a:schemeClr val="lt1"/>
+            </a:fillRef>
+            <a:effectRef idx="0">
+              <a:schemeClr val="dk1"/>
+            </a:effectRef>
+            <a:fontRef idx="minor">
+              <a:schemeClr val="dk1"/>
+            </a:fontRef>
+          </p:style>
+          <p:txBody>
+            <a:bodyPr rtlCol="0" anchor="ctr"/>
+            <a:lstStyle/>
+            <a:p>
+              <a:pPr algn="ctr"/>
+              <a:endParaRPr lang="en-US" sz="2669"/>
+            </a:p>
+          </p:txBody>
+        </p:sp>
+        <p:sp>
+          <p:nvSpPr>
+            <p:cNvPr id="17" name="Rectangle 16"/>
+            <p:cNvSpPr/>
+            <p:nvPr/>
+          </p:nvSpPr>
+          <p:spPr>
+            <a:xfrm>
+              <a:off x="3051230" y="3170664"/>
+              <a:ext cx="7279944" cy="977891"/>
+            </a:xfrm>
+            <a:prstGeom prst="rect">
+              <a:avLst/>
+            </a:prstGeom>
+            <a:solidFill>
+              <a:schemeClr val="tx2">
+                <a:lumMod val="40000"/>
+                <a:lumOff val="60000"/>
+              </a:schemeClr>
+            </a:solidFill>
+            <a:ln>
+              <a:solidFill>
+                <a:schemeClr val="accent6"/>
+              </a:solidFill>
+            </a:ln>
+          </p:spPr>
+          <p:style>
+            <a:lnRef idx="2">
+              <a:schemeClr val="accent1">
+                <a:shade val="50000"/>
+              </a:schemeClr>
+            </a:lnRef>
+            <a:fillRef idx="1">
+              <a:schemeClr val="accent1"/>
+            </a:fillRef>
+            <a:effectRef idx="0">
+              <a:schemeClr val="accent1"/>
+            </a:effectRef>
+            <a:fontRef idx="minor">
+              <a:schemeClr val="lt1"/>
+            </a:fontRef>
+          </p:style>
+          <p:txBody>
+            <a:bodyPr rot="0" spcFirstLastPara="0" vertOverflow="overflow" horzOverflow="overflow" vert="horz" wrap="square" lIns="35721" tIns="17860" rIns="35721" bIns="17860" numCol="1" spcCol="0" rtlCol="0" fromWordArt="0" anchor="ctr" anchorCtr="0" forceAA="0" compatLnSpc="1">
+              <a:prstTxWarp prst="textNoShape">
+                <a:avLst/>
+              </a:prstTxWarp>
+              <a:noAutofit/>
+            </a:bodyPr>
+            <a:lstStyle/>
+            <a:p>
+              <a:pPr algn="ctr"/>
+              <a:endParaRPr lang="en-US" sz="2669"/>
+            </a:p>
+          </p:txBody>
+        </p:sp>
+        <p:sp>
+          <p:nvSpPr>
+            <p:cNvPr id="18" name="TextBox 17"/>
+            <p:cNvSpPr txBox="1"/>
+            <p:nvPr/>
+          </p:nvSpPr>
+          <p:spPr>
+            <a:xfrm>
+              <a:off x="5365454" y="3367221"/>
+              <a:ext cx="2716385" cy="584775"/>
+            </a:xfrm>
+            <a:prstGeom prst="rect">
+              <a:avLst/>
+            </a:prstGeom>
+            <a:noFill/>
+          </p:spPr>
+          <p:txBody>
+            <a:bodyPr wrap="none" rtlCol="0">
+              <a:spAutoFit/>
+            </a:bodyPr>
+            <a:lstStyle/>
+            <a:p>
+              <a:r>
+                <a:rPr lang="en-US" sz="3200" b="1" dirty="0" err="1"/>
+                <a:t>new_customer</a:t>
+              </a:r>
+              <a:endParaRPr lang="en-US" sz="3200" b="1" dirty="0"/>
+            </a:p>
+          </p:txBody>
+        </p:sp>
+        <p:sp>
+          <p:nvSpPr>
+            <p:cNvPr id="19" name="TextBox 18"/>
+            <p:cNvSpPr txBox="1"/>
+            <p:nvPr/>
+          </p:nvSpPr>
+          <p:spPr>
+            <a:xfrm>
+              <a:off x="3522235" y="4418745"/>
+              <a:ext cx="3740255" cy="2246769"/>
+            </a:xfrm>
+            <a:prstGeom prst="rect">
+              <a:avLst/>
+            </a:prstGeom>
+            <a:noFill/>
+          </p:spPr>
+          <p:txBody>
+            <a:bodyPr wrap="none" rtlCol="0">
+              <a:spAutoFit/>
+            </a:bodyPr>
+            <a:lstStyle/>
+            <a:p>
+              <a:r>
+                <a:rPr lang="en-US" sz="2800" b="1" dirty="0" err="1"/>
+                <a:t>CustomerName</a:t>
+              </a:r>
+              <a:endParaRPr lang="en-US" sz="2800" b="1" dirty="0"/>
+            </a:p>
+            <a:p>
+              <a:r>
+                <a:rPr lang="en-US" sz="2800" dirty="0" err="1"/>
+                <a:t>CommunicationMethod</a:t>
+              </a:r>
+              <a:endParaRPr lang="en-US" sz="2800" dirty="0"/>
+            </a:p>
+            <a:p>
+              <a:r>
+                <a:rPr lang="en-US" sz="2800" dirty="0" err="1"/>
+                <a:t>LeadSource</a:t>
+              </a:r>
+              <a:endParaRPr lang="en-US" sz="2800" dirty="0"/>
+            </a:p>
+            <a:p>
+              <a:r>
+                <a:rPr lang="en-US" sz="2800" dirty="0"/>
+                <a:t>Destination</a:t>
+              </a:r>
+            </a:p>
+            <a:p>
+              <a:r>
+                <a:rPr lang="en-US" sz="2800" dirty="0" err="1"/>
+                <a:t>LaunchLocation</a:t>
+              </a:r>
+              <a:endParaRPr lang="en-US" sz="2800" dirty="0"/>
+            </a:p>
+          </p:txBody>
+        </p:sp>
+        <p:sp>
+          <p:nvSpPr>
+            <p:cNvPr id="20" name="TextBox 19"/>
+            <p:cNvSpPr txBox="1"/>
+            <p:nvPr/>
+          </p:nvSpPr>
+          <p:spPr>
+            <a:xfrm>
+              <a:off x="8453609" y="4418745"/>
+              <a:ext cx="1299651" cy="2246769"/>
+            </a:xfrm>
+            <a:prstGeom prst="rect">
+              <a:avLst/>
+            </a:prstGeom>
+            <a:noFill/>
+          </p:spPr>
+          <p:txBody>
+            <a:bodyPr wrap="none" rtlCol="0">
+              <a:spAutoFit/>
+            </a:bodyPr>
+            <a:lstStyle/>
+            <a:p>
+              <a:pPr algn="r"/>
+              <a:r>
+                <a:rPr lang="en-US" sz="2800" b="1" dirty="0"/>
+                <a:t>varchar</a:t>
+              </a:r>
+            </a:p>
+            <a:p>
+              <a:pPr algn="r"/>
+              <a:r>
+                <a:rPr lang="en-US" sz="2800" dirty="0"/>
+                <a:t>varchar</a:t>
+              </a:r>
+            </a:p>
+            <a:p>
+              <a:pPr algn="r"/>
+              <a:r>
+                <a:rPr lang="en-US" sz="2800" dirty="0"/>
+                <a:t>varchar</a:t>
+              </a:r>
+            </a:p>
+            <a:p>
+              <a:pPr algn="r"/>
+              <a:r>
+                <a:rPr lang="en-US" sz="2800" dirty="0"/>
+                <a:t>varchar</a:t>
+              </a:r>
+            </a:p>
+            <a:p>
+              <a:pPr algn="r"/>
+              <a:r>
+                <a:rPr lang="en-US" sz="2800" dirty="0"/>
+                <a:t>varchar</a:t>
+              </a:r>
+            </a:p>
+          </p:txBody>
+        </p:sp>
+        <p:pic>
+          <p:nvPicPr>
+            <p:cNvPr id="21" name="Picture 2" descr="Free Key SVG, PNG Icon, Symbol. Download Image."/>
+            <p:cNvPicPr>
+              <a:picLocks noChangeAspect="1" noChangeArrowheads="1"/>
+            </p:cNvPicPr>
+            <p:nvPr/>
+          </p:nvPicPr>
+          <p:blipFill>
+            <a:blip r:embed="rId2" cstate="print">
+              <a:extLst>
+                <a:ext uri="{28A0092B-C50C-407E-A947-70E740481C1C}">
+                  <a14:useLocalDpi xmlns:a14="http://schemas.microsoft.com/office/drawing/2010/main" val="0"/>
+                </a:ext>
+              </a:extLst>
+            </a:blip>
+            <a:srcRect/>
+            <a:stretch>
+              <a:fillRect/>
+            </a:stretch>
+          </p:blipFill>
+          <p:spPr bwMode="auto">
+            <a:xfrm>
+              <a:off x="3187840" y="4466340"/>
+              <a:ext cx="334395" cy="334395"/>
+            </a:xfrm>
+            <a:prstGeom prst="rect">
+              <a:avLst/>
+            </a:prstGeom>
+            <a:noFill/>
+            <a:ln>
+              <a:noFill/>
+            </a:ln>
+            <a:extLst>
+              <a:ext uri="{909E8E84-426E-40DD-AFC4-6F175D3DCCD1}">
+                <a14:hiddenFill xmlns:a14="http://schemas.microsoft.com/office/drawing/2010/main">
+                  <a:solidFill>
+                    <a:srgbClr val="FFFFFF"/>
+                  </a:solidFill>
+                </a14:hiddenFill>
+              </a:ext>
+            </a:extLst>
+          </p:spPr>
+        </p:pic>
+      </p:grpSp>
+    </p:spTree>
+    <p:extLst>
+      <p:ext uri="{BB962C8B-B14F-4D97-AF65-F5344CB8AC3E}">
+        <p14:creationId xmlns:p14="http://schemas.microsoft.com/office/powerpoint/2010/main" val="2918898228"/>
+      </p:ext>
+    </p:extLst>
+  </p:cSld>
+  <p:clrMapOvr>
+    <a:masterClrMapping/>
+  </p:clrMapOvr>
+</p:sld>
+</file>
+
+<file path=ppt/slides/slide11.xml><?xml version="1.0" encoding="utf-8"?>
+<p:sld xmlns:a="http://schemas.openxmlformats.org/drawingml/2006/main" xmlns:r="http://schemas.openxmlformats.org/officeDocument/2006/relationships" xmlns:p="http://schemas.openxmlformats.org/presentationml/2006/main">
+  <p:cSld>
+    <p:spTree>
+      <p:nvGrpSpPr>
+        <p:cNvPr id="1" name=""/>
+        <p:cNvGrpSpPr/>
+        <p:nvPr/>
+      </p:nvGrpSpPr>
+      <p:grpSpPr>
+        <a:xfrm>
+          <a:off x="0" y="0"/>
+          <a:ext cx="0" cy="0"/>
+          <a:chOff x="0" y="0"/>
+          <a:chExt cx="0" cy="0"/>
+        </a:xfrm>
+      </p:grpSpPr>
+      <p:grpSp>
+        <p:nvGrpSpPr>
+          <p:cNvPr id="10" name="Group 9"/>
+          <p:cNvGrpSpPr/>
+          <p:nvPr/>
+        </p:nvGrpSpPr>
+        <p:grpSpPr>
+          <a:xfrm>
+            <a:off x="6122313" y="5067853"/>
+            <a:ext cx="5091928" cy="3097545"/>
+            <a:chOff x="10019779" y="2829654"/>
+            <a:chExt cx="5091928" cy="3097545"/>
+          </a:xfrm>
+        </p:grpSpPr>
+        <p:sp>
+          <p:nvSpPr>
+            <p:cNvPr id="11" name="Rounded Rectangle 10"/>
+            <p:cNvSpPr/>
+            <p:nvPr/>
+          </p:nvSpPr>
+          <p:spPr>
+            <a:xfrm>
+              <a:off x="10019779" y="2829654"/>
+              <a:ext cx="5091928" cy="3097545"/>
+            </a:xfrm>
+            <a:prstGeom prst="roundRect">
+              <a:avLst/>
+            </a:prstGeom>
+            <a:solidFill>
+              <a:srgbClr val="FF0000"/>
+            </a:solidFill>
+            <a:ln>
+              <a:solidFill>
+                <a:srgbClr val="FF0000"/>
+              </a:solidFill>
+            </a:ln>
+          </p:spPr>
+          <p:style>
+            <a:lnRef idx="2">
+              <a:schemeClr val="accent2">
+                <a:shade val="50000"/>
+              </a:schemeClr>
+            </a:lnRef>
+            <a:fillRef idx="1">
+              <a:schemeClr val="accent2"/>
+            </a:fillRef>
+            <a:effectRef idx="0">
+              <a:schemeClr val="accent2"/>
+            </a:effectRef>
+            <a:fontRef idx="minor">
+              <a:schemeClr val="lt1"/>
+            </a:fontRef>
+          </p:style>
+          <p:txBody>
+            <a:bodyPr rtlCol="0" anchor="ctr"/>
+            <a:lstStyle/>
+            <a:p>
+              <a:pPr algn="ctr"/>
+              <a:endParaRPr lang="en-US" sz="2669"/>
+            </a:p>
+          </p:txBody>
+        </p:sp>
+        <p:sp>
+          <p:nvSpPr>
+            <p:cNvPr id="12" name="Rounded Rectangle 11"/>
+            <p:cNvSpPr/>
+            <p:nvPr/>
+          </p:nvSpPr>
+          <p:spPr>
+            <a:xfrm>
+              <a:off x="10019779" y="3443513"/>
+              <a:ext cx="5091928" cy="2483686"/>
+            </a:xfrm>
+            <a:prstGeom prst="roundRect">
+              <a:avLst/>
+            </a:prstGeom>
+            <a:ln>
+              <a:solidFill>
+                <a:srgbClr val="FF0000"/>
+              </a:solidFill>
+            </a:ln>
+          </p:spPr>
+          <p:style>
+            <a:lnRef idx="2">
+              <a:schemeClr val="dk1"/>
+            </a:lnRef>
+            <a:fillRef idx="1">
+              <a:schemeClr val="lt1"/>
+            </a:fillRef>
+            <a:effectRef idx="0">
+              <a:schemeClr val="dk1"/>
+            </a:effectRef>
+            <a:fontRef idx="minor">
+              <a:schemeClr val="dk1"/>
+            </a:fontRef>
+          </p:style>
+          <p:txBody>
+            <a:bodyPr rtlCol="0" anchor="ctr"/>
+            <a:lstStyle/>
+            <a:p>
+              <a:pPr algn="ctr"/>
+              <a:endParaRPr lang="en-US" sz="2669"/>
+            </a:p>
+          </p:txBody>
+        </p:sp>
+        <p:sp>
+          <p:nvSpPr>
+            <p:cNvPr id="13" name="Rectangle 12"/>
+            <p:cNvSpPr/>
+            <p:nvPr/>
+          </p:nvSpPr>
+          <p:spPr>
+            <a:xfrm>
+              <a:off x="10019779" y="3437983"/>
+              <a:ext cx="5091928" cy="1021215"/>
+            </a:xfrm>
+            <a:prstGeom prst="rect">
+              <a:avLst/>
+            </a:prstGeom>
+            <a:solidFill>
+              <a:schemeClr val="tx2">
+                <a:lumMod val="40000"/>
+                <a:lumOff val="60000"/>
+              </a:schemeClr>
+            </a:solidFill>
+            <a:ln>
+              <a:solidFill>
+                <a:srgbClr val="FF0000"/>
+              </a:solidFill>
+            </a:ln>
+          </p:spPr>
+          <p:style>
+            <a:lnRef idx="2">
+              <a:schemeClr val="accent1">
+                <a:shade val="50000"/>
+              </a:schemeClr>
+            </a:lnRef>
+            <a:fillRef idx="1">
+              <a:schemeClr val="accent1"/>
+            </a:fillRef>
+            <a:effectRef idx="0">
+              <a:schemeClr val="accent1"/>
+            </a:effectRef>
+            <a:fontRef idx="minor">
+              <a:schemeClr val="lt1"/>
+            </a:fontRef>
+          </p:style>
+          <p:txBody>
+            <a:bodyPr rot="0" spcFirstLastPara="0" vertOverflow="overflow" horzOverflow="overflow" vert="horz" wrap="square" lIns="35721" tIns="17860" rIns="35721" bIns="17860" numCol="1" spcCol="0" rtlCol="0" fromWordArt="0" anchor="ctr" anchorCtr="0" forceAA="0" compatLnSpc="1">
+              <a:prstTxWarp prst="textNoShape">
+                <a:avLst/>
+              </a:prstTxWarp>
+              <a:noAutofit/>
+            </a:bodyPr>
+            <a:lstStyle/>
+            <a:p>
+              <a:pPr algn="ctr"/>
+              <a:endParaRPr lang="en-US" sz="2669"/>
+            </a:p>
+          </p:txBody>
+        </p:sp>
+        <p:pic>
+          <p:nvPicPr>
+            <p:cNvPr id="22" name="Picture 2" descr="Free Key SVG, PNG Icon, Symbol. Download Image."/>
+            <p:cNvPicPr>
+              <a:picLocks noChangeAspect="1" noChangeArrowheads="1"/>
+            </p:cNvPicPr>
+            <p:nvPr/>
+          </p:nvPicPr>
+          <p:blipFill>
+            <a:blip r:embed="rId2" cstate="print">
+              <a:extLst>
+                <a:ext uri="{28A0092B-C50C-407E-A947-70E740481C1C}">
+                  <a14:useLocalDpi xmlns:a14="http://schemas.microsoft.com/office/drawing/2010/main" val="0"/>
+                </a:ext>
+              </a:extLst>
+            </a:blip>
+            <a:srcRect/>
+            <a:stretch>
+              <a:fillRect/>
+            </a:stretch>
+          </p:blipFill>
+          <p:spPr bwMode="auto">
+            <a:xfrm>
+              <a:off x="10176893" y="4664552"/>
+              <a:ext cx="334395" cy="334395"/>
+            </a:xfrm>
+            <a:prstGeom prst="rect">
+              <a:avLst/>
+            </a:prstGeom>
+            <a:noFill/>
+            <a:ln>
+              <a:noFill/>
+            </a:ln>
+            <a:extLst>
+              <a:ext uri="{909E8E84-426E-40DD-AFC4-6F175D3DCCD1}">
+                <a14:hiddenFill xmlns:a14="http://schemas.microsoft.com/office/drawing/2010/main">
+                  <a:solidFill>
+                    <a:srgbClr val="FFFFFF"/>
+                  </a:solidFill>
+                </a14:hiddenFill>
+              </a:ext>
+            </a:extLst>
+          </p:spPr>
+        </p:pic>
+        <p:sp>
+          <p:nvSpPr>
+            <p:cNvPr id="23" name="Rectangle 22"/>
+            <p:cNvSpPr/>
+            <p:nvPr/>
+          </p:nvSpPr>
+          <p:spPr>
+            <a:xfrm>
+              <a:off x="10925312" y="3661304"/>
+              <a:ext cx="3499035" cy="584775"/>
+            </a:xfrm>
+            <a:prstGeom prst="rect">
+              <a:avLst/>
+            </a:prstGeom>
+          </p:spPr>
+          <p:txBody>
+            <a:bodyPr wrap="none">
+              <a:spAutoFit/>
+            </a:bodyPr>
+            <a:lstStyle/>
+            <a:p>
+              <a:r>
+                <a:rPr lang="en-US" sz="3200" b="1" dirty="0" err="1"/>
+                <a:t>agent_rank_tracker</a:t>
+              </a:r>
+              <a:endParaRPr lang="en-US" sz="3200" dirty="0"/>
+            </a:p>
+          </p:txBody>
+        </p:sp>
+        <p:sp>
+          <p:nvSpPr>
+            <p:cNvPr id="24" name="Rectangle 23"/>
+            <p:cNvSpPr/>
+            <p:nvPr/>
+          </p:nvSpPr>
+          <p:spPr>
+            <a:xfrm>
+              <a:off x="10571263" y="4582304"/>
+              <a:ext cx="1857475" cy="954107"/>
+            </a:xfrm>
+            <a:prstGeom prst="rect">
+              <a:avLst/>
+            </a:prstGeom>
+          </p:spPr>
+          <p:txBody>
+            <a:bodyPr wrap="square">
+              <a:spAutoFit/>
+            </a:bodyPr>
+            <a:lstStyle/>
+            <a:p>
+              <a:r>
+                <a:rPr lang="en-US" sz="2800" b="1" dirty="0" err="1"/>
+                <a:t>AgentID</a:t>
+              </a:r>
+              <a:endParaRPr lang="en-US" sz="2800" b="1" dirty="0"/>
+            </a:p>
+            <a:p>
+              <a:r>
+                <a:rPr lang="en-US" sz="2800" dirty="0" err="1"/>
+                <a:t>agent_rank</a:t>
+              </a:r>
+              <a:endParaRPr lang="en-US" sz="2800" dirty="0"/>
+            </a:p>
+          </p:txBody>
+        </p:sp>
+        <p:sp>
+          <p:nvSpPr>
+            <p:cNvPr id="25" name="Rectangle 24"/>
+            <p:cNvSpPr/>
+            <p:nvPr/>
+          </p:nvSpPr>
+          <p:spPr>
+            <a:xfrm>
+              <a:off x="13926489" y="4559446"/>
+              <a:ext cx="810137" cy="954107"/>
+            </a:xfrm>
+            <a:prstGeom prst="rect">
+              <a:avLst/>
+            </a:prstGeom>
+          </p:spPr>
+          <p:txBody>
+            <a:bodyPr wrap="square">
+              <a:spAutoFit/>
+            </a:bodyPr>
+            <a:lstStyle/>
+            <a:p>
+              <a:pPr algn="r"/>
+              <a:r>
+                <a:rPr lang="en-US" sz="2800" b="1" dirty="0" err="1" smtClean="0"/>
+                <a:t>int</a:t>
+              </a:r>
+              <a:endParaRPr lang="en-US" sz="2800" b="1" dirty="0" smtClean="0"/>
+            </a:p>
+            <a:p>
+              <a:pPr algn="r"/>
+              <a:r>
+                <a:rPr lang="en-US" sz="2800" dirty="0" err="1" smtClean="0"/>
+                <a:t>int</a:t>
+              </a:r>
+              <a:endParaRPr lang="en-US" sz="2800" dirty="0"/>
+            </a:p>
+          </p:txBody>
+        </p:sp>
+      </p:grpSp>
+    </p:spTree>
+    <p:extLst>
+      <p:ext uri="{BB962C8B-B14F-4D97-AF65-F5344CB8AC3E}">
+        <p14:creationId xmlns:p14="http://schemas.microsoft.com/office/powerpoint/2010/main" val="1066873971"/>
+      </p:ext>
+    </p:extLst>
+  </p:cSld>
+  <p:clrMapOvr>
+    <a:masterClrMapping/>
+  </p:clrMapOvr>
+</p:sld>
+</file>
+
 <file path=ppt/slides/slide2.xml><?xml version="1.0" encoding="utf-8"?>
 <p:sld xmlns:a="http://schemas.openxmlformats.org/drawingml/2006/main" xmlns:r="http://schemas.openxmlformats.org/officeDocument/2006/relationships" xmlns:p="http://schemas.openxmlformats.org/presentationml/2006/main">
   <p:cSld>
@@ -4872,7 +5592,6 @@
                 <a:rPr lang="en-US" sz="2800" dirty="0"/>
                 <a:t>float</a:t>
               </a:r>
-              <a:endParaRPr lang="en-US" sz="2800" dirty="0"/>
             </a:p>
           </p:txBody>
         </p:sp>
@@ -10161,6 +10880,863 @@
 </p:sld>
 </file>
 
+<file path=ppt/slides/slide8.xml><?xml version="1.0" encoding="utf-8"?>
+<p:sld xmlns:a="http://schemas.openxmlformats.org/drawingml/2006/main" xmlns:r="http://schemas.openxmlformats.org/officeDocument/2006/relationships" xmlns:p="http://schemas.openxmlformats.org/presentationml/2006/main">
+  <p:cSld>
+    <p:spTree>
+      <p:nvGrpSpPr>
+        <p:cNvPr id="1" name=""/>
+        <p:cNvGrpSpPr/>
+        <p:nvPr/>
+      </p:nvGrpSpPr>
+      <p:grpSpPr>
+        <a:xfrm>
+          <a:off x="0" y="0"/>
+          <a:ext cx="0" cy="0"/>
+          <a:chOff x="0" y="0"/>
+          <a:chExt cx="0" cy="0"/>
+        </a:xfrm>
+      </p:grpSpPr>
+      <p:grpSp>
+        <p:nvGrpSpPr>
+          <p:cNvPr id="4" name="Group 3"/>
+          <p:cNvGrpSpPr/>
+          <p:nvPr/>
+        </p:nvGrpSpPr>
+        <p:grpSpPr>
+          <a:xfrm>
+            <a:off x="6117464" y="3940401"/>
+            <a:ext cx="5857124" cy="4745232"/>
+            <a:chOff x="12903316" y="1602228"/>
+            <a:chExt cx="5857124" cy="4745232"/>
+          </a:xfrm>
+        </p:grpSpPr>
+        <p:sp>
+          <p:nvSpPr>
+            <p:cNvPr id="5" name="Rounded Rectangle 4"/>
+            <p:cNvSpPr/>
+            <p:nvPr/>
+          </p:nvSpPr>
+          <p:spPr>
+            <a:xfrm>
+              <a:off x="12903317" y="1602228"/>
+              <a:ext cx="5857123" cy="3259332"/>
+            </a:xfrm>
+            <a:prstGeom prst="roundRect">
+              <a:avLst/>
+            </a:prstGeom>
+            <a:ln>
+              <a:solidFill>
+                <a:srgbClr val="5B9BD5"/>
+              </a:solidFill>
+            </a:ln>
+          </p:spPr>
+          <p:style>
+            <a:lnRef idx="2">
+              <a:schemeClr val="accent1">
+                <a:shade val="50000"/>
+              </a:schemeClr>
+            </a:lnRef>
+            <a:fillRef idx="1">
+              <a:schemeClr val="accent1"/>
+            </a:fillRef>
+            <a:effectRef idx="0">
+              <a:schemeClr val="accent1"/>
+            </a:effectRef>
+            <a:fontRef idx="minor">
+              <a:schemeClr val="lt1"/>
+            </a:fontRef>
+          </p:style>
+          <p:txBody>
+            <a:bodyPr rtlCol="0" anchor="ctr"/>
+            <a:lstStyle/>
+            <a:p>
+              <a:pPr algn="ctr"/>
+              <a:endParaRPr lang="en-US" sz="2669"/>
+            </a:p>
+          </p:txBody>
+        </p:sp>
+        <p:sp>
+          <p:nvSpPr>
+            <p:cNvPr id="6" name="Rounded Rectangle 5"/>
+            <p:cNvSpPr/>
+            <p:nvPr/>
+          </p:nvSpPr>
+          <p:spPr>
+            <a:xfrm>
+              <a:off x="12903316" y="2185688"/>
+              <a:ext cx="5857123" cy="4161772"/>
+            </a:xfrm>
+            <a:prstGeom prst="roundRect">
+              <a:avLst/>
+            </a:prstGeom>
+            <a:ln>
+              <a:solidFill>
+                <a:srgbClr val="5B9BD5"/>
+              </a:solidFill>
+            </a:ln>
+          </p:spPr>
+          <p:style>
+            <a:lnRef idx="2">
+              <a:schemeClr val="dk1"/>
+            </a:lnRef>
+            <a:fillRef idx="1">
+              <a:schemeClr val="lt1"/>
+            </a:fillRef>
+            <a:effectRef idx="0">
+              <a:schemeClr val="dk1"/>
+            </a:effectRef>
+            <a:fontRef idx="minor">
+              <a:schemeClr val="dk1"/>
+            </a:fontRef>
+          </p:style>
+          <p:txBody>
+            <a:bodyPr rtlCol="0" anchor="ctr"/>
+            <a:lstStyle/>
+            <a:p>
+              <a:pPr algn="ctr"/>
+              <a:endParaRPr lang="en-US" sz="2669"/>
+            </a:p>
+          </p:txBody>
+        </p:sp>
+        <p:sp>
+          <p:nvSpPr>
+            <p:cNvPr id="7" name="Rectangle 6"/>
+            <p:cNvSpPr/>
+            <p:nvPr/>
+          </p:nvSpPr>
+          <p:spPr>
+            <a:xfrm>
+              <a:off x="12903317" y="2104354"/>
+              <a:ext cx="5857123" cy="1014508"/>
+            </a:xfrm>
+            <a:prstGeom prst="rect">
+              <a:avLst/>
+            </a:prstGeom>
+            <a:solidFill>
+              <a:schemeClr val="tx2">
+                <a:lumMod val="40000"/>
+                <a:lumOff val="60000"/>
+              </a:schemeClr>
+            </a:solidFill>
+            <a:ln>
+              <a:solidFill>
+                <a:srgbClr val="5B9BD5"/>
+              </a:solidFill>
+            </a:ln>
+          </p:spPr>
+          <p:style>
+            <a:lnRef idx="2">
+              <a:schemeClr val="accent1">
+                <a:shade val="50000"/>
+              </a:schemeClr>
+            </a:lnRef>
+            <a:fillRef idx="1">
+              <a:schemeClr val="accent1"/>
+            </a:fillRef>
+            <a:effectRef idx="0">
+              <a:schemeClr val="accent1"/>
+            </a:effectRef>
+            <a:fontRef idx="minor">
+              <a:schemeClr val="lt1"/>
+            </a:fontRef>
+          </p:style>
+          <p:txBody>
+            <a:bodyPr rot="0" spcFirstLastPara="0" vertOverflow="overflow" horzOverflow="overflow" vert="horz" wrap="square" lIns="35721" tIns="17860" rIns="35721" bIns="17860" numCol="1" spcCol="0" rtlCol="0" fromWordArt="0" anchor="ctr" anchorCtr="0" forceAA="0" compatLnSpc="1">
+              <a:prstTxWarp prst="textNoShape">
+                <a:avLst/>
+              </a:prstTxWarp>
+              <a:noAutofit/>
+            </a:bodyPr>
+            <a:lstStyle/>
+            <a:p>
+              <a:pPr algn="ctr"/>
+              <a:endParaRPr lang="en-US" sz="2669"/>
+            </a:p>
+          </p:txBody>
+        </p:sp>
+        <p:sp>
+          <p:nvSpPr>
+            <p:cNvPr id="8" name="TextBox 7"/>
+            <p:cNvSpPr txBox="1"/>
+            <p:nvPr/>
+          </p:nvSpPr>
+          <p:spPr>
+            <a:xfrm>
+              <a:off x="14012235" y="2287047"/>
+              <a:ext cx="3513078" cy="584775"/>
+            </a:xfrm>
+            <a:prstGeom prst="rect">
+              <a:avLst/>
+            </a:prstGeom>
+            <a:noFill/>
+          </p:spPr>
+          <p:txBody>
+            <a:bodyPr wrap="none" rtlCol="0">
+              <a:spAutoFit/>
+            </a:bodyPr>
+            <a:lstStyle/>
+            <a:p>
+              <a:r>
+                <a:rPr lang="en-US" sz="3200" b="1" dirty="0" err="1"/>
+                <a:t>assignment_history</a:t>
+              </a:r>
+              <a:endParaRPr lang="en-US" sz="3200" b="1" dirty="0"/>
+            </a:p>
+          </p:txBody>
+        </p:sp>
+        <p:sp>
+          <p:nvSpPr>
+            <p:cNvPr id="9" name="TextBox 8"/>
+            <p:cNvSpPr txBox="1"/>
+            <p:nvPr/>
+          </p:nvSpPr>
+          <p:spPr>
+            <a:xfrm>
+              <a:off x="13274098" y="3425668"/>
+              <a:ext cx="3878273" cy="2677656"/>
+            </a:xfrm>
+            <a:prstGeom prst="rect">
+              <a:avLst/>
+            </a:prstGeom>
+            <a:noFill/>
+          </p:spPr>
+          <p:txBody>
+            <a:bodyPr wrap="square" rtlCol="0">
+              <a:spAutoFit/>
+            </a:bodyPr>
+            <a:lstStyle/>
+            <a:p>
+              <a:r>
+                <a:rPr lang="en-US" sz="2800" b="1" dirty="0" err="1"/>
+                <a:t>AssignmentID</a:t>
+              </a:r>
+              <a:endParaRPr lang="en-US" sz="2800" b="1" dirty="0"/>
+            </a:p>
+            <a:p>
+              <a:r>
+                <a:rPr lang="en-US" sz="2800" dirty="0" err="1" smtClean="0"/>
+                <a:t>AgentID</a:t>
+              </a:r>
+              <a:endParaRPr lang="en-US" sz="2800" dirty="0" smtClean="0"/>
+            </a:p>
+            <a:p>
+              <a:r>
+                <a:rPr lang="en-US" sz="2800" dirty="0" err="1" smtClean="0"/>
+                <a:t>CustomerName</a:t>
+              </a:r>
+              <a:endParaRPr lang="en-US" sz="2800" dirty="0"/>
+            </a:p>
+            <a:p>
+              <a:r>
+                <a:rPr lang="en-US" sz="2800" dirty="0" err="1"/>
+                <a:t>CommunicationMethod</a:t>
+              </a:r>
+              <a:endParaRPr lang="en-US" sz="2800" dirty="0"/>
+            </a:p>
+            <a:p>
+              <a:r>
+                <a:rPr lang="en-US" sz="2800" dirty="0" err="1"/>
+                <a:t>LeadSource</a:t>
+              </a:r>
+              <a:endParaRPr lang="en-US" sz="2800" dirty="0"/>
+            </a:p>
+            <a:p>
+              <a:r>
+                <a:rPr lang="en-US" sz="2800" dirty="0" err="1"/>
+                <a:t>AssignedDateTime</a:t>
+              </a:r>
+              <a:endParaRPr lang="en-US" sz="2800" dirty="0"/>
+            </a:p>
+          </p:txBody>
+        </p:sp>
+        <p:pic>
+          <p:nvPicPr>
+            <p:cNvPr id="10" name="Picture 2" descr="Free Key SVG, PNG Icon, Symbol. Download Image."/>
+            <p:cNvPicPr>
+              <a:picLocks noChangeAspect="1" noChangeArrowheads="1"/>
+            </p:cNvPicPr>
+            <p:nvPr/>
+          </p:nvPicPr>
+          <p:blipFill>
+            <a:blip r:embed="rId2" cstate="print">
+              <a:extLst>
+                <a:ext uri="{28A0092B-C50C-407E-A947-70E740481C1C}">
+                  <a14:useLocalDpi xmlns:a14="http://schemas.microsoft.com/office/drawing/2010/main" val="0"/>
+                </a:ext>
+              </a:extLst>
+            </a:blip>
+            <a:srcRect/>
+            <a:stretch>
+              <a:fillRect/>
+            </a:stretch>
+          </p:blipFill>
+          <p:spPr bwMode="auto">
+            <a:xfrm>
+              <a:off x="12988039" y="3521205"/>
+              <a:ext cx="334395" cy="334395"/>
+            </a:xfrm>
+            <a:prstGeom prst="rect">
+              <a:avLst/>
+            </a:prstGeom>
+            <a:noFill/>
+            <a:extLst>
+              <a:ext uri="{909E8E84-426E-40DD-AFC4-6F175D3DCCD1}">
+                <a14:hiddenFill xmlns:a14="http://schemas.microsoft.com/office/drawing/2010/main">
+                  <a:solidFill>
+                    <a:srgbClr val="FFFFFF"/>
+                  </a:solidFill>
+                </a14:hiddenFill>
+              </a:ext>
+            </a:extLst>
+          </p:spPr>
+        </p:pic>
+        <p:sp>
+          <p:nvSpPr>
+            <p:cNvPr id="11" name="TextBox 10"/>
+            <p:cNvSpPr txBox="1"/>
+            <p:nvPr/>
+          </p:nvSpPr>
+          <p:spPr>
+            <a:xfrm>
+              <a:off x="16984731" y="3455282"/>
+              <a:ext cx="1501245" cy="2677656"/>
+            </a:xfrm>
+            <a:prstGeom prst="rect">
+              <a:avLst/>
+            </a:prstGeom>
+            <a:noFill/>
+          </p:spPr>
+          <p:txBody>
+            <a:bodyPr wrap="none" rtlCol="0">
+              <a:spAutoFit/>
+            </a:bodyPr>
+            <a:lstStyle/>
+            <a:p>
+              <a:pPr algn="r"/>
+              <a:r>
+                <a:rPr lang="en-US" sz="2800" b="1" dirty="0" err="1"/>
+                <a:t>int</a:t>
+              </a:r>
+              <a:endParaRPr lang="en-US" sz="2800" b="1" dirty="0"/>
+            </a:p>
+            <a:p>
+              <a:pPr algn="r"/>
+              <a:r>
+                <a:rPr lang="en-US" sz="2800" dirty="0" err="1"/>
+                <a:t>int</a:t>
+              </a:r>
+              <a:endParaRPr lang="en-US" sz="2800" dirty="0"/>
+            </a:p>
+            <a:p>
+              <a:pPr algn="r"/>
+              <a:r>
+                <a:rPr lang="en-US" sz="2800" dirty="0"/>
+                <a:t>varchar</a:t>
+              </a:r>
+            </a:p>
+            <a:p>
+              <a:pPr algn="r"/>
+              <a:r>
+                <a:rPr lang="en-US" sz="2800" dirty="0"/>
+                <a:t>varchar</a:t>
+              </a:r>
+            </a:p>
+            <a:p>
+              <a:pPr algn="r"/>
+              <a:r>
+                <a:rPr lang="en-US" sz="2800" dirty="0"/>
+                <a:t>varchar</a:t>
+              </a:r>
+            </a:p>
+            <a:p>
+              <a:pPr algn="r"/>
+              <a:r>
+                <a:rPr lang="en-US" sz="2800" dirty="0" err="1"/>
+                <a:t>datetime</a:t>
+              </a:r>
+              <a:endParaRPr lang="en-US" sz="2800" dirty="0"/>
+            </a:p>
+          </p:txBody>
+        </p:sp>
+      </p:grpSp>
+    </p:spTree>
+    <p:extLst>
+      <p:ext uri="{BB962C8B-B14F-4D97-AF65-F5344CB8AC3E}">
+        <p14:creationId xmlns:p14="http://schemas.microsoft.com/office/powerpoint/2010/main" val="4008663287"/>
+      </p:ext>
+    </p:extLst>
+  </p:cSld>
+  <p:clrMapOvr>
+    <a:masterClrMapping/>
+  </p:clrMapOvr>
+</p:sld>
+</file>
+
+<file path=ppt/slides/slide9.xml><?xml version="1.0" encoding="utf-8"?>
+<p:sld xmlns:a="http://schemas.openxmlformats.org/drawingml/2006/main" xmlns:r="http://schemas.openxmlformats.org/officeDocument/2006/relationships" xmlns:p="http://schemas.openxmlformats.org/presentationml/2006/main">
+  <p:cSld>
+    <p:spTree>
+      <p:nvGrpSpPr>
+        <p:cNvPr id="1" name=""/>
+        <p:cNvGrpSpPr/>
+        <p:nvPr/>
+      </p:nvGrpSpPr>
+      <p:grpSpPr>
+        <a:xfrm>
+          <a:off x="0" y="0"/>
+          <a:ext cx="0" cy="0"/>
+          <a:chOff x="0" y="0"/>
+          <a:chExt cx="0" cy="0"/>
+        </a:xfrm>
+      </p:grpSpPr>
+      <p:grpSp>
+        <p:nvGrpSpPr>
+          <p:cNvPr id="5" name="Group 4"/>
+          <p:cNvGrpSpPr/>
+          <p:nvPr/>
+        </p:nvGrpSpPr>
+        <p:grpSpPr>
+          <a:xfrm>
+            <a:off x="6067582" y="2922825"/>
+            <a:ext cx="5965918" cy="6330397"/>
+            <a:chOff x="12903316" y="6474129"/>
+            <a:chExt cx="5965918" cy="6330397"/>
+          </a:xfrm>
+        </p:grpSpPr>
+        <p:sp>
+          <p:nvSpPr>
+            <p:cNvPr id="6" name="Rounded Rectangle 5"/>
+            <p:cNvSpPr/>
+            <p:nvPr/>
+          </p:nvSpPr>
+          <p:spPr>
+            <a:xfrm>
+              <a:off x="12903316" y="6474129"/>
+              <a:ext cx="5965918" cy="3388281"/>
+            </a:xfrm>
+            <a:prstGeom prst="roundRect">
+              <a:avLst/>
+            </a:prstGeom>
+            <a:ln>
+              <a:solidFill>
+                <a:schemeClr val="accent2"/>
+              </a:solidFill>
+            </a:ln>
+          </p:spPr>
+          <p:style>
+            <a:lnRef idx="2">
+              <a:schemeClr val="accent2">
+                <a:shade val="50000"/>
+              </a:schemeClr>
+            </a:lnRef>
+            <a:fillRef idx="1">
+              <a:schemeClr val="accent2"/>
+            </a:fillRef>
+            <a:effectRef idx="0">
+              <a:schemeClr val="accent2"/>
+            </a:effectRef>
+            <a:fontRef idx="minor">
+              <a:schemeClr val="lt1"/>
+            </a:fontRef>
+          </p:style>
+          <p:txBody>
+            <a:bodyPr rtlCol="0" anchor="ctr"/>
+            <a:lstStyle/>
+            <a:p>
+              <a:pPr algn="ctr"/>
+              <a:endParaRPr lang="en-US" sz="2669"/>
+            </a:p>
+          </p:txBody>
+        </p:sp>
+        <p:grpSp>
+          <p:nvGrpSpPr>
+            <p:cNvPr id="7" name="Group 6"/>
+            <p:cNvGrpSpPr/>
+            <p:nvPr/>
+          </p:nvGrpSpPr>
+          <p:grpSpPr>
+            <a:xfrm>
+              <a:off x="12903316" y="7082458"/>
+              <a:ext cx="5965918" cy="5722068"/>
+              <a:chOff x="12903316" y="7082458"/>
+              <a:chExt cx="5965918" cy="5722068"/>
+            </a:xfrm>
+          </p:grpSpPr>
+          <p:sp>
+            <p:nvSpPr>
+              <p:cNvPr id="8" name="Rounded Rectangle 7"/>
+              <p:cNvSpPr/>
+              <p:nvPr/>
+            </p:nvSpPr>
+            <p:spPr>
+              <a:xfrm>
+                <a:off x="12903316" y="7087987"/>
+                <a:ext cx="5965918" cy="5716539"/>
+              </a:xfrm>
+              <a:prstGeom prst="roundRect">
+                <a:avLst/>
+              </a:prstGeom>
+              <a:ln>
+                <a:solidFill>
+                  <a:schemeClr val="accent2"/>
+                </a:solidFill>
+              </a:ln>
+            </p:spPr>
+            <p:style>
+              <a:lnRef idx="2">
+                <a:schemeClr val="dk1"/>
+              </a:lnRef>
+              <a:fillRef idx="1">
+                <a:schemeClr val="lt1"/>
+              </a:fillRef>
+              <a:effectRef idx="0">
+                <a:schemeClr val="dk1"/>
+              </a:effectRef>
+              <a:fontRef idx="minor">
+                <a:schemeClr val="dk1"/>
+              </a:fontRef>
+            </p:style>
+            <p:txBody>
+              <a:bodyPr rtlCol="0" anchor="ctr"/>
+              <a:lstStyle/>
+              <a:p>
+                <a:pPr algn="ctr"/>
+                <a:endParaRPr lang="en-US" sz="2669"/>
+              </a:p>
+            </p:txBody>
+          </p:sp>
+          <p:sp>
+            <p:nvSpPr>
+              <p:cNvPr id="9" name="Rectangle 8"/>
+              <p:cNvSpPr/>
+              <p:nvPr/>
+            </p:nvSpPr>
+            <p:spPr>
+              <a:xfrm>
+                <a:off x="12903316" y="7082458"/>
+                <a:ext cx="5965918" cy="1021215"/>
+              </a:xfrm>
+              <a:prstGeom prst="rect">
+                <a:avLst/>
+              </a:prstGeom>
+              <a:solidFill>
+                <a:schemeClr val="tx2">
+                  <a:lumMod val="40000"/>
+                  <a:lumOff val="60000"/>
+                </a:schemeClr>
+              </a:solidFill>
+              <a:ln>
+                <a:solidFill>
+                  <a:schemeClr val="accent2"/>
+                </a:solidFill>
+              </a:ln>
+            </p:spPr>
+            <p:style>
+              <a:lnRef idx="2">
+                <a:schemeClr val="accent1">
+                  <a:shade val="50000"/>
+                </a:schemeClr>
+              </a:lnRef>
+              <a:fillRef idx="1">
+                <a:schemeClr val="accent1"/>
+              </a:fillRef>
+              <a:effectRef idx="0">
+                <a:schemeClr val="accent1"/>
+              </a:effectRef>
+              <a:fontRef idx="minor">
+                <a:schemeClr val="lt1"/>
+              </a:fontRef>
+            </p:style>
+            <p:txBody>
+              <a:bodyPr rot="0" spcFirstLastPara="0" vertOverflow="overflow" horzOverflow="overflow" vert="horz" wrap="square" lIns="35721" tIns="17860" rIns="35721" bIns="17860" numCol="1" spcCol="0" rtlCol="0" fromWordArt="0" anchor="ctr" anchorCtr="0" forceAA="0" compatLnSpc="1">
+                <a:prstTxWarp prst="textNoShape">
+                  <a:avLst/>
+                </a:prstTxWarp>
+                <a:noAutofit/>
+              </a:bodyPr>
+              <a:lstStyle/>
+              <a:p>
+                <a:pPr algn="ctr"/>
+                <a:endParaRPr lang="en-US" sz="2669"/>
+              </a:p>
+            </p:txBody>
+          </p:sp>
+          <p:sp>
+            <p:nvSpPr>
+              <p:cNvPr id="10" name="TextBox 9"/>
+              <p:cNvSpPr txBox="1"/>
+              <p:nvPr/>
+            </p:nvSpPr>
+            <p:spPr>
+              <a:xfrm>
+                <a:off x="15040851" y="7264550"/>
+                <a:ext cx="1721946" cy="584775"/>
+              </a:xfrm>
+              <a:prstGeom prst="rect">
+                <a:avLst/>
+              </a:prstGeom>
+              <a:noFill/>
+            </p:spPr>
+            <p:txBody>
+              <a:bodyPr wrap="none" rtlCol="0">
+                <a:spAutoFit/>
+              </a:bodyPr>
+              <a:lstStyle/>
+              <a:p>
+                <a:r>
+                  <a:rPr lang="en-US" sz="3200" b="1" dirty="0"/>
+                  <a:t>bookings</a:t>
+                </a:r>
+              </a:p>
+            </p:txBody>
+          </p:sp>
+          <p:sp>
+            <p:nvSpPr>
+              <p:cNvPr id="11" name="TextBox 10"/>
+              <p:cNvSpPr txBox="1"/>
+              <p:nvPr/>
+            </p:nvSpPr>
+            <p:spPr>
+              <a:xfrm>
+                <a:off x="13378270" y="8280235"/>
+                <a:ext cx="3453061" cy="4401205"/>
+              </a:xfrm>
+              <a:prstGeom prst="rect">
+                <a:avLst/>
+              </a:prstGeom>
+              <a:noFill/>
+            </p:spPr>
+            <p:txBody>
+              <a:bodyPr wrap="none" rtlCol="0">
+                <a:spAutoFit/>
+              </a:bodyPr>
+              <a:lstStyle/>
+              <a:p>
+                <a:r>
+                  <a:rPr lang="en-US" sz="2800" b="1" dirty="0" err="1"/>
+                  <a:t>BookingID</a:t>
+                </a:r>
+                <a:endParaRPr lang="en-US" sz="2800" b="1" dirty="0"/>
+              </a:p>
+              <a:p>
+                <a:r>
+                  <a:rPr lang="en-US" sz="2800" dirty="0" err="1"/>
+                  <a:t>AssignmentID</a:t>
+                </a:r>
+                <a:endParaRPr lang="en-US" sz="2800" dirty="0"/>
+              </a:p>
+              <a:p>
+                <a:r>
+                  <a:rPr lang="en-US" sz="2800" dirty="0" err="1"/>
+                  <a:t>BookingCompleteDate</a:t>
+                </a:r>
+                <a:endParaRPr lang="en-US" sz="2800" dirty="0"/>
+              </a:p>
+              <a:p>
+                <a:r>
+                  <a:rPr lang="en-US" sz="2800" dirty="0" err="1" smtClean="0"/>
+                  <a:t>CancelledDate</a:t>
+                </a:r>
+                <a:endParaRPr lang="en-US" sz="2800" dirty="0" smtClean="0"/>
+              </a:p>
+              <a:p>
+                <a:r>
+                  <a:rPr lang="en-US" sz="2800" dirty="0" smtClean="0"/>
+                  <a:t>Destination</a:t>
+                </a:r>
+                <a:endParaRPr lang="en-US" sz="2800" dirty="0"/>
+              </a:p>
+              <a:p>
+                <a:r>
+                  <a:rPr lang="en-US" sz="2800" dirty="0"/>
+                  <a:t>Package</a:t>
+                </a:r>
+              </a:p>
+              <a:p>
+                <a:r>
+                  <a:rPr lang="en-US" sz="2800" dirty="0" err="1"/>
+                  <a:t>LaunchLocation</a:t>
+                </a:r>
+                <a:endParaRPr lang="en-US" sz="2800" dirty="0"/>
+              </a:p>
+              <a:p>
+                <a:r>
+                  <a:rPr lang="en-US" sz="2800" dirty="0" err="1"/>
+                  <a:t>PackageRevenue</a:t>
+                </a:r>
+                <a:endParaRPr lang="en-US" sz="2800" dirty="0"/>
+              </a:p>
+              <a:p>
+                <a:r>
+                  <a:rPr lang="en-US" sz="2800" dirty="0" err="1"/>
+                  <a:t>TotalRevenue</a:t>
+                </a:r>
+                <a:endParaRPr lang="en-US" sz="2800" dirty="0"/>
+              </a:p>
+              <a:p>
+                <a:r>
+                  <a:rPr lang="en-US" sz="2800" dirty="0" err="1"/>
+                  <a:t>BookingStatus</a:t>
+                </a:r>
+                <a:endParaRPr lang="en-US" sz="2800" dirty="0"/>
+              </a:p>
+            </p:txBody>
+          </p:sp>
+          <p:sp>
+            <p:nvSpPr>
+              <p:cNvPr id="12" name="TextBox 11"/>
+              <p:cNvSpPr txBox="1"/>
+              <p:nvPr/>
+            </p:nvSpPr>
+            <p:spPr>
+              <a:xfrm>
+                <a:off x="16984667" y="8269828"/>
+                <a:ext cx="1501308" cy="4401205"/>
+              </a:xfrm>
+              <a:prstGeom prst="rect">
+                <a:avLst/>
+              </a:prstGeom>
+              <a:noFill/>
+            </p:spPr>
+            <p:txBody>
+              <a:bodyPr wrap="none" rtlCol="0">
+                <a:spAutoFit/>
+              </a:bodyPr>
+              <a:lstStyle/>
+              <a:p>
+                <a:pPr algn="r"/>
+                <a:r>
+                  <a:rPr lang="en-US" sz="2800" b="1" dirty="0" err="1"/>
+                  <a:t>int</a:t>
+                </a:r>
+                <a:endParaRPr lang="en-US" sz="2800" b="1" dirty="0"/>
+              </a:p>
+              <a:p>
+                <a:pPr algn="r"/>
+                <a:r>
+                  <a:rPr lang="en-US" sz="2800" dirty="0" err="1"/>
+                  <a:t>int</a:t>
+                </a:r>
+                <a:endParaRPr lang="en-US" sz="2800" dirty="0"/>
+              </a:p>
+              <a:p>
+                <a:pPr algn="r"/>
+                <a:r>
+                  <a:rPr lang="en-US" sz="2800" dirty="0" err="1"/>
+                  <a:t>datetime</a:t>
+                </a:r>
+                <a:endParaRPr lang="en-US" sz="2800" dirty="0"/>
+              </a:p>
+              <a:p>
+                <a:pPr algn="r"/>
+                <a:r>
+                  <a:rPr lang="en-US" sz="2800" dirty="0" err="1"/>
+                  <a:t>datetime</a:t>
+                </a:r>
+                <a:endParaRPr lang="en-US" sz="2800" dirty="0"/>
+              </a:p>
+              <a:p>
+                <a:pPr algn="r"/>
+                <a:r>
+                  <a:rPr lang="en-US" sz="2800" dirty="0" smtClean="0"/>
+                  <a:t>varchar</a:t>
+                </a:r>
+              </a:p>
+              <a:p>
+                <a:pPr algn="r"/>
+                <a:r>
+                  <a:rPr lang="en-US" sz="2800" dirty="0" smtClean="0"/>
+                  <a:t>varchar</a:t>
+                </a:r>
+                <a:endParaRPr lang="en-US" sz="2800" dirty="0"/>
+              </a:p>
+              <a:p>
+                <a:pPr algn="r"/>
+                <a:r>
+                  <a:rPr lang="en-US" sz="2800" dirty="0"/>
+                  <a:t>varchar</a:t>
+                </a:r>
+              </a:p>
+              <a:p>
+                <a:pPr algn="r"/>
+                <a:r>
+                  <a:rPr lang="en-US" sz="2800" dirty="0"/>
+                  <a:t>decimal</a:t>
+                </a:r>
+              </a:p>
+              <a:p>
+                <a:pPr algn="r"/>
+                <a:r>
+                  <a:rPr lang="en-US" sz="2800" dirty="0"/>
+                  <a:t>decimal</a:t>
+                </a:r>
+              </a:p>
+              <a:p>
+                <a:pPr algn="r"/>
+                <a:r>
+                  <a:rPr lang="en-US" sz="2800" dirty="0"/>
+                  <a:t>varchar</a:t>
+                </a:r>
+              </a:p>
+            </p:txBody>
+          </p:sp>
+          <p:pic>
+            <p:nvPicPr>
+              <p:cNvPr id="13" name="Picture 2" descr="Free Key SVG, PNG Icon, Symbol. Download Image."/>
+              <p:cNvPicPr>
+                <a:picLocks noChangeAspect="1" noChangeArrowheads="1"/>
+              </p:cNvPicPr>
+              <p:nvPr/>
+            </p:nvPicPr>
+            <p:blipFill>
+              <a:blip r:embed="rId2" cstate="print">
+                <a:extLst>
+                  <a:ext uri="{28A0092B-C50C-407E-A947-70E740481C1C}">
+                    <a14:useLocalDpi xmlns:a14="http://schemas.microsoft.com/office/drawing/2010/main" val="0"/>
+                  </a:ext>
+                </a:extLst>
+              </a:blip>
+              <a:srcRect/>
+              <a:stretch>
+                <a:fillRect/>
+              </a:stretch>
+            </p:blipFill>
+            <p:spPr bwMode="auto">
+              <a:xfrm>
+                <a:off x="13063526" y="8386406"/>
+                <a:ext cx="334395" cy="334395"/>
+              </a:xfrm>
+              <a:prstGeom prst="rect">
+                <a:avLst/>
+              </a:prstGeom>
+              <a:noFill/>
+              <a:extLst>
+                <a:ext uri="{909E8E84-426E-40DD-AFC4-6F175D3DCCD1}">
+                  <a14:hiddenFill xmlns:a14="http://schemas.microsoft.com/office/drawing/2010/main">
+                    <a:solidFill>
+                      <a:srgbClr val="FFFFFF"/>
+                    </a:solidFill>
+                  </a14:hiddenFill>
+                </a:ext>
+              </a:extLst>
+            </p:spPr>
+          </p:pic>
+        </p:grpSp>
+      </p:grpSp>
+    </p:spTree>
+    <p:extLst>
+      <p:ext uri="{BB962C8B-B14F-4D97-AF65-F5344CB8AC3E}">
+        <p14:creationId xmlns:p14="http://schemas.microsoft.com/office/powerpoint/2010/main" val="205018567"/>
+      </p:ext>
+    </p:extLst>
+  </p:cSld>
+  <p:clrMapOvr>
+    <a:masterClrMapping/>
+  </p:clrMapOvr>
+</p:sld>
+</file>
+
 <file path=ppt/theme/theme1.xml><?xml version="1.0" encoding="utf-8"?>
 <a:theme xmlns:a="http://schemas.openxmlformats.org/drawingml/2006/main" name="Office Theme">
   <a:themeElements>

--- a/Figures/figure.pptx
+++ b/Figures/figure.pptx
@@ -16,6 +16,7 @@
     <p:sldId id="268" r:id="rId10"/>
     <p:sldId id="269" r:id="rId11"/>
     <p:sldId id="270" r:id="rId12"/>
+    <p:sldId id="271" r:id="rId13"/>
   </p:sldIdLst>
   <p:sldSz cx="18897600" cy="14173200"/>
   <p:notesSz cx="6858000" cy="9144000"/>
@@ -5122,6 +5123,457 @@
 </p:sld>
 </file>
 
+<file path=ppt/slides/slide12.xml><?xml version="1.0" encoding="utf-8"?>
+<p:sld xmlns:a="http://schemas.openxmlformats.org/drawingml/2006/main" xmlns:r="http://schemas.openxmlformats.org/officeDocument/2006/relationships" xmlns:p="http://schemas.openxmlformats.org/presentationml/2006/main">
+  <p:cSld>
+    <p:spTree>
+      <p:nvGrpSpPr>
+        <p:cNvPr id="1" name=""/>
+        <p:cNvGrpSpPr/>
+        <p:nvPr/>
+      </p:nvGrpSpPr>
+      <p:grpSpPr>
+        <a:xfrm>
+          <a:off x="0" y="0"/>
+          <a:ext cx="0" cy="0"/>
+          <a:chOff x="0" y="0"/>
+          <a:chExt cx="0" cy="0"/>
+        </a:xfrm>
+      </p:grpSpPr>
+      <p:grpSp>
+        <p:nvGrpSpPr>
+          <p:cNvPr id="14" name="Group 13"/>
+          <p:cNvGrpSpPr/>
+          <p:nvPr/>
+        </p:nvGrpSpPr>
+        <p:grpSpPr>
+          <a:xfrm>
+            <a:off x="2964515" y="3531134"/>
+            <a:ext cx="12563510" cy="6136971"/>
+            <a:chOff x="-737270" y="3231181"/>
+            <a:chExt cx="12563510" cy="6136971"/>
+          </a:xfrm>
+        </p:grpSpPr>
+        <p:grpSp>
+          <p:nvGrpSpPr>
+            <p:cNvPr id="15" name="Group 14"/>
+            <p:cNvGrpSpPr/>
+            <p:nvPr/>
+          </p:nvGrpSpPr>
+          <p:grpSpPr>
+            <a:xfrm>
+              <a:off x="1825956" y="3231181"/>
+              <a:ext cx="7279944" cy="6136971"/>
+              <a:chOff x="1825956" y="3231181"/>
+              <a:chExt cx="7279944" cy="6136971"/>
+            </a:xfrm>
+          </p:grpSpPr>
+          <p:sp>
+            <p:nvSpPr>
+              <p:cNvPr id="18" name="Rounded Rectangle 17"/>
+              <p:cNvSpPr/>
+              <p:nvPr/>
+            </p:nvSpPr>
+            <p:spPr>
+              <a:xfrm>
+                <a:off x="1825956" y="3231181"/>
+                <a:ext cx="7279944" cy="3388281"/>
+              </a:xfrm>
+              <a:prstGeom prst="roundRect">
+                <a:avLst/>
+              </a:prstGeom>
+              <a:solidFill>
+                <a:srgbClr val="7030A0"/>
+              </a:solidFill>
+              <a:ln>
+                <a:solidFill>
+                  <a:srgbClr val="7030A0"/>
+                </a:solidFill>
+              </a:ln>
+            </p:spPr>
+            <p:style>
+              <a:lnRef idx="2">
+                <a:schemeClr val="accent2">
+                  <a:shade val="50000"/>
+                </a:schemeClr>
+              </a:lnRef>
+              <a:fillRef idx="1">
+                <a:schemeClr val="accent2"/>
+              </a:fillRef>
+              <a:effectRef idx="0">
+                <a:schemeClr val="accent2"/>
+              </a:effectRef>
+              <a:fontRef idx="minor">
+                <a:schemeClr val="lt1"/>
+              </a:fontRef>
+            </p:style>
+            <p:txBody>
+              <a:bodyPr rtlCol="0" anchor="ctr"/>
+              <a:lstStyle/>
+              <a:p>
+                <a:pPr algn="ctr"/>
+                <a:endParaRPr lang="en-US" sz="2669"/>
+              </a:p>
+            </p:txBody>
+          </p:sp>
+          <p:sp>
+            <p:nvSpPr>
+              <p:cNvPr id="19" name="Rounded Rectangle 18"/>
+              <p:cNvSpPr/>
+              <p:nvPr/>
+            </p:nvSpPr>
+            <p:spPr>
+              <a:xfrm>
+                <a:off x="1825956" y="3845040"/>
+                <a:ext cx="7279944" cy="5523112"/>
+              </a:xfrm>
+              <a:prstGeom prst="roundRect">
+                <a:avLst/>
+              </a:prstGeom>
+              <a:ln>
+                <a:solidFill>
+                  <a:srgbClr val="7030A0"/>
+                </a:solidFill>
+              </a:ln>
+            </p:spPr>
+            <p:style>
+              <a:lnRef idx="2">
+                <a:schemeClr val="dk1"/>
+              </a:lnRef>
+              <a:fillRef idx="1">
+                <a:schemeClr val="lt1"/>
+              </a:fillRef>
+              <a:effectRef idx="0">
+                <a:schemeClr val="dk1"/>
+              </a:effectRef>
+              <a:fontRef idx="minor">
+                <a:schemeClr val="dk1"/>
+              </a:fontRef>
+            </p:style>
+            <p:txBody>
+              <a:bodyPr rtlCol="0" anchor="ctr"/>
+              <a:lstStyle/>
+              <a:p>
+                <a:pPr algn="ctr"/>
+                <a:endParaRPr lang="en-US" sz="2669"/>
+              </a:p>
+            </p:txBody>
+          </p:sp>
+          <p:sp>
+            <p:nvSpPr>
+              <p:cNvPr id="20" name="Rectangle 19"/>
+              <p:cNvSpPr/>
+              <p:nvPr/>
+            </p:nvSpPr>
+            <p:spPr>
+              <a:xfrm>
+                <a:off x="1825956" y="3839510"/>
+                <a:ext cx="7279944" cy="1021215"/>
+              </a:xfrm>
+              <a:prstGeom prst="rect">
+                <a:avLst/>
+              </a:prstGeom>
+              <a:solidFill>
+                <a:schemeClr val="tx2">
+                  <a:lumMod val="40000"/>
+                  <a:lumOff val="60000"/>
+                </a:schemeClr>
+              </a:solidFill>
+              <a:ln>
+                <a:solidFill>
+                  <a:srgbClr val="7030A0"/>
+                </a:solidFill>
+              </a:ln>
+            </p:spPr>
+            <p:style>
+              <a:lnRef idx="2">
+                <a:schemeClr val="accent1">
+                  <a:shade val="50000"/>
+                </a:schemeClr>
+              </a:lnRef>
+              <a:fillRef idx="1">
+                <a:schemeClr val="accent1"/>
+              </a:fillRef>
+              <a:effectRef idx="0">
+                <a:schemeClr val="accent1"/>
+              </a:effectRef>
+              <a:fontRef idx="minor">
+                <a:schemeClr val="lt1"/>
+              </a:fontRef>
+            </p:style>
+            <p:txBody>
+              <a:bodyPr rot="0" spcFirstLastPara="0" vertOverflow="overflow" horzOverflow="overflow" vert="horz" wrap="square" lIns="35721" tIns="17860" rIns="35721" bIns="17860" numCol="1" spcCol="0" rtlCol="0" fromWordArt="0" anchor="ctr" anchorCtr="0" forceAA="0" compatLnSpc="1">
+                <a:prstTxWarp prst="textNoShape">
+                  <a:avLst/>
+                </a:prstTxWarp>
+                <a:noAutofit/>
+              </a:bodyPr>
+              <a:lstStyle/>
+              <a:p>
+                <a:pPr algn="ctr"/>
+                <a:endParaRPr lang="en-US" sz="2669"/>
+              </a:p>
+            </p:txBody>
+          </p:sp>
+          <p:pic>
+            <p:nvPicPr>
+              <p:cNvPr id="21" name="Picture 2" descr="Free Key SVG, PNG Icon, Symbol. Download Image."/>
+              <p:cNvPicPr>
+                <a:picLocks noChangeAspect="1" noChangeArrowheads="1"/>
+              </p:cNvPicPr>
+              <p:nvPr/>
+            </p:nvPicPr>
+            <p:blipFill>
+              <a:blip r:embed="rId2" cstate="print">
+                <a:extLst>
+                  <a:ext uri="{28A0092B-C50C-407E-A947-70E740481C1C}">
+                    <a14:useLocalDpi xmlns:a14="http://schemas.microsoft.com/office/drawing/2010/main" val="0"/>
+                  </a:ext>
+                </a:extLst>
+              </a:blip>
+              <a:srcRect/>
+              <a:stretch>
+                <a:fillRect/>
+              </a:stretch>
+            </p:blipFill>
+            <p:spPr bwMode="auto">
+              <a:xfrm>
+                <a:off x="1983070" y="5066079"/>
+                <a:ext cx="334395" cy="334395"/>
+              </a:xfrm>
+              <a:prstGeom prst="rect">
+                <a:avLst/>
+              </a:prstGeom>
+              <a:noFill/>
+              <a:ln>
+                <a:noFill/>
+              </a:ln>
+              <a:extLst>
+                <a:ext uri="{909E8E84-426E-40DD-AFC4-6F175D3DCCD1}">
+                  <a14:hiddenFill xmlns:a14="http://schemas.microsoft.com/office/drawing/2010/main">
+                    <a:solidFill>
+                      <a:srgbClr val="FFFFFF"/>
+                    </a:solidFill>
+                  </a14:hiddenFill>
+                </a:ext>
+              </a:extLst>
+            </p:spPr>
+          </p:pic>
+          <p:sp>
+            <p:nvSpPr>
+              <p:cNvPr id="26" name="Rectangle 25"/>
+              <p:cNvSpPr/>
+              <p:nvPr/>
+            </p:nvSpPr>
+            <p:spPr>
+              <a:xfrm>
+                <a:off x="3493038" y="4053973"/>
+                <a:ext cx="3652347" cy="584775"/>
+              </a:xfrm>
+              <a:prstGeom prst="rect">
+                <a:avLst/>
+              </a:prstGeom>
+            </p:spPr>
+            <p:txBody>
+              <a:bodyPr wrap="none">
+                <a:spAutoFit/>
+              </a:bodyPr>
+              <a:lstStyle/>
+              <a:p>
+                <a:r>
+                  <a:rPr lang="en-US" sz="3200" b="1" dirty="0" err="1"/>
+                  <a:t>space_travel_agents</a:t>
+                </a:r>
+                <a:endParaRPr lang="en-US" sz="3200" dirty="0"/>
+              </a:p>
+            </p:txBody>
+          </p:sp>
+        </p:grpSp>
+        <p:sp>
+          <p:nvSpPr>
+            <p:cNvPr id="16" name="Rectangle 15"/>
+            <p:cNvSpPr/>
+            <p:nvPr/>
+          </p:nvSpPr>
+          <p:spPr>
+            <a:xfrm>
+              <a:off x="2377440" y="4983831"/>
+              <a:ext cx="9448800" cy="3970318"/>
+            </a:xfrm>
+            <a:prstGeom prst="rect">
+              <a:avLst/>
+            </a:prstGeom>
+          </p:spPr>
+          <p:txBody>
+            <a:bodyPr>
+              <a:spAutoFit/>
+            </a:bodyPr>
+            <a:lstStyle/>
+            <a:p>
+              <a:r>
+                <a:rPr lang="en-US" sz="2800" b="1" dirty="0" err="1"/>
+                <a:t>AgentID</a:t>
+              </a:r>
+              <a:endParaRPr lang="en-US" sz="2800" b="1" dirty="0"/>
+            </a:p>
+            <a:p>
+              <a:r>
+                <a:rPr lang="en-US" sz="2800" dirty="0" err="1"/>
+                <a:t>FirstName</a:t>
+              </a:r>
+              <a:endParaRPr lang="en-US" sz="2800" dirty="0"/>
+            </a:p>
+            <a:p>
+              <a:r>
+                <a:rPr lang="en-US" sz="2800" dirty="0" err="1"/>
+                <a:t>LastName</a:t>
+              </a:r>
+              <a:endParaRPr lang="en-US" sz="2800" dirty="0"/>
+            </a:p>
+            <a:p>
+              <a:r>
+                <a:rPr lang="en-US" sz="2800" dirty="0"/>
+                <a:t>Email</a:t>
+              </a:r>
+            </a:p>
+            <a:p>
+              <a:r>
+                <a:rPr lang="en-US" sz="2800" dirty="0" err="1"/>
+                <a:t>JobTitle</a:t>
+              </a:r>
+              <a:endParaRPr lang="en-US" sz="2800" dirty="0"/>
+            </a:p>
+            <a:p>
+              <a:r>
+                <a:rPr lang="en-US" sz="2800" dirty="0" err="1"/>
+                <a:t>DepartmentName</a:t>
+              </a:r>
+              <a:endParaRPr lang="en-US" sz="2800" dirty="0"/>
+            </a:p>
+            <a:p>
+              <a:r>
+                <a:rPr lang="en-US" sz="2800" dirty="0" err="1"/>
+                <a:t>ManagerName</a:t>
+              </a:r>
+              <a:endParaRPr lang="en-US" sz="2800" dirty="0"/>
+            </a:p>
+            <a:p>
+              <a:r>
+                <a:rPr lang="en-US" sz="2800" dirty="0" err="1"/>
+                <a:t>YearsOfService</a:t>
+              </a:r>
+              <a:endParaRPr lang="en-US" sz="2800" dirty="0"/>
+            </a:p>
+            <a:p>
+              <a:r>
+                <a:rPr lang="en-US" sz="2800" dirty="0" err="1"/>
+                <a:t>AverageCustomerServiceRating</a:t>
+              </a:r>
+              <a:endParaRPr lang="en-US" sz="2800" dirty="0"/>
+            </a:p>
+          </p:txBody>
+        </p:sp>
+        <p:sp>
+          <p:nvSpPr>
+            <p:cNvPr id="17" name="Rectangle 16"/>
+            <p:cNvSpPr/>
+            <p:nvPr/>
+          </p:nvSpPr>
+          <p:spPr>
+            <a:xfrm>
+              <a:off x="-737270" y="5001546"/>
+              <a:ext cx="9448800" cy="3970318"/>
+            </a:xfrm>
+            <a:prstGeom prst="rect">
+              <a:avLst/>
+            </a:prstGeom>
+          </p:spPr>
+          <p:txBody>
+            <a:bodyPr>
+              <a:spAutoFit/>
+            </a:bodyPr>
+            <a:lstStyle/>
+            <a:p>
+              <a:pPr algn="r"/>
+              <a:r>
+                <a:rPr lang="en-US" sz="2800" b="1" dirty="0" err="1"/>
+                <a:t>int</a:t>
+              </a:r>
+              <a:endParaRPr lang="en-US" sz="2800" b="1" dirty="0"/>
+            </a:p>
+            <a:p>
+              <a:pPr algn="r"/>
+              <a:r>
+                <a:rPr lang="en-US" sz="2800" dirty="0"/>
+                <a:t>varchar</a:t>
+              </a:r>
+            </a:p>
+            <a:p>
+              <a:pPr algn="r"/>
+              <a:r>
+                <a:rPr lang="en-US" sz="2800" dirty="0"/>
+                <a:t>varchar</a:t>
+              </a:r>
+            </a:p>
+            <a:p>
+              <a:pPr algn="r"/>
+              <a:r>
+                <a:rPr lang="en-US" sz="2800" dirty="0"/>
+                <a:t>varchar</a:t>
+              </a:r>
+            </a:p>
+            <a:p>
+              <a:pPr algn="r"/>
+              <a:r>
+                <a:rPr lang="en-US" sz="2800" dirty="0"/>
+                <a:t>varchar</a:t>
+              </a:r>
+            </a:p>
+            <a:p>
+              <a:pPr algn="r"/>
+              <a:r>
+                <a:rPr lang="en-US" sz="2800" dirty="0"/>
+                <a:t>varchar</a:t>
+              </a:r>
+            </a:p>
+            <a:p>
+              <a:pPr algn="r"/>
+              <a:r>
+                <a:rPr lang="en-US" sz="2800" dirty="0"/>
+                <a:t>varchar</a:t>
+              </a:r>
+            </a:p>
+            <a:p>
+              <a:pPr algn="r"/>
+              <a:r>
+                <a:rPr lang="en-US" sz="2800" dirty="0" err="1"/>
+                <a:t>int</a:t>
+              </a:r>
+              <a:endParaRPr lang="en-US" sz="2800" dirty="0"/>
+            </a:p>
+            <a:p>
+              <a:pPr algn="r"/>
+              <a:r>
+                <a:rPr lang="en-US" sz="2800" dirty="0"/>
+                <a:t>float</a:t>
+              </a:r>
+            </a:p>
+          </p:txBody>
+        </p:sp>
+      </p:grpSp>
+    </p:spTree>
+    <p:extLst>
+      <p:ext uri="{BB962C8B-B14F-4D97-AF65-F5344CB8AC3E}">
+        <p14:creationId xmlns:p14="http://schemas.microsoft.com/office/powerpoint/2010/main" val="1647389003"/>
+      </p:ext>
+    </p:extLst>
+  </p:cSld>
+  <p:clrMapOvr>
+    <a:masterClrMapping/>
+  </p:clrMapOvr>
+</p:sld>
+</file>
+
 <file path=ppt/slides/slide2.xml><?xml version="1.0" encoding="utf-8"?>
 <p:sld xmlns:a="http://schemas.openxmlformats.org/drawingml/2006/main" xmlns:r="http://schemas.openxmlformats.org/officeDocument/2006/relationships" xmlns:p="http://schemas.openxmlformats.org/presentationml/2006/main">
   <p:cSld>
